--- a/doc/newbie-clua.pptx
+++ b/doc/newbie-clua.pptx
@@ -5,7 +5,7 @@
     <p:sldMasterId id="2147483648" r:id="rId1"/>
   </p:sldMasterIdLst>
   <p:notesMasterIdLst>
-    <p:notesMasterId r:id="rId30"/>
+    <p:notesMasterId r:id="rId32"/>
   </p:notesMasterIdLst>
   <p:sldIdLst>
     <p:sldId id="256" r:id="rId2"/>
@@ -25,17 +25,19 @@
     <p:sldId id="281" r:id="rId16"/>
     <p:sldId id="282" r:id="rId17"/>
     <p:sldId id="283" r:id="rId18"/>
-    <p:sldId id="288" r:id="rId19"/>
-    <p:sldId id="293" r:id="rId20"/>
-    <p:sldId id="294" r:id="rId21"/>
-    <p:sldId id="295" r:id="rId22"/>
-    <p:sldId id="297" r:id="rId23"/>
-    <p:sldId id="296" r:id="rId24"/>
-    <p:sldId id="291" r:id="rId25"/>
-    <p:sldId id="285" r:id="rId26"/>
-    <p:sldId id="290" r:id="rId27"/>
-    <p:sldId id="289" r:id="rId28"/>
-    <p:sldId id="292" r:id="rId29"/>
+    <p:sldId id="298" r:id="rId19"/>
+    <p:sldId id="299" r:id="rId20"/>
+    <p:sldId id="288" r:id="rId21"/>
+    <p:sldId id="293" r:id="rId22"/>
+    <p:sldId id="294" r:id="rId23"/>
+    <p:sldId id="295" r:id="rId24"/>
+    <p:sldId id="297" r:id="rId25"/>
+    <p:sldId id="296" r:id="rId26"/>
+    <p:sldId id="291" r:id="rId27"/>
+    <p:sldId id="285" r:id="rId28"/>
+    <p:sldId id="290" r:id="rId29"/>
+    <p:sldId id="289" r:id="rId30"/>
+    <p:sldId id="292" r:id="rId31"/>
   </p:sldIdLst>
   <p:sldSz cx="9144000" cy="6858000" type="screen4x3"/>
   <p:notesSz cx="6858000" cy="9144000"/>
@@ -264,7 +266,7 @@
               <a:pPr>
                 <a:defRPr/>
               </a:pPr>
-              <a:t>2016/4/6</a:t>
+              <a:t>2016/4/7</a:t>
             </a:fld>
             <a:endParaRPr lang="zh-CN" altLang="en-US"/>
           </a:p>
@@ -770,7 +772,7 @@
               <a:pPr>
                 <a:defRPr/>
               </a:pPr>
-              <a:t>2016/4/6</a:t>
+              <a:t>2016/4/7</a:t>
             </a:fld>
             <a:endParaRPr lang="zh-CN" altLang="en-US"/>
           </a:p>
@@ -962,7 +964,7 @@
               <a:pPr>
                 <a:defRPr/>
               </a:pPr>
-              <a:t>2016/4/6</a:t>
+              <a:t>2016/4/7</a:t>
             </a:fld>
             <a:endParaRPr lang="zh-CN" altLang="en-US"/>
           </a:p>
@@ -1164,7 +1166,7 @@
               <a:pPr>
                 <a:defRPr/>
               </a:pPr>
-              <a:t>2016/4/6</a:t>
+              <a:t>2016/4/7</a:t>
             </a:fld>
             <a:endParaRPr lang="zh-CN" altLang="en-US"/>
           </a:p>
@@ -1356,7 +1358,7 @@
               <a:pPr>
                 <a:defRPr/>
               </a:pPr>
-              <a:t>2016/4/6</a:t>
+              <a:t>2016/4/7</a:t>
             </a:fld>
             <a:endParaRPr lang="zh-CN" altLang="en-US"/>
           </a:p>
@@ -1624,7 +1626,7 @@
               <a:pPr>
                 <a:defRPr/>
               </a:pPr>
-              <a:t>2016/4/6</a:t>
+              <a:t>2016/4/7</a:t>
             </a:fld>
             <a:endParaRPr lang="zh-CN" altLang="en-US"/>
           </a:p>
@@ -1934,7 +1936,7 @@
               <a:pPr>
                 <a:defRPr/>
               </a:pPr>
-              <a:t>2016/4/6</a:t>
+              <a:t>2016/4/7</a:t>
             </a:fld>
             <a:endParaRPr lang="zh-CN" altLang="en-US"/>
           </a:p>
@@ -2378,7 +2380,7 @@
               <a:pPr>
                 <a:defRPr/>
               </a:pPr>
-              <a:t>2016/4/6</a:t>
+              <a:t>2016/4/7</a:t>
             </a:fld>
             <a:endParaRPr lang="zh-CN" altLang="en-US"/>
           </a:p>
@@ -2518,7 +2520,7 @@
               <a:pPr>
                 <a:defRPr/>
               </a:pPr>
-              <a:t>2016/4/6</a:t>
+              <a:t>2016/4/7</a:t>
             </a:fld>
             <a:endParaRPr lang="zh-CN" altLang="en-US"/>
           </a:p>
@@ -2635,7 +2637,7 @@
               <a:pPr>
                 <a:defRPr/>
               </a:pPr>
-              <a:t>2016/4/6</a:t>
+              <a:t>2016/4/7</a:t>
             </a:fld>
             <a:endParaRPr lang="zh-CN" altLang="en-US"/>
           </a:p>
@@ -2934,7 +2936,7 @@
               <a:pPr>
                 <a:defRPr/>
               </a:pPr>
-              <a:t>2016/4/6</a:t>
+              <a:t>2016/4/7</a:t>
             </a:fld>
             <a:endParaRPr lang="zh-CN" altLang="en-US"/>
           </a:p>
@@ -3212,7 +3214,7 @@
               <a:pPr>
                 <a:defRPr/>
               </a:pPr>
-              <a:t>2016/4/6</a:t>
+              <a:t>2016/4/7</a:t>
             </a:fld>
             <a:endParaRPr lang="zh-CN" altLang="en-US"/>
           </a:p>
@@ -3492,7 +3494,7 @@
               <a:pPr>
                 <a:defRPr/>
               </a:pPr>
-              <a:t>2016/4/6</a:t>
+              <a:t>2016/4/7</a:t>
             </a:fld>
             <a:endParaRPr lang="zh-CN" altLang="en-US"/>
           </a:p>
@@ -6118,17 +6120,7 @@
                   <a:latin typeface="Lucida Console" pitchFamily="49" charset="0"/>
                   <a:ea typeface="微软雅黑" pitchFamily="34" charset="-122"/>
                 </a:rPr>
-                <a:t> </a:t>
-              </a:r>
-              <a:r>
-                <a:rPr lang="en-US" altLang="zh-CN" dirty="0" smtClean="0">
-                  <a:solidFill>
-                    <a:schemeClr val="bg1"/>
-                  </a:solidFill>
-                  <a:latin typeface="Lucida Console" pitchFamily="49" charset="0"/>
-                  <a:ea typeface="微软雅黑" pitchFamily="34" charset="-122"/>
-                </a:rPr>
-                <a:t>with C++</a:t>
+                <a:t> with C++</a:t>
               </a:r>
               <a:endParaRPr lang="zh-CN" altLang="en-US" dirty="0">
                 <a:solidFill>
@@ -9035,6 +9027,803 @@
       </p:grpSpPr>
       <p:sp>
         <p:nvSpPr>
+          <p:cNvPr id="7176" name="TextBox 5" hidden="1"/>
+          <p:cNvSpPr txBox="1">
+            <a:spLocks noChangeArrowheads="1"/>
+          </p:cNvSpPr>
+          <p:nvPr/>
+        </p:nvSpPr>
+        <p:spPr bwMode="auto">
+          <a:xfrm>
+            <a:off x="1939925" y="1954213"/>
+            <a:ext cx="1943100" cy="369887"/>
+          </a:xfrm>
+          <a:prstGeom prst="rect">
+            <a:avLst/>
+          </a:prstGeom>
+          <a:noFill/>
+          <a:ln w="9525">
+            <a:noFill/>
+            <a:miter lim="800000"/>
+            <a:headEnd/>
+            <a:tailEnd/>
+          </a:ln>
+        </p:spPr>
+        <p:txBody>
+          <a:bodyPr>
+            <a:spAutoFit/>
+          </a:bodyPr>
+          <a:lstStyle/>
+          <a:p>
+            <a:r>
+              <a:rPr lang="zh-CN" altLang="en-US">
+                <a:latin typeface="微软雅黑" pitchFamily="34" charset="-122"/>
+                <a:ea typeface="微软雅黑" pitchFamily="34" charset="-122"/>
+              </a:rPr>
+              <a:t>点击添加文本</a:t>
+            </a:r>
+          </a:p>
+        </p:txBody>
+      </p:sp>
+      <p:sp>
+        <p:nvSpPr>
+          <p:cNvPr id="7177" name="矩形 6" hidden="1"/>
+          <p:cNvSpPr>
+            <a:spLocks noChangeArrowheads="1"/>
+          </p:cNvSpPr>
+          <p:nvPr/>
+        </p:nvSpPr>
+        <p:spPr bwMode="auto">
+          <a:xfrm>
+            <a:off x="1939925" y="3025775"/>
+            <a:ext cx="1471613" cy="646113"/>
+          </a:xfrm>
+          <a:prstGeom prst="rect">
+            <a:avLst/>
+          </a:prstGeom>
+          <a:noFill/>
+          <a:ln w="9525">
+            <a:noFill/>
+            <a:miter lim="800000"/>
+            <a:headEnd/>
+            <a:tailEnd/>
+          </a:ln>
+        </p:spPr>
+        <p:txBody>
+          <a:bodyPr>
+            <a:spAutoFit/>
+          </a:bodyPr>
+          <a:lstStyle/>
+          <a:p>
+            <a:r>
+              <a:rPr lang="zh-CN" altLang="en-US">
+                <a:latin typeface="微软雅黑" pitchFamily="34" charset="-122"/>
+                <a:ea typeface="微软雅黑" pitchFamily="34" charset="-122"/>
+              </a:rPr>
+              <a:t>点击添加文本</a:t>
+            </a:r>
+          </a:p>
+        </p:txBody>
+      </p:sp>
+      <p:sp>
+        <p:nvSpPr>
+          <p:cNvPr id="7178" name="矩形 7" hidden="1"/>
+          <p:cNvSpPr>
+            <a:spLocks noChangeArrowheads="1"/>
+          </p:cNvSpPr>
+          <p:nvPr/>
+        </p:nvSpPr>
+        <p:spPr bwMode="auto">
+          <a:xfrm>
+            <a:off x="2011363" y="4240213"/>
+            <a:ext cx="1471612" cy="646112"/>
+          </a:xfrm>
+          <a:prstGeom prst="rect">
+            <a:avLst/>
+          </a:prstGeom>
+          <a:noFill/>
+          <a:ln w="9525">
+            <a:noFill/>
+            <a:miter lim="800000"/>
+            <a:headEnd/>
+            <a:tailEnd/>
+          </a:ln>
+        </p:spPr>
+        <p:txBody>
+          <a:bodyPr>
+            <a:spAutoFit/>
+          </a:bodyPr>
+          <a:lstStyle/>
+          <a:p>
+            <a:r>
+              <a:rPr lang="zh-CN" altLang="en-US">
+                <a:latin typeface="微软雅黑" pitchFamily="34" charset="-122"/>
+                <a:ea typeface="微软雅黑" pitchFamily="34" charset="-122"/>
+              </a:rPr>
+              <a:t>点击添加文本</a:t>
+            </a:r>
+          </a:p>
+        </p:txBody>
+      </p:sp>
+      <p:sp>
+        <p:nvSpPr>
+          <p:cNvPr id="7179" name="矩形 8" hidden="1"/>
+          <p:cNvSpPr>
+            <a:spLocks noChangeArrowheads="1"/>
+          </p:cNvSpPr>
+          <p:nvPr/>
+        </p:nvSpPr>
+        <p:spPr bwMode="auto">
+          <a:xfrm>
+            <a:off x="2011363" y="5526088"/>
+            <a:ext cx="1471612" cy="646112"/>
+          </a:xfrm>
+          <a:prstGeom prst="rect">
+            <a:avLst/>
+          </a:prstGeom>
+          <a:noFill/>
+          <a:ln w="9525">
+            <a:noFill/>
+            <a:miter lim="800000"/>
+            <a:headEnd/>
+            <a:tailEnd/>
+          </a:ln>
+        </p:spPr>
+        <p:txBody>
+          <a:bodyPr>
+            <a:spAutoFit/>
+          </a:bodyPr>
+          <a:lstStyle/>
+          <a:p>
+            <a:r>
+              <a:rPr lang="zh-CN" altLang="en-US">
+                <a:latin typeface="微软雅黑" pitchFamily="34" charset="-122"/>
+                <a:ea typeface="微软雅黑" pitchFamily="34" charset="-122"/>
+              </a:rPr>
+              <a:t>点击添加文本</a:t>
+            </a:r>
+          </a:p>
+        </p:txBody>
+      </p:sp>
+      <p:sp>
+        <p:nvSpPr>
+          <p:cNvPr id="7180" name="矩形 6"/>
+          <p:cNvSpPr>
+            <a:spLocks noChangeArrowheads="1"/>
+          </p:cNvSpPr>
+          <p:nvPr/>
+        </p:nvSpPr>
+        <p:spPr bwMode="auto">
+          <a:xfrm>
+            <a:off x="357188" y="285750"/>
+            <a:ext cx="4134465" cy="584775"/>
+          </a:xfrm>
+          <a:prstGeom prst="rect">
+            <a:avLst/>
+          </a:prstGeom>
+          <a:noFill/>
+          <a:ln w="9525">
+            <a:noFill/>
+            <a:miter lim="800000"/>
+            <a:headEnd/>
+            <a:tailEnd/>
+          </a:ln>
+        </p:spPr>
+        <p:txBody>
+          <a:bodyPr wrap="none">
+            <a:spAutoFit/>
+          </a:bodyPr>
+          <a:lstStyle/>
+          <a:p>
+            <a:r>
+              <a:rPr lang="en-US" altLang="zh-CN" sz="3200" dirty="0">
+                <a:latin typeface="Lucida Console" pitchFamily="49" charset="0"/>
+                <a:ea typeface="微软雅黑" pitchFamily="34" charset="-122"/>
+              </a:rPr>
+              <a:t>Using </a:t>
+            </a:r>
+            <a:r>
+              <a:rPr lang="en-US" altLang="zh-CN" sz="3200" dirty="0" err="1">
+                <a:latin typeface="Lucida Console" pitchFamily="49" charset="0"/>
+                <a:ea typeface="微软雅黑" pitchFamily="34" charset="-122"/>
+              </a:rPr>
+              <a:t>Lua</a:t>
+            </a:r>
+            <a:r>
+              <a:rPr lang="en-US" altLang="zh-CN" sz="3200" dirty="0">
+                <a:latin typeface="Lucida Console" pitchFamily="49" charset="0"/>
+                <a:ea typeface="微软雅黑" pitchFamily="34" charset="-122"/>
+              </a:rPr>
+              <a:t> with C</a:t>
+            </a:r>
+            <a:endParaRPr lang="zh-CN" altLang="en-US" sz="3200" dirty="0">
+              <a:latin typeface="Lucida Console" pitchFamily="49" charset="0"/>
+              <a:ea typeface="微软雅黑" pitchFamily="34" charset="-122"/>
+            </a:endParaRPr>
+          </a:p>
+        </p:txBody>
+      </p:sp>
+      <p:sp>
+        <p:nvSpPr>
+          <p:cNvPr id="2" name="TextBox 1"/>
+          <p:cNvSpPr txBox="1"/>
+          <p:nvPr/>
+        </p:nvSpPr>
+        <p:spPr>
+          <a:xfrm>
+            <a:off x="467544" y="1196752"/>
+            <a:ext cx="8208912" cy="369332"/>
+          </a:xfrm>
+          <a:prstGeom prst="rect">
+            <a:avLst/>
+          </a:prstGeom>
+          <a:noFill/>
+        </p:spPr>
+        <p:txBody>
+          <a:bodyPr wrap="square" rtlCol="0">
+            <a:spAutoFit/>
+          </a:bodyPr>
+          <a:lstStyle/>
+          <a:p>
+            <a:r>
+              <a:rPr lang="en-US" altLang="zh-CN" dirty="0" smtClean="0"/>
+              <a:t>4. </a:t>
+            </a:r>
+            <a:r>
+              <a:rPr lang="en-US" altLang="zh-CN" dirty="0" smtClean="0"/>
+              <a:t>Call c function in </a:t>
+            </a:r>
+            <a:r>
+              <a:rPr lang="en-US" altLang="zh-CN" dirty="0" err="1" smtClean="0"/>
+              <a:t>lua</a:t>
+            </a:r>
+            <a:endParaRPr lang="zh-CN" altLang="en-US" dirty="0"/>
+          </a:p>
+        </p:txBody>
+      </p:sp>
+      <p:pic>
+        <p:nvPicPr>
+          <p:cNvPr id="1027" name="Picture 3"/>
+          <p:cNvPicPr>
+            <a:picLocks noChangeAspect="1" noChangeArrowheads="1"/>
+          </p:cNvPicPr>
+          <p:nvPr/>
+        </p:nvPicPr>
+        <p:blipFill>
+          <a:blip r:embed="rId2">
+            <a:extLst>
+              <a:ext uri="{28A0092B-C50C-407E-A947-70E740481C1C}">
+                <a14:useLocalDpi xmlns:a14="http://schemas.microsoft.com/office/drawing/2010/main" val="0"/>
+              </a:ext>
+            </a:extLst>
+          </a:blip>
+          <a:srcRect/>
+          <a:stretch>
+            <a:fillRect/>
+          </a:stretch>
+        </p:blipFill>
+        <p:spPr bwMode="auto">
+          <a:xfrm>
+            <a:off x="611560" y="1700808"/>
+            <a:ext cx="5600700" cy="733425"/>
+          </a:xfrm>
+          <a:prstGeom prst="rect">
+            <a:avLst/>
+          </a:prstGeom>
+          <a:noFill/>
+          <a:ln>
+            <a:noFill/>
+          </a:ln>
+          <a:extLst>
+            <a:ext uri="{909E8E84-426E-40DD-AFC4-6F175D3DCCD1}">
+              <a14:hiddenFill xmlns:a14="http://schemas.microsoft.com/office/drawing/2010/main">
+                <a:solidFill>
+                  <a:schemeClr val="accent1"/>
+                </a:solidFill>
+              </a14:hiddenFill>
+            </a:ext>
+            <a:ext uri="{91240B29-F687-4F45-9708-019B960494DF}">
+              <a14:hiddenLine xmlns:a14="http://schemas.microsoft.com/office/drawing/2010/main" w="9525">
+                <a:solidFill>
+                  <a:schemeClr val="tx1"/>
+                </a:solidFill>
+                <a:miter lim="800000"/>
+                <a:headEnd/>
+                <a:tailEnd/>
+              </a14:hiddenLine>
+            </a:ext>
+          </a:extLst>
+        </p:spPr>
+      </p:pic>
+      <p:pic>
+        <p:nvPicPr>
+          <p:cNvPr id="1030" name="Picture 6"/>
+          <p:cNvPicPr>
+            <a:picLocks noChangeAspect="1" noChangeArrowheads="1"/>
+          </p:cNvPicPr>
+          <p:nvPr/>
+        </p:nvPicPr>
+        <p:blipFill>
+          <a:blip r:embed="rId3">
+            <a:extLst>
+              <a:ext uri="{28A0092B-C50C-407E-A947-70E740481C1C}">
+                <a14:useLocalDpi xmlns:a14="http://schemas.microsoft.com/office/drawing/2010/main" val="0"/>
+              </a:ext>
+            </a:extLst>
+          </a:blip>
+          <a:srcRect/>
+          <a:stretch>
+            <a:fillRect/>
+          </a:stretch>
+        </p:blipFill>
+        <p:spPr bwMode="auto">
+          <a:xfrm>
+            <a:off x="595184" y="2492896"/>
+            <a:ext cx="5981700" cy="3943350"/>
+          </a:xfrm>
+          <a:prstGeom prst="rect">
+            <a:avLst/>
+          </a:prstGeom>
+          <a:noFill/>
+          <a:ln>
+            <a:noFill/>
+          </a:ln>
+          <a:extLst>
+            <a:ext uri="{909E8E84-426E-40DD-AFC4-6F175D3DCCD1}">
+              <a14:hiddenFill xmlns:a14="http://schemas.microsoft.com/office/drawing/2010/main">
+                <a:solidFill>
+                  <a:schemeClr val="accent1"/>
+                </a:solidFill>
+              </a14:hiddenFill>
+            </a:ext>
+            <a:ext uri="{91240B29-F687-4F45-9708-019B960494DF}">
+              <a14:hiddenLine xmlns:a14="http://schemas.microsoft.com/office/drawing/2010/main" w="9525">
+                <a:solidFill>
+                  <a:schemeClr val="tx1"/>
+                </a:solidFill>
+                <a:miter lim="800000"/>
+                <a:headEnd/>
+                <a:tailEnd/>
+              </a14:hiddenLine>
+            </a:ext>
+          </a:extLst>
+        </p:spPr>
+      </p:pic>
+    </p:spTree>
+    <p:extLst>
+      <p:ext uri="{BB962C8B-B14F-4D97-AF65-F5344CB8AC3E}">
+        <p14:creationId xmlns:p14="http://schemas.microsoft.com/office/powerpoint/2010/main" val="4025204005"/>
+      </p:ext>
+    </p:extLst>
+  </p:cSld>
+  <p:clrMapOvr>
+    <a:masterClrMapping/>
+  </p:clrMapOvr>
+  <p:timing>
+    <p:tnLst>
+      <p:par>
+        <p:cTn id="1" dur="indefinite" restart="never" nodeType="tmRoot"/>
+      </p:par>
+    </p:tnLst>
+  </p:timing>
+</p:sld>
+</file>
+
+<file path=ppt/slides/slide19.xml><?xml version="1.0" encoding="utf-8"?>
+<p:sld xmlns:a="http://schemas.openxmlformats.org/drawingml/2006/main" xmlns:r="http://schemas.openxmlformats.org/officeDocument/2006/relationships" xmlns:p="http://schemas.openxmlformats.org/presentationml/2006/main">
+  <p:cSld>
+    <p:spTree>
+      <p:nvGrpSpPr>
+        <p:cNvPr id="1" name=""/>
+        <p:cNvGrpSpPr/>
+        <p:nvPr/>
+      </p:nvGrpSpPr>
+      <p:grpSpPr>
+        <a:xfrm>
+          <a:off x="0" y="0"/>
+          <a:ext cx="0" cy="0"/>
+          <a:chOff x="0" y="0"/>
+          <a:chExt cx="0" cy="0"/>
+        </a:xfrm>
+      </p:grpSpPr>
+      <p:sp>
+        <p:nvSpPr>
+          <p:cNvPr id="7176" name="TextBox 5" hidden="1"/>
+          <p:cNvSpPr txBox="1">
+            <a:spLocks noChangeArrowheads="1"/>
+          </p:cNvSpPr>
+          <p:nvPr/>
+        </p:nvSpPr>
+        <p:spPr bwMode="auto">
+          <a:xfrm>
+            <a:off x="1939925" y="1954213"/>
+            <a:ext cx="1943100" cy="369887"/>
+          </a:xfrm>
+          <a:prstGeom prst="rect">
+            <a:avLst/>
+          </a:prstGeom>
+          <a:noFill/>
+          <a:ln w="9525">
+            <a:noFill/>
+            <a:miter lim="800000"/>
+            <a:headEnd/>
+            <a:tailEnd/>
+          </a:ln>
+        </p:spPr>
+        <p:txBody>
+          <a:bodyPr>
+            <a:spAutoFit/>
+          </a:bodyPr>
+          <a:lstStyle/>
+          <a:p>
+            <a:r>
+              <a:rPr lang="zh-CN" altLang="en-US">
+                <a:latin typeface="微软雅黑" pitchFamily="34" charset="-122"/>
+                <a:ea typeface="微软雅黑" pitchFamily="34" charset="-122"/>
+              </a:rPr>
+              <a:t>点击添加文本</a:t>
+            </a:r>
+          </a:p>
+        </p:txBody>
+      </p:sp>
+      <p:sp>
+        <p:nvSpPr>
+          <p:cNvPr id="7177" name="矩形 6" hidden="1"/>
+          <p:cNvSpPr>
+            <a:spLocks noChangeArrowheads="1"/>
+          </p:cNvSpPr>
+          <p:nvPr/>
+        </p:nvSpPr>
+        <p:spPr bwMode="auto">
+          <a:xfrm>
+            <a:off x="1939925" y="3025775"/>
+            <a:ext cx="1471613" cy="646113"/>
+          </a:xfrm>
+          <a:prstGeom prst="rect">
+            <a:avLst/>
+          </a:prstGeom>
+          <a:noFill/>
+          <a:ln w="9525">
+            <a:noFill/>
+            <a:miter lim="800000"/>
+            <a:headEnd/>
+            <a:tailEnd/>
+          </a:ln>
+        </p:spPr>
+        <p:txBody>
+          <a:bodyPr>
+            <a:spAutoFit/>
+          </a:bodyPr>
+          <a:lstStyle/>
+          <a:p>
+            <a:r>
+              <a:rPr lang="zh-CN" altLang="en-US">
+                <a:latin typeface="微软雅黑" pitchFamily="34" charset="-122"/>
+                <a:ea typeface="微软雅黑" pitchFamily="34" charset="-122"/>
+              </a:rPr>
+              <a:t>点击添加文本</a:t>
+            </a:r>
+          </a:p>
+        </p:txBody>
+      </p:sp>
+      <p:sp>
+        <p:nvSpPr>
+          <p:cNvPr id="7178" name="矩形 7" hidden="1"/>
+          <p:cNvSpPr>
+            <a:spLocks noChangeArrowheads="1"/>
+          </p:cNvSpPr>
+          <p:nvPr/>
+        </p:nvSpPr>
+        <p:spPr bwMode="auto">
+          <a:xfrm>
+            <a:off x="2011363" y="4240213"/>
+            <a:ext cx="1471612" cy="646112"/>
+          </a:xfrm>
+          <a:prstGeom prst="rect">
+            <a:avLst/>
+          </a:prstGeom>
+          <a:noFill/>
+          <a:ln w="9525">
+            <a:noFill/>
+            <a:miter lim="800000"/>
+            <a:headEnd/>
+            <a:tailEnd/>
+          </a:ln>
+        </p:spPr>
+        <p:txBody>
+          <a:bodyPr>
+            <a:spAutoFit/>
+          </a:bodyPr>
+          <a:lstStyle/>
+          <a:p>
+            <a:r>
+              <a:rPr lang="zh-CN" altLang="en-US">
+                <a:latin typeface="微软雅黑" pitchFamily="34" charset="-122"/>
+                <a:ea typeface="微软雅黑" pitchFamily="34" charset="-122"/>
+              </a:rPr>
+              <a:t>点击添加文本</a:t>
+            </a:r>
+          </a:p>
+        </p:txBody>
+      </p:sp>
+      <p:sp>
+        <p:nvSpPr>
+          <p:cNvPr id="7179" name="矩形 8" hidden="1"/>
+          <p:cNvSpPr>
+            <a:spLocks noChangeArrowheads="1"/>
+          </p:cNvSpPr>
+          <p:nvPr/>
+        </p:nvSpPr>
+        <p:spPr bwMode="auto">
+          <a:xfrm>
+            <a:off x="2011363" y="5526088"/>
+            <a:ext cx="1471612" cy="646112"/>
+          </a:xfrm>
+          <a:prstGeom prst="rect">
+            <a:avLst/>
+          </a:prstGeom>
+          <a:noFill/>
+          <a:ln w="9525">
+            <a:noFill/>
+            <a:miter lim="800000"/>
+            <a:headEnd/>
+            <a:tailEnd/>
+          </a:ln>
+        </p:spPr>
+        <p:txBody>
+          <a:bodyPr>
+            <a:spAutoFit/>
+          </a:bodyPr>
+          <a:lstStyle/>
+          <a:p>
+            <a:r>
+              <a:rPr lang="zh-CN" altLang="en-US">
+                <a:latin typeface="微软雅黑" pitchFamily="34" charset="-122"/>
+                <a:ea typeface="微软雅黑" pitchFamily="34" charset="-122"/>
+              </a:rPr>
+              <a:t>点击添加文本</a:t>
+            </a:r>
+          </a:p>
+        </p:txBody>
+      </p:sp>
+      <p:sp>
+        <p:nvSpPr>
+          <p:cNvPr id="7180" name="矩形 6"/>
+          <p:cNvSpPr>
+            <a:spLocks noChangeArrowheads="1"/>
+          </p:cNvSpPr>
+          <p:nvPr/>
+        </p:nvSpPr>
+        <p:spPr bwMode="auto">
+          <a:xfrm>
+            <a:off x="357188" y="285750"/>
+            <a:ext cx="4134465" cy="584775"/>
+          </a:xfrm>
+          <a:prstGeom prst="rect">
+            <a:avLst/>
+          </a:prstGeom>
+          <a:noFill/>
+          <a:ln w="9525">
+            <a:noFill/>
+            <a:miter lim="800000"/>
+            <a:headEnd/>
+            <a:tailEnd/>
+          </a:ln>
+        </p:spPr>
+        <p:txBody>
+          <a:bodyPr wrap="none">
+            <a:spAutoFit/>
+          </a:bodyPr>
+          <a:lstStyle/>
+          <a:p>
+            <a:r>
+              <a:rPr lang="en-US" altLang="zh-CN" sz="3200" dirty="0">
+                <a:latin typeface="Lucida Console" pitchFamily="49" charset="0"/>
+                <a:ea typeface="微软雅黑" pitchFamily="34" charset="-122"/>
+              </a:rPr>
+              <a:t>Using </a:t>
+            </a:r>
+            <a:r>
+              <a:rPr lang="en-US" altLang="zh-CN" sz="3200" dirty="0" err="1">
+                <a:latin typeface="Lucida Console" pitchFamily="49" charset="0"/>
+                <a:ea typeface="微软雅黑" pitchFamily="34" charset="-122"/>
+              </a:rPr>
+              <a:t>Lua</a:t>
+            </a:r>
+            <a:r>
+              <a:rPr lang="en-US" altLang="zh-CN" sz="3200" dirty="0">
+                <a:latin typeface="Lucida Console" pitchFamily="49" charset="0"/>
+                <a:ea typeface="微软雅黑" pitchFamily="34" charset="-122"/>
+              </a:rPr>
+              <a:t> with C</a:t>
+            </a:r>
+            <a:endParaRPr lang="zh-CN" altLang="en-US" sz="3200" dirty="0">
+              <a:latin typeface="Lucida Console" pitchFamily="49" charset="0"/>
+              <a:ea typeface="微软雅黑" pitchFamily="34" charset="-122"/>
+            </a:endParaRPr>
+          </a:p>
+        </p:txBody>
+      </p:sp>
+      <p:sp>
+        <p:nvSpPr>
+          <p:cNvPr id="2" name="TextBox 1"/>
+          <p:cNvSpPr txBox="1"/>
+          <p:nvPr/>
+        </p:nvSpPr>
+        <p:spPr>
+          <a:xfrm>
+            <a:off x="467544" y="1196752"/>
+            <a:ext cx="8208912" cy="369332"/>
+          </a:xfrm>
+          <a:prstGeom prst="rect">
+            <a:avLst/>
+          </a:prstGeom>
+          <a:noFill/>
+        </p:spPr>
+        <p:txBody>
+          <a:bodyPr wrap="square" rtlCol="0">
+            <a:spAutoFit/>
+          </a:bodyPr>
+          <a:lstStyle/>
+          <a:p>
+            <a:r>
+              <a:rPr lang="en-US" altLang="zh-CN" dirty="0" smtClean="0"/>
+              <a:t>5. </a:t>
+            </a:r>
+            <a:r>
+              <a:rPr lang="en-US" altLang="zh-CN" dirty="0" smtClean="0"/>
+              <a:t>Use c lib</a:t>
+            </a:r>
+          </a:p>
+        </p:txBody>
+      </p:sp>
+      <p:pic>
+        <p:nvPicPr>
+          <p:cNvPr id="3074" name="Picture 2"/>
+          <p:cNvPicPr>
+            <a:picLocks noChangeAspect="1" noChangeArrowheads="1"/>
+          </p:cNvPicPr>
+          <p:nvPr/>
+        </p:nvPicPr>
+        <p:blipFill>
+          <a:blip r:embed="rId2">
+            <a:extLst>
+              <a:ext uri="{28A0092B-C50C-407E-A947-70E740481C1C}">
+                <a14:useLocalDpi xmlns:a14="http://schemas.microsoft.com/office/drawing/2010/main" val="0"/>
+              </a:ext>
+            </a:extLst>
+          </a:blip>
+          <a:srcRect/>
+          <a:stretch>
+            <a:fillRect/>
+          </a:stretch>
+        </p:blipFill>
+        <p:spPr bwMode="auto">
+          <a:xfrm>
+            <a:off x="624195" y="1628800"/>
+            <a:ext cx="3600450" cy="3038475"/>
+          </a:xfrm>
+          <a:prstGeom prst="rect">
+            <a:avLst/>
+          </a:prstGeom>
+          <a:noFill/>
+          <a:ln>
+            <a:noFill/>
+          </a:ln>
+          <a:extLst>
+            <a:ext uri="{909E8E84-426E-40DD-AFC4-6F175D3DCCD1}">
+              <a14:hiddenFill xmlns:a14="http://schemas.microsoft.com/office/drawing/2010/main">
+                <a:solidFill>
+                  <a:schemeClr val="accent1"/>
+                </a:solidFill>
+              </a14:hiddenFill>
+            </a:ext>
+            <a:ext uri="{91240B29-F687-4F45-9708-019B960494DF}">
+              <a14:hiddenLine xmlns:a14="http://schemas.microsoft.com/office/drawing/2010/main" w="9525">
+                <a:solidFill>
+                  <a:schemeClr val="tx1"/>
+                </a:solidFill>
+                <a:miter lim="800000"/>
+                <a:headEnd/>
+                <a:tailEnd/>
+              </a14:hiddenLine>
+            </a:ext>
+          </a:extLst>
+        </p:spPr>
+      </p:pic>
+      <p:pic>
+        <p:nvPicPr>
+          <p:cNvPr id="3075" name="Picture 3"/>
+          <p:cNvPicPr>
+            <a:picLocks noChangeAspect="1" noChangeArrowheads="1"/>
+          </p:cNvPicPr>
+          <p:nvPr/>
+        </p:nvPicPr>
+        <p:blipFill>
+          <a:blip r:embed="rId3">
+            <a:extLst>
+              <a:ext uri="{28A0092B-C50C-407E-A947-70E740481C1C}">
+                <a14:useLocalDpi xmlns:a14="http://schemas.microsoft.com/office/drawing/2010/main" val="0"/>
+              </a:ext>
+            </a:extLst>
+          </a:blip>
+          <a:srcRect/>
+          <a:stretch>
+            <a:fillRect/>
+          </a:stretch>
+        </p:blipFill>
+        <p:spPr bwMode="auto">
+          <a:xfrm>
+            <a:off x="624195" y="4869160"/>
+            <a:ext cx="3829050" cy="952500"/>
+          </a:xfrm>
+          <a:prstGeom prst="rect">
+            <a:avLst/>
+          </a:prstGeom>
+          <a:noFill/>
+          <a:ln>
+            <a:noFill/>
+          </a:ln>
+          <a:extLst>
+            <a:ext uri="{909E8E84-426E-40DD-AFC4-6F175D3DCCD1}">
+              <a14:hiddenFill xmlns:a14="http://schemas.microsoft.com/office/drawing/2010/main">
+                <a:solidFill>
+                  <a:schemeClr val="accent1"/>
+                </a:solidFill>
+              </a14:hiddenFill>
+            </a:ext>
+            <a:ext uri="{91240B29-F687-4F45-9708-019B960494DF}">
+              <a14:hiddenLine xmlns:a14="http://schemas.microsoft.com/office/drawing/2010/main" w="9525">
+                <a:solidFill>
+                  <a:schemeClr val="tx1"/>
+                </a:solidFill>
+                <a:miter lim="800000"/>
+                <a:headEnd/>
+                <a:tailEnd/>
+              </a14:hiddenLine>
+            </a:ext>
+          </a:extLst>
+        </p:spPr>
+      </p:pic>
+    </p:spTree>
+    <p:extLst>
+      <p:ext uri="{BB962C8B-B14F-4D97-AF65-F5344CB8AC3E}">
+        <p14:creationId xmlns:p14="http://schemas.microsoft.com/office/powerpoint/2010/main" val="982949859"/>
+      </p:ext>
+    </p:extLst>
+  </p:cSld>
+  <p:clrMapOvr>
+    <a:masterClrMapping/>
+  </p:clrMapOvr>
+  <p:timing>
+    <p:tnLst>
+      <p:par>
+        <p:cTn id="1" dur="indefinite" restart="never" nodeType="tmRoot"/>
+      </p:par>
+    </p:tnLst>
+  </p:timing>
+</p:sld>
+</file>
+
+<file path=ppt/slides/slide2.xml><?xml version="1.0" encoding="utf-8"?>
+<p:sld xmlns:a="http://schemas.openxmlformats.org/drawingml/2006/main" xmlns:r="http://schemas.openxmlformats.org/officeDocument/2006/relationships" xmlns:p="http://schemas.openxmlformats.org/presentationml/2006/main">
+  <p:cSld>
+    <p:spTree>
+      <p:nvGrpSpPr>
+        <p:cNvPr id="1" name=""/>
+        <p:cNvGrpSpPr/>
+        <p:nvPr/>
+      </p:nvGrpSpPr>
+      <p:grpSpPr>
+        <a:xfrm>
+          <a:off x="0" y="0"/>
+          <a:ext cx="0" cy="0"/>
+          <a:chOff x="0" y="0"/>
+          <a:chExt cx="0" cy="0"/>
+        </a:xfrm>
+      </p:grpSpPr>
+      <p:sp>
+        <p:nvSpPr>
           <p:cNvPr id="3079" name="TextBox 5" hidden="1"/>
           <p:cNvSpPr txBox="1">
             <a:spLocks noChangeArrowheads="1"/>
@@ -9355,7 +10144,7 @@
               <a:r>
                 <a:rPr lang="en-US" altLang="zh-CN" dirty="0" smtClean="0">
                   <a:solidFill>
-                    <a:schemeClr val="bg1"/>
+                    <a:srgbClr val="FFFF00"/>
                   </a:solidFill>
                   <a:latin typeface="Lucida Console" pitchFamily="49" charset="0"/>
                   <a:ea typeface="微软雅黑" pitchFamily="34" charset="-122"/>
@@ -9365,7 +10154,7 @@
               <a:r>
                 <a:rPr lang="en-US" altLang="zh-CN" dirty="0" err="1" smtClean="0">
                   <a:solidFill>
-                    <a:schemeClr val="bg1"/>
+                    <a:srgbClr val="FFFF00"/>
                   </a:solidFill>
                   <a:latin typeface="Lucida Console" pitchFamily="49" charset="0"/>
                   <a:ea typeface="微软雅黑" pitchFamily="34" charset="-122"/>
@@ -9374,7 +10163,7 @@
               </a:r>
               <a:endParaRPr lang="zh-CN" altLang="en-US" dirty="0">
                 <a:solidFill>
-                  <a:schemeClr val="bg1"/>
+                  <a:srgbClr val="FFFF00"/>
                 </a:solidFill>
                 <a:latin typeface="Lucida Console" pitchFamily="49" charset="0"/>
                 <a:ea typeface="微软雅黑" pitchFamily="34" charset="-122"/>
@@ -9935,1459 +10724,6 @@
               <a:r>
                 <a:rPr lang="en-US" altLang="zh-CN" dirty="0" smtClean="0">
                   <a:solidFill>
-                    <a:srgbClr val="FFFF00"/>
-                  </a:solidFill>
-                  <a:latin typeface="Lucida Console" pitchFamily="49" charset="0"/>
-                  <a:ea typeface="微软雅黑" pitchFamily="34" charset="-122"/>
-                </a:rPr>
-                <a:t>Using </a:t>
-              </a:r>
-              <a:r>
-                <a:rPr lang="en-US" altLang="zh-CN" dirty="0" err="1" smtClean="0">
-                  <a:solidFill>
-                    <a:srgbClr val="FFFF00"/>
-                  </a:solidFill>
-                  <a:latin typeface="Lucida Console" pitchFamily="49" charset="0"/>
-                  <a:ea typeface="微软雅黑" pitchFamily="34" charset="-122"/>
-                </a:rPr>
-                <a:t>Lua</a:t>
-              </a:r>
-              <a:r>
-                <a:rPr lang="en-US" altLang="zh-CN" dirty="0" smtClean="0">
-                  <a:solidFill>
-                    <a:srgbClr val="FFFF00"/>
-                  </a:solidFill>
-                  <a:latin typeface="Lucida Console" pitchFamily="49" charset="0"/>
-                  <a:ea typeface="微软雅黑" pitchFamily="34" charset="-122"/>
-                </a:rPr>
-                <a:t> </a:t>
-              </a:r>
-              <a:r>
-                <a:rPr lang="en-US" altLang="zh-CN" dirty="0" smtClean="0">
-                  <a:solidFill>
-                    <a:srgbClr val="FFFF00"/>
-                  </a:solidFill>
-                  <a:latin typeface="Lucida Console" pitchFamily="49" charset="0"/>
-                  <a:ea typeface="微软雅黑" pitchFamily="34" charset="-122"/>
-                </a:rPr>
-                <a:t>with C++</a:t>
-              </a:r>
-              <a:endParaRPr lang="zh-CN" altLang="en-US" dirty="0">
-                <a:solidFill>
-                  <a:srgbClr val="FFFF00"/>
-                </a:solidFill>
-                <a:latin typeface="Lucida Console" pitchFamily="49" charset="0"/>
-                <a:ea typeface="微软雅黑" pitchFamily="34" charset="-122"/>
-              </a:endParaRPr>
-            </a:p>
-          </p:txBody>
-        </p:sp>
-      </p:grpSp>
-      <p:grpSp>
-        <p:nvGrpSpPr>
-          <p:cNvPr id="35" name="组合 34"/>
-          <p:cNvGrpSpPr/>
-          <p:nvPr/>
-        </p:nvGrpSpPr>
-        <p:grpSpPr>
-          <a:xfrm>
-            <a:off x="2843808" y="4559071"/>
-            <a:ext cx="3600400" cy="539750"/>
-            <a:chOff x="611560" y="692696"/>
-            <a:chExt cx="2332038" cy="539750"/>
-          </a:xfrm>
-        </p:grpSpPr>
-        <p:grpSp>
-          <p:nvGrpSpPr>
-            <p:cNvPr id="36" name="组合 35"/>
-            <p:cNvGrpSpPr/>
-            <p:nvPr/>
-          </p:nvGrpSpPr>
-          <p:grpSpPr>
-            <a:xfrm>
-              <a:off x="611560" y="692696"/>
-              <a:ext cx="2332038" cy="539750"/>
-              <a:chOff x="1180457" y="1484784"/>
-              <a:chExt cx="2332038" cy="539750"/>
-            </a:xfrm>
-          </p:grpSpPr>
-          <p:sp>
-            <p:nvSpPr>
-              <p:cNvPr id="38" name="等腰三角形 37"/>
-              <p:cNvSpPr/>
-              <p:nvPr/>
-            </p:nvSpPr>
-            <p:spPr>
-              <a:xfrm>
-                <a:off x="3182295" y="1484784"/>
-                <a:ext cx="330200" cy="295275"/>
-              </a:xfrm>
-              <a:prstGeom prst="triangle">
-                <a:avLst/>
-              </a:prstGeom>
-              <a:solidFill>
-                <a:srgbClr val="1B4266"/>
-              </a:solidFill>
-              <a:ln>
-                <a:noFill/>
-              </a:ln>
-            </p:spPr>
-            <p:style>
-              <a:lnRef idx="2">
-                <a:schemeClr val="accent1">
-                  <a:shade val="50000"/>
-                </a:schemeClr>
-              </a:lnRef>
-              <a:fillRef idx="1">
-                <a:schemeClr val="accent1"/>
-              </a:fillRef>
-              <a:effectRef idx="0">
-                <a:schemeClr val="accent1"/>
-              </a:effectRef>
-              <a:fontRef idx="minor">
-                <a:schemeClr val="lt1"/>
-              </a:fontRef>
-            </p:style>
-            <p:txBody>
-              <a:bodyPr anchor="ctr"/>
-              <a:lstStyle/>
-              <a:p>
-                <a:pPr algn="ctr">
-                  <a:defRPr/>
-                </a:pPr>
-                <a:endParaRPr lang="zh-CN" altLang="en-US">
-                  <a:latin typeface="Lucida Console" pitchFamily="49" charset="0"/>
-                </a:endParaRPr>
-              </a:p>
-            </p:txBody>
-          </p:sp>
-          <p:sp>
-            <p:nvSpPr>
-              <p:cNvPr id="39" name="平行四边形 38"/>
-              <p:cNvSpPr/>
-              <p:nvPr/>
-            </p:nvSpPr>
-            <p:spPr>
-              <a:xfrm>
-                <a:off x="1180457" y="1484784"/>
-                <a:ext cx="2166938" cy="539750"/>
-              </a:xfrm>
-              <a:prstGeom prst="parallelogram">
-                <a:avLst/>
-              </a:prstGeom>
-              <a:solidFill>
-                <a:srgbClr val="2B60A7"/>
-              </a:solidFill>
-              <a:ln>
-                <a:noFill/>
-              </a:ln>
-            </p:spPr>
-            <p:style>
-              <a:lnRef idx="2">
-                <a:schemeClr val="accent1">
-                  <a:shade val="50000"/>
-                </a:schemeClr>
-              </a:lnRef>
-              <a:fillRef idx="1">
-                <a:schemeClr val="accent1"/>
-              </a:fillRef>
-              <a:effectRef idx="0">
-                <a:schemeClr val="accent1"/>
-              </a:effectRef>
-              <a:fontRef idx="minor">
-                <a:schemeClr val="lt1"/>
-              </a:fontRef>
-            </p:style>
-            <p:txBody>
-              <a:bodyPr anchor="ctr"/>
-              <a:lstStyle/>
-              <a:p>
-                <a:pPr algn="ctr">
-                  <a:defRPr/>
-                </a:pPr>
-                <a:endParaRPr lang="zh-CN" altLang="en-US">
-                  <a:latin typeface="Lucida Console" pitchFamily="49" charset="0"/>
-                </a:endParaRPr>
-              </a:p>
-            </p:txBody>
-          </p:sp>
-        </p:grpSp>
-        <p:sp>
-          <p:nvSpPr>
-            <p:cNvPr id="37" name="矩形 36"/>
-            <p:cNvSpPr>
-              <a:spLocks noChangeArrowheads="1"/>
-            </p:cNvSpPr>
-            <p:nvPr/>
-          </p:nvSpPr>
-          <p:spPr bwMode="auto">
-            <a:xfrm>
-              <a:off x="835713" y="788669"/>
-              <a:ext cx="751931" cy="369332"/>
-            </a:xfrm>
-            <a:prstGeom prst="rect">
-              <a:avLst/>
-            </a:prstGeom>
-            <a:noFill/>
-            <a:ln w="9525">
-              <a:noFill/>
-              <a:miter lim="800000"/>
-              <a:headEnd/>
-              <a:tailEnd/>
-            </a:ln>
-          </p:spPr>
-          <p:txBody>
-            <a:bodyPr wrap="none">
-              <a:spAutoFit/>
-            </a:bodyPr>
-            <a:lstStyle/>
-            <a:p>
-              <a:r>
-                <a:rPr lang="en-US" altLang="zh-CN" dirty="0" smtClean="0">
-                  <a:solidFill>
-                    <a:schemeClr val="bg1"/>
-                  </a:solidFill>
-                  <a:latin typeface="Lucida Console" pitchFamily="49" charset="0"/>
-                  <a:ea typeface="微软雅黑" pitchFamily="34" charset="-122"/>
-                </a:rPr>
-                <a:t>Why </a:t>
-              </a:r>
-              <a:r>
-                <a:rPr lang="en-US" altLang="zh-CN" dirty="0" err="1" smtClean="0">
-                  <a:solidFill>
-                    <a:schemeClr val="bg1"/>
-                  </a:solidFill>
-                  <a:latin typeface="Lucida Console" pitchFamily="49" charset="0"/>
-                  <a:ea typeface="微软雅黑" pitchFamily="34" charset="-122"/>
-                </a:rPr>
-                <a:t>Lua</a:t>
-              </a:r>
-              <a:endParaRPr lang="zh-CN" altLang="en-US" dirty="0">
-                <a:solidFill>
-                  <a:schemeClr val="bg1"/>
-                </a:solidFill>
-                <a:latin typeface="Lucida Console" pitchFamily="49" charset="0"/>
-                <a:ea typeface="微软雅黑" pitchFamily="34" charset="-122"/>
-              </a:endParaRPr>
-            </a:p>
-          </p:txBody>
-        </p:sp>
-      </p:grpSp>
-      <p:grpSp>
-        <p:nvGrpSpPr>
-          <p:cNvPr id="40" name="组合 39"/>
-          <p:cNvGrpSpPr/>
-          <p:nvPr/>
-        </p:nvGrpSpPr>
-        <p:grpSpPr>
-          <a:xfrm>
-            <a:off x="2843808" y="5625554"/>
-            <a:ext cx="3600400" cy="539750"/>
-            <a:chOff x="611560" y="692696"/>
-            <a:chExt cx="2332038" cy="539750"/>
-          </a:xfrm>
-        </p:grpSpPr>
-        <p:grpSp>
-          <p:nvGrpSpPr>
-            <p:cNvPr id="41" name="组合 40"/>
-            <p:cNvGrpSpPr/>
-            <p:nvPr/>
-          </p:nvGrpSpPr>
-          <p:grpSpPr>
-            <a:xfrm>
-              <a:off x="611560" y="692696"/>
-              <a:ext cx="2332038" cy="539750"/>
-              <a:chOff x="1180457" y="1484784"/>
-              <a:chExt cx="2332038" cy="539750"/>
-            </a:xfrm>
-          </p:grpSpPr>
-          <p:sp>
-            <p:nvSpPr>
-              <p:cNvPr id="43" name="等腰三角形 42"/>
-              <p:cNvSpPr/>
-              <p:nvPr/>
-            </p:nvSpPr>
-            <p:spPr>
-              <a:xfrm>
-                <a:off x="3182295" y="1484784"/>
-                <a:ext cx="330200" cy="295275"/>
-              </a:xfrm>
-              <a:prstGeom prst="triangle">
-                <a:avLst/>
-              </a:prstGeom>
-              <a:solidFill>
-                <a:srgbClr val="1B4266"/>
-              </a:solidFill>
-              <a:ln>
-                <a:noFill/>
-              </a:ln>
-            </p:spPr>
-            <p:style>
-              <a:lnRef idx="2">
-                <a:schemeClr val="accent1">
-                  <a:shade val="50000"/>
-                </a:schemeClr>
-              </a:lnRef>
-              <a:fillRef idx="1">
-                <a:schemeClr val="accent1"/>
-              </a:fillRef>
-              <a:effectRef idx="0">
-                <a:schemeClr val="accent1"/>
-              </a:effectRef>
-              <a:fontRef idx="minor">
-                <a:schemeClr val="lt1"/>
-              </a:fontRef>
-            </p:style>
-            <p:txBody>
-              <a:bodyPr anchor="ctr"/>
-              <a:lstStyle/>
-              <a:p>
-                <a:pPr algn="ctr">
-                  <a:defRPr/>
-                </a:pPr>
-                <a:endParaRPr lang="zh-CN" altLang="en-US">
-                  <a:latin typeface="Lucida Console" pitchFamily="49" charset="0"/>
-                </a:endParaRPr>
-              </a:p>
-            </p:txBody>
-          </p:sp>
-          <p:sp>
-            <p:nvSpPr>
-              <p:cNvPr id="44" name="平行四边形 43"/>
-              <p:cNvSpPr/>
-              <p:nvPr/>
-            </p:nvSpPr>
-            <p:spPr>
-              <a:xfrm>
-                <a:off x="1180457" y="1484784"/>
-                <a:ext cx="2166938" cy="539750"/>
-              </a:xfrm>
-              <a:prstGeom prst="parallelogram">
-                <a:avLst/>
-              </a:prstGeom>
-              <a:solidFill>
-                <a:srgbClr val="2B60A7"/>
-              </a:solidFill>
-              <a:ln>
-                <a:noFill/>
-              </a:ln>
-            </p:spPr>
-            <p:style>
-              <a:lnRef idx="2">
-                <a:schemeClr val="accent1">
-                  <a:shade val="50000"/>
-                </a:schemeClr>
-              </a:lnRef>
-              <a:fillRef idx="1">
-                <a:schemeClr val="accent1"/>
-              </a:fillRef>
-              <a:effectRef idx="0">
-                <a:schemeClr val="accent1"/>
-              </a:effectRef>
-              <a:fontRef idx="minor">
-                <a:schemeClr val="lt1"/>
-              </a:fontRef>
-            </p:style>
-            <p:txBody>
-              <a:bodyPr anchor="ctr"/>
-              <a:lstStyle/>
-              <a:p>
-                <a:pPr algn="ctr">
-                  <a:defRPr/>
-                </a:pPr>
-                <a:endParaRPr lang="zh-CN" altLang="en-US">
-                  <a:latin typeface="Lucida Console" pitchFamily="49" charset="0"/>
-                </a:endParaRPr>
-              </a:p>
-            </p:txBody>
-          </p:sp>
-        </p:grpSp>
-        <p:sp>
-          <p:nvSpPr>
-            <p:cNvPr id="42" name="矩形 41"/>
-            <p:cNvSpPr>
-              <a:spLocks noChangeArrowheads="1"/>
-            </p:cNvSpPr>
-            <p:nvPr/>
-          </p:nvSpPr>
-          <p:spPr bwMode="auto">
-            <a:xfrm>
-              <a:off x="835713" y="777627"/>
-              <a:ext cx="1384250" cy="369332"/>
-            </a:xfrm>
-            <a:prstGeom prst="rect">
-              <a:avLst/>
-            </a:prstGeom>
-            <a:noFill/>
-            <a:ln w="9525">
-              <a:noFill/>
-              <a:miter lim="800000"/>
-              <a:headEnd/>
-              <a:tailEnd/>
-            </a:ln>
-          </p:spPr>
-          <p:txBody>
-            <a:bodyPr wrap="none">
-              <a:spAutoFit/>
-            </a:bodyPr>
-            <a:lstStyle/>
-            <a:p>
-              <a:r>
-                <a:rPr lang="en-US" altLang="zh-CN" dirty="0" smtClean="0">
-                  <a:solidFill>
-                    <a:schemeClr val="bg1"/>
-                  </a:solidFill>
-                  <a:latin typeface="Lucida Console" pitchFamily="49" charset="0"/>
-                  <a:ea typeface="微软雅黑" pitchFamily="34" charset="-122"/>
-                </a:rPr>
-                <a:t>Things to note</a:t>
-              </a:r>
-              <a:endParaRPr lang="zh-CN" altLang="en-US" dirty="0">
-                <a:solidFill>
-                  <a:schemeClr val="bg1"/>
-                </a:solidFill>
-                <a:latin typeface="Lucida Console" pitchFamily="49" charset="0"/>
-                <a:ea typeface="微软雅黑" pitchFamily="34" charset="-122"/>
-              </a:endParaRPr>
-            </a:p>
-          </p:txBody>
-        </p:sp>
-      </p:grpSp>
-    </p:spTree>
-    <p:extLst>
-      <p:ext uri="{BB962C8B-B14F-4D97-AF65-F5344CB8AC3E}">
-        <p14:creationId xmlns:p14="http://schemas.microsoft.com/office/powerpoint/2010/main" val="1922702417"/>
-      </p:ext>
-    </p:extLst>
-  </p:cSld>
-  <p:clrMapOvr>
-    <a:masterClrMapping/>
-  </p:clrMapOvr>
-  <p:timing>
-    <p:tnLst>
-      <p:par>
-        <p:cTn id="1" dur="indefinite" restart="never" nodeType="tmRoot"/>
-      </p:par>
-    </p:tnLst>
-  </p:timing>
-</p:sld>
-</file>
-
-<file path=ppt/slides/slide19.xml><?xml version="1.0" encoding="utf-8"?>
-<p:sld xmlns:a="http://schemas.openxmlformats.org/drawingml/2006/main" xmlns:r="http://schemas.openxmlformats.org/officeDocument/2006/relationships" xmlns:p="http://schemas.openxmlformats.org/presentationml/2006/main">
-  <p:cSld>
-    <p:spTree>
-      <p:nvGrpSpPr>
-        <p:cNvPr id="1" name=""/>
-        <p:cNvGrpSpPr/>
-        <p:nvPr/>
-      </p:nvGrpSpPr>
-      <p:grpSpPr>
-        <a:xfrm>
-          <a:off x="0" y="0"/>
-          <a:ext cx="0" cy="0"/>
-          <a:chOff x="0" y="0"/>
-          <a:chExt cx="0" cy="0"/>
-        </a:xfrm>
-      </p:grpSpPr>
-      <p:sp>
-        <p:nvSpPr>
-          <p:cNvPr id="7176" name="TextBox 5" hidden="1"/>
-          <p:cNvSpPr txBox="1">
-            <a:spLocks noChangeArrowheads="1"/>
-          </p:cNvSpPr>
-          <p:nvPr/>
-        </p:nvSpPr>
-        <p:spPr bwMode="auto">
-          <a:xfrm>
-            <a:off x="1939925" y="1954213"/>
-            <a:ext cx="1943100" cy="369887"/>
-          </a:xfrm>
-          <a:prstGeom prst="rect">
-            <a:avLst/>
-          </a:prstGeom>
-          <a:noFill/>
-          <a:ln w="9525">
-            <a:noFill/>
-            <a:miter lim="800000"/>
-            <a:headEnd/>
-            <a:tailEnd/>
-          </a:ln>
-        </p:spPr>
-        <p:txBody>
-          <a:bodyPr>
-            <a:spAutoFit/>
-          </a:bodyPr>
-          <a:lstStyle/>
-          <a:p>
-            <a:r>
-              <a:rPr lang="zh-CN" altLang="en-US">
-                <a:latin typeface="微软雅黑" pitchFamily="34" charset="-122"/>
-                <a:ea typeface="微软雅黑" pitchFamily="34" charset="-122"/>
-              </a:rPr>
-              <a:t>点击添加文本</a:t>
-            </a:r>
-          </a:p>
-        </p:txBody>
-      </p:sp>
-      <p:sp>
-        <p:nvSpPr>
-          <p:cNvPr id="7177" name="矩形 6" hidden="1"/>
-          <p:cNvSpPr>
-            <a:spLocks noChangeArrowheads="1"/>
-          </p:cNvSpPr>
-          <p:nvPr/>
-        </p:nvSpPr>
-        <p:spPr bwMode="auto">
-          <a:xfrm>
-            <a:off x="1939925" y="3025775"/>
-            <a:ext cx="1471613" cy="646113"/>
-          </a:xfrm>
-          <a:prstGeom prst="rect">
-            <a:avLst/>
-          </a:prstGeom>
-          <a:noFill/>
-          <a:ln w="9525">
-            <a:noFill/>
-            <a:miter lim="800000"/>
-            <a:headEnd/>
-            <a:tailEnd/>
-          </a:ln>
-        </p:spPr>
-        <p:txBody>
-          <a:bodyPr>
-            <a:spAutoFit/>
-          </a:bodyPr>
-          <a:lstStyle/>
-          <a:p>
-            <a:r>
-              <a:rPr lang="zh-CN" altLang="en-US">
-                <a:latin typeface="微软雅黑" pitchFamily="34" charset="-122"/>
-                <a:ea typeface="微软雅黑" pitchFamily="34" charset="-122"/>
-              </a:rPr>
-              <a:t>点击添加文本</a:t>
-            </a:r>
-          </a:p>
-        </p:txBody>
-      </p:sp>
-      <p:sp>
-        <p:nvSpPr>
-          <p:cNvPr id="7178" name="矩形 7" hidden="1"/>
-          <p:cNvSpPr>
-            <a:spLocks noChangeArrowheads="1"/>
-          </p:cNvSpPr>
-          <p:nvPr/>
-        </p:nvSpPr>
-        <p:spPr bwMode="auto">
-          <a:xfrm>
-            <a:off x="2011363" y="4240213"/>
-            <a:ext cx="1471612" cy="646112"/>
-          </a:xfrm>
-          <a:prstGeom prst="rect">
-            <a:avLst/>
-          </a:prstGeom>
-          <a:noFill/>
-          <a:ln w="9525">
-            <a:noFill/>
-            <a:miter lim="800000"/>
-            <a:headEnd/>
-            <a:tailEnd/>
-          </a:ln>
-        </p:spPr>
-        <p:txBody>
-          <a:bodyPr>
-            <a:spAutoFit/>
-          </a:bodyPr>
-          <a:lstStyle/>
-          <a:p>
-            <a:r>
-              <a:rPr lang="zh-CN" altLang="en-US">
-                <a:latin typeface="微软雅黑" pitchFamily="34" charset="-122"/>
-                <a:ea typeface="微软雅黑" pitchFamily="34" charset="-122"/>
-              </a:rPr>
-              <a:t>点击添加文本</a:t>
-            </a:r>
-          </a:p>
-        </p:txBody>
-      </p:sp>
-      <p:sp>
-        <p:nvSpPr>
-          <p:cNvPr id="7179" name="矩形 8" hidden="1"/>
-          <p:cNvSpPr>
-            <a:spLocks noChangeArrowheads="1"/>
-          </p:cNvSpPr>
-          <p:nvPr/>
-        </p:nvSpPr>
-        <p:spPr bwMode="auto">
-          <a:xfrm>
-            <a:off x="2011363" y="5526088"/>
-            <a:ext cx="1471612" cy="646112"/>
-          </a:xfrm>
-          <a:prstGeom prst="rect">
-            <a:avLst/>
-          </a:prstGeom>
-          <a:noFill/>
-          <a:ln w="9525">
-            <a:noFill/>
-            <a:miter lim="800000"/>
-            <a:headEnd/>
-            <a:tailEnd/>
-          </a:ln>
-        </p:spPr>
-        <p:txBody>
-          <a:bodyPr>
-            <a:spAutoFit/>
-          </a:bodyPr>
-          <a:lstStyle/>
-          <a:p>
-            <a:r>
-              <a:rPr lang="zh-CN" altLang="en-US">
-                <a:latin typeface="微软雅黑" pitchFamily="34" charset="-122"/>
-                <a:ea typeface="微软雅黑" pitchFamily="34" charset="-122"/>
-              </a:rPr>
-              <a:t>点击添加文本</a:t>
-            </a:r>
-          </a:p>
-        </p:txBody>
-      </p:sp>
-      <p:sp>
-        <p:nvSpPr>
-          <p:cNvPr id="7180" name="矩形 6"/>
-          <p:cNvSpPr>
-            <a:spLocks noChangeArrowheads="1"/>
-          </p:cNvSpPr>
-          <p:nvPr/>
-        </p:nvSpPr>
-        <p:spPr bwMode="auto">
-          <a:xfrm>
-            <a:off x="357188" y="285750"/>
-            <a:ext cx="4628190" cy="584775"/>
-          </a:xfrm>
-          <a:prstGeom prst="rect">
-            <a:avLst/>
-          </a:prstGeom>
-          <a:noFill/>
-          <a:ln w="9525">
-            <a:noFill/>
-            <a:miter lim="800000"/>
-            <a:headEnd/>
-            <a:tailEnd/>
-          </a:ln>
-        </p:spPr>
-        <p:txBody>
-          <a:bodyPr wrap="none">
-            <a:spAutoFit/>
-          </a:bodyPr>
-          <a:lstStyle/>
-          <a:p>
-            <a:r>
-              <a:rPr lang="en-US" altLang="zh-CN" sz="3200" dirty="0">
-                <a:latin typeface="Lucida Console" pitchFamily="49" charset="0"/>
-                <a:ea typeface="微软雅黑" pitchFamily="34" charset="-122"/>
-              </a:rPr>
-              <a:t>Using </a:t>
-            </a:r>
-            <a:r>
-              <a:rPr lang="en-US" altLang="zh-CN" sz="3200" dirty="0" err="1">
-                <a:latin typeface="Lucida Console" pitchFamily="49" charset="0"/>
-                <a:ea typeface="微软雅黑" pitchFamily="34" charset="-122"/>
-              </a:rPr>
-              <a:t>Lua</a:t>
-            </a:r>
-            <a:r>
-              <a:rPr lang="en-US" altLang="zh-CN" sz="3200" dirty="0">
-                <a:latin typeface="Lucida Console" pitchFamily="49" charset="0"/>
-                <a:ea typeface="微软雅黑" pitchFamily="34" charset="-122"/>
-              </a:rPr>
-              <a:t> with </a:t>
-            </a:r>
-            <a:r>
-              <a:rPr lang="en-US" altLang="zh-CN" sz="3200" dirty="0" smtClean="0">
-                <a:latin typeface="Lucida Console" pitchFamily="49" charset="0"/>
-                <a:ea typeface="微软雅黑" pitchFamily="34" charset="-122"/>
-              </a:rPr>
-              <a:t>C++</a:t>
-            </a:r>
-            <a:endParaRPr lang="zh-CN" altLang="en-US" sz="3200" dirty="0">
-              <a:latin typeface="Lucida Console" pitchFamily="49" charset="0"/>
-              <a:ea typeface="微软雅黑" pitchFamily="34" charset="-122"/>
-            </a:endParaRPr>
-          </a:p>
-        </p:txBody>
-      </p:sp>
-      <p:sp>
-        <p:nvSpPr>
-          <p:cNvPr id="2" name="TextBox 1"/>
-          <p:cNvSpPr txBox="1"/>
-          <p:nvPr/>
-        </p:nvSpPr>
-        <p:spPr>
-          <a:xfrm>
-            <a:off x="467544" y="1196752"/>
-            <a:ext cx="8208912" cy="369332"/>
-          </a:xfrm>
-          <a:prstGeom prst="rect">
-            <a:avLst/>
-          </a:prstGeom>
-          <a:noFill/>
-        </p:spPr>
-        <p:txBody>
-          <a:bodyPr wrap="square" rtlCol="0">
-            <a:spAutoFit/>
-          </a:bodyPr>
-          <a:lstStyle/>
-          <a:p>
-            <a:r>
-              <a:rPr lang="en-US" altLang="zh-CN" dirty="0" smtClean="0"/>
-              <a:t>1. Call class function in </a:t>
-            </a:r>
-            <a:r>
-              <a:rPr lang="en-US" altLang="zh-CN" dirty="0" err="1" smtClean="0"/>
-              <a:t>Lua</a:t>
-            </a:r>
-            <a:endParaRPr lang="zh-CN" altLang="en-US" dirty="0"/>
-          </a:p>
-        </p:txBody>
-      </p:sp>
-    </p:spTree>
-    <p:extLst>
-      <p:ext uri="{BB962C8B-B14F-4D97-AF65-F5344CB8AC3E}">
-        <p14:creationId xmlns:p14="http://schemas.microsoft.com/office/powerpoint/2010/main" val="1375900794"/>
-      </p:ext>
-    </p:extLst>
-  </p:cSld>
-  <p:clrMapOvr>
-    <a:masterClrMapping/>
-  </p:clrMapOvr>
-  <p:timing>
-    <p:tnLst>
-      <p:par>
-        <p:cTn id="1" dur="indefinite" restart="never" nodeType="tmRoot"/>
-      </p:par>
-    </p:tnLst>
-  </p:timing>
-</p:sld>
-</file>
-
-<file path=ppt/slides/slide2.xml><?xml version="1.0" encoding="utf-8"?>
-<p:sld xmlns:a="http://schemas.openxmlformats.org/drawingml/2006/main" xmlns:r="http://schemas.openxmlformats.org/officeDocument/2006/relationships" xmlns:p="http://schemas.openxmlformats.org/presentationml/2006/main">
-  <p:cSld>
-    <p:spTree>
-      <p:nvGrpSpPr>
-        <p:cNvPr id="1" name=""/>
-        <p:cNvGrpSpPr/>
-        <p:nvPr/>
-      </p:nvGrpSpPr>
-      <p:grpSpPr>
-        <a:xfrm>
-          <a:off x="0" y="0"/>
-          <a:ext cx="0" cy="0"/>
-          <a:chOff x="0" y="0"/>
-          <a:chExt cx="0" cy="0"/>
-        </a:xfrm>
-      </p:grpSpPr>
-      <p:sp>
-        <p:nvSpPr>
-          <p:cNvPr id="3079" name="TextBox 5" hidden="1"/>
-          <p:cNvSpPr txBox="1">
-            <a:spLocks noChangeArrowheads="1"/>
-          </p:cNvSpPr>
-          <p:nvPr/>
-        </p:nvSpPr>
-        <p:spPr bwMode="auto">
-          <a:xfrm>
-            <a:off x="1939925" y="1954213"/>
-            <a:ext cx="1943100" cy="369887"/>
-          </a:xfrm>
-          <a:prstGeom prst="rect">
-            <a:avLst/>
-          </a:prstGeom>
-          <a:noFill/>
-          <a:ln w="9525">
-            <a:noFill/>
-            <a:miter lim="800000"/>
-            <a:headEnd/>
-            <a:tailEnd/>
-          </a:ln>
-        </p:spPr>
-        <p:txBody>
-          <a:bodyPr>
-            <a:spAutoFit/>
-          </a:bodyPr>
-          <a:lstStyle/>
-          <a:p>
-            <a:r>
-              <a:rPr lang="zh-CN" altLang="en-US">
-                <a:latin typeface="微软雅黑" pitchFamily="34" charset="-122"/>
-                <a:ea typeface="微软雅黑" pitchFamily="34" charset="-122"/>
-              </a:rPr>
-              <a:t>点击添加文本</a:t>
-            </a:r>
-          </a:p>
-        </p:txBody>
-      </p:sp>
-      <p:sp>
-        <p:nvSpPr>
-          <p:cNvPr id="3080" name="矩形 6" hidden="1"/>
-          <p:cNvSpPr>
-            <a:spLocks noChangeArrowheads="1"/>
-          </p:cNvSpPr>
-          <p:nvPr/>
-        </p:nvSpPr>
-        <p:spPr bwMode="auto">
-          <a:xfrm>
-            <a:off x="1939925" y="3025775"/>
-            <a:ext cx="1471613" cy="646113"/>
-          </a:xfrm>
-          <a:prstGeom prst="rect">
-            <a:avLst/>
-          </a:prstGeom>
-          <a:noFill/>
-          <a:ln w="9525">
-            <a:noFill/>
-            <a:miter lim="800000"/>
-            <a:headEnd/>
-            <a:tailEnd/>
-          </a:ln>
-        </p:spPr>
-        <p:txBody>
-          <a:bodyPr>
-            <a:spAutoFit/>
-          </a:bodyPr>
-          <a:lstStyle/>
-          <a:p>
-            <a:r>
-              <a:rPr lang="zh-CN" altLang="en-US">
-                <a:latin typeface="微软雅黑" pitchFamily="34" charset="-122"/>
-                <a:ea typeface="微软雅黑" pitchFamily="34" charset="-122"/>
-              </a:rPr>
-              <a:t>点击添加文本</a:t>
-            </a:r>
-          </a:p>
-        </p:txBody>
-      </p:sp>
-      <p:sp>
-        <p:nvSpPr>
-          <p:cNvPr id="3081" name="矩形 7" hidden="1"/>
-          <p:cNvSpPr>
-            <a:spLocks noChangeArrowheads="1"/>
-          </p:cNvSpPr>
-          <p:nvPr/>
-        </p:nvSpPr>
-        <p:spPr bwMode="auto">
-          <a:xfrm>
-            <a:off x="2011363" y="4240213"/>
-            <a:ext cx="1471612" cy="646112"/>
-          </a:xfrm>
-          <a:prstGeom prst="rect">
-            <a:avLst/>
-          </a:prstGeom>
-          <a:noFill/>
-          <a:ln w="9525">
-            <a:noFill/>
-            <a:miter lim="800000"/>
-            <a:headEnd/>
-            <a:tailEnd/>
-          </a:ln>
-        </p:spPr>
-        <p:txBody>
-          <a:bodyPr>
-            <a:spAutoFit/>
-          </a:bodyPr>
-          <a:lstStyle/>
-          <a:p>
-            <a:r>
-              <a:rPr lang="zh-CN" altLang="en-US">
-                <a:latin typeface="微软雅黑" pitchFamily="34" charset="-122"/>
-                <a:ea typeface="微软雅黑" pitchFamily="34" charset="-122"/>
-              </a:rPr>
-              <a:t>点击添加文本</a:t>
-            </a:r>
-          </a:p>
-        </p:txBody>
-      </p:sp>
-      <p:sp>
-        <p:nvSpPr>
-          <p:cNvPr id="3082" name="矩形 8" hidden="1"/>
-          <p:cNvSpPr>
-            <a:spLocks noChangeArrowheads="1"/>
-          </p:cNvSpPr>
-          <p:nvPr/>
-        </p:nvSpPr>
-        <p:spPr bwMode="auto">
-          <a:xfrm>
-            <a:off x="2011363" y="5526088"/>
-            <a:ext cx="1471612" cy="646112"/>
-          </a:xfrm>
-          <a:prstGeom prst="rect">
-            <a:avLst/>
-          </a:prstGeom>
-          <a:noFill/>
-          <a:ln w="9525">
-            <a:noFill/>
-            <a:miter lim="800000"/>
-            <a:headEnd/>
-            <a:tailEnd/>
-          </a:ln>
-        </p:spPr>
-        <p:txBody>
-          <a:bodyPr>
-            <a:spAutoFit/>
-          </a:bodyPr>
-          <a:lstStyle/>
-          <a:p>
-            <a:r>
-              <a:rPr lang="zh-CN" altLang="en-US">
-                <a:latin typeface="微软雅黑" pitchFamily="34" charset="-122"/>
-                <a:ea typeface="微软雅黑" pitchFamily="34" charset="-122"/>
-              </a:rPr>
-              <a:t>点击添加文本</a:t>
-            </a:r>
-          </a:p>
-        </p:txBody>
-      </p:sp>
-      <p:grpSp>
-        <p:nvGrpSpPr>
-          <p:cNvPr id="3" name="组合 2"/>
-          <p:cNvGrpSpPr/>
-          <p:nvPr/>
-        </p:nvGrpSpPr>
-        <p:grpSpPr>
-          <a:xfrm>
-            <a:off x="2831675" y="558262"/>
-            <a:ext cx="3612533" cy="539750"/>
-            <a:chOff x="603701" y="684399"/>
-            <a:chExt cx="2339897" cy="539750"/>
-          </a:xfrm>
-        </p:grpSpPr>
-        <p:grpSp>
-          <p:nvGrpSpPr>
-            <p:cNvPr id="2" name="组合 1"/>
-            <p:cNvGrpSpPr/>
-            <p:nvPr/>
-          </p:nvGrpSpPr>
-          <p:grpSpPr>
-            <a:xfrm>
-              <a:off x="603701" y="684399"/>
-              <a:ext cx="2339897" cy="539750"/>
-              <a:chOff x="1172598" y="1476487"/>
-              <a:chExt cx="2339897" cy="539750"/>
-            </a:xfrm>
-          </p:grpSpPr>
-          <p:sp>
-            <p:nvSpPr>
-              <p:cNvPr id="10" name="等腰三角形 9"/>
-              <p:cNvSpPr/>
-              <p:nvPr/>
-            </p:nvSpPr>
-            <p:spPr>
-              <a:xfrm>
-                <a:off x="3182295" y="1484784"/>
-                <a:ext cx="330200" cy="295275"/>
-              </a:xfrm>
-              <a:prstGeom prst="triangle">
-                <a:avLst/>
-              </a:prstGeom>
-              <a:solidFill>
-                <a:srgbClr val="1B4266"/>
-              </a:solidFill>
-              <a:ln>
-                <a:noFill/>
-              </a:ln>
-            </p:spPr>
-            <p:style>
-              <a:lnRef idx="2">
-                <a:schemeClr val="accent1">
-                  <a:shade val="50000"/>
-                </a:schemeClr>
-              </a:lnRef>
-              <a:fillRef idx="1">
-                <a:schemeClr val="accent1"/>
-              </a:fillRef>
-              <a:effectRef idx="0">
-                <a:schemeClr val="accent1"/>
-              </a:effectRef>
-              <a:fontRef idx="minor">
-                <a:schemeClr val="lt1"/>
-              </a:fontRef>
-            </p:style>
-            <p:txBody>
-              <a:bodyPr anchor="ctr"/>
-              <a:lstStyle/>
-              <a:p>
-                <a:pPr algn="ctr">
-                  <a:defRPr/>
-                </a:pPr>
-                <a:endParaRPr lang="zh-CN" altLang="en-US">
-                  <a:latin typeface="Lucida Console" pitchFamily="49" charset="0"/>
-                </a:endParaRPr>
-              </a:p>
-            </p:txBody>
-          </p:sp>
-          <p:sp>
-            <p:nvSpPr>
-              <p:cNvPr id="11" name="平行四边形 10"/>
-              <p:cNvSpPr/>
-              <p:nvPr/>
-            </p:nvSpPr>
-            <p:spPr>
-              <a:xfrm>
-                <a:off x="1172598" y="1476487"/>
-                <a:ext cx="2166938" cy="539750"/>
-              </a:xfrm>
-              <a:prstGeom prst="parallelogram">
-                <a:avLst/>
-              </a:prstGeom>
-              <a:solidFill>
-                <a:srgbClr val="2B60A7"/>
-              </a:solidFill>
-              <a:ln>
-                <a:noFill/>
-              </a:ln>
-            </p:spPr>
-            <p:style>
-              <a:lnRef idx="2">
-                <a:schemeClr val="accent1">
-                  <a:shade val="50000"/>
-                </a:schemeClr>
-              </a:lnRef>
-              <a:fillRef idx="1">
-                <a:schemeClr val="accent1"/>
-              </a:fillRef>
-              <a:effectRef idx="0">
-                <a:schemeClr val="accent1"/>
-              </a:effectRef>
-              <a:fontRef idx="minor">
-                <a:schemeClr val="lt1"/>
-              </a:fontRef>
-            </p:style>
-            <p:txBody>
-              <a:bodyPr anchor="ctr"/>
-              <a:lstStyle/>
-              <a:p>
-                <a:pPr algn="ctr">
-                  <a:defRPr/>
-                </a:pPr>
-                <a:endParaRPr lang="zh-CN" altLang="en-US">
-                  <a:latin typeface="Lucida Console" pitchFamily="49" charset="0"/>
-                </a:endParaRPr>
-              </a:p>
-            </p:txBody>
-          </p:sp>
-        </p:grpSp>
-        <p:sp>
-          <p:nvSpPr>
-            <p:cNvPr id="3085" name="矩形 21"/>
-            <p:cNvSpPr>
-              <a:spLocks noChangeArrowheads="1"/>
-            </p:cNvSpPr>
-            <p:nvPr/>
-          </p:nvSpPr>
-          <p:spPr bwMode="auto">
-            <a:xfrm>
-              <a:off x="822241" y="769608"/>
-              <a:ext cx="1113256" cy="369332"/>
-            </a:xfrm>
-            <a:prstGeom prst="rect">
-              <a:avLst/>
-            </a:prstGeom>
-            <a:noFill/>
-            <a:ln w="9525">
-              <a:noFill/>
-              <a:miter lim="800000"/>
-              <a:headEnd/>
-              <a:tailEnd/>
-            </a:ln>
-          </p:spPr>
-          <p:txBody>
-            <a:bodyPr wrap="none">
-              <a:spAutoFit/>
-            </a:bodyPr>
-            <a:lstStyle/>
-            <a:p>
-              <a:r>
-                <a:rPr lang="en-US" altLang="zh-CN" dirty="0" smtClean="0">
-                  <a:solidFill>
-                    <a:srgbClr val="FFFF00"/>
-                  </a:solidFill>
-                  <a:latin typeface="Lucida Console" pitchFamily="49" charset="0"/>
-                  <a:ea typeface="微软雅黑" pitchFamily="34" charset="-122"/>
-                </a:rPr>
-                <a:t>What is </a:t>
-              </a:r>
-              <a:r>
-                <a:rPr lang="en-US" altLang="zh-CN" dirty="0" err="1" smtClean="0">
-                  <a:solidFill>
-                    <a:srgbClr val="FFFF00"/>
-                  </a:solidFill>
-                  <a:latin typeface="Lucida Console" pitchFamily="49" charset="0"/>
-                  <a:ea typeface="微软雅黑" pitchFamily="34" charset="-122"/>
-                </a:rPr>
-                <a:t>Lua</a:t>
-              </a:r>
-              <a:endParaRPr lang="zh-CN" altLang="en-US" dirty="0">
-                <a:solidFill>
-                  <a:srgbClr val="FFFF00"/>
-                </a:solidFill>
-                <a:latin typeface="Lucida Console" pitchFamily="49" charset="0"/>
-                <a:ea typeface="微软雅黑" pitchFamily="34" charset="-122"/>
-              </a:endParaRPr>
-            </a:p>
-          </p:txBody>
-        </p:sp>
-      </p:grpSp>
-      <p:grpSp>
-        <p:nvGrpSpPr>
-          <p:cNvPr id="20" name="组合 19"/>
-          <p:cNvGrpSpPr/>
-          <p:nvPr/>
-        </p:nvGrpSpPr>
-        <p:grpSpPr>
-          <a:xfrm>
-            <a:off x="2843808" y="1502663"/>
-            <a:ext cx="3600400" cy="539750"/>
-            <a:chOff x="611560" y="692696"/>
-            <a:chExt cx="2332038" cy="539750"/>
-          </a:xfrm>
-        </p:grpSpPr>
-        <p:grpSp>
-          <p:nvGrpSpPr>
-            <p:cNvPr id="21" name="组合 20"/>
-            <p:cNvGrpSpPr/>
-            <p:nvPr/>
-          </p:nvGrpSpPr>
-          <p:grpSpPr>
-            <a:xfrm>
-              <a:off x="611560" y="692696"/>
-              <a:ext cx="2332038" cy="539750"/>
-              <a:chOff x="1180457" y="1484784"/>
-              <a:chExt cx="2332038" cy="539750"/>
-            </a:xfrm>
-          </p:grpSpPr>
-          <p:sp>
-            <p:nvSpPr>
-              <p:cNvPr id="23" name="等腰三角形 22"/>
-              <p:cNvSpPr/>
-              <p:nvPr/>
-            </p:nvSpPr>
-            <p:spPr>
-              <a:xfrm>
-                <a:off x="3182295" y="1484784"/>
-                <a:ext cx="330200" cy="295275"/>
-              </a:xfrm>
-              <a:prstGeom prst="triangle">
-                <a:avLst/>
-              </a:prstGeom>
-              <a:solidFill>
-                <a:srgbClr val="1B4266"/>
-              </a:solidFill>
-              <a:ln>
-                <a:noFill/>
-              </a:ln>
-            </p:spPr>
-            <p:style>
-              <a:lnRef idx="2">
-                <a:schemeClr val="accent1">
-                  <a:shade val="50000"/>
-                </a:schemeClr>
-              </a:lnRef>
-              <a:fillRef idx="1">
-                <a:schemeClr val="accent1"/>
-              </a:fillRef>
-              <a:effectRef idx="0">
-                <a:schemeClr val="accent1"/>
-              </a:effectRef>
-              <a:fontRef idx="minor">
-                <a:schemeClr val="lt1"/>
-              </a:fontRef>
-            </p:style>
-            <p:txBody>
-              <a:bodyPr anchor="ctr"/>
-              <a:lstStyle/>
-              <a:p>
-                <a:pPr algn="ctr">
-                  <a:defRPr/>
-                </a:pPr>
-                <a:endParaRPr lang="zh-CN" altLang="en-US">
-                  <a:latin typeface="Lucida Console" pitchFamily="49" charset="0"/>
-                </a:endParaRPr>
-              </a:p>
-            </p:txBody>
-          </p:sp>
-          <p:sp>
-            <p:nvSpPr>
-              <p:cNvPr id="24" name="平行四边形 23"/>
-              <p:cNvSpPr/>
-              <p:nvPr/>
-            </p:nvSpPr>
-            <p:spPr>
-              <a:xfrm>
-                <a:off x="1180457" y="1484784"/>
-                <a:ext cx="2166938" cy="539750"/>
-              </a:xfrm>
-              <a:prstGeom prst="parallelogram">
-                <a:avLst/>
-              </a:prstGeom>
-              <a:solidFill>
-                <a:srgbClr val="2B60A7"/>
-              </a:solidFill>
-              <a:ln>
-                <a:noFill/>
-              </a:ln>
-            </p:spPr>
-            <p:style>
-              <a:lnRef idx="2">
-                <a:schemeClr val="accent1">
-                  <a:shade val="50000"/>
-                </a:schemeClr>
-              </a:lnRef>
-              <a:fillRef idx="1">
-                <a:schemeClr val="accent1"/>
-              </a:fillRef>
-              <a:effectRef idx="0">
-                <a:schemeClr val="accent1"/>
-              </a:effectRef>
-              <a:fontRef idx="minor">
-                <a:schemeClr val="lt1"/>
-              </a:fontRef>
-            </p:style>
-            <p:txBody>
-              <a:bodyPr anchor="ctr"/>
-              <a:lstStyle/>
-              <a:p>
-                <a:pPr algn="ctr">
-                  <a:defRPr/>
-                </a:pPr>
-                <a:endParaRPr lang="zh-CN" altLang="en-US">
-                  <a:latin typeface="Lucida Console" pitchFamily="49" charset="0"/>
-                </a:endParaRPr>
-              </a:p>
-            </p:txBody>
-          </p:sp>
-        </p:grpSp>
-        <p:sp>
-          <p:nvSpPr>
-            <p:cNvPr id="22" name="矩形 21"/>
-            <p:cNvSpPr>
-              <a:spLocks noChangeArrowheads="1"/>
-            </p:cNvSpPr>
-            <p:nvPr/>
-          </p:nvSpPr>
-          <p:spPr bwMode="auto">
-            <a:xfrm>
-              <a:off x="822241" y="803305"/>
-              <a:ext cx="932594" cy="369332"/>
-            </a:xfrm>
-            <a:prstGeom prst="rect">
-              <a:avLst/>
-            </a:prstGeom>
-            <a:noFill/>
-            <a:ln w="9525">
-              <a:noFill/>
-              <a:miter lim="800000"/>
-              <a:headEnd/>
-              <a:tailEnd/>
-            </a:ln>
-          </p:spPr>
-          <p:txBody>
-            <a:bodyPr wrap="none">
-              <a:spAutoFit/>
-            </a:bodyPr>
-            <a:lstStyle/>
-            <a:p>
-              <a:r>
-                <a:rPr lang="en-US" altLang="zh-CN" dirty="0" smtClean="0">
-                  <a:solidFill>
-                    <a:schemeClr val="bg1"/>
-                  </a:solidFill>
-                  <a:latin typeface="Lucida Console" pitchFamily="49" charset="0"/>
-                  <a:ea typeface="微软雅黑" pitchFamily="34" charset="-122"/>
-                </a:rPr>
-                <a:t>Using </a:t>
-              </a:r>
-              <a:r>
-                <a:rPr lang="en-US" altLang="zh-CN" dirty="0" err="1" smtClean="0">
-                  <a:solidFill>
-                    <a:schemeClr val="bg1"/>
-                  </a:solidFill>
-                  <a:latin typeface="Lucida Console" pitchFamily="49" charset="0"/>
-                  <a:ea typeface="微软雅黑" pitchFamily="34" charset="-122"/>
-                </a:rPr>
-                <a:t>Lua</a:t>
-              </a:r>
-              <a:endParaRPr lang="zh-CN" altLang="en-US" dirty="0">
-                <a:solidFill>
-                  <a:schemeClr val="bg1"/>
-                </a:solidFill>
-                <a:latin typeface="Lucida Console" pitchFamily="49" charset="0"/>
-                <a:ea typeface="微软雅黑" pitchFamily="34" charset="-122"/>
-              </a:endParaRPr>
-            </a:p>
-          </p:txBody>
-        </p:sp>
-      </p:grpSp>
-      <p:grpSp>
-        <p:nvGrpSpPr>
-          <p:cNvPr id="25" name="组合 24"/>
-          <p:cNvGrpSpPr/>
-          <p:nvPr/>
-        </p:nvGrpSpPr>
-        <p:grpSpPr>
-          <a:xfrm>
-            <a:off x="2843808" y="2510775"/>
-            <a:ext cx="3600400" cy="539750"/>
-            <a:chOff x="611560" y="692696"/>
-            <a:chExt cx="2332038" cy="539750"/>
-          </a:xfrm>
-        </p:grpSpPr>
-        <p:grpSp>
-          <p:nvGrpSpPr>
-            <p:cNvPr id="26" name="组合 25"/>
-            <p:cNvGrpSpPr/>
-            <p:nvPr/>
-          </p:nvGrpSpPr>
-          <p:grpSpPr>
-            <a:xfrm>
-              <a:off x="611560" y="692696"/>
-              <a:ext cx="2332038" cy="539750"/>
-              <a:chOff x="1180457" y="1484784"/>
-              <a:chExt cx="2332038" cy="539750"/>
-            </a:xfrm>
-          </p:grpSpPr>
-          <p:sp>
-            <p:nvSpPr>
-              <p:cNvPr id="28" name="等腰三角形 27"/>
-              <p:cNvSpPr/>
-              <p:nvPr/>
-            </p:nvSpPr>
-            <p:spPr>
-              <a:xfrm>
-                <a:off x="3182295" y="1484784"/>
-                <a:ext cx="330200" cy="295275"/>
-              </a:xfrm>
-              <a:prstGeom prst="triangle">
-                <a:avLst/>
-              </a:prstGeom>
-              <a:solidFill>
-                <a:srgbClr val="1B4266"/>
-              </a:solidFill>
-              <a:ln>
-                <a:noFill/>
-              </a:ln>
-            </p:spPr>
-            <p:style>
-              <a:lnRef idx="2">
-                <a:schemeClr val="accent1">
-                  <a:shade val="50000"/>
-                </a:schemeClr>
-              </a:lnRef>
-              <a:fillRef idx="1">
-                <a:schemeClr val="accent1"/>
-              </a:fillRef>
-              <a:effectRef idx="0">
-                <a:schemeClr val="accent1"/>
-              </a:effectRef>
-              <a:fontRef idx="minor">
-                <a:schemeClr val="lt1"/>
-              </a:fontRef>
-            </p:style>
-            <p:txBody>
-              <a:bodyPr anchor="ctr"/>
-              <a:lstStyle/>
-              <a:p>
-                <a:pPr algn="ctr">
-                  <a:defRPr/>
-                </a:pPr>
-                <a:endParaRPr lang="zh-CN" altLang="en-US">
-                  <a:latin typeface="Lucida Console" pitchFamily="49" charset="0"/>
-                </a:endParaRPr>
-              </a:p>
-            </p:txBody>
-          </p:sp>
-          <p:sp>
-            <p:nvSpPr>
-              <p:cNvPr id="29" name="平行四边形 28"/>
-              <p:cNvSpPr/>
-              <p:nvPr/>
-            </p:nvSpPr>
-            <p:spPr>
-              <a:xfrm>
-                <a:off x="1180457" y="1484784"/>
-                <a:ext cx="2166938" cy="539750"/>
-              </a:xfrm>
-              <a:prstGeom prst="parallelogram">
-                <a:avLst/>
-              </a:prstGeom>
-              <a:solidFill>
-                <a:srgbClr val="2B60A7"/>
-              </a:solidFill>
-              <a:ln>
-                <a:noFill/>
-              </a:ln>
-            </p:spPr>
-            <p:style>
-              <a:lnRef idx="2">
-                <a:schemeClr val="accent1">
-                  <a:shade val="50000"/>
-                </a:schemeClr>
-              </a:lnRef>
-              <a:fillRef idx="1">
-                <a:schemeClr val="accent1"/>
-              </a:fillRef>
-              <a:effectRef idx="0">
-                <a:schemeClr val="accent1"/>
-              </a:effectRef>
-              <a:fontRef idx="minor">
-                <a:schemeClr val="lt1"/>
-              </a:fontRef>
-            </p:style>
-            <p:txBody>
-              <a:bodyPr anchor="ctr"/>
-              <a:lstStyle/>
-              <a:p>
-                <a:pPr algn="ctr">
-                  <a:defRPr/>
-                </a:pPr>
-                <a:endParaRPr lang="zh-CN" altLang="en-US">
-                  <a:latin typeface="Lucida Console" pitchFamily="49" charset="0"/>
-                </a:endParaRPr>
-              </a:p>
-            </p:txBody>
-          </p:sp>
-        </p:grpSp>
-        <p:sp>
-          <p:nvSpPr>
-            <p:cNvPr id="27" name="矩形 26"/>
-            <p:cNvSpPr>
-              <a:spLocks noChangeArrowheads="1"/>
-            </p:cNvSpPr>
-            <p:nvPr/>
-          </p:nvSpPr>
-          <p:spPr bwMode="auto">
-            <a:xfrm>
-              <a:off x="798123" y="777627"/>
-              <a:ext cx="1564913" cy="369332"/>
-            </a:xfrm>
-            <a:prstGeom prst="rect">
-              <a:avLst/>
-            </a:prstGeom>
-            <a:noFill/>
-            <a:ln w="9525">
-              <a:noFill/>
-              <a:miter lim="800000"/>
-              <a:headEnd/>
-              <a:tailEnd/>
-            </a:ln>
-          </p:spPr>
-          <p:txBody>
-            <a:bodyPr wrap="none">
-              <a:spAutoFit/>
-            </a:bodyPr>
-            <a:lstStyle/>
-            <a:p>
-              <a:r>
-                <a:rPr lang="en-US" altLang="zh-CN" dirty="0" smtClean="0">
-                  <a:solidFill>
                     <a:schemeClr val="bg1"/>
                   </a:solidFill>
                   <a:latin typeface="Lucida Console" pitchFamily="49" charset="0"/>
@@ -11413,217 +10749,7 @@
                   <a:latin typeface="Lucida Console" pitchFamily="49" charset="0"/>
                   <a:ea typeface="微软雅黑" pitchFamily="34" charset="-122"/>
                 </a:rPr>
-                <a:t> with C</a:t>
-              </a:r>
-              <a:endParaRPr lang="zh-CN" altLang="en-US" dirty="0">
-                <a:solidFill>
-                  <a:schemeClr val="bg1"/>
-                </a:solidFill>
-                <a:latin typeface="Lucida Console" pitchFamily="49" charset="0"/>
-                <a:ea typeface="微软雅黑" pitchFamily="34" charset="-122"/>
-              </a:endParaRPr>
-            </a:p>
-          </p:txBody>
-        </p:sp>
-      </p:grpSp>
-      <p:grpSp>
-        <p:nvGrpSpPr>
-          <p:cNvPr id="30" name="组合 29"/>
-          <p:cNvGrpSpPr/>
-          <p:nvPr/>
-        </p:nvGrpSpPr>
-        <p:grpSpPr>
-          <a:xfrm>
-            <a:off x="2843808" y="3526050"/>
-            <a:ext cx="3600400" cy="539750"/>
-            <a:chOff x="611560" y="692696"/>
-            <a:chExt cx="2332038" cy="539750"/>
-          </a:xfrm>
-        </p:grpSpPr>
-        <p:grpSp>
-          <p:nvGrpSpPr>
-            <p:cNvPr id="31" name="组合 30"/>
-            <p:cNvGrpSpPr/>
-            <p:nvPr/>
-          </p:nvGrpSpPr>
-          <p:grpSpPr>
-            <a:xfrm>
-              <a:off x="611560" y="692696"/>
-              <a:ext cx="2332038" cy="539750"/>
-              <a:chOff x="1180457" y="1484784"/>
-              <a:chExt cx="2332038" cy="539750"/>
-            </a:xfrm>
-          </p:grpSpPr>
-          <p:sp>
-            <p:nvSpPr>
-              <p:cNvPr id="33" name="等腰三角形 32"/>
-              <p:cNvSpPr/>
-              <p:nvPr/>
-            </p:nvSpPr>
-            <p:spPr>
-              <a:xfrm>
-                <a:off x="3182295" y="1484784"/>
-                <a:ext cx="330200" cy="295275"/>
-              </a:xfrm>
-              <a:prstGeom prst="triangle">
-                <a:avLst/>
-              </a:prstGeom>
-              <a:solidFill>
-                <a:srgbClr val="1B4266"/>
-              </a:solidFill>
-              <a:ln>
-                <a:noFill/>
-              </a:ln>
-            </p:spPr>
-            <p:style>
-              <a:lnRef idx="2">
-                <a:schemeClr val="accent1">
-                  <a:shade val="50000"/>
-                </a:schemeClr>
-              </a:lnRef>
-              <a:fillRef idx="1">
-                <a:schemeClr val="accent1"/>
-              </a:fillRef>
-              <a:effectRef idx="0">
-                <a:schemeClr val="accent1"/>
-              </a:effectRef>
-              <a:fontRef idx="minor">
-                <a:schemeClr val="lt1"/>
-              </a:fontRef>
-            </p:style>
-            <p:txBody>
-              <a:bodyPr anchor="ctr"/>
-              <a:lstStyle/>
-              <a:p>
-                <a:pPr algn="ctr">
-                  <a:defRPr/>
-                </a:pPr>
-                <a:endParaRPr lang="zh-CN" altLang="en-US">
-                  <a:latin typeface="Lucida Console" pitchFamily="49" charset="0"/>
-                </a:endParaRPr>
-              </a:p>
-            </p:txBody>
-          </p:sp>
-          <p:sp>
-            <p:nvSpPr>
-              <p:cNvPr id="34" name="平行四边形 33"/>
-              <p:cNvSpPr/>
-              <p:nvPr/>
-            </p:nvSpPr>
-            <p:spPr>
-              <a:xfrm>
-                <a:off x="1180457" y="1484784"/>
-                <a:ext cx="2166938" cy="539750"/>
-              </a:xfrm>
-              <a:prstGeom prst="parallelogram">
-                <a:avLst/>
-              </a:prstGeom>
-              <a:solidFill>
-                <a:srgbClr val="2B60A7"/>
-              </a:solidFill>
-              <a:ln>
-                <a:noFill/>
-              </a:ln>
-            </p:spPr>
-            <p:style>
-              <a:lnRef idx="2">
-                <a:schemeClr val="accent1">
-                  <a:shade val="50000"/>
-                </a:schemeClr>
-              </a:lnRef>
-              <a:fillRef idx="1">
-                <a:schemeClr val="accent1"/>
-              </a:fillRef>
-              <a:effectRef idx="0">
-                <a:schemeClr val="accent1"/>
-              </a:effectRef>
-              <a:fontRef idx="minor">
-                <a:schemeClr val="lt1"/>
-              </a:fontRef>
-            </p:style>
-            <p:txBody>
-              <a:bodyPr anchor="ctr"/>
-              <a:lstStyle/>
-              <a:p>
-                <a:pPr algn="ctr">
-                  <a:defRPr/>
-                </a:pPr>
-                <a:endParaRPr lang="zh-CN" altLang="en-US">
-                  <a:latin typeface="Lucida Console" pitchFamily="49" charset="0"/>
-                </a:endParaRPr>
-              </a:p>
-            </p:txBody>
-          </p:sp>
-        </p:grpSp>
-        <p:sp>
-          <p:nvSpPr>
-            <p:cNvPr id="32" name="矩形 31"/>
-            <p:cNvSpPr>
-              <a:spLocks noChangeArrowheads="1"/>
-            </p:cNvSpPr>
-            <p:nvPr/>
-          </p:nvSpPr>
-          <p:spPr bwMode="auto">
-            <a:xfrm>
-              <a:off x="822241" y="777627"/>
-              <a:ext cx="1745576" cy="369332"/>
-            </a:xfrm>
-            <a:prstGeom prst="rect">
-              <a:avLst/>
-            </a:prstGeom>
-            <a:noFill/>
-            <a:ln w="9525">
-              <a:noFill/>
-              <a:miter lim="800000"/>
-              <a:headEnd/>
-              <a:tailEnd/>
-            </a:ln>
-          </p:spPr>
-          <p:txBody>
-            <a:bodyPr wrap="none">
-              <a:spAutoFit/>
-            </a:bodyPr>
-            <a:lstStyle/>
-            <a:p>
-              <a:r>
-                <a:rPr lang="en-US" altLang="zh-CN" dirty="0" smtClean="0">
-                  <a:solidFill>
-                    <a:schemeClr val="bg1"/>
-                  </a:solidFill>
-                  <a:latin typeface="Lucida Console" pitchFamily="49" charset="0"/>
-                  <a:ea typeface="微软雅黑" pitchFamily="34" charset="-122"/>
-                </a:rPr>
-                <a:t>Using </a:t>
-              </a:r>
-              <a:r>
-                <a:rPr lang="en-US" altLang="zh-CN" dirty="0" err="1" smtClean="0">
-                  <a:solidFill>
-                    <a:schemeClr val="bg1"/>
-                  </a:solidFill>
-                  <a:latin typeface="Lucida Console" pitchFamily="49" charset="0"/>
-                  <a:ea typeface="微软雅黑" pitchFamily="34" charset="-122"/>
-                </a:rPr>
-                <a:t>Lua</a:t>
-              </a:r>
-              <a:r>
-                <a:rPr lang="en-US" altLang="zh-CN" dirty="0" smtClean="0">
-                  <a:solidFill>
-                    <a:schemeClr val="bg1"/>
-                  </a:solidFill>
-                  <a:latin typeface="Lucida Console" pitchFamily="49" charset="0"/>
-                  <a:ea typeface="微软雅黑" pitchFamily="34" charset="-122"/>
-                </a:rPr>
-                <a:t> </a:t>
-              </a:r>
-              <a:r>
-                <a:rPr lang="en-US" altLang="zh-CN" dirty="0" smtClean="0">
-                  <a:solidFill>
-                    <a:schemeClr val="bg1"/>
-                  </a:solidFill>
-                  <a:latin typeface="Lucida Console" pitchFamily="49" charset="0"/>
-                  <a:ea typeface="微软雅黑" pitchFamily="34" charset="-122"/>
-                </a:rPr>
-                <a:t>with C++</a:t>
+                <a:t> with C++</a:t>
               </a:r>
               <a:endParaRPr lang="zh-CN" altLang="en-US" dirty="0">
                 <a:solidFill>
@@ -12040,1182 +11166,6 @@
       </p:grpSpPr>
       <p:sp>
         <p:nvSpPr>
-          <p:cNvPr id="7176" name="TextBox 5" hidden="1"/>
-          <p:cNvSpPr txBox="1">
-            <a:spLocks noChangeArrowheads="1"/>
-          </p:cNvSpPr>
-          <p:nvPr/>
-        </p:nvSpPr>
-        <p:spPr bwMode="auto">
-          <a:xfrm>
-            <a:off x="1939925" y="1954213"/>
-            <a:ext cx="1943100" cy="369887"/>
-          </a:xfrm>
-          <a:prstGeom prst="rect">
-            <a:avLst/>
-          </a:prstGeom>
-          <a:noFill/>
-          <a:ln w="9525">
-            <a:noFill/>
-            <a:miter lim="800000"/>
-            <a:headEnd/>
-            <a:tailEnd/>
-          </a:ln>
-        </p:spPr>
-        <p:txBody>
-          <a:bodyPr>
-            <a:spAutoFit/>
-          </a:bodyPr>
-          <a:lstStyle/>
-          <a:p>
-            <a:r>
-              <a:rPr lang="zh-CN" altLang="en-US">
-                <a:latin typeface="微软雅黑" pitchFamily="34" charset="-122"/>
-                <a:ea typeface="微软雅黑" pitchFamily="34" charset="-122"/>
-              </a:rPr>
-              <a:t>点击添加文本</a:t>
-            </a:r>
-          </a:p>
-        </p:txBody>
-      </p:sp>
-      <p:sp>
-        <p:nvSpPr>
-          <p:cNvPr id="7177" name="矩形 6" hidden="1"/>
-          <p:cNvSpPr>
-            <a:spLocks noChangeArrowheads="1"/>
-          </p:cNvSpPr>
-          <p:nvPr/>
-        </p:nvSpPr>
-        <p:spPr bwMode="auto">
-          <a:xfrm>
-            <a:off x="1939925" y="3025775"/>
-            <a:ext cx="1471613" cy="646113"/>
-          </a:xfrm>
-          <a:prstGeom prst="rect">
-            <a:avLst/>
-          </a:prstGeom>
-          <a:noFill/>
-          <a:ln w="9525">
-            <a:noFill/>
-            <a:miter lim="800000"/>
-            <a:headEnd/>
-            <a:tailEnd/>
-          </a:ln>
-        </p:spPr>
-        <p:txBody>
-          <a:bodyPr>
-            <a:spAutoFit/>
-          </a:bodyPr>
-          <a:lstStyle/>
-          <a:p>
-            <a:r>
-              <a:rPr lang="zh-CN" altLang="en-US">
-                <a:latin typeface="微软雅黑" pitchFamily="34" charset="-122"/>
-                <a:ea typeface="微软雅黑" pitchFamily="34" charset="-122"/>
-              </a:rPr>
-              <a:t>点击添加文本</a:t>
-            </a:r>
-          </a:p>
-        </p:txBody>
-      </p:sp>
-      <p:sp>
-        <p:nvSpPr>
-          <p:cNvPr id="7178" name="矩形 7" hidden="1"/>
-          <p:cNvSpPr>
-            <a:spLocks noChangeArrowheads="1"/>
-          </p:cNvSpPr>
-          <p:nvPr/>
-        </p:nvSpPr>
-        <p:spPr bwMode="auto">
-          <a:xfrm>
-            <a:off x="2011363" y="4240213"/>
-            <a:ext cx="1471612" cy="646112"/>
-          </a:xfrm>
-          <a:prstGeom prst="rect">
-            <a:avLst/>
-          </a:prstGeom>
-          <a:noFill/>
-          <a:ln w="9525">
-            <a:noFill/>
-            <a:miter lim="800000"/>
-            <a:headEnd/>
-            <a:tailEnd/>
-          </a:ln>
-        </p:spPr>
-        <p:txBody>
-          <a:bodyPr>
-            <a:spAutoFit/>
-          </a:bodyPr>
-          <a:lstStyle/>
-          <a:p>
-            <a:r>
-              <a:rPr lang="zh-CN" altLang="en-US">
-                <a:latin typeface="微软雅黑" pitchFamily="34" charset="-122"/>
-                <a:ea typeface="微软雅黑" pitchFamily="34" charset="-122"/>
-              </a:rPr>
-              <a:t>点击添加文本</a:t>
-            </a:r>
-          </a:p>
-        </p:txBody>
-      </p:sp>
-      <p:sp>
-        <p:nvSpPr>
-          <p:cNvPr id="7179" name="矩形 8" hidden="1"/>
-          <p:cNvSpPr>
-            <a:spLocks noChangeArrowheads="1"/>
-          </p:cNvSpPr>
-          <p:nvPr/>
-        </p:nvSpPr>
-        <p:spPr bwMode="auto">
-          <a:xfrm>
-            <a:off x="2011363" y="5526088"/>
-            <a:ext cx="1471612" cy="646112"/>
-          </a:xfrm>
-          <a:prstGeom prst="rect">
-            <a:avLst/>
-          </a:prstGeom>
-          <a:noFill/>
-          <a:ln w="9525">
-            <a:noFill/>
-            <a:miter lim="800000"/>
-            <a:headEnd/>
-            <a:tailEnd/>
-          </a:ln>
-        </p:spPr>
-        <p:txBody>
-          <a:bodyPr>
-            <a:spAutoFit/>
-          </a:bodyPr>
-          <a:lstStyle/>
-          <a:p>
-            <a:r>
-              <a:rPr lang="zh-CN" altLang="en-US">
-                <a:latin typeface="微软雅黑" pitchFamily="34" charset="-122"/>
-                <a:ea typeface="微软雅黑" pitchFamily="34" charset="-122"/>
-              </a:rPr>
-              <a:t>点击添加文本</a:t>
-            </a:r>
-          </a:p>
-        </p:txBody>
-      </p:sp>
-      <p:sp>
-        <p:nvSpPr>
-          <p:cNvPr id="7180" name="矩形 6"/>
-          <p:cNvSpPr>
-            <a:spLocks noChangeArrowheads="1"/>
-          </p:cNvSpPr>
-          <p:nvPr/>
-        </p:nvSpPr>
-        <p:spPr bwMode="auto">
-          <a:xfrm>
-            <a:off x="357188" y="285750"/>
-            <a:ext cx="4628190" cy="584775"/>
-          </a:xfrm>
-          <a:prstGeom prst="rect">
-            <a:avLst/>
-          </a:prstGeom>
-          <a:noFill/>
-          <a:ln w="9525">
-            <a:noFill/>
-            <a:miter lim="800000"/>
-            <a:headEnd/>
-            <a:tailEnd/>
-          </a:ln>
-        </p:spPr>
-        <p:txBody>
-          <a:bodyPr wrap="none">
-            <a:spAutoFit/>
-          </a:bodyPr>
-          <a:lstStyle/>
-          <a:p>
-            <a:r>
-              <a:rPr lang="en-US" altLang="zh-CN" sz="3200" dirty="0">
-                <a:latin typeface="Lucida Console" pitchFamily="49" charset="0"/>
-                <a:ea typeface="微软雅黑" pitchFamily="34" charset="-122"/>
-              </a:rPr>
-              <a:t>Using </a:t>
-            </a:r>
-            <a:r>
-              <a:rPr lang="en-US" altLang="zh-CN" sz="3200" dirty="0" err="1">
-                <a:latin typeface="Lucida Console" pitchFamily="49" charset="0"/>
-                <a:ea typeface="微软雅黑" pitchFamily="34" charset="-122"/>
-              </a:rPr>
-              <a:t>Lua</a:t>
-            </a:r>
-            <a:r>
-              <a:rPr lang="en-US" altLang="zh-CN" sz="3200" dirty="0">
-                <a:latin typeface="Lucida Console" pitchFamily="49" charset="0"/>
-                <a:ea typeface="微软雅黑" pitchFamily="34" charset="-122"/>
-              </a:rPr>
-              <a:t> with C++</a:t>
-            </a:r>
-            <a:endParaRPr lang="zh-CN" altLang="en-US" sz="3200" dirty="0">
-              <a:latin typeface="Lucida Console" pitchFamily="49" charset="0"/>
-              <a:ea typeface="微软雅黑" pitchFamily="34" charset="-122"/>
-            </a:endParaRPr>
-          </a:p>
-        </p:txBody>
-      </p:sp>
-      <p:sp>
-        <p:nvSpPr>
-          <p:cNvPr id="2" name="TextBox 1"/>
-          <p:cNvSpPr txBox="1"/>
-          <p:nvPr/>
-        </p:nvSpPr>
-        <p:spPr>
-          <a:xfrm>
-            <a:off x="467544" y="1196752"/>
-            <a:ext cx="8208912" cy="369332"/>
-          </a:xfrm>
-          <a:prstGeom prst="rect">
-            <a:avLst/>
-          </a:prstGeom>
-          <a:noFill/>
-        </p:spPr>
-        <p:txBody>
-          <a:bodyPr wrap="square" rtlCol="0">
-            <a:spAutoFit/>
-          </a:bodyPr>
-          <a:lstStyle/>
-          <a:p>
-            <a:r>
-              <a:rPr lang="en-US" altLang="zh-CN" dirty="0"/>
-              <a:t>2</a:t>
-            </a:r>
-            <a:r>
-              <a:rPr lang="en-US" altLang="zh-CN" dirty="0" smtClean="0"/>
-              <a:t>. </a:t>
-            </a:r>
-            <a:r>
-              <a:rPr lang="en-US" altLang="zh-CN" dirty="0" err="1" smtClean="0"/>
-              <a:t>Luabinding</a:t>
-            </a:r>
-            <a:endParaRPr lang="zh-CN" altLang="en-US" dirty="0"/>
-          </a:p>
-        </p:txBody>
-      </p:sp>
-    </p:spTree>
-    <p:extLst>
-      <p:ext uri="{BB962C8B-B14F-4D97-AF65-F5344CB8AC3E}">
-        <p14:creationId xmlns:p14="http://schemas.microsoft.com/office/powerpoint/2010/main" val="796855673"/>
-      </p:ext>
-    </p:extLst>
-  </p:cSld>
-  <p:clrMapOvr>
-    <a:masterClrMapping/>
-  </p:clrMapOvr>
-  <p:timing>
-    <p:tnLst>
-      <p:par>
-        <p:cTn id="1" dur="indefinite" restart="never" nodeType="tmRoot"/>
-      </p:par>
-    </p:tnLst>
-  </p:timing>
-</p:sld>
-</file>
-
-<file path=ppt/slides/slide21.xml><?xml version="1.0" encoding="utf-8"?>
-<p:sld xmlns:a="http://schemas.openxmlformats.org/drawingml/2006/main" xmlns:r="http://schemas.openxmlformats.org/officeDocument/2006/relationships" xmlns:p="http://schemas.openxmlformats.org/presentationml/2006/main">
-  <p:cSld>
-    <p:spTree>
-      <p:nvGrpSpPr>
-        <p:cNvPr id="1" name=""/>
-        <p:cNvGrpSpPr/>
-        <p:nvPr/>
-      </p:nvGrpSpPr>
-      <p:grpSpPr>
-        <a:xfrm>
-          <a:off x="0" y="0"/>
-          <a:ext cx="0" cy="0"/>
-          <a:chOff x="0" y="0"/>
-          <a:chExt cx="0" cy="0"/>
-        </a:xfrm>
-      </p:grpSpPr>
-      <p:sp>
-        <p:nvSpPr>
-          <p:cNvPr id="7176" name="TextBox 5" hidden="1"/>
-          <p:cNvSpPr txBox="1">
-            <a:spLocks noChangeArrowheads="1"/>
-          </p:cNvSpPr>
-          <p:nvPr/>
-        </p:nvSpPr>
-        <p:spPr bwMode="auto">
-          <a:xfrm>
-            <a:off x="1939925" y="1954213"/>
-            <a:ext cx="1943100" cy="369887"/>
-          </a:xfrm>
-          <a:prstGeom prst="rect">
-            <a:avLst/>
-          </a:prstGeom>
-          <a:noFill/>
-          <a:ln w="9525">
-            <a:noFill/>
-            <a:miter lim="800000"/>
-            <a:headEnd/>
-            <a:tailEnd/>
-          </a:ln>
-        </p:spPr>
-        <p:txBody>
-          <a:bodyPr>
-            <a:spAutoFit/>
-          </a:bodyPr>
-          <a:lstStyle/>
-          <a:p>
-            <a:r>
-              <a:rPr lang="zh-CN" altLang="en-US">
-                <a:latin typeface="微软雅黑" pitchFamily="34" charset="-122"/>
-                <a:ea typeface="微软雅黑" pitchFamily="34" charset="-122"/>
-              </a:rPr>
-              <a:t>点击添加文本</a:t>
-            </a:r>
-          </a:p>
-        </p:txBody>
-      </p:sp>
-      <p:sp>
-        <p:nvSpPr>
-          <p:cNvPr id="7177" name="矩形 6" hidden="1"/>
-          <p:cNvSpPr>
-            <a:spLocks noChangeArrowheads="1"/>
-          </p:cNvSpPr>
-          <p:nvPr/>
-        </p:nvSpPr>
-        <p:spPr bwMode="auto">
-          <a:xfrm>
-            <a:off x="1939925" y="3025775"/>
-            <a:ext cx="1471613" cy="646113"/>
-          </a:xfrm>
-          <a:prstGeom prst="rect">
-            <a:avLst/>
-          </a:prstGeom>
-          <a:noFill/>
-          <a:ln w="9525">
-            <a:noFill/>
-            <a:miter lim="800000"/>
-            <a:headEnd/>
-            <a:tailEnd/>
-          </a:ln>
-        </p:spPr>
-        <p:txBody>
-          <a:bodyPr>
-            <a:spAutoFit/>
-          </a:bodyPr>
-          <a:lstStyle/>
-          <a:p>
-            <a:r>
-              <a:rPr lang="zh-CN" altLang="en-US">
-                <a:latin typeface="微软雅黑" pitchFamily="34" charset="-122"/>
-                <a:ea typeface="微软雅黑" pitchFamily="34" charset="-122"/>
-              </a:rPr>
-              <a:t>点击添加文本</a:t>
-            </a:r>
-          </a:p>
-        </p:txBody>
-      </p:sp>
-      <p:sp>
-        <p:nvSpPr>
-          <p:cNvPr id="7178" name="矩形 7" hidden="1"/>
-          <p:cNvSpPr>
-            <a:spLocks noChangeArrowheads="1"/>
-          </p:cNvSpPr>
-          <p:nvPr/>
-        </p:nvSpPr>
-        <p:spPr bwMode="auto">
-          <a:xfrm>
-            <a:off x="2011363" y="4240213"/>
-            <a:ext cx="1471612" cy="646112"/>
-          </a:xfrm>
-          <a:prstGeom prst="rect">
-            <a:avLst/>
-          </a:prstGeom>
-          <a:noFill/>
-          <a:ln w="9525">
-            <a:noFill/>
-            <a:miter lim="800000"/>
-            <a:headEnd/>
-            <a:tailEnd/>
-          </a:ln>
-        </p:spPr>
-        <p:txBody>
-          <a:bodyPr>
-            <a:spAutoFit/>
-          </a:bodyPr>
-          <a:lstStyle/>
-          <a:p>
-            <a:r>
-              <a:rPr lang="zh-CN" altLang="en-US">
-                <a:latin typeface="微软雅黑" pitchFamily="34" charset="-122"/>
-                <a:ea typeface="微软雅黑" pitchFamily="34" charset="-122"/>
-              </a:rPr>
-              <a:t>点击添加文本</a:t>
-            </a:r>
-          </a:p>
-        </p:txBody>
-      </p:sp>
-      <p:sp>
-        <p:nvSpPr>
-          <p:cNvPr id="7179" name="矩形 8" hidden="1"/>
-          <p:cNvSpPr>
-            <a:spLocks noChangeArrowheads="1"/>
-          </p:cNvSpPr>
-          <p:nvPr/>
-        </p:nvSpPr>
-        <p:spPr bwMode="auto">
-          <a:xfrm>
-            <a:off x="2011363" y="5526088"/>
-            <a:ext cx="1471612" cy="646112"/>
-          </a:xfrm>
-          <a:prstGeom prst="rect">
-            <a:avLst/>
-          </a:prstGeom>
-          <a:noFill/>
-          <a:ln w="9525">
-            <a:noFill/>
-            <a:miter lim="800000"/>
-            <a:headEnd/>
-            <a:tailEnd/>
-          </a:ln>
-        </p:spPr>
-        <p:txBody>
-          <a:bodyPr>
-            <a:spAutoFit/>
-          </a:bodyPr>
-          <a:lstStyle/>
-          <a:p>
-            <a:r>
-              <a:rPr lang="zh-CN" altLang="en-US">
-                <a:latin typeface="微软雅黑" pitchFamily="34" charset="-122"/>
-                <a:ea typeface="微软雅黑" pitchFamily="34" charset="-122"/>
-              </a:rPr>
-              <a:t>点击添加文本</a:t>
-            </a:r>
-          </a:p>
-        </p:txBody>
-      </p:sp>
-      <p:sp>
-        <p:nvSpPr>
-          <p:cNvPr id="7180" name="矩形 6"/>
-          <p:cNvSpPr>
-            <a:spLocks noChangeArrowheads="1"/>
-          </p:cNvSpPr>
-          <p:nvPr/>
-        </p:nvSpPr>
-        <p:spPr bwMode="auto">
-          <a:xfrm>
-            <a:off x="357188" y="285750"/>
-            <a:ext cx="4628190" cy="584775"/>
-          </a:xfrm>
-          <a:prstGeom prst="rect">
-            <a:avLst/>
-          </a:prstGeom>
-          <a:noFill/>
-          <a:ln w="9525">
-            <a:noFill/>
-            <a:miter lim="800000"/>
-            <a:headEnd/>
-            <a:tailEnd/>
-          </a:ln>
-        </p:spPr>
-        <p:txBody>
-          <a:bodyPr wrap="none">
-            <a:spAutoFit/>
-          </a:bodyPr>
-          <a:lstStyle/>
-          <a:p>
-            <a:r>
-              <a:rPr lang="en-US" altLang="zh-CN" sz="3200" dirty="0">
-                <a:latin typeface="Lucida Console" pitchFamily="49" charset="0"/>
-                <a:ea typeface="微软雅黑" pitchFamily="34" charset="-122"/>
-              </a:rPr>
-              <a:t>Using </a:t>
-            </a:r>
-            <a:r>
-              <a:rPr lang="en-US" altLang="zh-CN" sz="3200" dirty="0" err="1">
-                <a:latin typeface="Lucida Console" pitchFamily="49" charset="0"/>
-                <a:ea typeface="微软雅黑" pitchFamily="34" charset="-122"/>
-              </a:rPr>
-              <a:t>Lua</a:t>
-            </a:r>
-            <a:r>
-              <a:rPr lang="en-US" altLang="zh-CN" sz="3200" dirty="0">
-                <a:latin typeface="Lucida Console" pitchFamily="49" charset="0"/>
-                <a:ea typeface="微软雅黑" pitchFamily="34" charset="-122"/>
-              </a:rPr>
-              <a:t> with C++</a:t>
-            </a:r>
-            <a:endParaRPr lang="zh-CN" altLang="en-US" sz="3200" dirty="0">
-              <a:latin typeface="Lucida Console" pitchFamily="49" charset="0"/>
-              <a:ea typeface="微软雅黑" pitchFamily="34" charset="-122"/>
-            </a:endParaRPr>
-          </a:p>
-        </p:txBody>
-      </p:sp>
-      <p:sp>
-        <p:nvSpPr>
-          <p:cNvPr id="2" name="TextBox 1"/>
-          <p:cNvSpPr txBox="1"/>
-          <p:nvPr/>
-        </p:nvSpPr>
-        <p:spPr>
-          <a:xfrm>
-            <a:off x="467544" y="1196752"/>
-            <a:ext cx="8208912" cy="369332"/>
-          </a:xfrm>
-          <a:prstGeom prst="rect">
-            <a:avLst/>
-          </a:prstGeom>
-          <a:noFill/>
-        </p:spPr>
-        <p:txBody>
-          <a:bodyPr wrap="square" rtlCol="0">
-            <a:spAutoFit/>
-          </a:bodyPr>
-          <a:lstStyle/>
-          <a:p>
-            <a:r>
-              <a:rPr lang="en-US" altLang="zh-CN" dirty="0" smtClean="0"/>
-              <a:t>3. Use </a:t>
-            </a:r>
-            <a:r>
-              <a:rPr lang="en-US" altLang="zh-CN" dirty="0" err="1" smtClean="0"/>
-              <a:t>Lua</a:t>
-            </a:r>
-            <a:r>
-              <a:rPr lang="en-US" altLang="zh-CN" dirty="0" smtClean="0"/>
-              <a:t> as option file</a:t>
-            </a:r>
-            <a:endParaRPr lang="zh-CN" altLang="en-US" dirty="0"/>
-          </a:p>
-        </p:txBody>
-      </p:sp>
-    </p:spTree>
-    <p:extLst>
-      <p:ext uri="{BB962C8B-B14F-4D97-AF65-F5344CB8AC3E}">
-        <p14:creationId xmlns:p14="http://schemas.microsoft.com/office/powerpoint/2010/main" val="2693355107"/>
-      </p:ext>
-    </p:extLst>
-  </p:cSld>
-  <p:clrMapOvr>
-    <a:masterClrMapping/>
-  </p:clrMapOvr>
-  <p:timing>
-    <p:tnLst>
-      <p:par>
-        <p:cTn id="1" dur="indefinite" restart="never" nodeType="tmRoot"/>
-      </p:par>
-    </p:tnLst>
-  </p:timing>
-</p:sld>
-</file>
-
-<file path=ppt/slides/slide22.xml><?xml version="1.0" encoding="utf-8"?>
-<p:sld xmlns:a="http://schemas.openxmlformats.org/drawingml/2006/main" xmlns:r="http://schemas.openxmlformats.org/officeDocument/2006/relationships" xmlns:p="http://schemas.openxmlformats.org/presentationml/2006/main">
-  <p:cSld>
-    <p:spTree>
-      <p:nvGrpSpPr>
-        <p:cNvPr id="1" name=""/>
-        <p:cNvGrpSpPr/>
-        <p:nvPr/>
-      </p:nvGrpSpPr>
-      <p:grpSpPr>
-        <a:xfrm>
-          <a:off x="0" y="0"/>
-          <a:ext cx="0" cy="0"/>
-          <a:chOff x="0" y="0"/>
-          <a:chExt cx="0" cy="0"/>
-        </a:xfrm>
-      </p:grpSpPr>
-      <p:sp>
-        <p:nvSpPr>
-          <p:cNvPr id="7176" name="TextBox 5" hidden="1"/>
-          <p:cNvSpPr txBox="1">
-            <a:spLocks noChangeArrowheads="1"/>
-          </p:cNvSpPr>
-          <p:nvPr/>
-        </p:nvSpPr>
-        <p:spPr bwMode="auto">
-          <a:xfrm>
-            <a:off x="1939925" y="1954213"/>
-            <a:ext cx="1943100" cy="369887"/>
-          </a:xfrm>
-          <a:prstGeom prst="rect">
-            <a:avLst/>
-          </a:prstGeom>
-          <a:noFill/>
-          <a:ln w="9525">
-            <a:noFill/>
-            <a:miter lim="800000"/>
-            <a:headEnd/>
-            <a:tailEnd/>
-          </a:ln>
-        </p:spPr>
-        <p:txBody>
-          <a:bodyPr>
-            <a:spAutoFit/>
-          </a:bodyPr>
-          <a:lstStyle/>
-          <a:p>
-            <a:r>
-              <a:rPr lang="zh-CN" altLang="en-US">
-                <a:latin typeface="微软雅黑" pitchFamily="34" charset="-122"/>
-                <a:ea typeface="微软雅黑" pitchFamily="34" charset="-122"/>
-              </a:rPr>
-              <a:t>点击添加文本</a:t>
-            </a:r>
-          </a:p>
-        </p:txBody>
-      </p:sp>
-      <p:sp>
-        <p:nvSpPr>
-          <p:cNvPr id="7177" name="矩形 6" hidden="1"/>
-          <p:cNvSpPr>
-            <a:spLocks noChangeArrowheads="1"/>
-          </p:cNvSpPr>
-          <p:nvPr/>
-        </p:nvSpPr>
-        <p:spPr bwMode="auto">
-          <a:xfrm>
-            <a:off x="1939925" y="3025775"/>
-            <a:ext cx="1471613" cy="646113"/>
-          </a:xfrm>
-          <a:prstGeom prst="rect">
-            <a:avLst/>
-          </a:prstGeom>
-          <a:noFill/>
-          <a:ln w="9525">
-            <a:noFill/>
-            <a:miter lim="800000"/>
-            <a:headEnd/>
-            <a:tailEnd/>
-          </a:ln>
-        </p:spPr>
-        <p:txBody>
-          <a:bodyPr>
-            <a:spAutoFit/>
-          </a:bodyPr>
-          <a:lstStyle/>
-          <a:p>
-            <a:r>
-              <a:rPr lang="zh-CN" altLang="en-US">
-                <a:latin typeface="微软雅黑" pitchFamily="34" charset="-122"/>
-                <a:ea typeface="微软雅黑" pitchFamily="34" charset="-122"/>
-              </a:rPr>
-              <a:t>点击添加文本</a:t>
-            </a:r>
-          </a:p>
-        </p:txBody>
-      </p:sp>
-      <p:sp>
-        <p:nvSpPr>
-          <p:cNvPr id="7178" name="矩形 7" hidden="1"/>
-          <p:cNvSpPr>
-            <a:spLocks noChangeArrowheads="1"/>
-          </p:cNvSpPr>
-          <p:nvPr/>
-        </p:nvSpPr>
-        <p:spPr bwMode="auto">
-          <a:xfrm>
-            <a:off x="2011363" y="4240213"/>
-            <a:ext cx="1471612" cy="646112"/>
-          </a:xfrm>
-          <a:prstGeom prst="rect">
-            <a:avLst/>
-          </a:prstGeom>
-          <a:noFill/>
-          <a:ln w="9525">
-            <a:noFill/>
-            <a:miter lim="800000"/>
-            <a:headEnd/>
-            <a:tailEnd/>
-          </a:ln>
-        </p:spPr>
-        <p:txBody>
-          <a:bodyPr>
-            <a:spAutoFit/>
-          </a:bodyPr>
-          <a:lstStyle/>
-          <a:p>
-            <a:r>
-              <a:rPr lang="zh-CN" altLang="en-US">
-                <a:latin typeface="微软雅黑" pitchFamily="34" charset="-122"/>
-                <a:ea typeface="微软雅黑" pitchFamily="34" charset="-122"/>
-              </a:rPr>
-              <a:t>点击添加文本</a:t>
-            </a:r>
-          </a:p>
-        </p:txBody>
-      </p:sp>
-      <p:sp>
-        <p:nvSpPr>
-          <p:cNvPr id="7179" name="矩形 8" hidden="1"/>
-          <p:cNvSpPr>
-            <a:spLocks noChangeArrowheads="1"/>
-          </p:cNvSpPr>
-          <p:nvPr/>
-        </p:nvSpPr>
-        <p:spPr bwMode="auto">
-          <a:xfrm>
-            <a:off x="2011363" y="5526088"/>
-            <a:ext cx="1471612" cy="646112"/>
-          </a:xfrm>
-          <a:prstGeom prst="rect">
-            <a:avLst/>
-          </a:prstGeom>
-          <a:noFill/>
-          <a:ln w="9525">
-            <a:noFill/>
-            <a:miter lim="800000"/>
-            <a:headEnd/>
-            <a:tailEnd/>
-          </a:ln>
-        </p:spPr>
-        <p:txBody>
-          <a:bodyPr>
-            <a:spAutoFit/>
-          </a:bodyPr>
-          <a:lstStyle/>
-          <a:p>
-            <a:r>
-              <a:rPr lang="zh-CN" altLang="en-US">
-                <a:latin typeface="微软雅黑" pitchFamily="34" charset="-122"/>
-                <a:ea typeface="微软雅黑" pitchFamily="34" charset="-122"/>
-              </a:rPr>
-              <a:t>点击添加文本</a:t>
-            </a:r>
-          </a:p>
-        </p:txBody>
-      </p:sp>
-      <p:sp>
-        <p:nvSpPr>
-          <p:cNvPr id="7180" name="矩形 6"/>
-          <p:cNvSpPr>
-            <a:spLocks noChangeArrowheads="1"/>
-          </p:cNvSpPr>
-          <p:nvPr/>
-        </p:nvSpPr>
-        <p:spPr bwMode="auto">
-          <a:xfrm>
-            <a:off x="357188" y="285750"/>
-            <a:ext cx="4628190" cy="584775"/>
-          </a:xfrm>
-          <a:prstGeom prst="rect">
-            <a:avLst/>
-          </a:prstGeom>
-          <a:noFill/>
-          <a:ln w="9525">
-            <a:noFill/>
-            <a:miter lim="800000"/>
-            <a:headEnd/>
-            <a:tailEnd/>
-          </a:ln>
-        </p:spPr>
-        <p:txBody>
-          <a:bodyPr wrap="none">
-            <a:spAutoFit/>
-          </a:bodyPr>
-          <a:lstStyle/>
-          <a:p>
-            <a:r>
-              <a:rPr lang="en-US" altLang="zh-CN" sz="3200" dirty="0">
-                <a:latin typeface="Lucida Console" pitchFamily="49" charset="0"/>
-                <a:ea typeface="微软雅黑" pitchFamily="34" charset="-122"/>
-              </a:rPr>
-              <a:t>Using </a:t>
-            </a:r>
-            <a:r>
-              <a:rPr lang="en-US" altLang="zh-CN" sz="3200" dirty="0" err="1">
-                <a:latin typeface="Lucida Console" pitchFamily="49" charset="0"/>
-                <a:ea typeface="微软雅黑" pitchFamily="34" charset="-122"/>
-              </a:rPr>
-              <a:t>Lua</a:t>
-            </a:r>
-            <a:r>
-              <a:rPr lang="en-US" altLang="zh-CN" sz="3200" dirty="0">
-                <a:latin typeface="Lucida Console" pitchFamily="49" charset="0"/>
-                <a:ea typeface="微软雅黑" pitchFamily="34" charset="-122"/>
-              </a:rPr>
-              <a:t> with C++</a:t>
-            </a:r>
-            <a:endParaRPr lang="zh-CN" altLang="en-US" sz="3200" dirty="0">
-              <a:latin typeface="Lucida Console" pitchFamily="49" charset="0"/>
-              <a:ea typeface="微软雅黑" pitchFamily="34" charset="-122"/>
-            </a:endParaRPr>
-          </a:p>
-        </p:txBody>
-      </p:sp>
-      <p:sp>
-        <p:nvSpPr>
-          <p:cNvPr id="2" name="TextBox 1"/>
-          <p:cNvSpPr txBox="1"/>
-          <p:nvPr/>
-        </p:nvSpPr>
-        <p:spPr>
-          <a:xfrm>
-            <a:off x="467544" y="1196752"/>
-            <a:ext cx="8208912" cy="369332"/>
-          </a:xfrm>
-          <a:prstGeom prst="rect">
-            <a:avLst/>
-          </a:prstGeom>
-          <a:noFill/>
-        </p:spPr>
-        <p:txBody>
-          <a:bodyPr wrap="square" rtlCol="0">
-            <a:spAutoFit/>
-          </a:bodyPr>
-          <a:lstStyle/>
-          <a:p>
-            <a:r>
-              <a:rPr lang="en-US" altLang="zh-CN" dirty="0" smtClean="0"/>
-              <a:t>4</a:t>
-            </a:r>
-            <a:r>
-              <a:rPr lang="en-US" altLang="zh-CN" dirty="0" smtClean="0"/>
-              <a:t>. Use </a:t>
-            </a:r>
-            <a:r>
-              <a:rPr lang="en-US" altLang="zh-CN" dirty="0" err="1" smtClean="0"/>
-              <a:t>Lua</a:t>
-            </a:r>
-            <a:r>
-              <a:rPr lang="en-US" altLang="zh-CN" dirty="0" smtClean="0"/>
-              <a:t> for business logic</a:t>
-            </a:r>
-            <a:endParaRPr lang="zh-CN" altLang="en-US" dirty="0"/>
-          </a:p>
-        </p:txBody>
-      </p:sp>
-    </p:spTree>
-    <p:extLst>
-      <p:ext uri="{BB962C8B-B14F-4D97-AF65-F5344CB8AC3E}">
-        <p14:creationId xmlns:p14="http://schemas.microsoft.com/office/powerpoint/2010/main" val="756358651"/>
-      </p:ext>
-    </p:extLst>
-  </p:cSld>
-  <p:clrMapOvr>
-    <a:masterClrMapping/>
-  </p:clrMapOvr>
-  <p:timing>
-    <p:tnLst>
-      <p:par>
-        <p:cTn id="1" dur="indefinite" restart="never" nodeType="tmRoot"/>
-      </p:par>
-    </p:tnLst>
-  </p:timing>
-</p:sld>
-</file>
-
-<file path=ppt/slides/slide23.xml><?xml version="1.0" encoding="utf-8"?>
-<p:sld xmlns:a="http://schemas.openxmlformats.org/drawingml/2006/main" xmlns:r="http://schemas.openxmlformats.org/officeDocument/2006/relationships" xmlns:p="http://schemas.openxmlformats.org/presentationml/2006/main">
-  <p:cSld>
-    <p:spTree>
-      <p:nvGrpSpPr>
-        <p:cNvPr id="1" name=""/>
-        <p:cNvGrpSpPr/>
-        <p:nvPr/>
-      </p:nvGrpSpPr>
-      <p:grpSpPr>
-        <a:xfrm>
-          <a:off x="0" y="0"/>
-          <a:ext cx="0" cy="0"/>
-          <a:chOff x="0" y="0"/>
-          <a:chExt cx="0" cy="0"/>
-        </a:xfrm>
-      </p:grpSpPr>
-      <p:sp>
-        <p:nvSpPr>
-          <p:cNvPr id="7176" name="TextBox 5" hidden="1"/>
-          <p:cNvSpPr txBox="1">
-            <a:spLocks noChangeArrowheads="1"/>
-          </p:cNvSpPr>
-          <p:nvPr/>
-        </p:nvSpPr>
-        <p:spPr bwMode="auto">
-          <a:xfrm>
-            <a:off x="1939925" y="1954213"/>
-            <a:ext cx="1943100" cy="369887"/>
-          </a:xfrm>
-          <a:prstGeom prst="rect">
-            <a:avLst/>
-          </a:prstGeom>
-          <a:noFill/>
-          <a:ln w="9525">
-            <a:noFill/>
-            <a:miter lim="800000"/>
-            <a:headEnd/>
-            <a:tailEnd/>
-          </a:ln>
-        </p:spPr>
-        <p:txBody>
-          <a:bodyPr>
-            <a:spAutoFit/>
-          </a:bodyPr>
-          <a:lstStyle/>
-          <a:p>
-            <a:r>
-              <a:rPr lang="zh-CN" altLang="en-US">
-                <a:latin typeface="微软雅黑" pitchFamily="34" charset="-122"/>
-                <a:ea typeface="微软雅黑" pitchFamily="34" charset="-122"/>
-              </a:rPr>
-              <a:t>点击添加文本</a:t>
-            </a:r>
-          </a:p>
-        </p:txBody>
-      </p:sp>
-      <p:sp>
-        <p:nvSpPr>
-          <p:cNvPr id="7177" name="矩形 6" hidden="1"/>
-          <p:cNvSpPr>
-            <a:spLocks noChangeArrowheads="1"/>
-          </p:cNvSpPr>
-          <p:nvPr/>
-        </p:nvSpPr>
-        <p:spPr bwMode="auto">
-          <a:xfrm>
-            <a:off x="1939925" y="3025775"/>
-            <a:ext cx="1471613" cy="646113"/>
-          </a:xfrm>
-          <a:prstGeom prst="rect">
-            <a:avLst/>
-          </a:prstGeom>
-          <a:noFill/>
-          <a:ln w="9525">
-            <a:noFill/>
-            <a:miter lim="800000"/>
-            <a:headEnd/>
-            <a:tailEnd/>
-          </a:ln>
-        </p:spPr>
-        <p:txBody>
-          <a:bodyPr>
-            <a:spAutoFit/>
-          </a:bodyPr>
-          <a:lstStyle/>
-          <a:p>
-            <a:r>
-              <a:rPr lang="zh-CN" altLang="en-US">
-                <a:latin typeface="微软雅黑" pitchFamily="34" charset="-122"/>
-                <a:ea typeface="微软雅黑" pitchFamily="34" charset="-122"/>
-              </a:rPr>
-              <a:t>点击添加文本</a:t>
-            </a:r>
-          </a:p>
-        </p:txBody>
-      </p:sp>
-      <p:sp>
-        <p:nvSpPr>
-          <p:cNvPr id="7178" name="矩形 7" hidden="1"/>
-          <p:cNvSpPr>
-            <a:spLocks noChangeArrowheads="1"/>
-          </p:cNvSpPr>
-          <p:nvPr/>
-        </p:nvSpPr>
-        <p:spPr bwMode="auto">
-          <a:xfrm>
-            <a:off x="2011363" y="4240213"/>
-            <a:ext cx="1471612" cy="646112"/>
-          </a:xfrm>
-          <a:prstGeom prst="rect">
-            <a:avLst/>
-          </a:prstGeom>
-          <a:noFill/>
-          <a:ln w="9525">
-            <a:noFill/>
-            <a:miter lim="800000"/>
-            <a:headEnd/>
-            <a:tailEnd/>
-          </a:ln>
-        </p:spPr>
-        <p:txBody>
-          <a:bodyPr>
-            <a:spAutoFit/>
-          </a:bodyPr>
-          <a:lstStyle/>
-          <a:p>
-            <a:r>
-              <a:rPr lang="zh-CN" altLang="en-US">
-                <a:latin typeface="微软雅黑" pitchFamily="34" charset="-122"/>
-                <a:ea typeface="微软雅黑" pitchFamily="34" charset="-122"/>
-              </a:rPr>
-              <a:t>点击添加文本</a:t>
-            </a:r>
-          </a:p>
-        </p:txBody>
-      </p:sp>
-      <p:sp>
-        <p:nvSpPr>
-          <p:cNvPr id="7179" name="矩形 8" hidden="1"/>
-          <p:cNvSpPr>
-            <a:spLocks noChangeArrowheads="1"/>
-          </p:cNvSpPr>
-          <p:nvPr/>
-        </p:nvSpPr>
-        <p:spPr bwMode="auto">
-          <a:xfrm>
-            <a:off x="2011363" y="5526088"/>
-            <a:ext cx="1471612" cy="646112"/>
-          </a:xfrm>
-          <a:prstGeom prst="rect">
-            <a:avLst/>
-          </a:prstGeom>
-          <a:noFill/>
-          <a:ln w="9525">
-            <a:noFill/>
-            <a:miter lim="800000"/>
-            <a:headEnd/>
-            <a:tailEnd/>
-          </a:ln>
-        </p:spPr>
-        <p:txBody>
-          <a:bodyPr>
-            <a:spAutoFit/>
-          </a:bodyPr>
-          <a:lstStyle/>
-          <a:p>
-            <a:r>
-              <a:rPr lang="zh-CN" altLang="en-US">
-                <a:latin typeface="微软雅黑" pitchFamily="34" charset="-122"/>
-                <a:ea typeface="微软雅黑" pitchFamily="34" charset="-122"/>
-              </a:rPr>
-              <a:t>点击添加文本</a:t>
-            </a:r>
-          </a:p>
-        </p:txBody>
-      </p:sp>
-      <p:sp>
-        <p:nvSpPr>
-          <p:cNvPr id="7180" name="矩形 6"/>
-          <p:cNvSpPr>
-            <a:spLocks noChangeArrowheads="1"/>
-          </p:cNvSpPr>
-          <p:nvPr/>
-        </p:nvSpPr>
-        <p:spPr bwMode="auto">
-          <a:xfrm>
-            <a:off x="357188" y="285750"/>
-            <a:ext cx="4628190" cy="584775"/>
-          </a:xfrm>
-          <a:prstGeom prst="rect">
-            <a:avLst/>
-          </a:prstGeom>
-          <a:noFill/>
-          <a:ln w="9525">
-            <a:noFill/>
-            <a:miter lim="800000"/>
-            <a:headEnd/>
-            <a:tailEnd/>
-          </a:ln>
-        </p:spPr>
-        <p:txBody>
-          <a:bodyPr wrap="none">
-            <a:spAutoFit/>
-          </a:bodyPr>
-          <a:lstStyle/>
-          <a:p>
-            <a:r>
-              <a:rPr lang="en-US" altLang="zh-CN" sz="3200" dirty="0">
-                <a:latin typeface="Lucida Console" pitchFamily="49" charset="0"/>
-                <a:ea typeface="微软雅黑" pitchFamily="34" charset="-122"/>
-              </a:rPr>
-              <a:t>Using </a:t>
-            </a:r>
-            <a:r>
-              <a:rPr lang="en-US" altLang="zh-CN" sz="3200" dirty="0" err="1">
-                <a:latin typeface="Lucida Console" pitchFamily="49" charset="0"/>
-                <a:ea typeface="微软雅黑" pitchFamily="34" charset="-122"/>
-              </a:rPr>
-              <a:t>Lua</a:t>
-            </a:r>
-            <a:r>
-              <a:rPr lang="en-US" altLang="zh-CN" sz="3200" dirty="0">
-                <a:latin typeface="Lucida Console" pitchFamily="49" charset="0"/>
-                <a:ea typeface="微软雅黑" pitchFamily="34" charset="-122"/>
-              </a:rPr>
-              <a:t> with C++</a:t>
-            </a:r>
-            <a:endParaRPr lang="zh-CN" altLang="en-US" sz="3200" dirty="0">
-              <a:latin typeface="Lucida Console" pitchFamily="49" charset="0"/>
-              <a:ea typeface="微软雅黑" pitchFamily="34" charset="-122"/>
-            </a:endParaRPr>
-          </a:p>
-        </p:txBody>
-      </p:sp>
-      <p:sp>
-        <p:nvSpPr>
-          <p:cNvPr id="2" name="TextBox 1"/>
-          <p:cNvSpPr txBox="1"/>
-          <p:nvPr/>
-        </p:nvSpPr>
-        <p:spPr>
-          <a:xfrm>
-            <a:off x="467544" y="1196752"/>
-            <a:ext cx="8208912" cy="369332"/>
-          </a:xfrm>
-          <a:prstGeom prst="rect">
-            <a:avLst/>
-          </a:prstGeom>
-          <a:noFill/>
-        </p:spPr>
-        <p:txBody>
-          <a:bodyPr wrap="square" rtlCol="0">
-            <a:spAutoFit/>
-          </a:bodyPr>
-          <a:lstStyle/>
-          <a:p>
-            <a:r>
-              <a:rPr lang="en-US" altLang="zh-CN" dirty="0" smtClean="0"/>
-              <a:t>5. Use </a:t>
-            </a:r>
-            <a:r>
-              <a:rPr lang="en-US" altLang="zh-CN" dirty="0" err="1" smtClean="0"/>
-              <a:t>Lua</a:t>
-            </a:r>
-            <a:r>
-              <a:rPr lang="en-US" altLang="zh-CN" dirty="0" smtClean="0"/>
-              <a:t> for user-modification</a:t>
-            </a:r>
-            <a:endParaRPr lang="zh-CN" altLang="en-US" dirty="0"/>
-          </a:p>
-        </p:txBody>
-      </p:sp>
-    </p:spTree>
-    <p:extLst>
-      <p:ext uri="{BB962C8B-B14F-4D97-AF65-F5344CB8AC3E}">
-        <p14:creationId xmlns:p14="http://schemas.microsoft.com/office/powerpoint/2010/main" val="3505708379"/>
-      </p:ext>
-    </p:extLst>
-  </p:cSld>
-  <p:clrMapOvr>
-    <a:masterClrMapping/>
-  </p:clrMapOvr>
-  <p:timing>
-    <p:tnLst>
-      <p:par>
-        <p:cTn id="1" dur="indefinite" restart="never" nodeType="tmRoot"/>
-      </p:par>
-    </p:tnLst>
-  </p:timing>
-</p:sld>
-</file>
-
-<file path=ppt/slides/slide24.xml><?xml version="1.0" encoding="utf-8"?>
-<p:sld xmlns:a="http://schemas.openxmlformats.org/drawingml/2006/main" xmlns:r="http://schemas.openxmlformats.org/officeDocument/2006/relationships" xmlns:p="http://schemas.openxmlformats.org/presentationml/2006/main">
-  <p:cSld>
-    <p:spTree>
-      <p:nvGrpSpPr>
-        <p:cNvPr id="1" name=""/>
-        <p:cNvGrpSpPr/>
-        <p:nvPr/>
-      </p:nvGrpSpPr>
-      <p:grpSpPr>
-        <a:xfrm>
-          <a:off x="0" y="0"/>
-          <a:ext cx="0" cy="0"/>
-          <a:chOff x="0" y="0"/>
-          <a:chExt cx="0" cy="0"/>
-        </a:xfrm>
-      </p:grpSpPr>
-      <p:sp>
-        <p:nvSpPr>
           <p:cNvPr id="3079" name="TextBox 5" hidden="1"/>
           <p:cNvSpPr txBox="1">
             <a:spLocks noChangeArrowheads="1"/>
@@ -14116,7 +12066,7 @@
               <a:r>
                 <a:rPr lang="en-US" altLang="zh-CN" dirty="0" smtClean="0">
                   <a:solidFill>
-                    <a:schemeClr val="bg1"/>
+                    <a:srgbClr val="FFFF00"/>
                   </a:solidFill>
                   <a:latin typeface="Lucida Console" pitchFamily="49" charset="0"/>
                   <a:ea typeface="微软雅黑" pitchFamily="34" charset="-122"/>
@@ -14126,7 +12076,7 @@
               <a:r>
                 <a:rPr lang="en-US" altLang="zh-CN" dirty="0" err="1" smtClean="0">
                   <a:solidFill>
-                    <a:schemeClr val="bg1"/>
+                    <a:srgbClr val="FFFF00"/>
                   </a:solidFill>
                   <a:latin typeface="Lucida Console" pitchFamily="49" charset="0"/>
                   <a:ea typeface="微软雅黑" pitchFamily="34" charset="-122"/>
@@ -14136,26 +12086,16 @@
               <a:r>
                 <a:rPr lang="en-US" altLang="zh-CN" dirty="0" smtClean="0">
                   <a:solidFill>
-                    <a:schemeClr val="bg1"/>
+                    <a:srgbClr val="FFFF00"/>
                   </a:solidFill>
                   <a:latin typeface="Lucida Console" pitchFamily="49" charset="0"/>
                   <a:ea typeface="微软雅黑" pitchFamily="34" charset="-122"/>
                 </a:rPr>
-                <a:t> </a:t>
-              </a:r>
-              <a:r>
-                <a:rPr lang="en-US" altLang="zh-CN" dirty="0" smtClean="0">
-                  <a:solidFill>
-                    <a:schemeClr val="bg1"/>
-                  </a:solidFill>
-                  <a:latin typeface="Lucida Console" pitchFamily="49" charset="0"/>
-                  <a:ea typeface="微软雅黑" pitchFamily="34" charset="-122"/>
-                </a:rPr>
-                <a:t>with C++</a:t>
+                <a:t> with C++</a:t>
               </a:r>
               <a:endParaRPr lang="zh-CN" altLang="en-US" dirty="0">
                 <a:solidFill>
-                  <a:schemeClr val="bg1"/>
+                  <a:srgbClr val="FFFF00"/>
                 </a:solidFill>
                 <a:latin typeface="Lucida Console" pitchFamily="49" charset="0"/>
                 <a:ea typeface="微软雅黑" pitchFamily="34" charset="-122"/>
@@ -14326,7 +12266,7 @@
               <a:r>
                 <a:rPr lang="en-US" altLang="zh-CN" dirty="0" smtClean="0">
                   <a:solidFill>
-                    <a:srgbClr val="FFFF00"/>
+                    <a:schemeClr val="bg1"/>
                   </a:solidFill>
                   <a:latin typeface="Lucida Console" pitchFamily="49" charset="0"/>
                   <a:ea typeface="微软雅黑" pitchFamily="34" charset="-122"/>
@@ -14336,7 +12276,7 @@
               <a:r>
                 <a:rPr lang="en-US" altLang="zh-CN" dirty="0" err="1" smtClean="0">
                   <a:solidFill>
-                    <a:srgbClr val="FFFF00"/>
+                    <a:schemeClr val="bg1"/>
                   </a:solidFill>
                   <a:latin typeface="Lucida Console" pitchFamily="49" charset="0"/>
                   <a:ea typeface="微软雅黑" pitchFamily="34" charset="-122"/>
@@ -14345,7 +12285,7 @@
               </a:r>
               <a:endParaRPr lang="zh-CN" altLang="en-US" dirty="0">
                 <a:solidFill>
-                  <a:srgbClr val="FFFF00"/>
+                  <a:schemeClr val="bg1"/>
                 </a:solidFill>
                 <a:latin typeface="Lucida Console" pitchFamily="49" charset="0"/>
                 <a:ea typeface="微软雅黑" pitchFamily="34" charset="-122"/>
@@ -14537,7 +12477,1194 @@
     </p:spTree>
     <p:extLst>
       <p:ext uri="{BB962C8B-B14F-4D97-AF65-F5344CB8AC3E}">
-        <p14:creationId xmlns:p14="http://schemas.microsoft.com/office/powerpoint/2010/main" val="1630166878"/>
+        <p14:creationId xmlns:p14="http://schemas.microsoft.com/office/powerpoint/2010/main" val="1922702417"/>
+      </p:ext>
+    </p:extLst>
+  </p:cSld>
+  <p:clrMapOvr>
+    <a:masterClrMapping/>
+  </p:clrMapOvr>
+  <p:timing>
+    <p:tnLst>
+      <p:par>
+        <p:cTn id="1" dur="indefinite" restart="never" nodeType="tmRoot"/>
+      </p:par>
+    </p:tnLst>
+  </p:timing>
+</p:sld>
+</file>
+
+<file path=ppt/slides/slide21.xml><?xml version="1.0" encoding="utf-8"?>
+<p:sld xmlns:a="http://schemas.openxmlformats.org/drawingml/2006/main" xmlns:r="http://schemas.openxmlformats.org/officeDocument/2006/relationships" xmlns:p="http://schemas.openxmlformats.org/presentationml/2006/main">
+  <p:cSld>
+    <p:spTree>
+      <p:nvGrpSpPr>
+        <p:cNvPr id="1" name=""/>
+        <p:cNvGrpSpPr/>
+        <p:nvPr/>
+      </p:nvGrpSpPr>
+      <p:grpSpPr>
+        <a:xfrm>
+          <a:off x="0" y="0"/>
+          <a:ext cx="0" cy="0"/>
+          <a:chOff x="0" y="0"/>
+          <a:chExt cx="0" cy="0"/>
+        </a:xfrm>
+      </p:grpSpPr>
+      <p:sp>
+        <p:nvSpPr>
+          <p:cNvPr id="7176" name="TextBox 5" hidden="1"/>
+          <p:cNvSpPr txBox="1">
+            <a:spLocks noChangeArrowheads="1"/>
+          </p:cNvSpPr>
+          <p:nvPr/>
+        </p:nvSpPr>
+        <p:spPr bwMode="auto">
+          <a:xfrm>
+            <a:off x="1939925" y="1954213"/>
+            <a:ext cx="1943100" cy="369887"/>
+          </a:xfrm>
+          <a:prstGeom prst="rect">
+            <a:avLst/>
+          </a:prstGeom>
+          <a:noFill/>
+          <a:ln w="9525">
+            <a:noFill/>
+            <a:miter lim="800000"/>
+            <a:headEnd/>
+            <a:tailEnd/>
+          </a:ln>
+        </p:spPr>
+        <p:txBody>
+          <a:bodyPr>
+            <a:spAutoFit/>
+          </a:bodyPr>
+          <a:lstStyle/>
+          <a:p>
+            <a:r>
+              <a:rPr lang="zh-CN" altLang="en-US">
+                <a:latin typeface="微软雅黑" pitchFamily="34" charset="-122"/>
+                <a:ea typeface="微软雅黑" pitchFamily="34" charset="-122"/>
+              </a:rPr>
+              <a:t>点击添加文本</a:t>
+            </a:r>
+          </a:p>
+        </p:txBody>
+      </p:sp>
+      <p:sp>
+        <p:nvSpPr>
+          <p:cNvPr id="7177" name="矩形 6" hidden="1"/>
+          <p:cNvSpPr>
+            <a:spLocks noChangeArrowheads="1"/>
+          </p:cNvSpPr>
+          <p:nvPr/>
+        </p:nvSpPr>
+        <p:spPr bwMode="auto">
+          <a:xfrm>
+            <a:off x="1939925" y="3025775"/>
+            <a:ext cx="1471613" cy="646113"/>
+          </a:xfrm>
+          <a:prstGeom prst="rect">
+            <a:avLst/>
+          </a:prstGeom>
+          <a:noFill/>
+          <a:ln w="9525">
+            <a:noFill/>
+            <a:miter lim="800000"/>
+            <a:headEnd/>
+            <a:tailEnd/>
+          </a:ln>
+        </p:spPr>
+        <p:txBody>
+          <a:bodyPr>
+            <a:spAutoFit/>
+          </a:bodyPr>
+          <a:lstStyle/>
+          <a:p>
+            <a:r>
+              <a:rPr lang="zh-CN" altLang="en-US">
+                <a:latin typeface="微软雅黑" pitchFamily="34" charset="-122"/>
+                <a:ea typeface="微软雅黑" pitchFamily="34" charset="-122"/>
+              </a:rPr>
+              <a:t>点击添加文本</a:t>
+            </a:r>
+          </a:p>
+        </p:txBody>
+      </p:sp>
+      <p:sp>
+        <p:nvSpPr>
+          <p:cNvPr id="7178" name="矩形 7" hidden="1"/>
+          <p:cNvSpPr>
+            <a:spLocks noChangeArrowheads="1"/>
+          </p:cNvSpPr>
+          <p:nvPr/>
+        </p:nvSpPr>
+        <p:spPr bwMode="auto">
+          <a:xfrm>
+            <a:off x="2011363" y="4240213"/>
+            <a:ext cx="1471612" cy="646112"/>
+          </a:xfrm>
+          <a:prstGeom prst="rect">
+            <a:avLst/>
+          </a:prstGeom>
+          <a:noFill/>
+          <a:ln w="9525">
+            <a:noFill/>
+            <a:miter lim="800000"/>
+            <a:headEnd/>
+            <a:tailEnd/>
+          </a:ln>
+        </p:spPr>
+        <p:txBody>
+          <a:bodyPr>
+            <a:spAutoFit/>
+          </a:bodyPr>
+          <a:lstStyle/>
+          <a:p>
+            <a:r>
+              <a:rPr lang="zh-CN" altLang="en-US">
+                <a:latin typeface="微软雅黑" pitchFamily="34" charset="-122"/>
+                <a:ea typeface="微软雅黑" pitchFamily="34" charset="-122"/>
+              </a:rPr>
+              <a:t>点击添加文本</a:t>
+            </a:r>
+          </a:p>
+        </p:txBody>
+      </p:sp>
+      <p:sp>
+        <p:nvSpPr>
+          <p:cNvPr id="7179" name="矩形 8" hidden="1"/>
+          <p:cNvSpPr>
+            <a:spLocks noChangeArrowheads="1"/>
+          </p:cNvSpPr>
+          <p:nvPr/>
+        </p:nvSpPr>
+        <p:spPr bwMode="auto">
+          <a:xfrm>
+            <a:off x="2011363" y="5526088"/>
+            <a:ext cx="1471612" cy="646112"/>
+          </a:xfrm>
+          <a:prstGeom prst="rect">
+            <a:avLst/>
+          </a:prstGeom>
+          <a:noFill/>
+          <a:ln w="9525">
+            <a:noFill/>
+            <a:miter lim="800000"/>
+            <a:headEnd/>
+            <a:tailEnd/>
+          </a:ln>
+        </p:spPr>
+        <p:txBody>
+          <a:bodyPr>
+            <a:spAutoFit/>
+          </a:bodyPr>
+          <a:lstStyle/>
+          <a:p>
+            <a:r>
+              <a:rPr lang="zh-CN" altLang="en-US">
+                <a:latin typeface="微软雅黑" pitchFamily="34" charset="-122"/>
+                <a:ea typeface="微软雅黑" pitchFamily="34" charset="-122"/>
+              </a:rPr>
+              <a:t>点击添加文本</a:t>
+            </a:r>
+          </a:p>
+        </p:txBody>
+      </p:sp>
+      <p:sp>
+        <p:nvSpPr>
+          <p:cNvPr id="7180" name="矩形 6"/>
+          <p:cNvSpPr>
+            <a:spLocks noChangeArrowheads="1"/>
+          </p:cNvSpPr>
+          <p:nvPr/>
+        </p:nvSpPr>
+        <p:spPr bwMode="auto">
+          <a:xfrm>
+            <a:off x="357188" y="285750"/>
+            <a:ext cx="4628190" cy="584775"/>
+          </a:xfrm>
+          <a:prstGeom prst="rect">
+            <a:avLst/>
+          </a:prstGeom>
+          <a:noFill/>
+          <a:ln w="9525">
+            <a:noFill/>
+            <a:miter lim="800000"/>
+            <a:headEnd/>
+            <a:tailEnd/>
+          </a:ln>
+        </p:spPr>
+        <p:txBody>
+          <a:bodyPr wrap="none">
+            <a:spAutoFit/>
+          </a:bodyPr>
+          <a:lstStyle/>
+          <a:p>
+            <a:r>
+              <a:rPr lang="en-US" altLang="zh-CN" sz="3200" dirty="0">
+                <a:latin typeface="Lucida Console" pitchFamily="49" charset="0"/>
+                <a:ea typeface="微软雅黑" pitchFamily="34" charset="-122"/>
+              </a:rPr>
+              <a:t>Using </a:t>
+            </a:r>
+            <a:r>
+              <a:rPr lang="en-US" altLang="zh-CN" sz="3200" dirty="0" err="1">
+                <a:latin typeface="Lucida Console" pitchFamily="49" charset="0"/>
+                <a:ea typeface="微软雅黑" pitchFamily="34" charset="-122"/>
+              </a:rPr>
+              <a:t>Lua</a:t>
+            </a:r>
+            <a:r>
+              <a:rPr lang="en-US" altLang="zh-CN" sz="3200" dirty="0">
+                <a:latin typeface="Lucida Console" pitchFamily="49" charset="0"/>
+                <a:ea typeface="微软雅黑" pitchFamily="34" charset="-122"/>
+              </a:rPr>
+              <a:t> with </a:t>
+            </a:r>
+            <a:r>
+              <a:rPr lang="en-US" altLang="zh-CN" sz="3200" dirty="0" smtClean="0">
+                <a:latin typeface="Lucida Console" pitchFamily="49" charset="0"/>
+                <a:ea typeface="微软雅黑" pitchFamily="34" charset="-122"/>
+              </a:rPr>
+              <a:t>C++</a:t>
+            </a:r>
+            <a:endParaRPr lang="zh-CN" altLang="en-US" sz="3200" dirty="0">
+              <a:latin typeface="Lucida Console" pitchFamily="49" charset="0"/>
+              <a:ea typeface="微软雅黑" pitchFamily="34" charset="-122"/>
+            </a:endParaRPr>
+          </a:p>
+        </p:txBody>
+      </p:sp>
+      <p:sp>
+        <p:nvSpPr>
+          <p:cNvPr id="2" name="TextBox 1"/>
+          <p:cNvSpPr txBox="1"/>
+          <p:nvPr/>
+        </p:nvSpPr>
+        <p:spPr>
+          <a:xfrm>
+            <a:off x="467544" y="1196752"/>
+            <a:ext cx="8208912" cy="369332"/>
+          </a:xfrm>
+          <a:prstGeom prst="rect">
+            <a:avLst/>
+          </a:prstGeom>
+          <a:noFill/>
+        </p:spPr>
+        <p:txBody>
+          <a:bodyPr wrap="square" rtlCol="0">
+            <a:spAutoFit/>
+          </a:bodyPr>
+          <a:lstStyle/>
+          <a:p>
+            <a:r>
+              <a:rPr lang="en-US" altLang="zh-CN" dirty="0" smtClean="0"/>
+              <a:t>1. Call class function in </a:t>
+            </a:r>
+            <a:r>
+              <a:rPr lang="en-US" altLang="zh-CN" dirty="0" err="1" smtClean="0"/>
+              <a:t>Lua</a:t>
+            </a:r>
+            <a:r>
+              <a:rPr lang="en-US" altLang="zh-CN" dirty="0" smtClean="0"/>
+              <a:t>/ Using </a:t>
+            </a:r>
+            <a:r>
+              <a:rPr lang="en-US" altLang="zh-CN" dirty="0" err="1" smtClean="0"/>
+              <a:t>Lua</a:t>
+            </a:r>
+            <a:r>
+              <a:rPr lang="en-US" altLang="zh-CN" dirty="0" smtClean="0"/>
+              <a:t> user data</a:t>
+            </a:r>
+            <a:endParaRPr lang="zh-CN" altLang="en-US" dirty="0"/>
+          </a:p>
+        </p:txBody>
+      </p:sp>
+    </p:spTree>
+    <p:extLst>
+      <p:ext uri="{BB962C8B-B14F-4D97-AF65-F5344CB8AC3E}">
+        <p14:creationId xmlns:p14="http://schemas.microsoft.com/office/powerpoint/2010/main" val="1375900794"/>
+      </p:ext>
+    </p:extLst>
+  </p:cSld>
+  <p:clrMapOvr>
+    <a:masterClrMapping/>
+  </p:clrMapOvr>
+  <p:timing>
+    <p:tnLst>
+      <p:par>
+        <p:cTn id="1" dur="indefinite" restart="never" nodeType="tmRoot"/>
+      </p:par>
+    </p:tnLst>
+  </p:timing>
+</p:sld>
+</file>
+
+<file path=ppt/slides/slide22.xml><?xml version="1.0" encoding="utf-8"?>
+<p:sld xmlns:a="http://schemas.openxmlformats.org/drawingml/2006/main" xmlns:r="http://schemas.openxmlformats.org/officeDocument/2006/relationships" xmlns:p="http://schemas.openxmlformats.org/presentationml/2006/main">
+  <p:cSld>
+    <p:spTree>
+      <p:nvGrpSpPr>
+        <p:cNvPr id="1" name=""/>
+        <p:cNvGrpSpPr/>
+        <p:nvPr/>
+      </p:nvGrpSpPr>
+      <p:grpSpPr>
+        <a:xfrm>
+          <a:off x="0" y="0"/>
+          <a:ext cx="0" cy="0"/>
+          <a:chOff x="0" y="0"/>
+          <a:chExt cx="0" cy="0"/>
+        </a:xfrm>
+      </p:grpSpPr>
+      <p:sp>
+        <p:nvSpPr>
+          <p:cNvPr id="7176" name="TextBox 5" hidden="1"/>
+          <p:cNvSpPr txBox="1">
+            <a:spLocks noChangeArrowheads="1"/>
+          </p:cNvSpPr>
+          <p:nvPr/>
+        </p:nvSpPr>
+        <p:spPr bwMode="auto">
+          <a:xfrm>
+            <a:off x="1939925" y="1954213"/>
+            <a:ext cx="1943100" cy="369887"/>
+          </a:xfrm>
+          <a:prstGeom prst="rect">
+            <a:avLst/>
+          </a:prstGeom>
+          <a:noFill/>
+          <a:ln w="9525">
+            <a:noFill/>
+            <a:miter lim="800000"/>
+            <a:headEnd/>
+            <a:tailEnd/>
+          </a:ln>
+        </p:spPr>
+        <p:txBody>
+          <a:bodyPr>
+            <a:spAutoFit/>
+          </a:bodyPr>
+          <a:lstStyle/>
+          <a:p>
+            <a:r>
+              <a:rPr lang="zh-CN" altLang="en-US">
+                <a:latin typeface="微软雅黑" pitchFamily="34" charset="-122"/>
+                <a:ea typeface="微软雅黑" pitchFamily="34" charset="-122"/>
+              </a:rPr>
+              <a:t>点击添加文本</a:t>
+            </a:r>
+          </a:p>
+        </p:txBody>
+      </p:sp>
+      <p:sp>
+        <p:nvSpPr>
+          <p:cNvPr id="7177" name="矩形 6" hidden="1"/>
+          <p:cNvSpPr>
+            <a:spLocks noChangeArrowheads="1"/>
+          </p:cNvSpPr>
+          <p:nvPr/>
+        </p:nvSpPr>
+        <p:spPr bwMode="auto">
+          <a:xfrm>
+            <a:off x="1939925" y="3025775"/>
+            <a:ext cx="1471613" cy="646113"/>
+          </a:xfrm>
+          <a:prstGeom prst="rect">
+            <a:avLst/>
+          </a:prstGeom>
+          <a:noFill/>
+          <a:ln w="9525">
+            <a:noFill/>
+            <a:miter lim="800000"/>
+            <a:headEnd/>
+            <a:tailEnd/>
+          </a:ln>
+        </p:spPr>
+        <p:txBody>
+          <a:bodyPr>
+            <a:spAutoFit/>
+          </a:bodyPr>
+          <a:lstStyle/>
+          <a:p>
+            <a:r>
+              <a:rPr lang="zh-CN" altLang="en-US">
+                <a:latin typeface="微软雅黑" pitchFamily="34" charset="-122"/>
+                <a:ea typeface="微软雅黑" pitchFamily="34" charset="-122"/>
+              </a:rPr>
+              <a:t>点击添加文本</a:t>
+            </a:r>
+          </a:p>
+        </p:txBody>
+      </p:sp>
+      <p:sp>
+        <p:nvSpPr>
+          <p:cNvPr id="7178" name="矩形 7" hidden="1"/>
+          <p:cNvSpPr>
+            <a:spLocks noChangeArrowheads="1"/>
+          </p:cNvSpPr>
+          <p:nvPr/>
+        </p:nvSpPr>
+        <p:spPr bwMode="auto">
+          <a:xfrm>
+            <a:off x="2011363" y="4240213"/>
+            <a:ext cx="1471612" cy="646112"/>
+          </a:xfrm>
+          <a:prstGeom prst="rect">
+            <a:avLst/>
+          </a:prstGeom>
+          <a:noFill/>
+          <a:ln w="9525">
+            <a:noFill/>
+            <a:miter lim="800000"/>
+            <a:headEnd/>
+            <a:tailEnd/>
+          </a:ln>
+        </p:spPr>
+        <p:txBody>
+          <a:bodyPr>
+            <a:spAutoFit/>
+          </a:bodyPr>
+          <a:lstStyle/>
+          <a:p>
+            <a:r>
+              <a:rPr lang="zh-CN" altLang="en-US">
+                <a:latin typeface="微软雅黑" pitchFamily="34" charset="-122"/>
+                <a:ea typeface="微软雅黑" pitchFamily="34" charset="-122"/>
+              </a:rPr>
+              <a:t>点击添加文本</a:t>
+            </a:r>
+          </a:p>
+        </p:txBody>
+      </p:sp>
+      <p:sp>
+        <p:nvSpPr>
+          <p:cNvPr id="7179" name="矩形 8" hidden="1"/>
+          <p:cNvSpPr>
+            <a:spLocks noChangeArrowheads="1"/>
+          </p:cNvSpPr>
+          <p:nvPr/>
+        </p:nvSpPr>
+        <p:spPr bwMode="auto">
+          <a:xfrm>
+            <a:off x="2011363" y="5526088"/>
+            <a:ext cx="1471612" cy="646112"/>
+          </a:xfrm>
+          <a:prstGeom prst="rect">
+            <a:avLst/>
+          </a:prstGeom>
+          <a:noFill/>
+          <a:ln w="9525">
+            <a:noFill/>
+            <a:miter lim="800000"/>
+            <a:headEnd/>
+            <a:tailEnd/>
+          </a:ln>
+        </p:spPr>
+        <p:txBody>
+          <a:bodyPr>
+            <a:spAutoFit/>
+          </a:bodyPr>
+          <a:lstStyle/>
+          <a:p>
+            <a:r>
+              <a:rPr lang="zh-CN" altLang="en-US">
+                <a:latin typeface="微软雅黑" pitchFamily="34" charset="-122"/>
+                <a:ea typeface="微软雅黑" pitchFamily="34" charset="-122"/>
+              </a:rPr>
+              <a:t>点击添加文本</a:t>
+            </a:r>
+          </a:p>
+        </p:txBody>
+      </p:sp>
+      <p:sp>
+        <p:nvSpPr>
+          <p:cNvPr id="7180" name="矩形 6"/>
+          <p:cNvSpPr>
+            <a:spLocks noChangeArrowheads="1"/>
+          </p:cNvSpPr>
+          <p:nvPr/>
+        </p:nvSpPr>
+        <p:spPr bwMode="auto">
+          <a:xfrm>
+            <a:off x="357188" y="285750"/>
+            <a:ext cx="4628190" cy="584775"/>
+          </a:xfrm>
+          <a:prstGeom prst="rect">
+            <a:avLst/>
+          </a:prstGeom>
+          <a:noFill/>
+          <a:ln w="9525">
+            <a:noFill/>
+            <a:miter lim="800000"/>
+            <a:headEnd/>
+            <a:tailEnd/>
+          </a:ln>
+        </p:spPr>
+        <p:txBody>
+          <a:bodyPr wrap="none">
+            <a:spAutoFit/>
+          </a:bodyPr>
+          <a:lstStyle/>
+          <a:p>
+            <a:r>
+              <a:rPr lang="en-US" altLang="zh-CN" sz="3200" dirty="0">
+                <a:latin typeface="Lucida Console" pitchFamily="49" charset="0"/>
+                <a:ea typeface="微软雅黑" pitchFamily="34" charset="-122"/>
+              </a:rPr>
+              <a:t>Using </a:t>
+            </a:r>
+            <a:r>
+              <a:rPr lang="en-US" altLang="zh-CN" sz="3200" dirty="0" err="1">
+                <a:latin typeface="Lucida Console" pitchFamily="49" charset="0"/>
+                <a:ea typeface="微软雅黑" pitchFamily="34" charset="-122"/>
+              </a:rPr>
+              <a:t>Lua</a:t>
+            </a:r>
+            <a:r>
+              <a:rPr lang="en-US" altLang="zh-CN" sz="3200" dirty="0">
+                <a:latin typeface="Lucida Console" pitchFamily="49" charset="0"/>
+                <a:ea typeface="微软雅黑" pitchFamily="34" charset="-122"/>
+              </a:rPr>
+              <a:t> with C++</a:t>
+            </a:r>
+            <a:endParaRPr lang="zh-CN" altLang="en-US" sz="3200" dirty="0">
+              <a:latin typeface="Lucida Console" pitchFamily="49" charset="0"/>
+              <a:ea typeface="微软雅黑" pitchFamily="34" charset="-122"/>
+            </a:endParaRPr>
+          </a:p>
+        </p:txBody>
+      </p:sp>
+      <p:sp>
+        <p:nvSpPr>
+          <p:cNvPr id="2" name="TextBox 1"/>
+          <p:cNvSpPr txBox="1"/>
+          <p:nvPr/>
+        </p:nvSpPr>
+        <p:spPr>
+          <a:xfrm>
+            <a:off x="467544" y="1196752"/>
+            <a:ext cx="8208912" cy="369332"/>
+          </a:xfrm>
+          <a:prstGeom prst="rect">
+            <a:avLst/>
+          </a:prstGeom>
+          <a:noFill/>
+        </p:spPr>
+        <p:txBody>
+          <a:bodyPr wrap="square" rtlCol="0">
+            <a:spAutoFit/>
+          </a:bodyPr>
+          <a:lstStyle/>
+          <a:p>
+            <a:r>
+              <a:rPr lang="en-US" altLang="zh-CN" dirty="0"/>
+              <a:t>2</a:t>
+            </a:r>
+            <a:r>
+              <a:rPr lang="en-US" altLang="zh-CN" dirty="0" smtClean="0"/>
+              <a:t>. </a:t>
+            </a:r>
+            <a:r>
+              <a:rPr lang="en-US" altLang="zh-CN" dirty="0" err="1" smtClean="0"/>
+              <a:t>Luabinding</a:t>
+            </a:r>
+            <a:endParaRPr lang="zh-CN" altLang="en-US" dirty="0"/>
+          </a:p>
+        </p:txBody>
+      </p:sp>
+    </p:spTree>
+    <p:extLst>
+      <p:ext uri="{BB962C8B-B14F-4D97-AF65-F5344CB8AC3E}">
+        <p14:creationId xmlns:p14="http://schemas.microsoft.com/office/powerpoint/2010/main" val="796855673"/>
+      </p:ext>
+    </p:extLst>
+  </p:cSld>
+  <p:clrMapOvr>
+    <a:masterClrMapping/>
+  </p:clrMapOvr>
+  <p:timing>
+    <p:tnLst>
+      <p:par>
+        <p:cTn id="1" dur="indefinite" restart="never" nodeType="tmRoot"/>
+      </p:par>
+    </p:tnLst>
+  </p:timing>
+</p:sld>
+</file>
+
+<file path=ppt/slides/slide23.xml><?xml version="1.0" encoding="utf-8"?>
+<p:sld xmlns:a="http://schemas.openxmlformats.org/drawingml/2006/main" xmlns:r="http://schemas.openxmlformats.org/officeDocument/2006/relationships" xmlns:p="http://schemas.openxmlformats.org/presentationml/2006/main">
+  <p:cSld>
+    <p:spTree>
+      <p:nvGrpSpPr>
+        <p:cNvPr id="1" name=""/>
+        <p:cNvGrpSpPr/>
+        <p:nvPr/>
+      </p:nvGrpSpPr>
+      <p:grpSpPr>
+        <a:xfrm>
+          <a:off x="0" y="0"/>
+          <a:ext cx="0" cy="0"/>
+          <a:chOff x="0" y="0"/>
+          <a:chExt cx="0" cy="0"/>
+        </a:xfrm>
+      </p:grpSpPr>
+      <p:sp>
+        <p:nvSpPr>
+          <p:cNvPr id="7176" name="TextBox 5" hidden="1"/>
+          <p:cNvSpPr txBox="1">
+            <a:spLocks noChangeArrowheads="1"/>
+          </p:cNvSpPr>
+          <p:nvPr/>
+        </p:nvSpPr>
+        <p:spPr bwMode="auto">
+          <a:xfrm>
+            <a:off x="1939925" y="1954213"/>
+            <a:ext cx="1943100" cy="369887"/>
+          </a:xfrm>
+          <a:prstGeom prst="rect">
+            <a:avLst/>
+          </a:prstGeom>
+          <a:noFill/>
+          <a:ln w="9525">
+            <a:noFill/>
+            <a:miter lim="800000"/>
+            <a:headEnd/>
+            <a:tailEnd/>
+          </a:ln>
+        </p:spPr>
+        <p:txBody>
+          <a:bodyPr>
+            <a:spAutoFit/>
+          </a:bodyPr>
+          <a:lstStyle/>
+          <a:p>
+            <a:r>
+              <a:rPr lang="zh-CN" altLang="en-US">
+                <a:latin typeface="微软雅黑" pitchFamily="34" charset="-122"/>
+                <a:ea typeface="微软雅黑" pitchFamily="34" charset="-122"/>
+              </a:rPr>
+              <a:t>点击添加文本</a:t>
+            </a:r>
+          </a:p>
+        </p:txBody>
+      </p:sp>
+      <p:sp>
+        <p:nvSpPr>
+          <p:cNvPr id="7177" name="矩形 6" hidden="1"/>
+          <p:cNvSpPr>
+            <a:spLocks noChangeArrowheads="1"/>
+          </p:cNvSpPr>
+          <p:nvPr/>
+        </p:nvSpPr>
+        <p:spPr bwMode="auto">
+          <a:xfrm>
+            <a:off x="1939925" y="3025775"/>
+            <a:ext cx="1471613" cy="646113"/>
+          </a:xfrm>
+          <a:prstGeom prst="rect">
+            <a:avLst/>
+          </a:prstGeom>
+          <a:noFill/>
+          <a:ln w="9525">
+            <a:noFill/>
+            <a:miter lim="800000"/>
+            <a:headEnd/>
+            <a:tailEnd/>
+          </a:ln>
+        </p:spPr>
+        <p:txBody>
+          <a:bodyPr>
+            <a:spAutoFit/>
+          </a:bodyPr>
+          <a:lstStyle/>
+          <a:p>
+            <a:r>
+              <a:rPr lang="zh-CN" altLang="en-US">
+                <a:latin typeface="微软雅黑" pitchFamily="34" charset="-122"/>
+                <a:ea typeface="微软雅黑" pitchFamily="34" charset="-122"/>
+              </a:rPr>
+              <a:t>点击添加文本</a:t>
+            </a:r>
+          </a:p>
+        </p:txBody>
+      </p:sp>
+      <p:sp>
+        <p:nvSpPr>
+          <p:cNvPr id="7178" name="矩形 7" hidden="1"/>
+          <p:cNvSpPr>
+            <a:spLocks noChangeArrowheads="1"/>
+          </p:cNvSpPr>
+          <p:nvPr/>
+        </p:nvSpPr>
+        <p:spPr bwMode="auto">
+          <a:xfrm>
+            <a:off x="2011363" y="4240213"/>
+            <a:ext cx="1471612" cy="646112"/>
+          </a:xfrm>
+          <a:prstGeom prst="rect">
+            <a:avLst/>
+          </a:prstGeom>
+          <a:noFill/>
+          <a:ln w="9525">
+            <a:noFill/>
+            <a:miter lim="800000"/>
+            <a:headEnd/>
+            <a:tailEnd/>
+          </a:ln>
+        </p:spPr>
+        <p:txBody>
+          <a:bodyPr>
+            <a:spAutoFit/>
+          </a:bodyPr>
+          <a:lstStyle/>
+          <a:p>
+            <a:r>
+              <a:rPr lang="zh-CN" altLang="en-US">
+                <a:latin typeface="微软雅黑" pitchFamily="34" charset="-122"/>
+                <a:ea typeface="微软雅黑" pitchFamily="34" charset="-122"/>
+              </a:rPr>
+              <a:t>点击添加文本</a:t>
+            </a:r>
+          </a:p>
+        </p:txBody>
+      </p:sp>
+      <p:sp>
+        <p:nvSpPr>
+          <p:cNvPr id="7179" name="矩形 8" hidden="1"/>
+          <p:cNvSpPr>
+            <a:spLocks noChangeArrowheads="1"/>
+          </p:cNvSpPr>
+          <p:nvPr/>
+        </p:nvSpPr>
+        <p:spPr bwMode="auto">
+          <a:xfrm>
+            <a:off x="2011363" y="5526088"/>
+            <a:ext cx="1471612" cy="646112"/>
+          </a:xfrm>
+          <a:prstGeom prst="rect">
+            <a:avLst/>
+          </a:prstGeom>
+          <a:noFill/>
+          <a:ln w="9525">
+            <a:noFill/>
+            <a:miter lim="800000"/>
+            <a:headEnd/>
+            <a:tailEnd/>
+          </a:ln>
+        </p:spPr>
+        <p:txBody>
+          <a:bodyPr>
+            <a:spAutoFit/>
+          </a:bodyPr>
+          <a:lstStyle/>
+          <a:p>
+            <a:r>
+              <a:rPr lang="zh-CN" altLang="en-US">
+                <a:latin typeface="微软雅黑" pitchFamily="34" charset="-122"/>
+                <a:ea typeface="微软雅黑" pitchFamily="34" charset="-122"/>
+              </a:rPr>
+              <a:t>点击添加文本</a:t>
+            </a:r>
+          </a:p>
+        </p:txBody>
+      </p:sp>
+      <p:sp>
+        <p:nvSpPr>
+          <p:cNvPr id="7180" name="矩形 6"/>
+          <p:cNvSpPr>
+            <a:spLocks noChangeArrowheads="1"/>
+          </p:cNvSpPr>
+          <p:nvPr/>
+        </p:nvSpPr>
+        <p:spPr bwMode="auto">
+          <a:xfrm>
+            <a:off x="357188" y="285750"/>
+            <a:ext cx="4628190" cy="584775"/>
+          </a:xfrm>
+          <a:prstGeom prst="rect">
+            <a:avLst/>
+          </a:prstGeom>
+          <a:noFill/>
+          <a:ln w="9525">
+            <a:noFill/>
+            <a:miter lim="800000"/>
+            <a:headEnd/>
+            <a:tailEnd/>
+          </a:ln>
+        </p:spPr>
+        <p:txBody>
+          <a:bodyPr wrap="none">
+            <a:spAutoFit/>
+          </a:bodyPr>
+          <a:lstStyle/>
+          <a:p>
+            <a:r>
+              <a:rPr lang="en-US" altLang="zh-CN" sz="3200" dirty="0">
+                <a:latin typeface="Lucida Console" pitchFamily="49" charset="0"/>
+                <a:ea typeface="微软雅黑" pitchFamily="34" charset="-122"/>
+              </a:rPr>
+              <a:t>Using </a:t>
+            </a:r>
+            <a:r>
+              <a:rPr lang="en-US" altLang="zh-CN" sz="3200" dirty="0" err="1">
+                <a:latin typeface="Lucida Console" pitchFamily="49" charset="0"/>
+                <a:ea typeface="微软雅黑" pitchFamily="34" charset="-122"/>
+              </a:rPr>
+              <a:t>Lua</a:t>
+            </a:r>
+            <a:r>
+              <a:rPr lang="en-US" altLang="zh-CN" sz="3200" dirty="0">
+                <a:latin typeface="Lucida Console" pitchFamily="49" charset="0"/>
+                <a:ea typeface="微软雅黑" pitchFamily="34" charset="-122"/>
+              </a:rPr>
+              <a:t> with C++</a:t>
+            </a:r>
+            <a:endParaRPr lang="zh-CN" altLang="en-US" sz="3200" dirty="0">
+              <a:latin typeface="Lucida Console" pitchFamily="49" charset="0"/>
+              <a:ea typeface="微软雅黑" pitchFamily="34" charset="-122"/>
+            </a:endParaRPr>
+          </a:p>
+        </p:txBody>
+      </p:sp>
+      <p:sp>
+        <p:nvSpPr>
+          <p:cNvPr id="2" name="TextBox 1"/>
+          <p:cNvSpPr txBox="1"/>
+          <p:nvPr/>
+        </p:nvSpPr>
+        <p:spPr>
+          <a:xfrm>
+            <a:off x="467544" y="1196752"/>
+            <a:ext cx="8208912" cy="369332"/>
+          </a:xfrm>
+          <a:prstGeom prst="rect">
+            <a:avLst/>
+          </a:prstGeom>
+          <a:noFill/>
+        </p:spPr>
+        <p:txBody>
+          <a:bodyPr wrap="square" rtlCol="0">
+            <a:spAutoFit/>
+          </a:bodyPr>
+          <a:lstStyle/>
+          <a:p>
+            <a:r>
+              <a:rPr lang="en-US" altLang="zh-CN" dirty="0" smtClean="0"/>
+              <a:t>3. Use </a:t>
+            </a:r>
+            <a:r>
+              <a:rPr lang="en-US" altLang="zh-CN" dirty="0" err="1" smtClean="0"/>
+              <a:t>Lua</a:t>
+            </a:r>
+            <a:r>
+              <a:rPr lang="en-US" altLang="zh-CN" dirty="0" smtClean="0"/>
+              <a:t> as option file</a:t>
+            </a:r>
+            <a:endParaRPr lang="zh-CN" altLang="en-US" dirty="0"/>
+          </a:p>
+        </p:txBody>
+      </p:sp>
+    </p:spTree>
+    <p:extLst>
+      <p:ext uri="{BB962C8B-B14F-4D97-AF65-F5344CB8AC3E}">
+        <p14:creationId xmlns:p14="http://schemas.microsoft.com/office/powerpoint/2010/main" val="2693355107"/>
+      </p:ext>
+    </p:extLst>
+  </p:cSld>
+  <p:clrMapOvr>
+    <a:masterClrMapping/>
+  </p:clrMapOvr>
+  <p:timing>
+    <p:tnLst>
+      <p:par>
+        <p:cTn id="1" dur="indefinite" restart="never" nodeType="tmRoot"/>
+      </p:par>
+    </p:tnLst>
+  </p:timing>
+</p:sld>
+</file>
+
+<file path=ppt/slides/slide24.xml><?xml version="1.0" encoding="utf-8"?>
+<p:sld xmlns:a="http://schemas.openxmlformats.org/drawingml/2006/main" xmlns:r="http://schemas.openxmlformats.org/officeDocument/2006/relationships" xmlns:p="http://schemas.openxmlformats.org/presentationml/2006/main">
+  <p:cSld>
+    <p:spTree>
+      <p:nvGrpSpPr>
+        <p:cNvPr id="1" name=""/>
+        <p:cNvGrpSpPr/>
+        <p:nvPr/>
+      </p:nvGrpSpPr>
+      <p:grpSpPr>
+        <a:xfrm>
+          <a:off x="0" y="0"/>
+          <a:ext cx="0" cy="0"/>
+          <a:chOff x="0" y="0"/>
+          <a:chExt cx="0" cy="0"/>
+        </a:xfrm>
+      </p:grpSpPr>
+      <p:sp>
+        <p:nvSpPr>
+          <p:cNvPr id="7176" name="TextBox 5" hidden="1"/>
+          <p:cNvSpPr txBox="1">
+            <a:spLocks noChangeArrowheads="1"/>
+          </p:cNvSpPr>
+          <p:nvPr/>
+        </p:nvSpPr>
+        <p:spPr bwMode="auto">
+          <a:xfrm>
+            <a:off x="1939925" y="1954213"/>
+            <a:ext cx="1943100" cy="369887"/>
+          </a:xfrm>
+          <a:prstGeom prst="rect">
+            <a:avLst/>
+          </a:prstGeom>
+          <a:noFill/>
+          <a:ln w="9525">
+            <a:noFill/>
+            <a:miter lim="800000"/>
+            <a:headEnd/>
+            <a:tailEnd/>
+          </a:ln>
+        </p:spPr>
+        <p:txBody>
+          <a:bodyPr>
+            <a:spAutoFit/>
+          </a:bodyPr>
+          <a:lstStyle/>
+          <a:p>
+            <a:r>
+              <a:rPr lang="zh-CN" altLang="en-US">
+                <a:latin typeface="微软雅黑" pitchFamily="34" charset="-122"/>
+                <a:ea typeface="微软雅黑" pitchFamily="34" charset="-122"/>
+              </a:rPr>
+              <a:t>点击添加文本</a:t>
+            </a:r>
+          </a:p>
+        </p:txBody>
+      </p:sp>
+      <p:sp>
+        <p:nvSpPr>
+          <p:cNvPr id="7177" name="矩形 6" hidden="1"/>
+          <p:cNvSpPr>
+            <a:spLocks noChangeArrowheads="1"/>
+          </p:cNvSpPr>
+          <p:nvPr/>
+        </p:nvSpPr>
+        <p:spPr bwMode="auto">
+          <a:xfrm>
+            <a:off x="1939925" y="3025775"/>
+            <a:ext cx="1471613" cy="646113"/>
+          </a:xfrm>
+          <a:prstGeom prst="rect">
+            <a:avLst/>
+          </a:prstGeom>
+          <a:noFill/>
+          <a:ln w="9525">
+            <a:noFill/>
+            <a:miter lim="800000"/>
+            <a:headEnd/>
+            <a:tailEnd/>
+          </a:ln>
+        </p:spPr>
+        <p:txBody>
+          <a:bodyPr>
+            <a:spAutoFit/>
+          </a:bodyPr>
+          <a:lstStyle/>
+          <a:p>
+            <a:r>
+              <a:rPr lang="zh-CN" altLang="en-US">
+                <a:latin typeface="微软雅黑" pitchFamily="34" charset="-122"/>
+                <a:ea typeface="微软雅黑" pitchFamily="34" charset="-122"/>
+              </a:rPr>
+              <a:t>点击添加文本</a:t>
+            </a:r>
+          </a:p>
+        </p:txBody>
+      </p:sp>
+      <p:sp>
+        <p:nvSpPr>
+          <p:cNvPr id="7178" name="矩形 7" hidden="1"/>
+          <p:cNvSpPr>
+            <a:spLocks noChangeArrowheads="1"/>
+          </p:cNvSpPr>
+          <p:nvPr/>
+        </p:nvSpPr>
+        <p:spPr bwMode="auto">
+          <a:xfrm>
+            <a:off x="2011363" y="4240213"/>
+            <a:ext cx="1471612" cy="646112"/>
+          </a:xfrm>
+          <a:prstGeom prst="rect">
+            <a:avLst/>
+          </a:prstGeom>
+          <a:noFill/>
+          <a:ln w="9525">
+            <a:noFill/>
+            <a:miter lim="800000"/>
+            <a:headEnd/>
+            <a:tailEnd/>
+          </a:ln>
+        </p:spPr>
+        <p:txBody>
+          <a:bodyPr>
+            <a:spAutoFit/>
+          </a:bodyPr>
+          <a:lstStyle/>
+          <a:p>
+            <a:r>
+              <a:rPr lang="zh-CN" altLang="en-US">
+                <a:latin typeface="微软雅黑" pitchFamily="34" charset="-122"/>
+                <a:ea typeface="微软雅黑" pitchFamily="34" charset="-122"/>
+              </a:rPr>
+              <a:t>点击添加文本</a:t>
+            </a:r>
+          </a:p>
+        </p:txBody>
+      </p:sp>
+      <p:sp>
+        <p:nvSpPr>
+          <p:cNvPr id="7179" name="矩形 8" hidden="1"/>
+          <p:cNvSpPr>
+            <a:spLocks noChangeArrowheads="1"/>
+          </p:cNvSpPr>
+          <p:nvPr/>
+        </p:nvSpPr>
+        <p:spPr bwMode="auto">
+          <a:xfrm>
+            <a:off x="2011363" y="5526088"/>
+            <a:ext cx="1471612" cy="646112"/>
+          </a:xfrm>
+          <a:prstGeom prst="rect">
+            <a:avLst/>
+          </a:prstGeom>
+          <a:noFill/>
+          <a:ln w="9525">
+            <a:noFill/>
+            <a:miter lim="800000"/>
+            <a:headEnd/>
+            <a:tailEnd/>
+          </a:ln>
+        </p:spPr>
+        <p:txBody>
+          <a:bodyPr>
+            <a:spAutoFit/>
+          </a:bodyPr>
+          <a:lstStyle/>
+          <a:p>
+            <a:r>
+              <a:rPr lang="zh-CN" altLang="en-US">
+                <a:latin typeface="微软雅黑" pitchFamily="34" charset="-122"/>
+                <a:ea typeface="微软雅黑" pitchFamily="34" charset="-122"/>
+              </a:rPr>
+              <a:t>点击添加文本</a:t>
+            </a:r>
+          </a:p>
+        </p:txBody>
+      </p:sp>
+      <p:sp>
+        <p:nvSpPr>
+          <p:cNvPr id="7180" name="矩形 6"/>
+          <p:cNvSpPr>
+            <a:spLocks noChangeArrowheads="1"/>
+          </p:cNvSpPr>
+          <p:nvPr/>
+        </p:nvSpPr>
+        <p:spPr bwMode="auto">
+          <a:xfrm>
+            <a:off x="357188" y="285750"/>
+            <a:ext cx="4628190" cy="584775"/>
+          </a:xfrm>
+          <a:prstGeom prst="rect">
+            <a:avLst/>
+          </a:prstGeom>
+          <a:noFill/>
+          <a:ln w="9525">
+            <a:noFill/>
+            <a:miter lim="800000"/>
+            <a:headEnd/>
+            <a:tailEnd/>
+          </a:ln>
+        </p:spPr>
+        <p:txBody>
+          <a:bodyPr wrap="none">
+            <a:spAutoFit/>
+          </a:bodyPr>
+          <a:lstStyle/>
+          <a:p>
+            <a:r>
+              <a:rPr lang="en-US" altLang="zh-CN" sz="3200" dirty="0">
+                <a:latin typeface="Lucida Console" pitchFamily="49" charset="0"/>
+                <a:ea typeface="微软雅黑" pitchFamily="34" charset="-122"/>
+              </a:rPr>
+              <a:t>Using </a:t>
+            </a:r>
+            <a:r>
+              <a:rPr lang="en-US" altLang="zh-CN" sz="3200" dirty="0" err="1">
+                <a:latin typeface="Lucida Console" pitchFamily="49" charset="0"/>
+                <a:ea typeface="微软雅黑" pitchFamily="34" charset="-122"/>
+              </a:rPr>
+              <a:t>Lua</a:t>
+            </a:r>
+            <a:r>
+              <a:rPr lang="en-US" altLang="zh-CN" sz="3200" dirty="0">
+                <a:latin typeface="Lucida Console" pitchFamily="49" charset="0"/>
+                <a:ea typeface="微软雅黑" pitchFamily="34" charset="-122"/>
+              </a:rPr>
+              <a:t> with C++</a:t>
+            </a:r>
+            <a:endParaRPr lang="zh-CN" altLang="en-US" sz="3200" dirty="0">
+              <a:latin typeface="Lucida Console" pitchFamily="49" charset="0"/>
+              <a:ea typeface="微软雅黑" pitchFamily="34" charset="-122"/>
+            </a:endParaRPr>
+          </a:p>
+        </p:txBody>
+      </p:sp>
+      <p:sp>
+        <p:nvSpPr>
+          <p:cNvPr id="2" name="TextBox 1"/>
+          <p:cNvSpPr txBox="1"/>
+          <p:nvPr/>
+        </p:nvSpPr>
+        <p:spPr>
+          <a:xfrm>
+            <a:off x="467544" y="1196752"/>
+            <a:ext cx="8208912" cy="369332"/>
+          </a:xfrm>
+          <a:prstGeom prst="rect">
+            <a:avLst/>
+          </a:prstGeom>
+          <a:noFill/>
+        </p:spPr>
+        <p:txBody>
+          <a:bodyPr wrap="square" rtlCol="0">
+            <a:spAutoFit/>
+          </a:bodyPr>
+          <a:lstStyle/>
+          <a:p>
+            <a:r>
+              <a:rPr lang="en-US" altLang="zh-CN" dirty="0" smtClean="0"/>
+              <a:t>4. Use </a:t>
+            </a:r>
+            <a:r>
+              <a:rPr lang="en-US" altLang="zh-CN" dirty="0" err="1" smtClean="0"/>
+              <a:t>Lua</a:t>
+            </a:r>
+            <a:r>
+              <a:rPr lang="en-US" altLang="zh-CN" dirty="0" smtClean="0"/>
+              <a:t> for business logic</a:t>
+            </a:r>
+            <a:endParaRPr lang="zh-CN" altLang="en-US" dirty="0"/>
+          </a:p>
+        </p:txBody>
+      </p:sp>
+    </p:spTree>
+    <p:extLst>
+      <p:ext uri="{BB962C8B-B14F-4D97-AF65-F5344CB8AC3E}">
+        <p14:creationId xmlns:p14="http://schemas.microsoft.com/office/powerpoint/2010/main" val="756358651"/>
       </p:ext>
     </p:extLst>
   </p:cSld>
@@ -14742,7 +13869,7 @@
         <p:spPr bwMode="auto">
           <a:xfrm>
             <a:off x="357188" y="285750"/>
-            <a:ext cx="1912703" cy="584775"/>
+            <a:ext cx="4628190" cy="584775"/>
           </a:xfrm>
           <a:prstGeom prst="rect">
             <a:avLst/>
@@ -14762,20 +13889,27 @@
           <a:lstStyle/>
           <a:p>
             <a:r>
-              <a:rPr lang="en-US" altLang="zh-CN" sz="3200" dirty="0" smtClean="0">
+              <a:rPr lang="en-US" altLang="zh-CN" sz="3200" dirty="0">
                 <a:latin typeface="Lucida Console" pitchFamily="49" charset="0"/>
                 <a:ea typeface="微软雅黑" pitchFamily="34" charset="-122"/>
               </a:rPr>
-              <a:t>Why </a:t>
-            </a:r>
-            <a:r>
-              <a:rPr lang="en-US" altLang="zh-CN" sz="3200" dirty="0" err="1" smtClean="0">
+              <a:t>Using </a:t>
+            </a:r>
+            <a:r>
+              <a:rPr lang="en-US" altLang="zh-CN" sz="3200" dirty="0" err="1">
                 <a:latin typeface="Lucida Console" pitchFamily="49" charset="0"/>
                 <a:ea typeface="微软雅黑" pitchFamily="34" charset="-122"/>
               </a:rPr>
               <a:t>Lua</a:t>
             </a:r>
-            <a:endParaRPr lang="en-US" altLang="zh-CN" sz="3200" dirty="0" smtClean="0">
+            <a:r>
+              <a:rPr lang="en-US" altLang="zh-CN" sz="3200" dirty="0">
+                <a:latin typeface="Lucida Console" pitchFamily="49" charset="0"/>
+                <a:ea typeface="微软雅黑" pitchFamily="34" charset="-122"/>
+              </a:rPr>
+              <a:t> with C++</a:t>
+            </a:r>
+            <a:endParaRPr lang="zh-CN" altLang="en-US" sz="3200" dirty="0">
               <a:latin typeface="Lucida Console" pitchFamily="49" charset="0"/>
               <a:ea typeface="微软雅黑" pitchFamily="34" charset="-122"/>
             </a:endParaRPr>
@@ -14790,8 +13924,8 @@
         </p:nvSpPr>
         <p:spPr>
           <a:xfrm>
-            <a:off x="467544" y="980728"/>
-            <a:ext cx="7887220" cy="5355312"/>
+            <a:off x="467544" y="1196752"/>
+            <a:ext cx="8208912" cy="369332"/>
           </a:xfrm>
           <a:prstGeom prst="rect">
             <a:avLst/>
@@ -14804,63 +13938,18 @@
           </a:bodyPr>
           <a:lstStyle/>
           <a:p>
-            <a:pPr marL="342900" indent="-342900">
-              <a:buAutoNum type="arabicPeriod"/>
-            </a:pPr>
-            <a:r>
-              <a:rPr lang="en-US" altLang="zh-CN" sz="5400" dirty="0" smtClean="0"/>
-              <a:t>Embeddable</a:t>
-            </a:r>
-          </a:p>
-          <a:p>
-            <a:pPr marL="342900" indent="-342900">
-              <a:buAutoNum type="arabicPeriod"/>
-            </a:pPr>
-            <a:r>
-              <a:rPr lang="en-US" altLang="zh-CN" sz="5400" dirty="0" smtClean="0"/>
-              <a:t>Flexible</a:t>
-            </a:r>
-          </a:p>
-          <a:p>
-            <a:pPr marL="342900" indent="-342900">
-              <a:buAutoNum type="arabicPeriod"/>
-            </a:pPr>
-            <a:r>
-              <a:rPr lang="en-US" altLang="zh-CN" sz="5400" dirty="0" smtClean="0"/>
-              <a:t>Light</a:t>
-            </a:r>
-          </a:p>
-          <a:p>
-            <a:pPr marL="342900" indent="-342900">
-              <a:buAutoNum type="arabicPeriod"/>
-            </a:pPr>
-            <a:r>
-              <a:rPr lang="en-US" altLang="zh-CN" sz="5400" dirty="0" smtClean="0"/>
-              <a:t>Easy to use</a:t>
-            </a:r>
-          </a:p>
-          <a:p>
-            <a:pPr marL="342900" indent="-342900">
-              <a:buAutoNum type="arabicPeriod"/>
-            </a:pPr>
-            <a:r>
-              <a:rPr lang="en-US" altLang="zh-CN" sz="5400" dirty="0" smtClean="0"/>
-              <a:t>Portable</a:t>
-            </a:r>
-          </a:p>
-          <a:p>
-            <a:pPr marL="342900" indent="-342900">
-              <a:buAutoNum type="arabicPeriod"/>
-            </a:pPr>
-            <a:r>
-              <a:rPr lang="en-US" altLang="zh-CN" sz="5400" dirty="0" smtClean="0"/>
-              <a:t>Well </a:t>
-            </a:r>
-          </a:p>
-          <a:p>
-            <a:pPr marL="342900" indent="-342900">
-              <a:buAutoNum type="arabicPeriod"/>
-            </a:pPr>
+            <a:r>
+              <a:rPr lang="en-US" altLang="zh-CN" dirty="0" smtClean="0"/>
+              <a:t>5. Use </a:t>
+            </a:r>
+            <a:r>
+              <a:rPr lang="en-US" altLang="zh-CN" dirty="0" err="1" smtClean="0"/>
+              <a:t>Lua</a:t>
+            </a:r>
+            <a:r>
+              <a:rPr lang="en-US" altLang="zh-CN" dirty="0" smtClean="0"/>
+              <a:t> for user-modification</a:t>
+            </a:r>
             <a:endParaRPr lang="zh-CN" altLang="en-US" dirty="0"/>
           </a:p>
         </p:txBody>
@@ -14868,7 +13957,7 @@
     </p:spTree>
     <p:extLst>
       <p:ext uri="{BB962C8B-B14F-4D97-AF65-F5344CB8AC3E}">
-        <p14:creationId xmlns:p14="http://schemas.microsoft.com/office/powerpoint/2010/main" val="3038184378"/>
+        <p14:creationId xmlns:p14="http://schemas.microsoft.com/office/powerpoint/2010/main" val="3505708379"/>
       </p:ext>
     </p:extLst>
   </p:cSld>
@@ -15829,17 +14918,7 @@
                   <a:latin typeface="Lucida Console" pitchFamily="49" charset="0"/>
                   <a:ea typeface="微软雅黑" pitchFamily="34" charset="-122"/>
                 </a:rPr>
-                <a:t> </a:t>
-              </a:r>
-              <a:r>
-                <a:rPr lang="en-US" altLang="zh-CN" dirty="0" smtClean="0">
-                  <a:solidFill>
-                    <a:schemeClr val="bg1"/>
-                  </a:solidFill>
-                  <a:latin typeface="Lucida Console" pitchFamily="49" charset="0"/>
-                  <a:ea typeface="微软雅黑" pitchFamily="34" charset="-122"/>
-                </a:rPr>
-                <a:t>with C++</a:t>
+                <a:t> with C++</a:t>
               </a:r>
               <a:endParaRPr lang="zh-CN" altLang="en-US" dirty="0">
                 <a:solidFill>
@@ -16014,7 +15093,7 @@
               <a:r>
                 <a:rPr lang="en-US" altLang="zh-CN" dirty="0" smtClean="0">
                   <a:solidFill>
-                    <a:schemeClr val="bg1"/>
+                    <a:srgbClr val="FFFF00"/>
                   </a:solidFill>
                   <a:latin typeface="Lucida Console" pitchFamily="49" charset="0"/>
                   <a:ea typeface="微软雅黑" pitchFamily="34" charset="-122"/>
@@ -16024,7 +15103,7 @@
               <a:r>
                 <a:rPr lang="en-US" altLang="zh-CN" dirty="0" err="1" smtClean="0">
                   <a:solidFill>
-                    <a:schemeClr val="bg1"/>
+                    <a:srgbClr val="FFFF00"/>
                   </a:solidFill>
                   <a:latin typeface="Lucida Console" pitchFamily="49" charset="0"/>
                   <a:ea typeface="微软雅黑" pitchFamily="34" charset="-122"/>
@@ -16033,7 +15112,7 @@
               </a:r>
               <a:endParaRPr lang="zh-CN" altLang="en-US" dirty="0">
                 <a:solidFill>
-                  <a:schemeClr val="bg1"/>
+                  <a:srgbClr val="FFFF00"/>
                 </a:solidFill>
                 <a:latin typeface="Lucida Console" pitchFamily="49" charset="0"/>
                 <a:ea typeface="微软雅黑" pitchFamily="34" charset="-122"/>
@@ -16204,7 +15283,7 @@
               <a:r>
                 <a:rPr lang="en-US" altLang="zh-CN" dirty="0" smtClean="0">
                   <a:solidFill>
-                    <a:srgbClr val="FFFF00"/>
+                    <a:schemeClr val="bg1"/>
                   </a:solidFill>
                   <a:latin typeface="Lucida Console" pitchFamily="49" charset="0"/>
                   <a:ea typeface="微软雅黑" pitchFamily="34" charset="-122"/>
@@ -16213,7 +15292,7 @@
               </a:r>
               <a:endParaRPr lang="zh-CN" altLang="en-US" dirty="0">
                 <a:solidFill>
-                  <a:srgbClr val="FFFF00"/>
+                  <a:schemeClr val="bg1"/>
                 </a:solidFill>
                 <a:latin typeface="Lucida Console" pitchFamily="49" charset="0"/>
                 <a:ea typeface="微软雅黑" pitchFamily="34" charset="-122"/>
@@ -16225,7 +15304,7 @@
     </p:spTree>
     <p:extLst>
       <p:ext uri="{BB962C8B-B14F-4D97-AF65-F5344CB8AC3E}">
-        <p14:creationId xmlns:p14="http://schemas.microsoft.com/office/powerpoint/2010/main" val="2252730767"/>
+        <p14:creationId xmlns:p14="http://schemas.microsoft.com/office/powerpoint/2010/main" val="1630166878"/>
       </p:ext>
     </p:extLst>
   </p:cSld>
@@ -16430,7 +15509,7 @@
         <p:spPr bwMode="auto">
           <a:xfrm>
             <a:off x="357188" y="285750"/>
-            <a:ext cx="3640740" cy="584775"/>
+            <a:ext cx="1912703" cy="584775"/>
           </a:xfrm>
           <a:prstGeom prst="rect">
             <a:avLst/>
@@ -16454,9 +15533,16 @@
                 <a:latin typeface="Lucida Console" pitchFamily="49" charset="0"/>
                 <a:ea typeface="微软雅黑" pitchFamily="34" charset="-122"/>
               </a:rPr>
-              <a:t>Things to note</a:t>
-            </a:r>
-            <a:endParaRPr lang="zh-CN" altLang="en-US" sz="3200" dirty="0">
+              <a:t>Why </a:t>
+            </a:r>
+            <a:r>
+              <a:rPr lang="en-US" altLang="zh-CN" sz="3200" dirty="0" err="1" smtClean="0">
+                <a:latin typeface="Lucida Console" pitchFamily="49" charset="0"/>
+                <a:ea typeface="微软雅黑" pitchFamily="34" charset="-122"/>
+              </a:rPr>
+              <a:t>Lua</a:t>
+            </a:r>
+            <a:endParaRPr lang="en-US" altLang="zh-CN" sz="3200" dirty="0" smtClean="0">
               <a:latin typeface="Lucida Console" pitchFamily="49" charset="0"/>
               <a:ea typeface="微软雅黑" pitchFamily="34" charset="-122"/>
             </a:endParaRPr>
@@ -16471,8 +15557,8 @@
         </p:nvSpPr>
         <p:spPr>
           <a:xfrm>
-            <a:off x="467544" y="1196752"/>
-            <a:ext cx="8208912" cy="1200329"/>
+            <a:off x="467544" y="980728"/>
+            <a:ext cx="7887220" cy="5355312"/>
           </a:xfrm>
           <a:prstGeom prst="rect">
             <a:avLst/>
@@ -16489,8 +15575,8 @@
               <a:buAutoNum type="arabicPeriod"/>
             </a:pPr>
             <a:r>
-              <a:rPr lang="en-US" altLang="zh-CN" dirty="0" smtClean="0"/>
-              <a:t>Resources management</a:t>
+              <a:rPr lang="en-US" altLang="zh-CN" sz="5400" dirty="0" smtClean="0"/>
+              <a:t>Embeddable</a:t>
             </a:r>
           </a:p>
           <a:p>
@@ -16498,8 +15584,8 @@
               <a:buAutoNum type="arabicPeriod"/>
             </a:pPr>
             <a:r>
-              <a:rPr lang="en-US" altLang="zh-CN" dirty="0" smtClean="0"/>
-              <a:t>Data converting</a:t>
+              <a:rPr lang="en-US" altLang="zh-CN" sz="5400" dirty="0" smtClean="0"/>
+              <a:t>Flexible</a:t>
             </a:r>
           </a:p>
           <a:p>
@@ -16507,10 +15593,36 @@
               <a:buAutoNum type="arabicPeriod"/>
             </a:pPr>
             <a:r>
-              <a:rPr lang="en-US" altLang="zh-CN" dirty="0" smtClean="0"/>
-              <a:t>Performance</a:t>
-            </a:r>
-            <a:endParaRPr lang="en-US" altLang="zh-CN" dirty="0" smtClean="0"/>
+              <a:rPr lang="en-US" altLang="zh-CN" sz="5400" dirty="0" smtClean="0"/>
+              <a:t>Light</a:t>
+            </a:r>
+          </a:p>
+          <a:p>
+            <a:pPr marL="342900" indent="-342900">
+              <a:buAutoNum type="arabicPeriod"/>
+            </a:pPr>
+            <a:r>
+              <a:rPr lang="en-US" altLang="zh-CN" sz="5400" dirty="0" smtClean="0"/>
+              <a:t>Easy to use</a:t>
+            </a:r>
+          </a:p>
+          <a:p>
+            <a:pPr marL="342900" indent="-342900">
+              <a:buAutoNum type="arabicPeriod"/>
+            </a:pPr>
+            <a:r>
+              <a:rPr lang="en-US" altLang="zh-CN" sz="5400" dirty="0" smtClean="0"/>
+              <a:t>Portable</a:t>
+            </a:r>
+          </a:p>
+          <a:p>
+            <a:pPr marL="342900" indent="-342900">
+              <a:buAutoNum type="arabicPeriod"/>
+            </a:pPr>
+            <a:r>
+              <a:rPr lang="en-US" altLang="zh-CN" sz="5400" dirty="0" smtClean="0"/>
+              <a:t>Well </a:t>
+            </a:r>
           </a:p>
           <a:p>
             <a:pPr marL="342900" indent="-342900">
@@ -16523,7 +15635,7 @@
     </p:spTree>
     <p:extLst>
       <p:ext uri="{BB962C8B-B14F-4D97-AF65-F5344CB8AC3E}">
-        <p14:creationId xmlns:p14="http://schemas.microsoft.com/office/powerpoint/2010/main" val="1682354615"/>
+        <p14:creationId xmlns:p14="http://schemas.microsoft.com/office/powerpoint/2010/main" val="3038184378"/>
       </p:ext>
     </p:extLst>
   </p:cSld>
@@ -16541,896 +15653,6 @@
 </file>
 
 <file path=ppt/slides/slide28.xml><?xml version="1.0" encoding="utf-8"?>
-<p:sld xmlns:a="http://schemas.openxmlformats.org/drawingml/2006/main" xmlns:r="http://schemas.openxmlformats.org/officeDocument/2006/relationships" xmlns:p="http://schemas.openxmlformats.org/presentationml/2006/main">
-  <p:cSld>
-    <p:bg>
-      <p:bgPr>
-        <a:blipFill>
-          <a:blip r:embed="rId2"/>
-          <a:tile tx="0" ty="0" sx="100000" sy="100000" flip="none" algn="tl"/>
-        </a:blipFill>
-        <a:effectLst/>
-      </p:bgPr>
-    </p:bg>
-    <p:spTree>
-      <p:nvGrpSpPr>
-        <p:cNvPr id="1" name=""/>
-        <p:cNvGrpSpPr/>
-        <p:nvPr/>
-      </p:nvGrpSpPr>
-      <p:grpSpPr>
-        <a:xfrm>
-          <a:off x="0" y="0"/>
-          <a:ext cx="0" cy="0"/>
-          <a:chOff x="0" y="0"/>
-          <a:chExt cx="0" cy="0"/>
-        </a:xfrm>
-      </p:grpSpPr>
-      <p:sp>
-        <p:nvSpPr>
-          <p:cNvPr id="2" name="TextBox 6"/>
-          <p:cNvSpPr txBox="1">
-            <a:spLocks noChangeArrowheads="1"/>
-          </p:cNvSpPr>
-          <p:nvPr/>
-        </p:nvSpPr>
-        <p:spPr bwMode="auto">
-          <a:xfrm>
-            <a:off x="683568" y="2204864"/>
-            <a:ext cx="7920880" cy="1938992"/>
-          </a:xfrm>
-          <a:prstGeom prst="rect">
-            <a:avLst/>
-          </a:prstGeom>
-          <a:noFill/>
-          <a:ln w="9525">
-            <a:noFill/>
-            <a:miter lim="800000"/>
-            <a:headEnd/>
-            <a:tailEnd/>
-          </a:ln>
-        </p:spPr>
-        <p:txBody>
-          <a:bodyPr wrap="square">
-            <a:spAutoFit/>
-          </a:bodyPr>
-          <a:lstStyle/>
-          <a:p>
-            <a:r>
-              <a:rPr lang="en-US" altLang="zh-CN" sz="5400" dirty="0" smtClean="0">
-                <a:latin typeface="微软雅黑" pitchFamily="34" charset="-122"/>
-                <a:ea typeface="微软雅黑" pitchFamily="34" charset="-122"/>
-              </a:rPr>
-              <a:t>Thanks</a:t>
-            </a:r>
-            <a:endParaRPr lang="zh-CN" altLang="en-US" sz="5400" dirty="0">
-              <a:latin typeface="微软雅黑" pitchFamily="34" charset="-122"/>
-              <a:ea typeface="微软雅黑" pitchFamily="34" charset="-122"/>
-            </a:endParaRPr>
-          </a:p>
-          <a:p>
-            <a:endParaRPr lang="en-US" altLang="zh-CN" sz="1200" dirty="0" smtClean="0">
-              <a:latin typeface="微软雅黑" pitchFamily="34" charset="-122"/>
-              <a:ea typeface="微软雅黑" pitchFamily="34" charset="-122"/>
-            </a:endParaRPr>
-          </a:p>
-          <a:p>
-            <a:endParaRPr lang="en-US" altLang="zh-CN" sz="1200" dirty="0">
-              <a:latin typeface="微软雅黑" pitchFamily="34" charset="-122"/>
-              <a:ea typeface="微软雅黑" pitchFamily="34" charset="-122"/>
-            </a:endParaRPr>
-          </a:p>
-          <a:p>
-            <a:endParaRPr lang="en-US" altLang="zh-CN" sz="1200" dirty="0" smtClean="0">
-              <a:latin typeface="微软雅黑" pitchFamily="34" charset="-122"/>
-              <a:ea typeface="微软雅黑" pitchFamily="34" charset="-122"/>
-            </a:endParaRPr>
-          </a:p>
-          <a:p>
-            <a:pPr algn="r"/>
-            <a:r>
-              <a:rPr lang="en-US" altLang="zh-CN" sz="1200" dirty="0" smtClean="0">
-                <a:latin typeface="微软雅黑" pitchFamily="34" charset="-122"/>
-                <a:ea typeface="微软雅黑" pitchFamily="34" charset="-122"/>
-              </a:rPr>
-              <a:t>by zj_aznable@aliyun.com</a:t>
-            </a:r>
-            <a:endParaRPr lang="zh-CN" altLang="en-US" sz="1200" dirty="0">
-              <a:latin typeface="微软雅黑" pitchFamily="34" charset="-122"/>
-              <a:ea typeface="微软雅黑" pitchFamily="34" charset="-122"/>
-            </a:endParaRPr>
-          </a:p>
-          <a:p>
-            <a:endParaRPr lang="zh-CN" altLang="en-US" dirty="0">
-              <a:solidFill>
-                <a:srgbClr val="FF0000"/>
-              </a:solidFill>
-            </a:endParaRPr>
-          </a:p>
-        </p:txBody>
-      </p:sp>
-    </p:spTree>
-    <p:extLst>
-      <p:ext uri="{BB962C8B-B14F-4D97-AF65-F5344CB8AC3E}">
-        <p14:creationId xmlns:p14="http://schemas.microsoft.com/office/powerpoint/2010/main" val="4238600724"/>
-      </p:ext>
-    </p:extLst>
-  </p:cSld>
-  <p:clrMapOvr>
-    <a:masterClrMapping/>
-  </p:clrMapOvr>
-  <p:timing>
-    <p:tnLst>
-      <p:par>
-        <p:cTn id="1" dur="indefinite" restart="never" nodeType="tmRoot"/>
-      </p:par>
-    </p:tnLst>
-  </p:timing>
-</p:sld>
-</file>
-
-<file path=ppt/slides/slide3.xml><?xml version="1.0" encoding="utf-8"?>
-<p:sld xmlns:a="http://schemas.openxmlformats.org/drawingml/2006/main" xmlns:r="http://schemas.openxmlformats.org/officeDocument/2006/relationships" xmlns:p="http://schemas.openxmlformats.org/presentationml/2006/main">
-  <p:cSld>
-    <p:spTree>
-      <p:nvGrpSpPr>
-        <p:cNvPr id="1" name=""/>
-        <p:cNvGrpSpPr/>
-        <p:nvPr/>
-      </p:nvGrpSpPr>
-      <p:grpSpPr>
-        <a:xfrm>
-          <a:off x="0" y="0"/>
-          <a:ext cx="0" cy="0"/>
-          <a:chOff x="0" y="0"/>
-          <a:chExt cx="0" cy="0"/>
-        </a:xfrm>
-      </p:grpSpPr>
-      <p:sp>
-        <p:nvSpPr>
-          <p:cNvPr id="7170" name="Rectangle 5"/>
-          <p:cNvSpPr>
-            <a:spLocks noChangeArrowheads="1"/>
-          </p:cNvSpPr>
-          <p:nvPr/>
-        </p:nvSpPr>
-        <p:spPr bwMode="auto">
-          <a:xfrm>
-            <a:off x="304800" y="1590675"/>
-            <a:ext cx="8382000" cy="1236663"/>
-          </a:xfrm>
-          <a:prstGeom prst="rect">
-            <a:avLst/>
-          </a:prstGeom>
-          <a:noFill/>
-          <a:ln w="19050" algn="ctr">
-            <a:solidFill>
-              <a:srgbClr val="1B4266"/>
-            </a:solidFill>
-            <a:miter lim="800000"/>
-            <a:headEnd/>
-            <a:tailEnd/>
-          </a:ln>
-        </p:spPr>
-        <p:txBody>
-          <a:bodyPr wrap="none" anchor="ctr"/>
-          <a:lstStyle/>
-          <a:p>
-            <a:endParaRPr lang="zh-CN" altLang="en-US">
-              <a:latin typeface="Lucida Console" pitchFamily="49" charset="0"/>
-            </a:endParaRPr>
-          </a:p>
-        </p:txBody>
-      </p:sp>
-      <p:sp>
-        <p:nvSpPr>
-          <p:cNvPr id="7172" name="Rectangle 5"/>
-          <p:cNvSpPr>
-            <a:spLocks noChangeArrowheads="1"/>
-          </p:cNvSpPr>
-          <p:nvPr/>
-        </p:nvSpPr>
-        <p:spPr bwMode="auto">
-          <a:xfrm>
-            <a:off x="285750" y="3249613"/>
-            <a:ext cx="8382000" cy="1236662"/>
-          </a:xfrm>
-          <a:prstGeom prst="rect">
-            <a:avLst/>
-          </a:prstGeom>
-          <a:noFill/>
-          <a:ln w="19050" algn="ctr">
-            <a:solidFill>
-              <a:srgbClr val="1B4266"/>
-            </a:solidFill>
-            <a:miter lim="800000"/>
-            <a:headEnd/>
-            <a:tailEnd/>
-          </a:ln>
-        </p:spPr>
-        <p:txBody>
-          <a:bodyPr wrap="none" anchor="ctr"/>
-          <a:lstStyle/>
-          <a:p>
-            <a:endParaRPr lang="zh-CN" altLang="en-US">
-              <a:latin typeface="Lucida Console" pitchFamily="49" charset="0"/>
-            </a:endParaRPr>
-          </a:p>
-        </p:txBody>
-      </p:sp>
-      <p:sp>
-        <p:nvSpPr>
-          <p:cNvPr id="7173" name="Text Box 6"/>
-          <p:cNvSpPr txBox="1">
-            <a:spLocks noChangeArrowheads="1"/>
-          </p:cNvSpPr>
-          <p:nvPr/>
-        </p:nvSpPr>
-        <p:spPr bwMode="auto">
-          <a:xfrm>
-            <a:off x="742950" y="3039343"/>
-            <a:ext cx="3352800" cy="461665"/>
-          </a:xfrm>
-          <a:prstGeom prst="rect">
-            <a:avLst/>
-          </a:prstGeom>
-          <a:solidFill>
-            <a:srgbClr val="2B60A7"/>
-          </a:solidFill>
-          <a:ln w="19050" algn="ctr">
-            <a:solidFill>
-              <a:schemeClr val="bg2"/>
-            </a:solidFill>
-            <a:miter lim="800000"/>
-            <a:headEnd/>
-            <a:tailEnd/>
-          </a:ln>
-        </p:spPr>
-        <p:txBody>
-          <a:bodyPr>
-            <a:spAutoFit/>
-          </a:bodyPr>
-          <a:lstStyle/>
-          <a:p>
-            <a:r>
-              <a:rPr lang="en-US" altLang="zh-CN" sz="2400" dirty="0">
-                <a:solidFill>
-                  <a:schemeClr val="bg1"/>
-                </a:solidFill>
-                <a:latin typeface="Lucida Console" pitchFamily="49" charset="0"/>
-                <a:ea typeface="微软雅黑" pitchFamily="34" charset="-122"/>
-              </a:rPr>
-              <a:t>Design concept</a:t>
-            </a:r>
-            <a:endParaRPr lang="zh-CN" altLang="en-US" sz="2400" dirty="0">
-              <a:solidFill>
-                <a:schemeClr val="bg1"/>
-              </a:solidFill>
-              <a:latin typeface="Lucida Console" pitchFamily="49" charset="0"/>
-              <a:ea typeface="微软雅黑" pitchFamily="34" charset="-122"/>
-            </a:endParaRPr>
-          </a:p>
-        </p:txBody>
-      </p:sp>
-      <p:sp>
-        <p:nvSpPr>
-          <p:cNvPr id="7174" name="Rectangle 5"/>
-          <p:cNvSpPr>
-            <a:spLocks noChangeArrowheads="1"/>
-          </p:cNvSpPr>
-          <p:nvPr/>
-        </p:nvSpPr>
-        <p:spPr bwMode="auto">
-          <a:xfrm>
-            <a:off x="285750" y="4906963"/>
-            <a:ext cx="8382000" cy="1236662"/>
-          </a:xfrm>
-          <a:prstGeom prst="rect">
-            <a:avLst/>
-          </a:prstGeom>
-          <a:noFill/>
-          <a:ln w="19050" algn="ctr">
-            <a:solidFill>
-              <a:srgbClr val="1B4266"/>
-            </a:solidFill>
-            <a:miter lim="800000"/>
-            <a:headEnd/>
-            <a:tailEnd/>
-          </a:ln>
-        </p:spPr>
-        <p:txBody>
-          <a:bodyPr wrap="none" anchor="ctr"/>
-          <a:lstStyle/>
-          <a:p>
-            <a:endParaRPr lang="zh-CN" altLang="en-US">
-              <a:latin typeface="Lucida Console" pitchFamily="49" charset="0"/>
-            </a:endParaRPr>
-          </a:p>
-        </p:txBody>
-      </p:sp>
-      <p:sp>
-        <p:nvSpPr>
-          <p:cNvPr id="7176" name="TextBox 5" hidden="1"/>
-          <p:cNvSpPr txBox="1">
-            <a:spLocks noChangeArrowheads="1"/>
-          </p:cNvSpPr>
-          <p:nvPr/>
-        </p:nvSpPr>
-        <p:spPr bwMode="auto">
-          <a:xfrm>
-            <a:off x="1939925" y="1954213"/>
-            <a:ext cx="1943100" cy="369887"/>
-          </a:xfrm>
-          <a:prstGeom prst="rect">
-            <a:avLst/>
-          </a:prstGeom>
-          <a:noFill/>
-          <a:ln w="9525">
-            <a:noFill/>
-            <a:miter lim="800000"/>
-            <a:headEnd/>
-            <a:tailEnd/>
-          </a:ln>
-        </p:spPr>
-        <p:txBody>
-          <a:bodyPr>
-            <a:spAutoFit/>
-          </a:bodyPr>
-          <a:lstStyle/>
-          <a:p>
-            <a:r>
-              <a:rPr lang="zh-CN" altLang="en-US">
-                <a:latin typeface="微软雅黑" pitchFamily="34" charset="-122"/>
-                <a:ea typeface="微软雅黑" pitchFamily="34" charset="-122"/>
-              </a:rPr>
-              <a:t>点击添加文本</a:t>
-            </a:r>
-          </a:p>
-        </p:txBody>
-      </p:sp>
-      <p:sp>
-        <p:nvSpPr>
-          <p:cNvPr id="7177" name="矩形 6" hidden="1"/>
-          <p:cNvSpPr>
-            <a:spLocks noChangeArrowheads="1"/>
-          </p:cNvSpPr>
-          <p:nvPr/>
-        </p:nvSpPr>
-        <p:spPr bwMode="auto">
-          <a:xfrm>
-            <a:off x="1939925" y="3025775"/>
-            <a:ext cx="1471613" cy="646113"/>
-          </a:xfrm>
-          <a:prstGeom prst="rect">
-            <a:avLst/>
-          </a:prstGeom>
-          <a:noFill/>
-          <a:ln w="9525">
-            <a:noFill/>
-            <a:miter lim="800000"/>
-            <a:headEnd/>
-            <a:tailEnd/>
-          </a:ln>
-        </p:spPr>
-        <p:txBody>
-          <a:bodyPr>
-            <a:spAutoFit/>
-          </a:bodyPr>
-          <a:lstStyle/>
-          <a:p>
-            <a:r>
-              <a:rPr lang="zh-CN" altLang="en-US">
-                <a:latin typeface="微软雅黑" pitchFamily="34" charset="-122"/>
-                <a:ea typeface="微软雅黑" pitchFamily="34" charset="-122"/>
-              </a:rPr>
-              <a:t>点击添加文本</a:t>
-            </a:r>
-          </a:p>
-        </p:txBody>
-      </p:sp>
-      <p:sp>
-        <p:nvSpPr>
-          <p:cNvPr id="7178" name="矩形 7" hidden="1"/>
-          <p:cNvSpPr>
-            <a:spLocks noChangeArrowheads="1"/>
-          </p:cNvSpPr>
-          <p:nvPr/>
-        </p:nvSpPr>
-        <p:spPr bwMode="auto">
-          <a:xfrm>
-            <a:off x="2011363" y="4240213"/>
-            <a:ext cx="1471612" cy="646112"/>
-          </a:xfrm>
-          <a:prstGeom prst="rect">
-            <a:avLst/>
-          </a:prstGeom>
-          <a:noFill/>
-          <a:ln w="9525">
-            <a:noFill/>
-            <a:miter lim="800000"/>
-            <a:headEnd/>
-            <a:tailEnd/>
-          </a:ln>
-        </p:spPr>
-        <p:txBody>
-          <a:bodyPr>
-            <a:spAutoFit/>
-          </a:bodyPr>
-          <a:lstStyle/>
-          <a:p>
-            <a:r>
-              <a:rPr lang="zh-CN" altLang="en-US">
-                <a:latin typeface="微软雅黑" pitchFamily="34" charset="-122"/>
-                <a:ea typeface="微软雅黑" pitchFamily="34" charset="-122"/>
-              </a:rPr>
-              <a:t>点击添加文本</a:t>
-            </a:r>
-          </a:p>
-        </p:txBody>
-      </p:sp>
-      <p:sp>
-        <p:nvSpPr>
-          <p:cNvPr id="7179" name="矩形 8" hidden="1"/>
-          <p:cNvSpPr>
-            <a:spLocks noChangeArrowheads="1"/>
-          </p:cNvSpPr>
-          <p:nvPr/>
-        </p:nvSpPr>
-        <p:spPr bwMode="auto">
-          <a:xfrm>
-            <a:off x="2011363" y="5526088"/>
-            <a:ext cx="1471612" cy="646112"/>
-          </a:xfrm>
-          <a:prstGeom prst="rect">
-            <a:avLst/>
-          </a:prstGeom>
-          <a:noFill/>
-          <a:ln w="9525">
-            <a:noFill/>
-            <a:miter lim="800000"/>
-            <a:headEnd/>
-            <a:tailEnd/>
-          </a:ln>
-        </p:spPr>
-        <p:txBody>
-          <a:bodyPr>
-            <a:spAutoFit/>
-          </a:bodyPr>
-          <a:lstStyle/>
-          <a:p>
-            <a:r>
-              <a:rPr lang="zh-CN" altLang="en-US">
-                <a:latin typeface="微软雅黑" pitchFamily="34" charset="-122"/>
-                <a:ea typeface="微软雅黑" pitchFamily="34" charset="-122"/>
-              </a:rPr>
-              <a:t>点击添加文本</a:t>
-            </a:r>
-          </a:p>
-        </p:txBody>
-      </p:sp>
-      <p:sp>
-        <p:nvSpPr>
-          <p:cNvPr id="7180" name="矩形 6"/>
-          <p:cNvSpPr>
-            <a:spLocks noChangeArrowheads="1"/>
-          </p:cNvSpPr>
-          <p:nvPr/>
-        </p:nvSpPr>
-        <p:spPr bwMode="auto">
-          <a:xfrm>
-            <a:off x="357188" y="285750"/>
-            <a:ext cx="2900153" cy="584775"/>
-          </a:xfrm>
-          <a:prstGeom prst="rect">
-            <a:avLst/>
-          </a:prstGeom>
-          <a:noFill/>
-          <a:ln w="9525">
-            <a:noFill/>
-            <a:miter lim="800000"/>
-            <a:headEnd/>
-            <a:tailEnd/>
-          </a:ln>
-        </p:spPr>
-        <p:txBody>
-          <a:bodyPr wrap="none">
-            <a:spAutoFit/>
-          </a:bodyPr>
-          <a:lstStyle/>
-          <a:p>
-            <a:r>
-              <a:rPr lang="en-US" altLang="zh-CN" sz="3200" dirty="0" smtClean="0">
-                <a:latin typeface="Lucida Console" pitchFamily="49" charset="0"/>
-                <a:ea typeface="微软雅黑" pitchFamily="34" charset="-122"/>
-              </a:rPr>
-              <a:t>What is </a:t>
-            </a:r>
-            <a:r>
-              <a:rPr lang="en-US" altLang="zh-CN" sz="3200" dirty="0" err="1" smtClean="0">
-                <a:latin typeface="Lucida Console" pitchFamily="49" charset="0"/>
-                <a:ea typeface="微软雅黑" pitchFamily="34" charset="-122"/>
-              </a:rPr>
-              <a:t>Lua</a:t>
-            </a:r>
-            <a:endParaRPr lang="zh-CN" altLang="en-US" sz="3200" dirty="0">
-              <a:latin typeface="Lucida Console" pitchFamily="49" charset="0"/>
-              <a:ea typeface="微软雅黑" pitchFamily="34" charset="-122"/>
-            </a:endParaRPr>
-          </a:p>
-        </p:txBody>
-      </p:sp>
-      <p:sp>
-        <p:nvSpPr>
-          <p:cNvPr id="7185" name="矩形 14"/>
-          <p:cNvSpPr>
-            <a:spLocks noChangeArrowheads="1"/>
-          </p:cNvSpPr>
-          <p:nvPr/>
-        </p:nvSpPr>
-        <p:spPr bwMode="auto">
-          <a:xfrm>
-            <a:off x="742950" y="5387039"/>
-            <a:ext cx="8064896" cy="307777"/>
-          </a:xfrm>
-          <a:prstGeom prst="rect">
-            <a:avLst/>
-          </a:prstGeom>
-          <a:noFill/>
-          <a:ln w="9525">
-            <a:noFill/>
-            <a:miter lim="800000"/>
-            <a:headEnd/>
-            <a:tailEnd/>
-          </a:ln>
-        </p:spPr>
-        <p:txBody>
-          <a:bodyPr wrap="square">
-            <a:spAutoFit/>
-          </a:bodyPr>
-          <a:lstStyle/>
-          <a:p>
-            <a:r>
-              <a:rPr lang="en-US" altLang="zh-CN" sz="1400" dirty="0" err="1">
-                <a:latin typeface="Lucida Console" pitchFamily="49" charset="0"/>
-              </a:rPr>
-              <a:t>Lua</a:t>
-            </a:r>
-            <a:r>
-              <a:rPr lang="en-US" altLang="zh-CN" sz="1400" dirty="0">
-                <a:latin typeface="Lucida Console" pitchFamily="49" charset="0"/>
-              </a:rPr>
-              <a:t> is a powerful, fast, lightweight, embeddable scripting language</a:t>
-            </a:r>
-            <a:r>
-              <a:rPr lang="en-US" altLang="zh-CN" sz="1400" dirty="0"/>
-              <a:t>.</a:t>
-            </a:r>
-            <a:endParaRPr lang="zh-CN" altLang="en-US" sz="1400" dirty="0">
-              <a:latin typeface="Lucida Console" pitchFamily="49" charset="0"/>
-            </a:endParaRPr>
-          </a:p>
-        </p:txBody>
-      </p:sp>
-      <p:sp>
-        <p:nvSpPr>
-          <p:cNvPr id="20" name="矩形 14"/>
-          <p:cNvSpPr>
-            <a:spLocks noChangeArrowheads="1"/>
-          </p:cNvSpPr>
-          <p:nvPr/>
-        </p:nvSpPr>
-        <p:spPr bwMode="auto">
-          <a:xfrm>
-            <a:off x="742950" y="3717032"/>
-            <a:ext cx="8064896" cy="307777"/>
-          </a:xfrm>
-          <a:prstGeom prst="rect">
-            <a:avLst/>
-          </a:prstGeom>
-          <a:noFill/>
-          <a:ln w="9525">
-            <a:noFill/>
-            <a:miter lim="800000"/>
-            <a:headEnd/>
-            <a:tailEnd/>
-          </a:ln>
-        </p:spPr>
-        <p:txBody>
-          <a:bodyPr wrap="square">
-            <a:spAutoFit/>
-          </a:bodyPr>
-          <a:lstStyle/>
-          <a:p>
-            <a:r>
-              <a:rPr lang="en-US" altLang="zh-CN" sz="1400" dirty="0" smtClean="0">
-                <a:latin typeface="Lucida Console" pitchFamily="49" charset="0"/>
-              </a:rPr>
-              <a:t>A language used to control programs written by other languages.</a:t>
-            </a:r>
-            <a:endParaRPr lang="zh-CN" altLang="en-US" sz="1400" dirty="0">
-              <a:latin typeface="Lucida Console" pitchFamily="49" charset="0"/>
-            </a:endParaRPr>
-          </a:p>
-        </p:txBody>
-      </p:sp>
-      <p:sp>
-        <p:nvSpPr>
-          <p:cNvPr id="21" name="矩形 14"/>
-          <p:cNvSpPr>
-            <a:spLocks noChangeArrowheads="1"/>
-          </p:cNvSpPr>
-          <p:nvPr/>
-        </p:nvSpPr>
-        <p:spPr bwMode="auto">
-          <a:xfrm>
-            <a:off x="762000" y="1858686"/>
-            <a:ext cx="8064896" cy="954107"/>
-          </a:xfrm>
-          <a:prstGeom prst="rect">
-            <a:avLst/>
-          </a:prstGeom>
-          <a:noFill/>
-          <a:ln w="9525">
-            <a:noFill/>
-            <a:miter lim="800000"/>
-            <a:headEnd/>
-            <a:tailEnd/>
-          </a:ln>
-        </p:spPr>
-        <p:txBody>
-          <a:bodyPr wrap="square">
-            <a:spAutoFit/>
-          </a:bodyPr>
-          <a:lstStyle/>
-          <a:p>
-            <a:r>
-              <a:rPr lang="en-US" altLang="zh-CN" sz="1400" dirty="0" smtClean="0">
-                <a:latin typeface="Lucida Console" pitchFamily="49" charset="0"/>
-              </a:rPr>
-              <a:t>Created by </a:t>
-            </a:r>
-            <a:r>
-              <a:rPr lang="pt-BR" altLang="zh-CN" sz="1400" dirty="0">
-                <a:latin typeface="Lucida Console" pitchFamily="49" charset="0"/>
-              </a:rPr>
-              <a:t>Roberto Ierusalimschy</a:t>
-            </a:r>
-            <a:r>
-              <a:rPr lang="zh-CN" altLang="pt-BR" sz="1400" dirty="0" smtClean="0">
-                <a:latin typeface="Lucida Console" pitchFamily="49" charset="0"/>
-              </a:rPr>
-              <a:t>、</a:t>
-            </a:r>
-            <a:endParaRPr lang="en-US" altLang="zh-CN" sz="1400" dirty="0" smtClean="0">
-              <a:latin typeface="Lucida Console" pitchFamily="49" charset="0"/>
-            </a:endParaRPr>
-          </a:p>
-          <a:p>
-            <a:r>
-              <a:rPr lang="pt-BR" altLang="zh-CN" sz="1400" dirty="0" smtClean="0">
-                <a:latin typeface="Lucida Console" pitchFamily="49" charset="0"/>
-              </a:rPr>
-              <a:t>Luiz </a:t>
-            </a:r>
-            <a:r>
-              <a:rPr lang="pt-BR" altLang="zh-CN" sz="1400" dirty="0">
-                <a:latin typeface="Lucida Console" pitchFamily="49" charset="0"/>
-              </a:rPr>
-              <a:t>Henrique de </a:t>
-            </a:r>
-            <a:r>
-              <a:rPr lang="pt-BR" altLang="zh-CN" sz="1400" dirty="0" smtClean="0">
-                <a:latin typeface="Lucida Console" pitchFamily="49" charset="0"/>
-              </a:rPr>
-              <a:t>Figueiredo </a:t>
-            </a:r>
-          </a:p>
-          <a:p>
-            <a:r>
-              <a:rPr lang="pt-BR" altLang="zh-CN" sz="1400" dirty="0" smtClean="0">
-                <a:latin typeface="Lucida Console" pitchFamily="49" charset="0"/>
-              </a:rPr>
-              <a:t>and </a:t>
-            </a:r>
-            <a:r>
-              <a:rPr lang="en-US" altLang="zh-CN" sz="1400" dirty="0" err="1">
-                <a:latin typeface="Lucida Console" pitchFamily="49" charset="0"/>
-              </a:rPr>
-              <a:t>Waldemar</a:t>
-            </a:r>
-            <a:r>
-              <a:rPr lang="en-US" altLang="zh-CN" sz="1400" dirty="0">
-                <a:latin typeface="Lucida Console" pitchFamily="49" charset="0"/>
-              </a:rPr>
-              <a:t> </a:t>
-            </a:r>
-            <a:r>
-              <a:rPr lang="en-US" altLang="zh-CN" sz="1400" dirty="0" err="1" smtClean="0">
-                <a:latin typeface="Lucida Console" pitchFamily="49" charset="0"/>
-              </a:rPr>
-              <a:t>Celes</a:t>
-            </a:r>
-            <a:r>
-              <a:rPr lang="en-US" altLang="zh-CN" sz="1400" dirty="0" smtClean="0">
-                <a:latin typeface="Lucida Console" pitchFamily="49" charset="0"/>
-              </a:rPr>
-              <a:t> </a:t>
-            </a:r>
-          </a:p>
-          <a:p>
-            <a:r>
-              <a:rPr lang="en-US" altLang="zh-CN" sz="1400" dirty="0">
-                <a:latin typeface="Lucida Console" pitchFamily="49" charset="0"/>
-              </a:rPr>
-              <a:t>I</a:t>
-            </a:r>
-            <a:r>
-              <a:rPr lang="en-US" altLang="zh-CN" sz="1400" dirty="0" smtClean="0">
-                <a:latin typeface="Lucida Console" pitchFamily="49" charset="0"/>
-              </a:rPr>
-              <a:t>n </a:t>
-            </a:r>
-            <a:r>
-              <a:rPr lang="en-US" altLang="zh-CN" sz="1400" dirty="0">
-                <a:latin typeface="Lucida Console" pitchFamily="49" charset="0"/>
-              </a:rPr>
-              <a:t>1993 Pontifical Catholic University of Rio de Janeiro</a:t>
-            </a:r>
-            <a:endParaRPr lang="zh-CN" altLang="en-US" sz="1400" dirty="0">
-              <a:latin typeface="Lucida Console" pitchFamily="49" charset="0"/>
-            </a:endParaRPr>
-          </a:p>
-        </p:txBody>
-      </p:sp>
-      <p:sp>
-        <p:nvSpPr>
-          <p:cNvPr id="22" name="Text Box 6"/>
-          <p:cNvSpPr txBox="1">
-            <a:spLocks noChangeArrowheads="1"/>
-          </p:cNvSpPr>
-          <p:nvPr/>
-        </p:nvSpPr>
-        <p:spPr bwMode="auto">
-          <a:xfrm>
-            <a:off x="775779" y="1359842"/>
-            <a:ext cx="3352800" cy="461665"/>
-          </a:xfrm>
-          <a:prstGeom prst="rect">
-            <a:avLst/>
-          </a:prstGeom>
-          <a:solidFill>
-            <a:srgbClr val="2B60A7"/>
-          </a:solidFill>
-          <a:ln w="19050" algn="ctr">
-            <a:solidFill>
-              <a:schemeClr val="bg2"/>
-            </a:solidFill>
-            <a:miter lim="800000"/>
-            <a:headEnd/>
-            <a:tailEnd/>
-          </a:ln>
-        </p:spPr>
-        <p:txBody>
-          <a:bodyPr>
-            <a:spAutoFit/>
-          </a:bodyPr>
-          <a:lstStyle/>
-          <a:p>
-            <a:r>
-              <a:rPr lang="en-US" altLang="zh-CN" sz="2400" dirty="0" smtClean="0">
-                <a:solidFill>
-                  <a:schemeClr val="bg1"/>
-                </a:solidFill>
-                <a:latin typeface="Lucida Console" pitchFamily="49" charset="0"/>
-                <a:ea typeface="微软雅黑" pitchFamily="34" charset="-122"/>
-              </a:rPr>
-              <a:t>When </a:t>
-            </a:r>
-            <a:r>
-              <a:rPr lang="en-US" altLang="zh-CN" sz="2400" dirty="0" err="1" smtClean="0">
-                <a:solidFill>
-                  <a:schemeClr val="bg1"/>
-                </a:solidFill>
-                <a:latin typeface="Lucida Console" pitchFamily="49" charset="0"/>
-                <a:ea typeface="微软雅黑" pitchFamily="34" charset="-122"/>
-              </a:rPr>
-              <a:t>Lua</a:t>
-            </a:r>
-            <a:r>
-              <a:rPr lang="en-US" altLang="zh-CN" sz="2400" dirty="0" smtClean="0">
-                <a:solidFill>
-                  <a:schemeClr val="bg1"/>
-                </a:solidFill>
-                <a:latin typeface="Lucida Console" pitchFamily="49" charset="0"/>
-                <a:ea typeface="微软雅黑" pitchFamily="34" charset="-122"/>
-              </a:rPr>
-              <a:t> was born</a:t>
-            </a:r>
-            <a:endParaRPr lang="zh-CN" altLang="en-US" sz="2400" dirty="0">
-              <a:solidFill>
-                <a:schemeClr val="bg1"/>
-              </a:solidFill>
-              <a:latin typeface="Lucida Console" pitchFamily="49" charset="0"/>
-              <a:ea typeface="微软雅黑" pitchFamily="34" charset="-122"/>
-            </a:endParaRPr>
-          </a:p>
-        </p:txBody>
-      </p:sp>
-      <p:sp>
-        <p:nvSpPr>
-          <p:cNvPr id="23" name="Text Box 6"/>
-          <p:cNvSpPr txBox="1">
-            <a:spLocks noChangeArrowheads="1"/>
-          </p:cNvSpPr>
-          <p:nvPr/>
-        </p:nvSpPr>
-        <p:spPr bwMode="auto">
-          <a:xfrm>
-            <a:off x="742950" y="4663018"/>
-            <a:ext cx="3352800" cy="461665"/>
-          </a:xfrm>
-          <a:prstGeom prst="rect">
-            <a:avLst/>
-          </a:prstGeom>
-          <a:solidFill>
-            <a:srgbClr val="2B60A7"/>
-          </a:solidFill>
-          <a:ln w="19050" algn="ctr">
-            <a:solidFill>
-              <a:schemeClr val="bg2"/>
-            </a:solidFill>
-            <a:miter lim="800000"/>
-            <a:headEnd/>
-            <a:tailEnd/>
-          </a:ln>
-        </p:spPr>
-        <p:txBody>
-          <a:bodyPr>
-            <a:spAutoFit/>
-          </a:bodyPr>
-          <a:lstStyle/>
-          <a:p>
-            <a:r>
-              <a:rPr lang="en-US" altLang="zh-CN" sz="2400" dirty="0" smtClean="0">
-                <a:solidFill>
-                  <a:schemeClr val="bg1"/>
-                </a:solidFill>
-                <a:latin typeface="Lucida Console" pitchFamily="49" charset="0"/>
-                <a:ea typeface="微软雅黑" pitchFamily="34" charset="-122"/>
-              </a:rPr>
-              <a:t>In one sentence</a:t>
-            </a:r>
-            <a:endParaRPr lang="zh-CN" altLang="en-US" sz="2400" dirty="0">
-              <a:solidFill>
-                <a:schemeClr val="bg1"/>
-              </a:solidFill>
-              <a:latin typeface="Lucida Console" pitchFamily="49" charset="0"/>
-              <a:ea typeface="微软雅黑" pitchFamily="34" charset="-122"/>
-            </a:endParaRPr>
-          </a:p>
-        </p:txBody>
-      </p:sp>
-    </p:spTree>
-    <p:extLst>
-      <p:ext uri="{BB962C8B-B14F-4D97-AF65-F5344CB8AC3E}">
-        <p14:creationId xmlns:p14="http://schemas.microsoft.com/office/powerpoint/2010/main" val="3120835579"/>
-      </p:ext>
-    </p:extLst>
-  </p:cSld>
-  <p:clrMapOvr>
-    <a:masterClrMapping/>
-  </p:clrMapOvr>
-  <p:timing>
-    <p:tnLst>
-      <p:par>
-        <p:cTn id="1" dur="indefinite" restart="never" nodeType="tmRoot"/>
-      </p:par>
-    </p:tnLst>
-  </p:timing>
-</p:sld>
-</file>
-
-<file path=ppt/slides/slide4.xml><?xml version="1.0" encoding="utf-8"?>
 <p:sld xmlns:a="http://schemas.openxmlformats.org/drawingml/2006/main" xmlns:r="http://schemas.openxmlformats.org/officeDocument/2006/relationships" xmlns:p="http://schemas.openxmlformats.org/presentationml/2006/main">
   <p:cSld>
     <p:spTree>
@@ -17959,7 +16181,7 @@
               <a:r>
                 <a:rPr lang="en-US" altLang="zh-CN" dirty="0" smtClean="0">
                   <a:solidFill>
-                    <a:srgbClr val="FFFF00"/>
+                    <a:schemeClr val="bg1"/>
                   </a:solidFill>
                   <a:latin typeface="Lucida Console" pitchFamily="49" charset="0"/>
                   <a:ea typeface="微软雅黑" pitchFamily="34" charset="-122"/>
@@ -17969,7 +16191,7 @@
               <a:r>
                 <a:rPr lang="en-US" altLang="zh-CN" dirty="0" err="1" smtClean="0">
                   <a:solidFill>
-                    <a:srgbClr val="FFFF00"/>
+                    <a:schemeClr val="bg1"/>
                   </a:solidFill>
                   <a:latin typeface="Lucida Console" pitchFamily="49" charset="0"/>
                   <a:ea typeface="微软雅黑" pitchFamily="34" charset="-122"/>
@@ -17978,7 +16200,7 @@
               </a:r>
               <a:endParaRPr lang="zh-CN" altLang="en-US" dirty="0">
                 <a:solidFill>
-                  <a:srgbClr val="FFFF00"/>
+                  <a:schemeClr val="bg1"/>
                 </a:solidFill>
                 <a:latin typeface="Lucida Console" pitchFamily="49" charset="0"/>
                 <a:ea typeface="微软雅黑" pitchFamily="34" charset="-122"/>
@@ -18374,7 +16596,2331 @@
                   <a:latin typeface="Lucida Console" pitchFamily="49" charset="0"/>
                   <a:ea typeface="微软雅黑" pitchFamily="34" charset="-122"/>
                 </a:rPr>
-                <a:t> </a:t>
+                <a:t> with C++</a:t>
+              </a:r>
+              <a:endParaRPr lang="zh-CN" altLang="en-US" dirty="0">
+                <a:solidFill>
+                  <a:schemeClr val="bg1"/>
+                </a:solidFill>
+                <a:latin typeface="Lucida Console" pitchFamily="49" charset="0"/>
+                <a:ea typeface="微软雅黑" pitchFamily="34" charset="-122"/>
+              </a:endParaRPr>
+            </a:p>
+          </p:txBody>
+        </p:sp>
+      </p:grpSp>
+      <p:grpSp>
+        <p:nvGrpSpPr>
+          <p:cNvPr id="35" name="组合 34"/>
+          <p:cNvGrpSpPr/>
+          <p:nvPr/>
+        </p:nvGrpSpPr>
+        <p:grpSpPr>
+          <a:xfrm>
+            <a:off x="2843808" y="4559071"/>
+            <a:ext cx="3600400" cy="539750"/>
+            <a:chOff x="611560" y="692696"/>
+            <a:chExt cx="2332038" cy="539750"/>
+          </a:xfrm>
+        </p:grpSpPr>
+        <p:grpSp>
+          <p:nvGrpSpPr>
+            <p:cNvPr id="36" name="组合 35"/>
+            <p:cNvGrpSpPr/>
+            <p:nvPr/>
+          </p:nvGrpSpPr>
+          <p:grpSpPr>
+            <a:xfrm>
+              <a:off x="611560" y="692696"/>
+              <a:ext cx="2332038" cy="539750"/>
+              <a:chOff x="1180457" y="1484784"/>
+              <a:chExt cx="2332038" cy="539750"/>
+            </a:xfrm>
+          </p:grpSpPr>
+          <p:sp>
+            <p:nvSpPr>
+              <p:cNvPr id="38" name="等腰三角形 37"/>
+              <p:cNvSpPr/>
+              <p:nvPr/>
+            </p:nvSpPr>
+            <p:spPr>
+              <a:xfrm>
+                <a:off x="3182295" y="1484784"/>
+                <a:ext cx="330200" cy="295275"/>
+              </a:xfrm>
+              <a:prstGeom prst="triangle">
+                <a:avLst/>
+              </a:prstGeom>
+              <a:solidFill>
+                <a:srgbClr val="1B4266"/>
+              </a:solidFill>
+              <a:ln>
+                <a:noFill/>
+              </a:ln>
+            </p:spPr>
+            <p:style>
+              <a:lnRef idx="2">
+                <a:schemeClr val="accent1">
+                  <a:shade val="50000"/>
+                </a:schemeClr>
+              </a:lnRef>
+              <a:fillRef idx="1">
+                <a:schemeClr val="accent1"/>
+              </a:fillRef>
+              <a:effectRef idx="0">
+                <a:schemeClr val="accent1"/>
+              </a:effectRef>
+              <a:fontRef idx="minor">
+                <a:schemeClr val="lt1"/>
+              </a:fontRef>
+            </p:style>
+            <p:txBody>
+              <a:bodyPr anchor="ctr"/>
+              <a:lstStyle/>
+              <a:p>
+                <a:pPr algn="ctr">
+                  <a:defRPr/>
+                </a:pPr>
+                <a:endParaRPr lang="zh-CN" altLang="en-US">
+                  <a:latin typeface="Lucida Console" pitchFamily="49" charset="0"/>
+                </a:endParaRPr>
+              </a:p>
+            </p:txBody>
+          </p:sp>
+          <p:sp>
+            <p:nvSpPr>
+              <p:cNvPr id="39" name="平行四边形 38"/>
+              <p:cNvSpPr/>
+              <p:nvPr/>
+            </p:nvSpPr>
+            <p:spPr>
+              <a:xfrm>
+                <a:off x="1180457" y="1484784"/>
+                <a:ext cx="2166938" cy="539750"/>
+              </a:xfrm>
+              <a:prstGeom prst="parallelogram">
+                <a:avLst/>
+              </a:prstGeom>
+              <a:solidFill>
+                <a:srgbClr val="2B60A7"/>
+              </a:solidFill>
+              <a:ln>
+                <a:noFill/>
+              </a:ln>
+            </p:spPr>
+            <p:style>
+              <a:lnRef idx="2">
+                <a:schemeClr val="accent1">
+                  <a:shade val="50000"/>
+                </a:schemeClr>
+              </a:lnRef>
+              <a:fillRef idx="1">
+                <a:schemeClr val="accent1"/>
+              </a:fillRef>
+              <a:effectRef idx="0">
+                <a:schemeClr val="accent1"/>
+              </a:effectRef>
+              <a:fontRef idx="minor">
+                <a:schemeClr val="lt1"/>
+              </a:fontRef>
+            </p:style>
+            <p:txBody>
+              <a:bodyPr anchor="ctr"/>
+              <a:lstStyle/>
+              <a:p>
+                <a:pPr algn="ctr">
+                  <a:defRPr/>
+                </a:pPr>
+                <a:endParaRPr lang="zh-CN" altLang="en-US">
+                  <a:latin typeface="Lucida Console" pitchFamily="49" charset="0"/>
+                </a:endParaRPr>
+              </a:p>
+            </p:txBody>
+          </p:sp>
+        </p:grpSp>
+        <p:sp>
+          <p:nvSpPr>
+            <p:cNvPr id="37" name="矩形 36"/>
+            <p:cNvSpPr>
+              <a:spLocks noChangeArrowheads="1"/>
+            </p:cNvSpPr>
+            <p:nvPr/>
+          </p:nvSpPr>
+          <p:spPr bwMode="auto">
+            <a:xfrm>
+              <a:off x="835713" y="788669"/>
+              <a:ext cx="751931" cy="369332"/>
+            </a:xfrm>
+            <a:prstGeom prst="rect">
+              <a:avLst/>
+            </a:prstGeom>
+            <a:noFill/>
+            <a:ln w="9525">
+              <a:noFill/>
+              <a:miter lim="800000"/>
+              <a:headEnd/>
+              <a:tailEnd/>
+            </a:ln>
+          </p:spPr>
+          <p:txBody>
+            <a:bodyPr wrap="none">
+              <a:spAutoFit/>
+            </a:bodyPr>
+            <a:lstStyle/>
+            <a:p>
+              <a:r>
+                <a:rPr lang="en-US" altLang="zh-CN" dirty="0" smtClean="0">
+                  <a:solidFill>
+                    <a:schemeClr val="bg1"/>
+                  </a:solidFill>
+                  <a:latin typeface="Lucida Console" pitchFamily="49" charset="0"/>
+                  <a:ea typeface="微软雅黑" pitchFamily="34" charset="-122"/>
+                </a:rPr>
+                <a:t>Why </a:t>
+              </a:r>
+              <a:r>
+                <a:rPr lang="en-US" altLang="zh-CN" dirty="0" err="1" smtClean="0">
+                  <a:solidFill>
+                    <a:schemeClr val="bg1"/>
+                  </a:solidFill>
+                  <a:latin typeface="Lucida Console" pitchFamily="49" charset="0"/>
+                  <a:ea typeface="微软雅黑" pitchFamily="34" charset="-122"/>
+                </a:rPr>
+                <a:t>Lua</a:t>
+              </a:r>
+              <a:endParaRPr lang="zh-CN" altLang="en-US" dirty="0">
+                <a:solidFill>
+                  <a:schemeClr val="bg1"/>
+                </a:solidFill>
+                <a:latin typeface="Lucida Console" pitchFamily="49" charset="0"/>
+                <a:ea typeface="微软雅黑" pitchFamily="34" charset="-122"/>
+              </a:endParaRPr>
+            </a:p>
+          </p:txBody>
+        </p:sp>
+      </p:grpSp>
+      <p:grpSp>
+        <p:nvGrpSpPr>
+          <p:cNvPr id="40" name="组合 39"/>
+          <p:cNvGrpSpPr/>
+          <p:nvPr/>
+        </p:nvGrpSpPr>
+        <p:grpSpPr>
+          <a:xfrm>
+            <a:off x="2843808" y="5625554"/>
+            <a:ext cx="3600400" cy="539750"/>
+            <a:chOff x="611560" y="692696"/>
+            <a:chExt cx="2332038" cy="539750"/>
+          </a:xfrm>
+        </p:grpSpPr>
+        <p:grpSp>
+          <p:nvGrpSpPr>
+            <p:cNvPr id="41" name="组合 40"/>
+            <p:cNvGrpSpPr/>
+            <p:nvPr/>
+          </p:nvGrpSpPr>
+          <p:grpSpPr>
+            <a:xfrm>
+              <a:off x="611560" y="692696"/>
+              <a:ext cx="2332038" cy="539750"/>
+              <a:chOff x="1180457" y="1484784"/>
+              <a:chExt cx="2332038" cy="539750"/>
+            </a:xfrm>
+          </p:grpSpPr>
+          <p:sp>
+            <p:nvSpPr>
+              <p:cNvPr id="43" name="等腰三角形 42"/>
+              <p:cNvSpPr/>
+              <p:nvPr/>
+            </p:nvSpPr>
+            <p:spPr>
+              <a:xfrm>
+                <a:off x="3182295" y="1484784"/>
+                <a:ext cx="330200" cy="295275"/>
+              </a:xfrm>
+              <a:prstGeom prst="triangle">
+                <a:avLst/>
+              </a:prstGeom>
+              <a:solidFill>
+                <a:srgbClr val="1B4266"/>
+              </a:solidFill>
+              <a:ln>
+                <a:noFill/>
+              </a:ln>
+            </p:spPr>
+            <p:style>
+              <a:lnRef idx="2">
+                <a:schemeClr val="accent1">
+                  <a:shade val="50000"/>
+                </a:schemeClr>
+              </a:lnRef>
+              <a:fillRef idx="1">
+                <a:schemeClr val="accent1"/>
+              </a:fillRef>
+              <a:effectRef idx="0">
+                <a:schemeClr val="accent1"/>
+              </a:effectRef>
+              <a:fontRef idx="minor">
+                <a:schemeClr val="lt1"/>
+              </a:fontRef>
+            </p:style>
+            <p:txBody>
+              <a:bodyPr anchor="ctr"/>
+              <a:lstStyle/>
+              <a:p>
+                <a:pPr algn="ctr">
+                  <a:defRPr/>
+                </a:pPr>
+                <a:endParaRPr lang="zh-CN" altLang="en-US">
+                  <a:latin typeface="Lucida Console" pitchFamily="49" charset="0"/>
+                </a:endParaRPr>
+              </a:p>
+            </p:txBody>
+          </p:sp>
+          <p:sp>
+            <p:nvSpPr>
+              <p:cNvPr id="44" name="平行四边形 43"/>
+              <p:cNvSpPr/>
+              <p:nvPr/>
+            </p:nvSpPr>
+            <p:spPr>
+              <a:xfrm>
+                <a:off x="1180457" y="1484784"/>
+                <a:ext cx="2166938" cy="539750"/>
+              </a:xfrm>
+              <a:prstGeom prst="parallelogram">
+                <a:avLst/>
+              </a:prstGeom>
+              <a:solidFill>
+                <a:srgbClr val="2B60A7"/>
+              </a:solidFill>
+              <a:ln>
+                <a:noFill/>
+              </a:ln>
+            </p:spPr>
+            <p:style>
+              <a:lnRef idx="2">
+                <a:schemeClr val="accent1">
+                  <a:shade val="50000"/>
+                </a:schemeClr>
+              </a:lnRef>
+              <a:fillRef idx="1">
+                <a:schemeClr val="accent1"/>
+              </a:fillRef>
+              <a:effectRef idx="0">
+                <a:schemeClr val="accent1"/>
+              </a:effectRef>
+              <a:fontRef idx="minor">
+                <a:schemeClr val="lt1"/>
+              </a:fontRef>
+            </p:style>
+            <p:txBody>
+              <a:bodyPr anchor="ctr"/>
+              <a:lstStyle/>
+              <a:p>
+                <a:pPr algn="ctr">
+                  <a:defRPr/>
+                </a:pPr>
+                <a:endParaRPr lang="zh-CN" altLang="en-US">
+                  <a:latin typeface="Lucida Console" pitchFamily="49" charset="0"/>
+                </a:endParaRPr>
+              </a:p>
+            </p:txBody>
+          </p:sp>
+        </p:grpSp>
+        <p:sp>
+          <p:nvSpPr>
+            <p:cNvPr id="42" name="矩形 41"/>
+            <p:cNvSpPr>
+              <a:spLocks noChangeArrowheads="1"/>
+            </p:cNvSpPr>
+            <p:nvPr/>
+          </p:nvSpPr>
+          <p:spPr bwMode="auto">
+            <a:xfrm>
+              <a:off x="835713" y="777627"/>
+              <a:ext cx="1384250" cy="369332"/>
+            </a:xfrm>
+            <a:prstGeom prst="rect">
+              <a:avLst/>
+            </a:prstGeom>
+            <a:noFill/>
+            <a:ln w="9525">
+              <a:noFill/>
+              <a:miter lim="800000"/>
+              <a:headEnd/>
+              <a:tailEnd/>
+            </a:ln>
+          </p:spPr>
+          <p:txBody>
+            <a:bodyPr wrap="none">
+              <a:spAutoFit/>
+            </a:bodyPr>
+            <a:lstStyle/>
+            <a:p>
+              <a:r>
+                <a:rPr lang="en-US" altLang="zh-CN" dirty="0" smtClean="0">
+                  <a:solidFill>
+                    <a:srgbClr val="FFFF00"/>
+                  </a:solidFill>
+                  <a:latin typeface="Lucida Console" pitchFamily="49" charset="0"/>
+                  <a:ea typeface="微软雅黑" pitchFamily="34" charset="-122"/>
+                </a:rPr>
+                <a:t>Things to note</a:t>
+              </a:r>
+              <a:endParaRPr lang="zh-CN" altLang="en-US" dirty="0">
+                <a:solidFill>
+                  <a:srgbClr val="FFFF00"/>
+                </a:solidFill>
+                <a:latin typeface="Lucida Console" pitchFamily="49" charset="0"/>
+                <a:ea typeface="微软雅黑" pitchFamily="34" charset="-122"/>
+              </a:endParaRPr>
+            </a:p>
+          </p:txBody>
+        </p:sp>
+      </p:grpSp>
+    </p:spTree>
+    <p:extLst>
+      <p:ext uri="{BB962C8B-B14F-4D97-AF65-F5344CB8AC3E}">
+        <p14:creationId xmlns:p14="http://schemas.microsoft.com/office/powerpoint/2010/main" val="2252730767"/>
+      </p:ext>
+    </p:extLst>
+  </p:cSld>
+  <p:clrMapOvr>
+    <a:masterClrMapping/>
+  </p:clrMapOvr>
+  <p:timing>
+    <p:tnLst>
+      <p:par>
+        <p:cTn id="1" dur="indefinite" restart="never" nodeType="tmRoot"/>
+      </p:par>
+    </p:tnLst>
+  </p:timing>
+</p:sld>
+</file>
+
+<file path=ppt/slides/slide29.xml><?xml version="1.0" encoding="utf-8"?>
+<p:sld xmlns:a="http://schemas.openxmlformats.org/drawingml/2006/main" xmlns:r="http://schemas.openxmlformats.org/officeDocument/2006/relationships" xmlns:p="http://schemas.openxmlformats.org/presentationml/2006/main">
+  <p:cSld>
+    <p:spTree>
+      <p:nvGrpSpPr>
+        <p:cNvPr id="1" name=""/>
+        <p:cNvGrpSpPr/>
+        <p:nvPr/>
+      </p:nvGrpSpPr>
+      <p:grpSpPr>
+        <a:xfrm>
+          <a:off x="0" y="0"/>
+          <a:ext cx="0" cy="0"/>
+          <a:chOff x="0" y="0"/>
+          <a:chExt cx="0" cy="0"/>
+        </a:xfrm>
+      </p:grpSpPr>
+      <p:sp>
+        <p:nvSpPr>
+          <p:cNvPr id="7176" name="TextBox 5" hidden="1"/>
+          <p:cNvSpPr txBox="1">
+            <a:spLocks noChangeArrowheads="1"/>
+          </p:cNvSpPr>
+          <p:nvPr/>
+        </p:nvSpPr>
+        <p:spPr bwMode="auto">
+          <a:xfrm>
+            <a:off x="1939925" y="1954213"/>
+            <a:ext cx="1943100" cy="369887"/>
+          </a:xfrm>
+          <a:prstGeom prst="rect">
+            <a:avLst/>
+          </a:prstGeom>
+          <a:noFill/>
+          <a:ln w="9525">
+            <a:noFill/>
+            <a:miter lim="800000"/>
+            <a:headEnd/>
+            <a:tailEnd/>
+          </a:ln>
+        </p:spPr>
+        <p:txBody>
+          <a:bodyPr>
+            <a:spAutoFit/>
+          </a:bodyPr>
+          <a:lstStyle/>
+          <a:p>
+            <a:r>
+              <a:rPr lang="zh-CN" altLang="en-US">
+                <a:latin typeface="微软雅黑" pitchFamily="34" charset="-122"/>
+                <a:ea typeface="微软雅黑" pitchFamily="34" charset="-122"/>
+              </a:rPr>
+              <a:t>点击添加文本</a:t>
+            </a:r>
+          </a:p>
+        </p:txBody>
+      </p:sp>
+      <p:sp>
+        <p:nvSpPr>
+          <p:cNvPr id="7177" name="矩形 6" hidden="1"/>
+          <p:cNvSpPr>
+            <a:spLocks noChangeArrowheads="1"/>
+          </p:cNvSpPr>
+          <p:nvPr/>
+        </p:nvSpPr>
+        <p:spPr bwMode="auto">
+          <a:xfrm>
+            <a:off x="1939925" y="3025775"/>
+            <a:ext cx="1471613" cy="646113"/>
+          </a:xfrm>
+          <a:prstGeom prst="rect">
+            <a:avLst/>
+          </a:prstGeom>
+          <a:noFill/>
+          <a:ln w="9525">
+            <a:noFill/>
+            <a:miter lim="800000"/>
+            <a:headEnd/>
+            <a:tailEnd/>
+          </a:ln>
+        </p:spPr>
+        <p:txBody>
+          <a:bodyPr>
+            <a:spAutoFit/>
+          </a:bodyPr>
+          <a:lstStyle/>
+          <a:p>
+            <a:r>
+              <a:rPr lang="zh-CN" altLang="en-US">
+                <a:latin typeface="微软雅黑" pitchFamily="34" charset="-122"/>
+                <a:ea typeface="微软雅黑" pitchFamily="34" charset="-122"/>
+              </a:rPr>
+              <a:t>点击添加文本</a:t>
+            </a:r>
+          </a:p>
+        </p:txBody>
+      </p:sp>
+      <p:sp>
+        <p:nvSpPr>
+          <p:cNvPr id="7178" name="矩形 7" hidden="1"/>
+          <p:cNvSpPr>
+            <a:spLocks noChangeArrowheads="1"/>
+          </p:cNvSpPr>
+          <p:nvPr/>
+        </p:nvSpPr>
+        <p:spPr bwMode="auto">
+          <a:xfrm>
+            <a:off x="2011363" y="4240213"/>
+            <a:ext cx="1471612" cy="646112"/>
+          </a:xfrm>
+          <a:prstGeom prst="rect">
+            <a:avLst/>
+          </a:prstGeom>
+          <a:noFill/>
+          <a:ln w="9525">
+            <a:noFill/>
+            <a:miter lim="800000"/>
+            <a:headEnd/>
+            <a:tailEnd/>
+          </a:ln>
+        </p:spPr>
+        <p:txBody>
+          <a:bodyPr>
+            <a:spAutoFit/>
+          </a:bodyPr>
+          <a:lstStyle/>
+          <a:p>
+            <a:r>
+              <a:rPr lang="zh-CN" altLang="en-US">
+                <a:latin typeface="微软雅黑" pitchFamily="34" charset="-122"/>
+                <a:ea typeface="微软雅黑" pitchFamily="34" charset="-122"/>
+              </a:rPr>
+              <a:t>点击添加文本</a:t>
+            </a:r>
+          </a:p>
+        </p:txBody>
+      </p:sp>
+      <p:sp>
+        <p:nvSpPr>
+          <p:cNvPr id="7179" name="矩形 8" hidden="1"/>
+          <p:cNvSpPr>
+            <a:spLocks noChangeArrowheads="1"/>
+          </p:cNvSpPr>
+          <p:nvPr/>
+        </p:nvSpPr>
+        <p:spPr bwMode="auto">
+          <a:xfrm>
+            <a:off x="2011363" y="5526088"/>
+            <a:ext cx="1471612" cy="646112"/>
+          </a:xfrm>
+          <a:prstGeom prst="rect">
+            <a:avLst/>
+          </a:prstGeom>
+          <a:noFill/>
+          <a:ln w="9525">
+            <a:noFill/>
+            <a:miter lim="800000"/>
+            <a:headEnd/>
+            <a:tailEnd/>
+          </a:ln>
+        </p:spPr>
+        <p:txBody>
+          <a:bodyPr>
+            <a:spAutoFit/>
+          </a:bodyPr>
+          <a:lstStyle/>
+          <a:p>
+            <a:r>
+              <a:rPr lang="zh-CN" altLang="en-US">
+                <a:latin typeface="微软雅黑" pitchFamily="34" charset="-122"/>
+                <a:ea typeface="微软雅黑" pitchFamily="34" charset="-122"/>
+              </a:rPr>
+              <a:t>点击添加文本</a:t>
+            </a:r>
+          </a:p>
+        </p:txBody>
+      </p:sp>
+      <p:sp>
+        <p:nvSpPr>
+          <p:cNvPr id="7180" name="矩形 6"/>
+          <p:cNvSpPr>
+            <a:spLocks noChangeArrowheads="1"/>
+          </p:cNvSpPr>
+          <p:nvPr/>
+        </p:nvSpPr>
+        <p:spPr bwMode="auto">
+          <a:xfrm>
+            <a:off x="357188" y="285750"/>
+            <a:ext cx="3640740" cy="584775"/>
+          </a:xfrm>
+          <a:prstGeom prst="rect">
+            <a:avLst/>
+          </a:prstGeom>
+          <a:noFill/>
+          <a:ln w="9525">
+            <a:noFill/>
+            <a:miter lim="800000"/>
+            <a:headEnd/>
+            <a:tailEnd/>
+          </a:ln>
+        </p:spPr>
+        <p:txBody>
+          <a:bodyPr wrap="none">
+            <a:spAutoFit/>
+          </a:bodyPr>
+          <a:lstStyle/>
+          <a:p>
+            <a:r>
+              <a:rPr lang="en-US" altLang="zh-CN" sz="3200" dirty="0" smtClean="0">
+                <a:latin typeface="Lucida Console" pitchFamily="49" charset="0"/>
+                <a:ea typeface="微软雅黑" pitchFamily="34" charset="-122"/>
+              </a:rPr>
+              <a:t>Things to note</a:t>
+            </a:r>
+            <a:endParaRPr lang="zh-CN" altLang="en-US" sz="3200" dirty="0">
+              <a:latin typeface="Lucida Console" pitchFamily="49" charset="0"/>
+              <a:ea typeface="微软雅黑" pitchFamily="34" charset="-122"/>
+            </a:endParaRPr>
+          </a:p>
+        </p:txBody>
+      </p:sp>
+      <p:sp>
+        <p:nvSpPr>
+          <p:cNvPr id="2" name="TextBox 1"/>
+          <p:cNvSpPr txBox="1"/>
+          <p:nvPr/>
+        </p:nvSpPr>
+        <p:spPr>
+          <a:xfrm>
+            <a:off x="467544" y="1196752"/>
+            <a:ext cx="8208912" cy="1200329"/>
+          </a:xfrm>
+          <a:prstGeom prst="rect">
+            <a:avLst/>
+          </a:prstGeom>
+          <a:noFill/>
+        </p:spPr>
+        <p:txBody>
+          <a:bodyPr wrap="square" rtlCol="0">
+            <a:spAutoFit/>
+          </a:bodyPr>
+          <a:lstStyle/>
+          <a:p>
+            <a:pPr marL="342900" indent="-342900">
+              <a:buAutoNum type="arabicPeriod"/>
+            </a:pPr>
+            <a:r>
+              <a:rPr lang="en-US" altLang="zh-CN" dirty="0" smtClean="0"/>
+              <a:t>Resources management</a:t>
+            </a:r>
+          </a:p>
+          <a:p>
+            <a:pPr marL="342900" indent="-342900">
+              <a:buAutoNum type="arabicPeriod"/>
+            </a:pPr>
+            <a:r>
+              <a:rPr lang="en-US" altLang="zh-CN" dirty="0" smtClean="0"/>
+              <a:t>Data converting</a:t>
+            </a:r>
+          </a:p>
+          <a:p>
+            <a:pPr marL="342900" indent="-342900">
+              <a:buAutoNum type="arabicPeriod"/>
+            </a:pPr>
+            <a:r>
+              <a:rPr lang="en-US" altLang="zh-CN" dirty="0" smtClean="0"/>
+              <a:t>Performance</a:t>
+            </a:r>
+          </a:p>
+          <a:p>
+            <a:pPr marL="342900" indent="-342900">
+              <a:buAutoNum type="arabicPeriod"/>
+            </a:pPr>
+            <a:endParaRPr lang="zh-CN" altLang="en-US" dirty="0"/>
+          </a:p>
+        </p:txBody>
+      </p:sp>
+    </p:spTree>
+    <p:extLst>
+      <p:ext uri="{BB962C8B-B14F-4D97-AF65-F5344CB8AC3E}">
+        <p14:creationId xmlns:p14="http://schemas.microsoft.com/office/powerpoint/2010/main" val="1682354615"/>
+      </p:ext>
+    </p:extLst>
+  </p:cSld>
+  <p:clrMapOvr>
+    <a:masterClrMapping/>
+  </p:clrMapOvr>
+  <p:timing>
+    <p:tnLst>
+      <p:par>
+        <p:cTn id="1" dur="indefinite" restart="never" nodeType="tmRoot"/>
+      </p:par>
+    </p:tnLst>
+  </p:timing>
+</p:sld>
+</file>
+
+<file path=ppt/slides/slide3.xml><?xml version="1.0" encoding="utf-8"?>
+<p:sld xmlns:a="http://schemas.openxmlformats.org/drawingml/2006/main" xmlns:r="http://schemas.openxmlformats.org/officeDocument/2006/relationships" xmlns:p="http://schemas.openxmlformats.org/presentationml/2006/main">
+  <p:cSld>
+    <p:spTree>
+      <p:nvGrpSpPr>
+        <p:cNvPr id="1" name=""/>
+        <p:cNvGrpSpPr/>
+        <p:nvPr/>
+      </p:nvGrpSpPr>
+      <p:grpSpPr>
+        <a:xfrm>
+          <a:off x="0" y="0"/>
+          <a:ext cx="0" cy="0"/>
+          <a:chOff x="0" y="0"/>
+          <a:chExt cx="0" cy="0"/>
+        </a:xfrm>
+      </p:grpSpPr>
+      <p:sp>
+        <p:nvSpPr>
+          <p:cNvPr id="7170" name="Rectangle 5"/>
+          <p:cNvSpPr>
+            <a:spLocks noChangeArrowheads="1"/>
+          </p:cNvSpPr>
+          <p:nvPr/>
+        </p:nvSpPr>
+        <p:spPr bwMode="auto">
+          <a:xfrm>
+            <a:off x="304800" y="1590675"/>
+            <a:ext cx="8382000" cy="1236663"/>
+          </a:xfrm>
+          <a:prstGeom prst="rect">
+            <a:avLst/>
+          </a:prstGeom>
+          <a:noFill/>
+          <a:ln w="19050" algn="ctr">
+            <a:solidFill>
+              <a:srgbClr val="1B4266"/>
+            </a:solidFill>
+            <a:miter lim="800000"/>
+            <a:headEnd/>
+            <a:tailEnd/>
+          </a:ln>
+        </p:spPr>
+        <p:txBody>
+          <a:bodyPr wrap="none" anchor="ctr"/>
+          <a:lstStyle/>
+          <a:p>
+            <a:endParaRPr lang="zh-CN" altLang="en-US">
+              <a:latin typeface="Lucida Console" pitchFamily="49" charset="0"/>
+            </a:endParaRPr>
+          </a:p>
+        </p:txBody>
+      </p:sp>
+      <p:sp>
+        <p:nvSpPr>
+          <p:cNvPr id="7172" name="Rectangle 5"/>
+          <p:cNvSpPr>
+            <a:spLocks noChangeArrowheads="1"/>
+          </p:cNvSpPr>
+          <p:nvPr/>
+        </p:nvSpPr>
+        <p:spPr bwMode="auto">
+          <a:xfrm>
+            <a:off x="285750" y="3249613"/>
+            <a:ext cx="8382000" cy="1236662"/>
+          </a:xfrm>
+          <a:prstGeom prst="rect">
+            <a:avLst/>
+          </a:prstGeom>
+          <a:noFill/>
+          <a:ln w="19050" algn="ctr">
+            <a:solidFill>
+              <a:srgbClr val="1B4266"/>
+            </a:solidFill>
+            <a:miter lim="800000"/>
+            <a:headEnd/>
+            <a:tailEnd/>
+          </a:ln>
+        </p:spPr>
+        <p:txBody>
+          <a:bodyPr wrap="none" anchor="ctr"/>
+          <a:lstStyle/>
+          <a:p>
+            <a:endParaRPr lang="zh-CN" altLang="en-US">
+              <a:latin typeface="Lucida Console" pitchFamily="49" charset="0"/>
+            </a:endParaRPr>
+          </a:p>
+        </p:txBody>
+      </p:sp>
+      <p:sp>
+        <p:nvSpPr>
+          <p:cNvPr id="7173" name="Text Box 6"/>
+          <p:cNvSpPr txBox="1">
+            <a:spLocks noChangeArrowheads="1"/>
+          </p:cNvSpPr>
+          <p:nvPr/>
+        </p:nvSpPr>
+        <p:spPr bwMode="auto">
+          <a:xfrm>
+            <a:off x="742950" y="3039343"/>
+            <a:ext cx="3352800" cy="461665"/>
+          </a:xfrm>
+          <a:prstGeom prst="rect">
+            <a:avLst/>
+          </a:prstGeom>
+          <a:solidFill>
+            <a:srgbClr val="2B60A7"/>
+          </a:solidFill>
+          <a:ln w="19050" algn="ctr">
+            <a:solidFill>
+              <a:schemeClr val="bg2"/>
+            </a:solidFill>
+            <a:miter lim="800000"/>
+            <a:headEnd/>
+            <a:tailEnd/>
+          </a:ln>
+        </p:spPr>
+        <p:txBody>
+          <a:bodyPr>
+            <a:spAutoFit/>
+          </a:bodyPr>
+          <a:lstStyle/>
+          <a:p>
+            <a:r>
+              <a:rPr lang="en-US" altLang="zh-CN" sz="2400" dirty="0">
+                <a:solidFill>
+                  <a:schemeClr val="bg1"/>
+                </a:solidFill>
+                <a:latin typeface="Lucida Console" pitchFamily="49" charset="0"/>
+                <a:ea typeface="微软雅黑" pitchFamily="34" charset="-122"/>
+              </a:rPr>
+              <a:t>Design concept</a:t>
+            </a:r>
+            <a:endParaRPr lang="zh-CN" altLang="en-US" sz="2400" dirty="0">
+              <a:solidFill>
+                <a:schemeClr val="bg1"/>
+              </a:solidFill>
+              <a:latin typeface="Lucida Console" pitchFamily="49" charset="0"/>
+              <a:ea typeface="微软雅黑" pitchFamily="34" charset="-122"/>
+            </a:endParaRPr>
+          </a:p>
+        </p:txBody>
+      </p:sp>
+      <p:sp>
+        <p:nvSpPr>
+          <p:cNvPr id="7174" name="Rectangle 5"/>
+          <p:cNvSpPr>
+            <a:spLocks noChangeArrowheads="1"/>
+          </p:cNvSpPr>
+          <p:nvPr/>
+        </p:nvSpPr>
+        <p:spPr bwMode="auto">
+          <a:xfrm>
+            <a:off x="285750" y="4906963"/>
+            <a:ext cx="8382000" cy="1236662"/>
+          </a:xfrm>
+          <a:prstGeom prst="rect">
+            <a:avLst/>
+          </a:prstGeom>
+          <a:noFill/>
+          <a:ln w="19050" algn="ctr">
+            <a:solidFill>
+              <a:srgbClr val="1B4266"/>
+            </a:solidFill>
+            <a:miter lim="800000"/>
+            <a:headEnd/>
+            <a:tailEnd/>
+          </a:ln>
+        </p:spPr>
+        <p:txBody>
+          <a:bodyPr wrap="none" anchor="ctr"/>
+          <a:lstStyle/>
+          <a:p>
+            <a:endParaRPr lang="zh-CN" altLang="en-US">
+              <a:latin typeface="Lucida Console" pitchFamily="49" charset="0"/>
+            </a:endParaRPr>
+          </a:p>
+        </p:txBody>
+      </p:sp>
+      <p:sp>
+        <p:nvSpPr>
+          <p:cNvPr id="7176" name="TextBox 5" hidden="1"/>
+          <p:cNvSpPr txBox="1">
+            <a:spLocks noChangeArrowheads="1"/>
+          </p:cNvSpPr>
+          <p:nvPr/>
+        </p:nvSpPr>
+        <p:spPr bwMode="auto">
+          <a:xfrm>
+            <a:off x="1939925" y="1954213"/>
+            <a:ext cx="1943100" cy="369887"/>
+          </a:xfrm>
+          <a:prstGeom prst="rect">
+            <a:avLst/>
+          </a:prstGeom>
+          <a:noFill/>
+          <a:ln w="9525">
+            <a:noFill/>
+            <a:miter lim="800000"/>
+            <a:headEnd/>
+            <a:tailEnd/>
+          </a:ln>
+        </p:spPr>
+        <p:txBody>
+          <a:bodyPr>
+            <a:spAutoFit/>
+          </a:bodyPr>
+          <a:lstStyle/>
+          <a:p>
+            <a:r>
+              <a:rPr lang="zh-CN" altLang="en-US">
+                <a:latin typeface="微软雅黑" pitchFamily="34" charset="-122"/>
+                <a:ea typeface="微软雅黑" pitchFamily="34" charset="-122"/>
+              </a:rPr>
+              <a:t>点击添加文本</a:t>
+            </a:r>
+          </a:p>
+        </p:txBody>
+      </p:sp>
+      <p:sp>
+        <p:nvSpPr>
+          <p:cNvPr id="7177" name="矩形 6" hidden="1"/>
+          <p:cNvSpPr>
+            <a:spLocks noChangeArrowheads="1"/>
+          </p:cNvSpPr>
+          <p:nvPr/>
+        </p:nvSpPr>
+        <p:spPr bwMode="auto">
+          <a:xfrm>
+            <a:off x="1939925" y="3025775"/>
+            <a:ext cx="1471613" cy="646113"/>
+          </a:xfrm>
+          <a:prstGeom prst="rect">
+            <a:avLst/>
+          </a:prstGeom>
+          <a:noFill/>
+          <a:ln w="9525">
+            <a:noFill/>
+            <a:miter lim="800000"/>
+            <a:headEnd/>
+            <a:tailEnd/>
+          </a:ln>
+        </p:spPr>
+        <p:txBody>
+          <a:bodyPr>
+            <a:spAutoFit/>
+          </a:bodyPr>
+          <a:lstStyle/>
+          <a:p>
+            <a:r>
+              <a:rPr lang="zh-CN" altLang="en-US">
+                <a:latin typeface="微软雅黑" pitchFamily="34" charset="-122"/>
+                <a:ea typeface="微软雅黑" pitchFamily="34" charset="-122"/>
+              </a:rPr>
+              <a:t>点击添加文本</a:t>
+            </a:r>
+          </a:p>
+        </p:txBody>
+      </p:sp>
+      <p:sp>
+        <p:nvSpPr>
+          <p:cNvPr id="7178" name="矩形 7" hidden="1"/>
+          <p:cNvSpPr>
+            <a:spLocks noChangeArrowheads="1"/>
+          </p:cNvSpPr>
+          <p:nvPr/>
+        </p:nvSpPr>
+        <p:spPr bwMode="auto">
+          <a:xfrm>
+            <a:off x="2011363" y="4240213"/>
+            <a:ext cx="1471612" cy="646112"/>
+          </a:xfrm>
+          <a:prstGeom prst="rect">
+            <a:avLst/>
+          </a:prstGeom>
+          <a:noFill/>
+          <a:ln w="9525">
+            <a:noFill/>
+            <a:miter lim="800000"/>
+            <a:headEnd/>
+            <a:tailEnd/>
+          </a:ln>
+        </p:spPr>
+        <p:txBody>
+          <a:bodyPr>
+            <a:spAutoFit/>
+          </a:bodyPr>
+          <a:lstStyle/>
+          <a:p>
+            <a:r>
+              <a:rPr lang="zh-CN" altLang="en-US">
+                <a:latin typeface="微软雅黑" pitchFamily="34" charset="-122"/>
+                <a:ea typeface="微软雅黑" pitchFamily="34" charset="-122"/>
+              </a:rPr>
+              <a:t>点击添加文本</a:t>
+            </a:r>
+          </a:p>
+        </p:txBody>
+      </p:sp>
+      <p:sp>
+        <p:nvSpPr>
+          <p:cNvPr id="7179" name="矩形 8" hidden="1"/>
+          <p:cNvSpPr>
+            <a:spLocks noChangeArrowheads="1"/>
+          </p:cNvSpPr>
+          <p:nvPr/>
+        </p:nvSpPr>
+        <p:spPr bwMode="auto">
+          <a:xfrm>
+            <a:off x="2011363" y="5526088"/>
+            <a:ext cx="1471612" cy="646112"/>
+          </a:xfrm>
+          <a:prstGeom prst="rect">
+            <a:avLst/>
+          </a:prstGeom>
+          <a:noFill/>
+          <a:ln w="9525">
+            <a:noFill/>
+            <a:miter lim="800000"/>
+            <a:headEnd/>
+            <a:tailEnd/>
+          </a:ln>
+        </p:spPr>
+        <p:txBody>
+          <a:bodyPr>
+            <a:spAutoFit/>
+          </a:bodyPr>
+          <a:lstStyle/>
+          <a:p>
+            <a:r>
+              <a:rPr lang="zh-CN" altLang="en-US">
+                <a:latin typeface="微软雅黑" pitchFamily="34" charset="-122"/>
+                <a:ea typeface="微软雅黑" pitchFamily="34" charset="-122"/>
+              </a:rPr>
+              <a:t>点击添加文本</a:t>
+            </a:r>
+          </a:p>
+        </p:txBody>
+      </p:sp>
+      <p:sp>
+        <p:nvSpPr>
+          <p:cNvPr id="7180" name="矩形 6"/>
+          <p:cNvSpPr>
+            <a:spLocks noChangeArrowheads="1"/>
+          </p:cNvSpPr>
+          <p:nvPr/>
+        </p:nvSpPr>
+        <p:spPr bwMode="auto">
+          <a:xfrm>
+            <a:off x="357188" y="285750"/>
+            <a:ext cx="2900153" cy="584775"/>
+          </a:xfrm>
+          <a:prstGeom prst="rect">
+            <a:avLst/>
+          </a:prstGeom>
+          <a:noFill/>
+          <a:ln w="9525">
+            <a:noFill/>
+            <a:miter lim="800000"/>
+            <a:headEnd/>
+            <a:tailEnd/>
+          </a:ln>
+        </p:spPr>
+        <p:txBody>
+          <a:bodyPr wrap="none">
+            <a:spAutoFit/>
+          </a:bodyPr>
+          <a:lstStyle/>
+          <a:p>
+            <a:r>
+              <a:rPr lang="en-US" altLang="zh-CN" sz="3200" dirty="0" smtClean="0">
+                <a:latin typeface="Lucida Console" pitchFamily="49" charset="0"/>
+                <a:ea typeface="微软雅黑" pitchFamily="34" charset="-122"/>
+              </a:rPr>
+              <a:t>What is </a:t>
+            </a:r>
+            <a:r>
+              <a:rPr lang="en-US" altLang="zh-CN" sz="3200" dirty="0" err="1" smtClean="0">
+                <a:latin typeface="Lucida Console" pitchFamily="49" charset="0"/>
+                <a:ea typeface="微软雅黑" pitchFamily="34" charset="-122"/>
+              </a:rPr>
+              <a:t>Lua</a:t>
+            </a:r>
+            <a:endParaRPr lang="zh-CN" altLang="en-US" sz="3200" dirty="0">
+              <a:latin typeface="Lucida Console" pitchFamily="49" charset="0"/>
+              <a:ea typeface="微软雅黑" pitchFamily="34" charset="-122"/>
+            </a:endParaRPr>
+          </a:p>
+        </p:txBody>
+      </p:sp>
+      <p:sp>
+        <p:nvSpPr>
+          <p:cNvPr id="7185" name="矩形 14"/>
+          <p:cNvSpPr>
+            <a:spLocks noChangeArrowheads="1"/>
+          </p:cNvSpPr>
+          <p:nvPr/>
+        </p:nvSpPr>
+        <p:spPr bwMode="auto">
+          <a:xfrm>
+            <a:off x="742950" y="5387039"/>
+            <a:ext cx="8064896" cy="307777"/>
+          </a:xfrm>
+          <a:prstGeom prst="rect">
+            <a:avLst/>
+          </a:prstGeom>
+          <a:noFill/>
+          <a:ln w="9525">
+            <a:noFill/>
+            <a:miter lim="800000"/>
+            <a:headEnd/>
+            <a:tailEnd/>
+          </a:ln>
+        </p:spPr>
+        <p:txBody>
+          <a:bodyPr wrap="square">
+            <a:spAutoFit/>
+          </a:bodyPr>
+          <a:lstStyle/>
+          <a:p>
+            <a:r>
+              <a:rPr lang="en-US" altLang="zh-CN" sz="1400" dirty="0" err="1">
+                <a:latin typeface="Lucida Console" pitchFamily="49" charset="0"/>
+              </a:rPr>
+              <a:t>Lua</a:t>
+            </a:r>
+            <a:r>
+              <a:rPr lang="en-US" altLang="zh-CN" sz="1400" dirty="0">
+                <a:latin typeface="Lucida Console" pitchFamily="49" charset="0"/>
+              </a:rPr>
+              <a:t> is a powerful, fast, lightweight, embeddable scripting language</a:t>
+            </a:r>
+            <a:r>
+              <a:rPr lang="en-US" altLang="zh-CN" sz="1400" dirty="0"/>
+              <a:t>.</a:t>
+            </a:r>
+            <a:endParaRPr lang="zh-CN" altLang="en-US" sz="1400" dirty="0">
+              <a:latin typeface="Lucida Console" pitchFamily="49" charset="0"/>
+            </a:endParaRPr>
+          </a:p>
+        </p:txBody>
+      </p:sp>
+      <p:sp>
+        <p:nvSpPr>
+          <p:cNvPr id="20" name="矩形 14"/>
+          <p:cNvSpPr>
+            <a:spLocks noChangeArrowheads="1"/>
+          </p:cNvSpPr>
+          <p:nvPr/>
+        </p:nvSpPr>
+        <p:spPr bwMode="auto">
+          <a:xfrm>
+            <a:off x="742950" y="3717032"/>
+            <a:ext cx="8064896" cy="307777"/>
+          </a:xfrm>
+          <a:prstGeom prst="rect">
+            <a:avLst/>
+          </a:prstGeom>
+          <a:noFill/>
+          <a:ln w="9525">
+            <a:noFill/>
+            <a:miter lim="800000"/>
+            <a:headEnd/>
+            <a:tailEnd/>
+          </a:ln>
+        </p:spPr>
+        <p:txBody>
+          <a:bodyPr wrap="square">
+            <a:spAutoFit/>
+          </a:bodyPr>
+          <a:lstStyle/>
+          <a:p>
+            <a:r>
+              <a:rPr lang="en-US" altLang="zh-CN" sz="1400" dirty="0" smtClean="0">
+                <a:latin typeface="Lucida Console" pitchFamily="49" charset="0"/>
+              </a:rPr>
+              <a:t>A language used to control programs written by other languages.</a:t>
+            </a:r>
+            <a:endParaRPr lang="zh-CN" altLang="en-US" sz="1400" dirty="0">
+              <a:latin typeface="Lucida Console" pitchFamily="49" charset="0"/>
+            </a:endParaRPr>
+          </a:p>
+        </p:txBody>
+      </p:sp>
+      <p:sp>
+        <p:nvSpPr>
+          <p:cNvPr id="21" name="矩形 14"/>
+          <p:cNvSpPr>
+            <a:spLocks noChangeArrowheads="1"/>
+          </p:cNvSpPr>
+          <p:nvPr/>
+        </p:nvSpPr>
+        <p:spPr bwMode="auto">
+          <a:xfrm>
+            <a:off x="762000" y="1858686"/>
+            <a:ext cx="8064896" cy="954107"/>
+          </a:xfrm>
+          <a:prstGeom prst="rect">
+            <a:avLst/>
+          </a:prstGeom>
+          <a:noFill/>
+          <a:ln w="9525">
+            <a:noFill/>
+            <a:miter lim="800000"/>
+            <a:headEnd/>
+            <a:tailEnd/>
+          </a:ln>
+        </p:spPr>
+        <p:txBody>
+          <a:bodyPr wrap="square">
+            <a:spAutoFit/>
+          </a:bodyPr>
+          <a:lstStyle/>
+          <a:p>
+            <a:r>
+              <a:rPr lang="en-US" altLang="zh-CN" sz="1400" dirty="0" smtClean="0">
+                <a:latin typeface="Lucida Console" pitchFamily="49" charset="0"/>
+              </a:rPr>
+              <a:t>Created by </a:t>
+            </a:r>
+            <a:r>
+              <a:rPr lang="pt-BR" altLang="zh-CN" sz="1400" dirty="0">
+                <a:latin typeface="Lucida Console" pitchFamily="49" charset="0"/>
+              </a:rPr>
+              <a:t>Roberto Ierusalimschy</a:t>
+            </a:r>
+            <a:r>
+              <a:rPr lang="zh-CN" altLang="pt-BR" sz="1400" dirty="0" smtClean="0">
+                <a:latin typeface="Lucida Console" pitchFamily="49" charset="0"/>
+              </a:rPr>
+              <a:t>、</a:t>
+            </a:r>
+            <a:endParaRPr lang="en-US" altLang="zh-CN" sz="1400" dirty="0" smtClean="0">
+              <a:latin typeface="Lucida Console" pitchFamily="49" charset="0"/>
+            </a:endParaRPr>
+          </a:p>
+          <a:p>
+            <a:r>
+              <a:rPr lang="pt-BR" altLang="zh-CN" sz="1400" dirty="0" smtClean="0">
+                <a:latin typeface="Lucida Console" pitchFamily="49" charset="0"/>
+              </a:rPr>
+              <a:t>Luiz </a:t>
+            </a:r>
+            <a:r>
+              <a:rPr lang="pt-BR" altLang="zh-CN" sz="1400" dirty="0">
+                <a:latin typeface="Lucida Console" pitchFamily="49" charset="0"/>
+              </a:rPr>
+              <a:t>Henrique de </a:t>
+            </a:r>
+            <a:r>
+              <a:rPr lang="pt-BR" altLang="zh-CN" sz="1400" dirty="0" smtClean="0">
+                <a:latin typeface="Lucida Console" pitchFamily="49" charset="0"/>
+              </a:rPr>
+              <a:t>Figueiredo </a:t>
+            </a:r>
+          </a:p>
+          <a:p>
+            <a:r>
+              <a:rPr lang="pt-BR" altLang="zh-CN" sz="1400" dirty="0" smtClean="0">
+                <a:latin typeface="Lucida Console" pitchFamily="49" charset="0"/>
+              </a:rPr>
+              <a:t>and </a:t>
+            </a:r>
+            <a:r>
+              <a:rPr lang="en-US" altLang="zh-CN" sz="1400" dirty="0" err="1">
+                <a:latin typeface="Lucida Console" pitchFamily="49" charset="0"/>
+              </a:rPr>
+              <a:t>Waldemar</a:t>
+            </a:r>
+            <a:r>
+              <a:rPr lang="en-US" altLang="zh-CN" sz="1400" dirty="0">
+                <a:latin typeface="Lucida Console" pitchFamily="49" charset="0"/>
+              </a:rPr>
+              <a:t> </a:t>
+            </a:r>
+            <a:r>
+              <a:rPr lang="en-US" altLang="zh-CN" sz="1400" dirty="0" err="1" smtClean="0">
+                <a:latin typeface="Lucida Console" pitchFamily="49" charset="0"/>
+              </a:rPr>
+              <a:t>Celes</a:t>
+            </a:r>
+            <a:r>
+              <a:rPr lang="en-US" altLang="zh-CN" sz="1400" dirty="0" smtClean="0">
+                <a:latin typeface="Lucida Console" pitchFamily="49" charset="0"/>
+              </a:rPr>
+              <a:t> </a:t>
+            </a:r>
+          </a:p>
+          <a:p>
+            <a:r>
+              <a:rPr lang="en-US" altLang="zh-CN" sz="1400" dirty="0">
+                <a:latin typeface="Lucida Console" pitchFamily="49" charset="0"/>
+              </a:rPr>
+              <a:t>I</a:t>
+            </a:r>
+            <a:r>
+              <a:rPr lang="en-US" altLang="zh-CN" sz="1400" dirty="0" smtClean="0">
+                <a:latin typeface="Lucida Console" pitchFamily="49" charset="0"/>
+              </a:rPr>
+              <a:t>n </a:t>
+            </a:r>
+            <a:r>
+              <a:rPr lang="en-US" altLang="zh-CN" sz="1400" dirty="0">
+                <a:latin typeface="Lucida Console" pitchFamily="49" charset="0"/>
+              </a:rPr>
+              <a:t>1993 Pontifical Catholic University of Rio de Janeiro</a:t>
+            </a:r>
+            <a:endParaRPr lang="zh-CN" altLang="en-US" sz="1400" dirty="0">
+              <a:latin typeface="Lucida Console" pitchFamily="49" charset="0"/>
+            </a:endParaRPr>
+          </a:p>
+        </p:txBody>
+      </p:sp>
+      <p:sp>
+        <p:nvSpPr>
+          <p:cNvPr id="22" name="Text Box 6"/>
+          <p:cNvSpPr txBox="1">
+            <a:spLocks noChangeArrowheads="1"/>
+          </p:cNvSpPr>
+          <p:nvPr/>
+        </p:nvSpPr>
+        <p:spPr bwMode="auto">
+          <a:xfrm>
+            <a:off x="775779" y="1359842"/>
+            <a:ext cx="3352800" cy="461665"/>
+          </a:xfrm>
+          <a:prstGeom prst="rect">
+            <a:avLst/>
+          </a:prstGeom>
+          <a:solidFill>
+            <a:srgbClr val="2B60A7"/>
+          </a:solidFill>
+          <a:ln w="19050" algn="ctr">
+            <a:solidFill>
+              <a:schemeClr val="bg2"/>
+            </a:solidFill>
+            <a:miter lim="800000"/>
+            <a:headEnd/>
+            <a:tailEnd/>
+          </a:ln>
+        </p:spPr>
+        <p:txBody>
+          <a:bodyPr>
+            <a:spAutoFit/>
+          </a:bodyPr>
+          <a:lstStyle/>
+          <a:p>
+            <a:r>
+              <a:rPr lang="en-US" altLang="zh-CN" sz="2400" dirty="0" smtClean="0">
+                <a:solidFill>
+                  <a:schemeClr val="bg1"/>
+                </a:solidFill>
+                <a:latin typeface="Lucida Console" pitchFamily="49" charset="0"/>
+                <a:ea typeface="微软雅黑" pitchFamily="34" charset="-122"/>
+              </a:rPr>
+              <a:t>When </a:t>
+            </a:r>
+            <a:r>
+              <a:rPr lang="en-US" altLang="zh-CN" sz="2400" dirty="0" err="1" smtClean="0">
+                <a:solidFill>
+                  <a:schemeClr val="bg1"/>
+                </a:solidFill>
+                <a:latin typeface="Lucida Console" pitchFamily="49" charset="0"/>
+                <a:ea typeface="微软雅黑" pitchFamily="34" charset="-122"/>
+              </a:rPr>
+              <a:t>Lua</a:t>
+            </a:r>
+            <a:r>
+              <a:rPr lang="en-US" altLang="zh-CN" sz="2400" dirty="0" smtClean="0">
+                <a:solidFill>
+                  <a:schemeClr val="bg1"/>
+                </a:solidFill>
+                <a:latin typeface="Lucida Console" pitchFamily="49" charset="0"/>
+                <a:ea typeface="微软雅黑" pitchFamily="34" charset="-122"/>
+              </a:rPr>
+              <a:t> was born</a:t>
+            </a:r>
+            <a:endParaRPr lang="zh-CN" altLang="en-US" sz="2400" dirty="0">
+              <a:solidFill>
+                <a:schemeClr val="bg1"/>
+              </a:solidFill>
+              <a:latin typeface="Lucida Console" pitchFamily="49" charset="0"/>
+              <a:ea typeface="微软雅黑" pitchFamily="34" charset="-122"/>
+            </a:endParaRPr>
+          </a:p>
+        </p:txBody>
+      </p:sp>
+      <p:sp>
+        <p:nvSpPr>
+          <p:cNvPr id="23" name="Text Box 6"/>
+          <p:cNvSpPr txBox="1">
+            <a:spLocks noChangeArrowheads="1"/>
+          </p:cNvSpPr>
+          <p:nvPr/>
+        </p:nvSpPr>
+        <p:spPr bwMode="auto">
+          <a:xfrm>
+            <a:off x="742950" y="4663018"/>
+            <a:ext cx="3352800" cy="461665"/>
+          </a:xfrm>
+          <a:prstGeom prst="rect">
+            <a:avLst/>
+          </a:prstGeom>
+          <a:solidFill>
+            <a:srgbClr val="2B60A7"/>
+          </a:solidFill>
+          <a:ln w="19050" algn="ctr">
+            <a:solidFill>
+              <a:schemeClr val="bg2"/>
+            </a:solidFill>
+            <a:miter lim="800000"/>
+            <a:headEnd/>
+            <a:tailEnd/>
+          </a:ln>
+        </p:spPr>
+        <p:txBody>
+          <a:bodyPr>
+            <a:spAutoFit/>
+          </a:bodyPr>
+          <a:lstStyle/>
+          <a:p>
+            <a:r>
+              <a:rPr lang="en-US" altLang="zh-CN" sz="2400" dirty="0" smtClean="0">
+                <a:solidFill>
+                  <a:schemeClr val="bg1"/>
+                </a:solidFill>
+                <a:latin typeface="Lucida Console" pitchFamily="49" charset="0"/>
+                <a:ea typeface="微软雅黑" pitchFamily="34" charset="-122"/>
+              </a:rPr>
+              <a:t>In one sentence</a:t>
+            </a:r>
+            <a:endParaRPr lang="zh-CN" altLang="en-US" sz="2400" dirty="0">
+              <a:solidFill>
+                <a:schemeClr val="bg1"/>
+              </a:solidFill>
+              <a:latin typeface="Lucida Console" pitchFamily="49" charset="0"/>
+              <a:ea typeface="微软雅黑" pitchFamily="34" charset="-122"/>
+            </a:endParaRPr>
+          </a:p>
+        </p:txBody>
+      </p:sp>
+    </p:spTree>
+    <p:extLst>
+      <p:ext uri="{BB962C8B-B14F-4D97-AF65-F5344CB8AC3E}">
+        <p14:creationId xmlns:p14="http://schemas.microsoft.com/office/powerpoint/2010/main" val="3120835579"/>
+      </p:ext>
+    </p:extLst>
+  </p:cSld>
+  <p:clrMapOvr>
+    <a:masterClrMapping/>
+  </p:clrMapOvr>
+  <p:timing>
+    <p:tnLst>
+      <p:par>
+        <p:cTn id="1" dur="indefinite" restart="never" nodeType="tmRoot"/>
+      </p:par>
+    </p:tnLst>
+  </p:timing>
+</p:sld>
+</file>
+
+<file path=ppt/slides/slide30.xml><?xml version="1.0" encoding="utf-8"?>
+<p:sld xmlns:a="http://schemas.openxmlformats.org/drawingml/2006/main" xmlns:r="http://schemas.openxmlformats.org/officeDocument/2006/relationships" xmlns:p="http://schemas.openxmlformats.org/presentationml/2006/main">
+  <p:cSld>
+    <p:bg>
+      <p:bgPr>
+        <a:blipFill>
+          <a:blip r:embed="rId2"/>
+          <a:tile tx="0" ty="0" sx="100000" sy="100000" flip="none" algn="tl"/>
+        </a:blipFill>
+        <a:effectLst/>
+      </p:bgPr>
+    </p:bg>
+    <p:spTree>
+      <p:nvGrpSpPr>
+        <p:cNvPr id="1" name=""/>
+        <p:cNvGrpSpPr/>
+        <p:nvPr/>
+      </p:nvGrpSpPr>
+      <p:grpSpPr>
+        <a:xfrm>
+          <a:off x="0" y="0"/>
+          <a:ext cx="0" cy="0"/>
+          <a:chOff x="0" y="0"/>
+          <a:chExt cx="0" cy="0"/>
+        </a:xfrm>
+      </p:grpSpPr>
+      <p:sp>
+        <p:nvSpPr>
+          <p:cNvPr id="2" name="TextBox 6"/>
+          <p:cNvSpPr txBox="1">
+            <a:spLocks noChangeArrowheads="1"/>
+          </p:cNvSpPr>
+          <p:nvPr/>
+        </p:nvSpPr>
+        <p:spPr bwMode="auto">
+          <a:xfrm>
+            <a:off x="683568" y="2204864"/>
+            <a:ext cx="7920880" cy="1938992"/>
+          </a:xfrm>
+          <a:prstGeom prst="rect">
+            <a:avLst/>
+          </a:prstGeom>
+          <a:noFill/>
+          <a:ln w="9525">
+            <a:noFill/>
+            <a:miter lim="800000"/>
+            <a:headEnd/>
+            <a:tailEnd/>
+          </a:ln>
+        </p:spPr>
+        <p:txBody>
+          <a:bodyPr wrap="square">
+            <a:spAutoFit/>
+          </a:bodyPr>
+          <a:lstStyle/>
+          <a:p>
+            <a:r>
+              <a:rPr lang="en-US" altLang="zh-CN" sz="5400" dirty="0" smtClean="0">
+                <a:latin typeface="微软雅黑" pitchFamily="34" charset="-122"/>
+                <a:ea typeface="微软雅黑" pitchFamily="34" charset="-122"/>
+              </a:rPr>
+              <a:t>Thanks</a:t>
+            </a:r>
+            <a:endParaRPr lang="zh-CN" altLang="en-US" sz="5400" dirty="0">
+              <a:latin typeface="微软雅黑" pitchFamily="34" charset="-122"/>
+              <a:ea typeface="微软雅黑" pitchFamily="34" charset="-122"/>
+            </a:endParaRPr>
+          </a:p>
+          <a:p>
+            <a:endParaRPr lang="en-US" altLang="zh-CN" sz="1200" dirty="0" smtClean="0">
+              <a:latin typeface="微软雅黑" pitchFamily="34" charset="-122"/>
+              <a:ea typeface="微软雅黑" pitchFamily="34" charset="-122"/>
+            </a:endParaRPr>
+          </a:p>
+          <a:p>
+            <a:endParaRPr lang="en-US" altLang="zh-CN" sz="1200" dirty="0">
+              <a:latin typeface="微软雅黑" pitchFamily="34" charset="-122"/>
+              <a:ea typeface="微软雅黑" pitchFamily="34" charset="-122"/>
+            </a:endParaRPr>
+          </a:p>
+          <a:p>
+            <a:endParaRPr lang="en-US" altLang="zh-CN" sz="1200" dirty="0" smtClean="0">
+              <a:latin typeface="微软雅黑" pitchFamily="34" charset="-122"/>
+              <a:ea typeface="微软雅黑" pitchFamily="34" charset="-122"/>
+            </a:endParaRPr>
+          </a:p>
+          <a:p>
+            <a:pPr algn="r"/>
+            <a:r>
+              <a:rPr lang="en-US" altLang="zh-CN" sz="1200" dirty="0" smtClean="0">
+                <a:latin typeface="微软雅黑" pitchFamily="34" charset="-122"/>
+                <a:ea typeface="微软雅黑" pitchFamily="34" charset="-122"/>
+              </a:rPr>
+              <a:t>by zj_aznable@aliyun.com</a:t>
+            </a:r>
+            <a:endParaRPr lang="zh-CN" altLang="en-US" sz="1200" dirty="0">
+              <a:latin typeface="微软雅黑" pitchFamily="34" charset="-122"/>
+              <a:ea typeface="微软雅黑" pitchFamily="34" charset="-122"/>
+            </a:endParaRPr>
+          </a:p>
+          <a:p>
+            <a:endParaRPr lang="zh-CN" altLang="en-US" dirty="0">
+              <a:solidFill>
+                <a:srgbClr val="FF0000"/>
+              </a:solidFill>
+            </a:endParaRPr>
+          </a:p>
+        </p:txBody>
+      </p:sp>
+    </p:spTree>
+    <p:extLst>
+      <p:ext uri="{BB962C8B-B14F-4D97-AF65-F5344CB8AC3E}">
+        <p14:creationId xmlns:p14="http://schemas.microsoft.com/office/powerpoint/2010/main" val="4238600724"/>
+      </p:ext>
+    </p:extLst>
+  </p:cSld>
+  <p:clrMapOvr>
+    <a:masterClrMapping/>
+  </p:clrMapOvr>
+  <p:timing>
+    <p:tnLst>
+      <p:par>
+        <p:cTn id="1" dur="indefinite" restart="never" nodeType="tmRoot"/>
+      </p:par>
+    </p:tnLst>
+  </p:timing>
+</p:sld>
+</file>
+
+<file path=ppt/slides/slide4.xml><?xml version="1.0" encoding="utf-8"?>
+<p:sld xmlns:a="http://schemas.openxmlformats.org/drawingml/2006/main" xmlns:r="http://schemas.openxmlformats.org/officeDocument/2006/relationships" xmlns:p="http://schemas.openxmlformats.org/presentationml/2006/main">
+  <p:cSld>
+    <p:spTree>
+      <p:nvGrpSpPr>
+        <p:cNvPr id="1" name=""/>
+        <p:cNvGrpSpPr/>
+        <p:nvPr/>
+      </p:nvGrpSpPr>
+      <p:grpSpPr>
+        <a:xfrm>
+          <a:off x="0" y="0"/>
+          <a:ext cx="0" cy="0"/>
+          <a:chOff x="0" y="0"/>
+          <a:chExt cx="0" cy="0"/>
+        </a:xfrm>
+      </p:grpSpPr>
+      <p:sp>
+        <p:nvSpPr>
+          <p:cNvPr id="3079" name="TextBox 5" hidden="1"/>
+          <p:cNvSpPr txBox="1">
+            <a:spLocks noChangeArrowheads="1"/>
+          </p:cNvSpPr>
+          <p:nvPr/>
+        </p:nvSpPr>
+        <p:spPr bwMode="auto">
+          <a:xfrm>
+            <a:off x="1939925" y="1954213"/>
+            <a:ext cx="1943100" cy="369887"/>
+          </a:xfrm>
+          <a:prstGeom prst="rect">
+            <a:avLst/>
+          </a:prstGeom>
+          <a:noFill/>
+          <a:ln w="9525">
+            <a:noFill/>
+            <a:miter lim="800000"/>
+            <a:headEnd/>
+            <a:tailEnd/>
+          </a:ln>
+        </p:spPr>
+        <p:txBody>
+          <a:bodyPr>
+            <a:spAutoFit/>
+          </a:bodyPr>
+          <a:lstStyle/>
+          <a:p>
+            <a:r>
+              <a:rPr lang="zh-CN" altLang="en-US">
+                <a:latin typeface="微软雅黑" pitchFamily="34" charset="-122"/>
+                <a:ea typeface="微软雅黑" pitchFamily="34" charset="-122"/>
+              </a:rPr>
+              <a:t>点击添加文本</a:t>
+            </a:r>
+          </a:p>
+        </p:txBody>
+      </p:sp>
+      <p:sp>
+        <p:nvSpPr>
+          <p:cNvPr id="3080" name="矩形 6" hidden="1"/>
+          <p:cNvSpPr>
+            <a:spLocks noChangeArrowheads="1"/>
+          </p:cNvSpPr>
+          <p:nvPr/>
+        </p:nvSpPr>
+        <p:spPr bwMode="auto">
+          <a:xfrm>
+            <a:off x="1939925" y="3025775"/>
+            <a:ext cx="1471613" cy="646113"/>
+          </a:xfrm>
+          <a:prstGeom prst="rect">
+            <a:avLst/>
+          </a:prstGeom>
+          <a:noFill/>
+          <a:ln w="9525">
+            <a:noFill/>
+            <a:miter lim="800000"/>
+            <a:headEnd/>
+            <a:tailEnd/>
+          </a:ln>
+        </p:spPr>
+        <p:txBody>
+          <a:bodyPr>
+            <a:spAutoFit/>
+          </a:bodyPr>
+          <a:lstStyle/>
+          <a:p>
+            <a:r>
+              <a:rPr lang="zh-CN" altLang="en-US">
+                <a:latin typeface="微软雅黑" pitchFamily="34" charset="-122"/>
+                <a:ea typeface="微软雅黑" pitchFamily="34" charset="-122"/>
+              </a:rPr>
+              <a:t>点击添加文本</a:t>
+            </a:r>
+          </a:p>
+        </p:txBody>
+      </p:sp>
+      <p:sp>
+        <p:nvSpPr>
+          <p:cNvPr id="3081" name="矩形 7" hidden="1"/>
+          <p:cNvSpPr>
+            <a:spLocks noChangeArrowheads="1"/>
+          </p:cNvSpPr>
+          <p:nvPr/>
+        </p:nvSpPr>
+        <p:spPr bwMode="auto">
+          <a:xfrm>
+            <a:off x="2011363" y="4240213"/>
+            <a:ext cx="1471612" cy="646112"/>
+          </a:xfrm>
+          <a:prstGeom prst="rect">
+            <a:avLst/>
+          </a:prstGeom>
+          <a:noFill/>
+          <a:ln w="9525">
+            <a:noFill/>
+            <a:miter lim="800000"/>
+            <a:headEnd/>
+            <a:tailEnd/>
+          </a:ln>
+        </p:spPr>
+        <p:txBody>
+          <a:bodyPr>
+            <a:spAutoFit/>
+          </a:bodyPr>
+          <a:lstStyle/>
+          <a:p>
+            <a:r>
+              <a:rPr lang="zh-CN" altLang="en-US">
+                <a:latin typeface="微软雅黑" pitchFamily="34" charset="-122"/>
+                <a:ea typeface="微软雅黑" pitchFamily="34" charset="-122"/>
+              </a:rPr>
+              <a:t>点击添加文本</a:t>
+            </a:r>
+          </a:p>
+        </p:txBody>
+      </p:sp>
+      <p:sp>
+        <p:nvSpPr>
+          <p:cNvPr id="3082" name="矩形 8" hidden="1"/>
+          <p:cNvSpPr>
+            <a:spLocks noChangeArrowheads="1"/>
+          </p:cNvSpPr>
+          <p:nvPr/>
+        </p:nvSpPr>
+        <p:spPr bwMode="auto">
+          <a:xfrm>
+            <a:off x="2011363" y="5526088"/>
+            <a:ext cx="1471612" cy="646112"/>
+          </a:xfrm>
+          <a:prstGeom prst="rect">
+            <a:avLst/>
+          </a:prstGeom>
+          <a:noFill/>
+          <a:ln w="9525">
+            <a:noFill/>
+            <a:miter lim="800000"/>
+            <a:headEnd/>
+            <a:tailEnd/>
+          </a:ln>
+        </p:spPr>
+        <p:txBody>
+          <a:bodyPr>
+            <a:spAutoFit/>
+          </a:bodyPr>
+          <a:lstStyle/>
+          <a:p>
+            <a:r>
+              <a:rPr lang="zh-CN" altLang="en-US">
+                <a:latin typeface="微软雅黑" pitchFamily="34" charset="-122"/>
+                <a:ea typeface="微软雅黑" pitchFamily="34" charset="-122"/>
+              </a:rPr>
+              <a:t>点击添加文本</a:t>
+            </a:r>
+          </a:p>
+        </p:txBody>
+      </p:sp>
+      <p:grpSp>
+        <p:nvGrpSpPr>
+          <p:cNvPr id="3" name="组合 2"/>
+          <p:cNvGrpSpPr/>
+          <p:nvPr/>
+        </p:nvGrpSpPr>
+        <p:grpSpPr>
+          <a:xfrm>
+            <a:off x="2831675" y="558262"/>
+            <a:ext cx="3612533" cy="539750"/>
+            <a:chOff x="603701" y="684399"/>
+            <a:chExt cx="2339897" cy="539750"/>
+          </a:xfrm>
+        </p:grpSpPr>
+        <p:grpSp>
+          <p:nvGrpSpPr>
+            <p:cNvPr id="2" name="组合 1"/>
+            <p:cNvGrpSpPr/>
+            <p:nvPr/>
+          </p:nvGrpSpPr>
+          <p:grpSpPr>
+            <a:xfrm>
+              <a:off x="603701" y="684399"/>
+              <a:ext cx="2339897" cy="539750"/>
+              <a:chOff x="1172598" y="1476487"/>
+              <a:chExt cx="2339897" cy="539750"/>
+            </a:xfrm>
+          </p:grpSpPr>
+          <p:sp>
+            <p:nvSpPr>
+              <p:cNvPr id="10" name="等腰三角形 9"/>
+              <p:cNvSpPr/>
+              <p:nvPr/>
+            </p:nvSpPr>
+            <p:spPr>
+              <a:xfrm>
+                <a:off x="3182295" y="1484784"/>
+                <a:ext cx="330200" cy="295275"/>
+              </a:xfrm>
+              <a:prstGeom prst="triangle">
+                <a:avLst/>
+              </a:prstGeom>
+              <a:solidFill>
+                <a:srgbClr val="1B4266"/>
+              </a:solidFill>
+              <a:ln>
+                <a:noFill/>
+              </a:ln>
+            </p:spPr>
+            <p:style>
+              <a:lnRef idx="2">
+                <a:schemeClr val="accent1">
+                  <a:shade val="50000"/>
+                </a:schemeClr>
+              </a:lnRef>
+              <a:fillRef idx="1">
+                <a:schemeClr val="accent1"/>
+              </a:fillRef>
+              <a:effectRef idx="0">
+                <a:schemeClr val="accent1"/>
+              </a:effectRef>
+              <a:fontRef idx="minor">
+                <a:schemeClr val="lt1"/>
+              </a:fontRef>
+            </p:style>
+            <p:txBody>
+              <a:bodyPr anchor="ctr"/>
+              <a:lstStyle/>
+              <a:p>
+                <a:pPr algn="ctr">
+                  <a:defRPr/>
+                </a:pPr>
+                <a:endParaRPr lang="zh-CN" altLang="en-US">
+                  <a:latin typeface="Lucida Console" pitchFamily="49" charset="0"/>
+                </a:endParaRPr>
+              </a:p>
+            </p:txBody>
+          </p:sp>
+          <p:sp>
+            <p:nvSpPr>
+              <p:cNvPr id="11" name="平行四边形 10"/>
+              <p:cNvSpPr/>
+              <p:nvPr/>
+            </p:nvSpPr>
+            <p:spPr>
+              <a:xfrm>
+                <a:off x="1172598" y="1476487"/>
+                <a:ext cx="2166938" cy="539750"/>
+              </a:xfrm>
+              <a:prstGeom prst="parallelogram">
+                <a:avLst/>
+              </a:prstGeom>
+              <a:solidFill>
+                <a:srgbClr val="2B60A7"/>
+              </a:solidFill>
+              <a:ln>
+                <a:noFill/>
+              </a:ln>
+            </p:spPr>
+            <p:style>
+              <a:lnRef idx="2">
+                <a:schemeClr val="accent1">
+                  <a:shade val="50000"/>
+                </a:schemeClr>
+              </a:lnRef>
+              <a:fillRef idx="1">
+                <a:schemeClr val="accent1"/>
+              </a:fillRef>
+              <a:effectRef idx="0">
+                <a:schemeClr val="accent1"/>
+              </a:effectRef>
+              <a:fontRef idx="minor">
+                <a:schemeClr val="lt1"/>
+              </a:fontRef>
+            </p:style>
+            <p:txBody>
+              <a:bodyPr anchor="ctr"/>
+              <a:lstStyle/>
+              <a:p>
+                <a:pPr algn="ctr">
+                  <a:defRPr/>
+                </a:pPr>
+                <a:endParaRPr lang="zh-CN" altLang="en-US">
+                  <a:latin typeface="Lucida Console" pitchFamily="49" charset="0"/>
+                </a:endParaRPr>
+              </a:p>
+            </p:txBody>
+          </p:sp>
+        </p:grpSp>
+        <p:sp>
+          <p:nvSpPr>
+            <p:cNvPr id="3085" name="矩形 21"/>
+            <p:cNvSpPr>
+              <a:spLocks noChangeArrowheads="1"/>
+            </p:cNvSpPr>
+            <p:nvPr/>
+          </p:nvSpPr>
+          <p:spPr bwMode="auto">
+            <a:xfrm>
+              <a:off x="822241" y="769608"/>
+              <a:ext cx="1113256" cy="369332"/>
+            </a:xfrm>
+            <a:prstGeom prst="rect">
+              <a:avLst/>
+            </a:prstGeom>
+            <a:noFill/>
+            <a:ln w="9525">
+              <a:noFill/>
+              <a:miter lim="800000"/>
+              <a:headEnd/>
+              <a:tailEnd/>
+            </a:ln>
+          </p:spPr>
+          <p:txBody>
+            <a:bodyPr wrap="none">
+              <a:spAutoFit/>
+            </a:bodyPr>
+            <a:lstStyle/>
+            <a:p>
+              <a:r>
+                <a:rPr lang="en-US" altLang="zh-CN" dirty="0" smtClean="0">
+                  <a:solidFill>
+                    <a:schemeClr val="bg1"/>
+                  </a:solidFill>
+                  <a:latin typeface="Lucida Console" pitchFamily="49" charset="0"/>
+                  <a:ea typeface="微软雅黑" pitchFamily="34" charset="-122"/>
+                </a:rPr>
+                <a:t>What is </a:t>
+              </a:r>
+              <a:r>
+                <a:rPr lang="en-US" altLang="zh-CN" dirty="0" err="1" smtClean="0">
+                  <a:solidFill>
+                    <a:schemeClr val="bg1"/>
+                  </a:solidFill>
+                  <a:latin typeface="Lucida Console" pitchFamily="49" charset="0"/>
+                  <a:ea typeface="微软雅黑" pitchFamily="34" charset="-122"/>
+                </a:rPr>
+                <a:t>Lua</a:t>
+              </a:r>
+              <a:endParaRPr lang="zh-CN" altLang="en-US" dirty="0">
+                <a:solidFill>
+                  <a:schemeClr val="bg1"/>
+                </a:solidFill>
+                <a:latin typeface="Lucida Console" pitchFamily="49" charset="0"/>
+                <a:ea typeface="微软雅黑" pitchFamily="34" charset="-122"/>
+              </a:endParaRPr>
+            </a:p>
+          </p:txBody>
+        </p:sp>
+      </p:grpSp>
+      <p:grpSp>
+        <p:nvGrpSpPr>
+          <p:cNvPr id="20" name="组合 19"/>
+          <p:cNvGrpSpPr/>
+          <p:nvPr/>
+        </p:nvGrpSpPr>
+        <p:grpSpPr>
+          <a:xfrm>
+            <a:off x="2843808" y="1502663"/>
+            <a:ext cx="3600400" cy="539750"/>
+            <a:chOff x="611560" y="692696"/>
+            <a:chExt cx="2332038" cy="539750"/>
+          </a:xfrm>
+        </p:grpSpPr>
+        <p:grpSp>
+          <p:nvGrpSpPr>
+            <p:cNvPr id="21" name="组合 20"/>
+            <p:cNvGrpSpPr/>
+            <p:nvPr/>
+          </p:nvGrpSpPr>
+          <p:grpSpPr>
+            <a:xfrm>
+              <a:off x="611560" y="692696"/>
+              <a:ext cx="2332038" cy="539750"/>
+              <a:chOff x="1180457" y="1484784"/>
+              <a:chExt cx="2332038" cy="539750"/>
+            </a:xfrm>
+          </p:grpSpPr>
+          <p:sp>
+            <p:nvSpPr>
+              <p:cNvPr id="23" name="等腰三角形 22"/>
+              <p:cNvSpPr/>
+              <p:nvPr/>
+            </p:nvSpPr>
+            <p:spPr>
+              <a:xfrm>
+                <a:off x="3182295" y="1484784"/>
+                <a:ext cx="330200" cy="295275"/>
+              </a:xfrm>
+              <a:prstGeom prst="triangle">
+                <a:avLst/>
+              </a:prstGeom>
+              <a:solidFill>
+                <a:srgbClr val="1B4266"/>
+              </a:solidFill>
+              <a:ln>
+                <a:noFill/>
+              </a:ln>
+            </p:spPr>
+            <p:style>
+              <a:lnRef idx="2">
+                <a:schemeClr val="accent1">
+                  <a:shade val="50000"/>
+                </a:schemeClr>
+              </a:lnRef>
+              <a:fillRef idx="1">
+                <a:schemeClr val="accent1"/>
+              </a:fillRef>
+              <a:effectRef idx="0">
+                <a:schemeClr val="accent1"/>
+              </a:effectRef>
+              <a:fontRef idx="minor">
+                <a:schemeClr val="lt1"/>
+              </a:fontRef>
+            </p:style>
+            <p:txBody>
+              <a:bodyPr anchor="ctr"/>
+              <a:lstStyle/>
+              <a:p>
+                <a:pPr algn="ctr">
+                  <a:defRPr/>
+                </a:pPr>
+                <a:endParaRPr lang="zh-CN" altLang="en-US">
+                  <a:latin typeface="Lucida Console" pitchFamily="49" charset="0"/>
+                </a:endParaRPr>
+              </a:p>
+            </p:txBody>
+          </p:sp>
+          <p:sp>
+            <p:nvSpPr>
+              <p:cNvPr id="24" name="平行四边形 23"/>
+              <p:cNvSpPr/>
+              <p:nvPr/>
+            </p:nvSpPr>
+            <p:spPr>
+              <a:xfrm>
+                <a:off x="1180457" y="1484784"/>
+                <a:ext cx="2166938" cy="539750"/>
+              </a:xfrm>
+              <a:prstGeom prst="parallelogram">
+                <a:avLst/>
+              </a:prstGeom>
+              <a:solidFill>
+                <a:srgbClr val="2B60A7"/>
+              </a:solidFill>
+              <a:ln>
+                <a:noFill/>
+              </a:ln>
+            </p:spPr>
+            <p:style>
+              <a:lnRef idx="2">
+                <a:schemeClr val="accent1">
+                  <a:shade val="50000"/>
+                </a:schemeClr>
+              </a:lnRef>
+              <a:fillRef idx="1">
+                <a:schemeClr val="accent1"/>
+              </a:fillRef>
+              <a:effectRef idx="0">
+                <a:schemeClr val="accent1"/>
+              </a:effectRef>
+              <a:fontRef idx="minor">
+                <a:schemeClr val="lt1"/>
+              </a:fontRef>
+            </p:style>
+            <p:txBody>
+              <a:bodyPr anchor="ctr"/>
+              <a:lstStyle/>
+              <a:p>
+                <a:pPr algn="ctr">
+                  <a:defRPr/>
+                </a:pPr>
+                <a:endParaRPr lang="zh-CN" altLang="en-US">
+                  <a:latin typeface="Lucida Console" pitchFamily="49" charset="0"/>
+                </a:endParaRPr>
+              </a:p>
+            </p:txBody>
+          </p:sp>
+        </p:grpSp>
+        <p:sp>
+          <p:nvSpPr>
+            <p:cNvPr id="22" name="矩形 21"/>
+            <p:cNvSpPr>
+              <a:spLocks noChangeArrowheads="1"/>
+            </p:cNvSpPr>
+            <p:nvPr/>
+          </p:nvSpPr>
+          <p:spPr bwMode="auto">
+            <a:xfrm>
+              <a:off x="822241" y="803305"/>
+              <a:ext cx="932594" cy="369332"/>
+            </a:xfrm>
+            <a:prstGeom prst="rect">
+              <a:avLst/>
+            </a:prstGeom>
+            <a:noFill/>
+            <a:ln w="9525">
+              <a:noFill/>
+              <a:miter lim="800000"/>
+              <a:headEnd/>
+              <a:tailEnd/>
+            </a:ln>
+          </p:spPr>
+          <p:txBody>
+            <a:bodyPr wrap="none">
+              <a:spAutoFit/>
+            </a:bodyPr>
+            <a:lstStyle/>
+            <a:p>
+              <a:r>
+                <a:rPr lang="en-US" altLang="zh-CN" dirty="0" smtClean="0">
+                  <a:solidFill>
+                    <a:srgbClr val="FFFF00"/>
+                  </a:solidFill>
+                  <a:latin typeface="Lucida Console" pitchFamily="49" charset="0"/>
+                  <a:ea typeface="微软雅黑" pitchFamily="34" charset="-122"/>
+                </a:rPr>
+                <a:t>Using </a:t>
+              </a:r>
+              <a:r>
+                <a:rPr lang="en-US" altLang="zh-CN" dirty="0" err="1" smtClean="0">
+                  <a:solidFill>
+                    <a:srgbClr val="FFFF00"/>
+                  </a:solidFill>
+                  <a:latin typeface="Lucida Console" pitchFamily="49" charset="0"/>
+                  <a:ea typeface="微软雅黑" pitchFamily="34" charset="-122"/>
+                </a:rPr>
+                <a:t>Lua</a:t>
+              </a:r>
+              <a:endParaRPr lang="zh-CN" altLang="en-US" dirty="0">
+                <a:solidFill>
+                  <a:srgbClr val="FFFF00"/>
+                </a:solidFill>
+                <a:latin typeface="Lucida Console" pitchFamily="49" charset="0"/>
+                <a:ea typeface="微软雅黑" pitchFamily="34" charset="-122"/>
+              </a:endParaRPr>
+            </a:p>
+          </p:txBody>
+        </p:sp>
+      </p:grpSp>
+      <p:grpSp>
+        <p:nvGrpSpPr>
+          <p:cNvPr id="25" name="组合 24"/>
+          <p:cNvGrpSpPr/>
+          <p:nvPr/>
+        </p:nvGrpSpPr>
+        <p:grpSpPr>
+          <a:xfrm>
+            <a:off x="2843808" y="2510775"/>
+            <a:ext cx="3600400" cy="539750"/>
+            <a:chOff x="611560" y="692696"/>
+            <a:chExt cx="2332038" cy="539750"/>
+          </a:xfrm>
+        </p:grpSpPr>
+        <p:grpSp>
+          <p:nvGrpSpPr>
+            <p:cNvPr id="26" name="组合 25"/>
+            <p:cNvGrpSpPr/>
+            <p:nvPr/>
+          </p:nvGrpSpPr>
+          <p:grpSpPr>
+            <a:xfrm>
+              <a:off x="611560" y="692696"/>
+              <a:ext cx="2332038" cy="539750"/>
+              <a:chOff x="1180457" y="1484784"/>
+              <a:chExt cx="2332038" cy="539750"/>
+            </a:xfrm>
+          </p:grpSpPr>
+          <p:sp>
+            <p:nvSpPr>
+              <p:cNvPr id="28" name="等腰三角形 27"/>
+              <p:cNvSpPr/>
+              <p:nvPr/>
+            </p:nvSpPr>
+            <p:spPr>
+              <a:xfrm>
+                <a:off x="3182295" y="1484784"/>
+                <a:ext cx="330200" cy="295275"/>
+              </a:xfrm>
+              <a:prstGeom prst="triangle">
+                <a:avLst/>
+              </a:prstGeom>
+              <a:solidFill>
+                <a:srgbClr val="1B4266"/>
+              </a:solidFill>
+              <a:ln>
+                <a:noFill/>
+              </a:ln>
+            </p:spPr>
+            <p:style>
+              <a:lnRef idx="2">
+                <a:schemeClr val="accent1">
+                  <a:shade val="50000"/>
+                </a:schemeClr>
+              </a:lnRef>
+              <a:fillRef idx="1">
+                <a:schemeClr val="accent1"/>
+              </a:fillRef>
+              <a:effectRef idx="0">
+                <a:schemeClr val="accent1"/>
+              </a:effectRef>
+              <a:fontRef idx="minor">
+                <a:schemeClr val="lt1"/>
+              </a:fontRef>
+            </p:style>
+            <p:txBody>
+              <a:bodyPr anchor="ctr"/>
+              <a:lstStyle/>
+              <a:p>
+                <a:pPr algn="ctr">
+                  <a:defRPr/>
+                </a:pPr>
+                <a:endParaRPr lang="zh-CN" altLang="en-US">
+                  <a:latin typeface="Lucida Console" pitchFamily="49" charset="0"/>
+                </a:endParaRPr>
+              </a:p>
+            </p:txBody>
+          </p:sp>
+          <p:sp>
+            <p:nvSpPr>
+              <p:cNvPr id="29" name="平行四边形 28"/>
+              <p:cNvSpPr/>
+              <p:nvPr/>
+            </p:nvSpPr>
+            <p:spPr>
+              <a:xfrm>
+                <a:off x="1180457" y="1484784"/>
+                <a:ext cx="2166938" cy="539750"/>
+              </a:xfrm>
+              <a:prstGeom prst="parallelogram">
+                <a:avLst/>
+              </a:prstGeom>
+              <a:solidFill>
+                <a:srgbClr val="2B60A7"/>
+              </a:solidFill>
+              <a:ln>
+                <a:noFill/>
+              </a:ln>
+            </p:spPr>
+            <p:style>
+              <a:lnRef idx="2">
+                <a:schemeClr val="accent1">
+                  <a:shade val="50000"/>
+                </a:schemeClr>
+              </a:lnRef>
+              <a:fillRef idx="1">
+                <a:schemeClr val="accent1"/>
+              </a:fillRef>
+              <a:effectRef idx="0">
+                <a:schemeClr val="accent1"/>
+              </a:effectRef>
+              <a:fontRef idx="minor">
+                <a:schemeClr val="lt1"/>
+              </a:fontRef>
+            </p:style>
+            <p:txBody>
+              <a:bodyPr anchor="ctr"/>
+              <a:lstStyle/>
+              <a:p>
+                <a:pPr algn="ctr">
+                  <a:defRPr/>
+                </a:pPr>
+                <a:endParaRPr lang="zh-CN" altLang="en-US">
+                  <a:latin typeface="Lucida Console" pitchFamily="49" charset="0"/>
+                </a:endParaRPr>
+              </a:p>
+            </p:txBody>
+          </p:sp>
+        </p:grpSp>
+        <p:sp>
+          <p:nvSpPr>
+            <p:cNvPr id="27" name="矩形 26"/>
+            <p:cNvSpPr>
+              <a:spLocks noChangeArrowheads="1"/>
+            </p:cNvSpPr>
+            <p:nvPr/>
+          </p:nvSpPr>
+          <p:spPr bwMode="auto">
+            <a:xfrm>
+              <a:off x="798123" y="777627"/>
+              <a:ext cx="1564913" cy="369332"/>
+            </a:xfrm>
+            <a:prstGeom prst="rect">
+              <a:avLst/>
+            </a:prstGeom>
+            <a:noFill/>
+            <a:ln w="9525">
+              <a:noFill/>
+              <a:miter lim="800000"/>
+              <a:headEnd/>
+              <a:tailEnd/>
+            </a:ln>
+          </p:spPr>
+          <p:txBody>
+            <a:bodyPr wrap="none">
+              <a:spAutoFit/>
+            </a:bodyPr>
+            <a:lstStyle/>
+            <a:p>
+              <a:r>
+                <a:rPr lang="en-US" altLang="zh-CN" dirty="0" smtClean="0">
+                  <a:solidFill>
+                    <a:schemeClr val="bg1"/>
+                  </a:solidFill>
+                  <a:latin typeface="Lucida Console" pitchFamily="49" charset="0"/>
+                  <a:ea typeface="微软雅黑" pitchFamily="34" charset="-122"/>
+                </a:rPr>
+                <a:t>Using </a:t>
+              </a:r>
+              <a:r>
+                <a:rPr lang="en-US" altLang="zh-CN" dirty="0" err="1" smtClean="0">
+                  <a:solidFill>
+                    <a:schemeClr val="bg1"/>
+                  </a:solidFill>
+                  <a:latin typeface="Lucida Console" pitchFamily="49" charset="0"/>
+                  <a:ea typeface="微软雅黑" pitchFamily="34" charset="-122"/>
+                </a:rPr>
+                <a:t>Lua</a:t>
               </a:r>
               <a:r>
                 <a:rPr lang="en-US" altLang="zh-CN" dirty="0" smtClean="0">
@@ -18384,7 +18930,207 @@
                   <a:latin typeface="Lucida Console" pitchFamily="49" charset="0"/>
                   <a:ea typeface="微软雅黑" pitchFamily="34" charset="-122"/>
                 </a:rPr>
-                <a:t>with C++</a:t>
+                <a:t> with C</a:t>
+              </a:r>
+              <a:endParaRPr lang="zh-CN" altLang="en-US" dirty="0">
+                <a:solidFill>
+                  <a:schemeClr val="bg1"/>
+                </a:solidFill>
+                <a:latin typeface="Lucida Console" pitchFamily="49" charset="0"/>
+                <a:ea typeface="微软雅黑" pitchFamily="34" charset="-122"/>
+              </a:endParaRPr>
+            </a:p>
+          </p:txBody>
+        </p:sp>
+      </p:grpSp>
+      <p:grpSp>
+        <p:nvGrpSpPr>
+          <p:cNvPr id="30" name="组合 29"/>
+          <p:cNvGrpSpPr/>
+          <p:nvPr/>
+        </p:nvGrpSpPr>
+        <p:grpSpPr>
+          <a:xfrm>
+            <a:off x="2843808" y="3526050"/>
+            <a:ext cx="3600400" cy="539750"/>
+            <a:chOff x="611560" y="692696"/>
+            <a:chExt cx="2332038" cy="539750"/>
+          </a:xfrm>
+        </p:grpSpPr>
+        <p:grpSp>
+          <p:nvGrpSpPr>
+            <p:cNvPr id="31" name="组合 30"/>
+            <p:cNvGrpSpPr/>
+            <p:nvPr/>
+          </p:nvGrpSpPr>
+          <p:grpSpPr>
+            <a:xfrm>
+              <a:off x="611560" y="692696"/>
+              <a:ext cx="2332038" cy="539750"/>
+              <a:chOff x="1180457" y="1484784"/>
+              <a:chExt cx="2332038" cy="539750"/>
+            </a:xfrm>
+          </p:grpSpPr>
+          <p:sp>
+            <p:nvSpPr>
+              <p:cNvPr id="33" name="等腰三角形 32"/>
+              <p:cNvSpPr/>
+              <p:nvPr/>
+            </p:nvSpPr>
+            <p:spPr>
+              <a:xfrm>
+                <a:off x="3182295" y="1484784"/>
+                <a:ext cx="330200" cy="295275"/>
+              </a:xfrm>
+              <a:prstGeom prst="triangle">
+                <a:avLst/>
+              </a:prstGeom>
+              <a:solidFill>
+                <a:srgbClr val="1B4266"/>
+              </a:solidFill>
+              <a:ln>
+                <a:noFill/>
+              </a:ln>
+            </p:spPr>
+            <p:style>
+              <a:lnRef idx="2">
+                <a:schemeClr val="accent1">
+                  <a:shade val="50000"/>
+                </a:schemeClr>
+              </a:lnRef>
+              <a:fillRef idx="1">
+                <a:schemeClr val="accent1"/>
+              </a:fillRef>
+              <a:effectRef idx="0">
+                <a:schemeClr val="accent1"/>
+              </a:effectRef>
+              <a:fontRef idx="minor">
+                <a:schemeClr val="lt1"/>
+              </a:fontRef>
+            </p:style>
+            <p:txBody>
+              <a:bodyPr anchor="ctr"/>
+              <a:lstStyle/>
+              <a:p>
+                <a:pPr algn="ctr">
+                  <a:defRPr/>
+                </a:pPr>
+                <a:endParaRPr lang="zh-CN" altLang="en-US">
+                  <a:latin typeface="Lucida Console" pitchFamily="49" charset="0"/>
+                </a:endParaRPr>
+              </a:p>
+            </p:txBody>
+          </p:sp>
+          <p:sp>
+            <p:nvSpPr>
+              <p:cNvPr id="34" name="平行四边形 33"/>
+              <p:cNvSpPr/>
+              <p:nvPr/>
+            </p:nvSpPr>
+            <p:spPr>
+              <a:xfrm>
+                <a:off x="1180457" y="1484784"/>
+                <a:ext cx="2166938" cy="539750"/>
+              </a:xfrm>
+              <a:prstGeom prst="parallelogram">
+                <a:avLst/>
+              </a:prstGeom>
+              <a:solidFill>
+                <a:srgbClr val="2B60A7"/>
+              </a:solidFill>
+              <a:ln>
+                <a:noFill/>
+              </a:ln>
+            </p:spPr>
+            <p:style>
+              <a:lnRef idx="2">
+                <a:schemeClr val="accent1">
+                  <a:shade val="50000"/>
+                </a:schemeClr>
+              </a:lnRef>
+              <a:fillRef idx="1">
+                <a:schemeClr val="accent1"/>
+              </a:fillRef>
+              <a:effectRef idx="0">
+                <a:schemeClr val="accent1"/>
+              </a:effectRef>
+              <a:fontRef idx="minor">
+                <a:schemeClr val="lt1"/>
+              </a:fontRef>
+            </p:style>
+            <p:txBody>
+              <a:bodyPr anchor="ctr"/>
+              <a:lstStyle/>
+              <a:p>
+                <a:pPr algn="ctr">
+                  <a:defRPr/>
+                </a:pPr>
+                <a:endParaRPr lang="zh-CN" altLang="en-US">
+                  <a:latin typeface="Lucida Console" pitchFamily="49" charset="0"/>
+                </a:endParaRPr>
+              </a:p>
+            </p:txBody>
+          </p:sp>
+        </p:grpSp>
+        <p:sp>
+          <p:nvSpPr>
+            <p:cNvPr id="32" name="矩形 31"/>
+            <p:cNvSpPr>
+              <a:spLocks noChangeArrowheads="1"/>
+            </p:cNvSpPr>
+            <p:nvPr/>
+          </p:nvSpPr>
+          <p:spPr bwMode="auto">
+            <a:xfrm>
+              <a:off x="822241" y="777627"/>
+              <a:ext cx="1745576" cy="369332"/>
+            </a:xfrm>
+            <a:prstGeom prst="rect">
+              <a:avLst/>
+            </a:prstGeom>
+            <a:noFill/>
+            <a:ln w="9525">
+              <a:noFill/>
+              <a:miter lim="800000"/>
+              <a:headEnd/>
+              <a:tailEnd/>
+            </a:ln>
+          </p:spPr>
+          <p:txBody>
+            <a:bodyPr wrap="none">
+              <a:spAutoFit/>
+            </a:bodyPr>
+            <a:lstStyle/>
+            <a:p>
+              <a:r>
+                <a:rPr lang="en-US" altLang="zh-CN" dirty="0" smtClean="0">
+                  <a:solidFill>
+                    <a:schemeClr val="bg1"/>
+                  </a:solidFill>
+                  <a:latin typeface="Lucida Console" pitchFamily="49" charset="0"/>
+                  <a:ea typeface="微软雅黑" pitchFamily="34" charset="-122"/>
+                </a:rPr>
+                <a:t>Using </a:t>
+              </a:r>
+              <a:r>
+                <a:rPr lang="en-US" altLang="zh-CN" dirty="0" err="1" smtClean="0">
+                  <a:solidFill>
+                    <a:schemeClr val="bg1"/>
+                  </a:solidFill>
+                  <a:latin typeface="Lucida Console" pitchFamily="49" charset="0"/>
+                  <a:ea typeface="微软雅黑" pitchFamily="34" charset="-122"/>
+                </a:rPr>
+                <a:t>Lua</a:t>
+              </a:r>
+              <a:r>
+                <a:rPr lang="en-US" altLang="zh-CN" dirty="0" smtClean="0">
+                  <a:solidFill>
+                    <a:schemeClr val="bg1"/>
+                  </a:solidFill>
+                  <a:latin typeface="Lucida Console" pitchFamily="49" charset="0"/>
+                  <a:ea typeface="微软雅黑" pitchFamily="34" charset="-122"/>
+                </a:rPr>
+                <a:t> with C++</a:t>
               </a:r>
               <a:endParaRPr lang="zh-CN" altLang="en-US" dirty="0">
                 <a:solidFill>

--- a/doc/newbie-clua.pptx
+++ b/doc/newbie-clua.pptx
@@ -5,7 +5,7 @@
     <p:sldMasterId id="2147483648" r:id="rId1"/>
   </p:sldMasterIdLst>
   <p:notesMasterIdLst>
-    <p:notesMasterId r:id="rId32"/>
+    <p:notesMasterId r:id="rId27"/>
   </p:notesMasterIdLst>
   <p:sldIdLst>
     <p:sldId id="256" r:id="rId2"/>
@@ -28,16 +28,11 @@
     <p:sldId id="298" r:id="rId19"/>
     <p:sldId id="299" r:id="rId20"/>
     <p:sldId id="288" r:id="rId21"/>
-    <p:sldId id="293" r:id="rId22"/>
-    <p:sldId id="294" r:id="rId23"/>
-    <p:sldId id="295" r:id="rId24"/>
-    <p:sldId id="297" r:id="rId25"/>
-    <p:sldId id="296" r:id="rId26"/>
-    <p:sldId id="291" r:id="rId27"/>
-    <p:sldId id="285" r:id="rId28"/>
-    <p:sldId id="290" r:id="rId29"/>
-    <p:sldId id="289" r:id="rId30"/>
-    <p:sldId id="292" r:id="rId31"/>
+    <p:sldId id="291" r:id="rId22"/>
+    <p:sldId id="285" r:id="rId23"/>
+    <p:sldId id="290" r:id="rId24"/>
+    <p:sldId id="289" r:id="rId25"/>
+    <p:sldId id="292" r:id="rId26"/>
   </p:sldIdLst>
   <p:sldSz cx="9144000" cy="6858000" type="screen4x3"/>
   <p:notesSz cx="6858000" cy="9144000"/>
@@ -9267,11 +9262,7 @@
           <a:p>
             <a:r>
               <a:rPr lang="en-US" altLang="zh-CN" dirty="0" smtClean="0"/>
-              <a:t>4. </a:t>
-            </a:r>
-            <a:r>
-              <a:rPr lang="en-US" altLang="zh-CN" dirty="0" smtClean="0"/>
-              <a:t>Call c function in </a:t>
+              <a:t>4. Call c function in </a:t>
             </a:r>
             <a:r>
               <a:rPr lang="en-US" altLang="zh-CN" dirty="0" err="1" smtClean="0"/>
@@ -9668,11 +9659,7 @@
           <a:p>
             <a:r>
               <a:rPr lang="en-US" altLang="zh-CN" dirty="0" smtClean="0"/>
-              <a:t>5. </a:t>
-            </a:r>
-            <a:r>
-              <a:rPr lang="en-US" altLang="zh-CN" dirty="0" smtClean="0"/>
-              <a:t>Use c lib</a:t>
+              <a:t>5. Use c lib</a:t>
             </a:r>
           </a:p>
         </p:txBody>
@@ -12513,1486 +12500,6 @@
       </p:grpSpPr>
       <p:sp>
         <p:nvSpPr>
-          <p:cNvPr id="7176" name="TextBox 5" hidden="1"/>
-          <p:cNvSpPr txBox="1">
-            <a:spLocks noChangeArrowheads="1"/>
-          </p:cNvSpPr>
-          <p:nvPr/>
-        </p:nvSpPr>
-        <p:spPr bwMode="auto">
-          <a:xfrm>
-            <a:off x="1939925" y="1954213"/>
-            <a:ext cx="1943100" cy="369887"/>
-          </a:xfrm>
-          <a:prstGeom prst="rect">
-            <a:avLst/>
-          </a:prstGeom>
-          <a:noFill/>
-          <a:ln w="9525">
-            <a:noFill/>
-            <a:miter lim="800000"/>
-            <a:headEnd/>
-            <a:tailEnd/>
-          </a:ln>
-        </p:spPr>
-        <p:txBody>
-          <a:bodyPr>
-            <a:spAutoFit/>
-          </a:bodyPr>
-          <a:lstStyle/>
-          <a:p>
-            <a:r>
-              <a:rPr lang="zh-CN" altLang="en-US">
-                <a:latin typeface="微软雅黑" pitchFamily="34" charset="-122"/>
-                <a:ea typeface="微软雅黑" pitchFamily="34" charset="-122"/>
-              </a:rPr>
-              <a:t>点击添加文本</a:t>
-            </a:r>
-          </a:p>
-        </p:txBody>
-      </p:sp>
-      <p:sp>
-        <p:nvSpPr>
-          <p:cNvPr id="7177" name="矩形 6" hidden="1"/>
-          <p:cNvSpPr>
-            <a:spLocks noChangeArrowheads="1"/>
-          </p:cNvSpPr>
-          <p:nvPr/>
-        </p:nvSpPr>
-        <p:spPr bwMode="auto">
-          <a:xfrm>
-            <a:off x="1939925" y="3025775"/>
-            <a:ext cx="1471613" cy="646113"/>
-          </a:xfrm>
-          <a:prstGeom prst="rect">
-            <a:avLst/>
-          </a:prstGeom>
-          <a:noFill/>
-          <a:ln w="9525">
-            <a:noFill/>
-            <a:miter lim="800000"/>
-            <a:headEnd/>
-            <a:tailEnd/>
-          </a:ln>
-        </p:spPr>
-        <p:txBody>
-          <a:bodyPr>
-            <a:spAutoFit/>
-          </a:bodyPr>
-          <a:lstStyle/>
-          <a:p>
-            <a:r>
-              <a:rPr lang="zh-CN" altLang="en-US">
-                <a:latin typeface="微软雅黑" pitchFamily="34" charset="-122"/>
-                <a:ea typeface="微软雅黑" pitchFamily="34" charset="-122"/>
-              </a:rPr>
-              <a:t>点击添加文本</a:t>
-            </a:r>
-          </a:p>
-        </p:txBody>
-      </p:sp>
-      <p:sp>
-        <p:nvSpPr>
-          <p:cNvPr id="7178" name="矩形 7" hidden="1"/>
-          <p:cNvSpPr>
-            <a:spLocks noChangeArrowheads="1"/>
-          </p:cNvSpPr>
-          <p:nvPr/>
-        </p:nvSpPr>
-        <p:spPr bwMode="auto">
-          <a:xfrm>
-            <a:off x="2011363" y="4240213"/>
-            <a:ext cx="1471612" cy="646112"/>
-          </a:xfrm>
-          <a:prstGeom prst="rect">
-            <a:avLst/>
-          </a:prstGeom>
-          <a:noFill/>
-          <a:ln w="9525">
-            <a:noFill/>
-            <a:miter lim="800000"/>
-            <a:headEnd/>
-            <a:tailEnd/>
-          </a:ln>
-        </p:spPr>
-        <p:txBody>
-          <a:bodyPr>
-            <a:spAutoFit/>
-          </a:bodyPr>
-          <a:lstStyle/>
-          <a:p>
-            <a:r>
-              <a:rPr lang="zh-CN" altLang="en-US">
-                <a:latin typeface="微软雅黑" pitchFamily="34" charset="-122"/>
-                <a:ea typeface="微软雅黑" pitchFamily="34" charset="-122"/>
-              </a:rPr>
-              <a:t>点击添加文本</a:t>
-            </a:r>
-          </a:p>
-        </p:txBody>
-      </p:sp>
-      <p:sp>
-        <p:nvSpPr>
-          <p:cNvPr id="7179" name="矩形 8" hidden="1"/>
-          <p:cNvSpPr>
-            <a:spLocks noChangeArrowheads="1"/>
-          </p:cNvSpPr>
-          <p:nvPr/>
-        </p:nvSpPr>
-        <p:spPr bwMode="auto">
-          <a:xfrm>
-            <a:off x="2011363" y="5526088"/>
-            <a:ext cx="1471612" cy="646112"/>
-          </a:xfrm>
-          <a:prstGeom prst="rect">
-            <a:avLst/>
-          </a:prstGeom>
-          <a:noFill/>
-          <a:ln w="9525">
-            <a:noFill/>
-            <a:miter lim="800000"/>
-            <a:headEnd/>
-            <a:tailEnd/>
-          </a:ln>
-        </p:spPr>
-        <p:txBody>
-          <a:bodyPr>
-            <a:spAutoFit/>
-          </a:bodyPr>
-          <a:lstStyle/>
-          <a:p>
-            <a:r>
-              <a:rPr lang="zh-CN" altLang="en-US">
-                <a:latin typeface="微软雅黑" pitchFamily="34" charset="-122"/>
-                <a:ea typeface="微软雅黑" pitchFamily="34" charset="-122"/>
-              </a:rPr>
-              <a:t>点击添加文本</a:t>
-            </a:r>
-          </a:p>
-        </p:txBody>
-      </p:sp>
-      <p:sp>
-        <p:nvSpPr>
-          <p:cNvPr id="7180" name="矩形 6"/>
-          <p:cNvSpPr>
-            <a:spLocks noChangeArrowheads="1"/>
-          </p:cNvSpPr>
-          <p:nvPr/>
-        </p:nvSpPr>
-        <p:spPr bwMode="auto">
-          <a:xfrm>
-            <a:off x="357188" y="285750"/>
-            <a:ext cx="4628190" cy="584775"/>
-          </a:xfrm>
-          <a:prstGeom prst="rect">
-            <a:avLst/>
-          </a:prstGeom>
-          <a:noFill/>
-          <a:ln w="9525">
-            <a:noFill/>
-            <a:miter lim="800000"/>
-            <a:headEnd/>
-            <a:tailEnd/>
-          </a:ln>
-        </p:spPr>
-        <p:txBody>
-          <a:bodyPr wrap="none">
-            <a:spAutoFit/>
-          </a:bodyPr>
-          <a:lstStyle/>
-          <a:p>
-            <a:r>
-              <a:rPr lang="en-US" altLang="zh-CN" sz="3200" dirty="0">
-                <a:latin typeface="Lucida Console" pitchFamily="49" charset="0"/>
-                <a:ea typeface="微软雅黑" pitchFamily="34" charset="-122"/>
-              </a:rPr>
-              <a:t>Using </a:t>
-            </a:r>
-            <a:r>
-              <a:rPr lang="en-US" altLang="zh-CN" sz="3200" dirty="0" err="1">
-                <a:latin typeface="Lucida Console" pitchFamily="49" charset="0"/>
-                <a:ea typeface="微软雅黑" pitchFamily="34" charset="-122"/>
-              </a:rPr>
-              <a:t>Lua</a:t>
-            </a:r>
-            <a:r>
-              <a:rPr lang="en-US" altLang="zh-CN" sz="3200" dirty="0">
-                <a:latin typeface="Lucida Console" pitchFamily="49" charset="0"/>
-                <a:ea typeface="微软雅黑" pitchFamily="34" charset="-122"/>
-              </a:rPr>
-              <a:t> with </a:t>
-            </a:r>
-            <a:r>
-              <a:rPr lang="en-US" altLang="zh-CN" sz="3200" dirty="0" smtClean="0">
-                <a:latin typeface="Lucida Console" pitchFamily="49" charset="0"/>
-                <a:ea typeface="微软雅黑" pitchFamily="34" charset="-122"/>
-              </a:rPr>
-              <a:t>C++</a:t>
-            </a:r>
-            <a:endParaRPr lang="zh-CN" altLang="en-US" sz="3200" dirty="0">
-              <a:latin typeface="Lucida Console" pitchFamily="49" charset="0"/>
-              <a:ea typeface="微软雅黑" pitchFamily="34" charset="-122"/>
-            </a:endParaRPr>
-          </a:p>
-        </p:txBody>
-      </p:sp>
-      <p:sp>
-        <p:nvSpPr>
-          <p:cNvPr id="2" name="TextBox 1"/>
-          <p:cNvSpPr txBox="1"/>
-          <p:nvPr/>
-        </p:nvSpPr>
-        <p:spPr>
-          <a:xfrm>
-            <a:off x="467544" y="1196752"/>
-            <a:ext cx="8208912" cy="369332"/>
-          </a:xfrm>
-          <a:prstGeom prst="rect">
-            <a:avLst/>
-          </a:prstGeom>
-          <a:noFill/>
-        </p:spPr>
-        <p:txBody>
-          <a:bodyPr wrap="square" rtlCol="0">
-            <a:spAutoFit/>
-          </a:bodyPr>
-          <a:lstStyle/>
-          <a:p>
-            <a:r>
-              <a:rPr lang="en-US" altLang="zh-CN" dirty="0" smtClean="0"/>
-              <a:t>1. Call class function in </a:t>
-            </a:r>
-            <a:r>
-              <a:rPr lang="en-US" altLang="zh-CN" dirty="0" err="1" smtClean="0"/>
-              <a:t>Lua</a:t>
-            </a:r>
-            <a:r>
-              <a:rPr lang="en-US" altLang="zh-CN" dirty="0" smtClean="0"/>
-              <a:t>/ Using </a:t>
-            </a:r>
-            <a:r>
-              <a:rPr lang="en-US" altLang="zh-CN" dirty="0" err="1" smtClean="0"/>
-              <a:t>Lua</a:t>
-            </a:r>
-            <a:r>
-              <a:rPr lang="en-US" altLang="zh-CN" dirty="0" smtClean="0"/>
-              <a:t> user data</a:t>
-            </a:r>
-            <a:endParaRPr lang="zh-CN" altLang="en-US" dirty="0"/>
-          </a:p>
-        </p:txBody>
-      </p:sp>
-    </p:spTree>
-    <p:extLst>
-      <p:ext uri="{BB962C8B-B14F-4D97-AF65-F5344CB8AC3E}">
-        <p14:creationId xmlns:p14="http://schemas.microsoft.com/office/powerpoint/2010/main" val="1375900794"/>
-      </p:ext>
-    </p:extLst>
-  </p:cSld>
-  <p:clrMapOvr>
-    <a:masterClrMapping/>
-  </p:clrMapOvr>
-  <p:timing>
-    <p:tnLst>
-      <p:par>
-        <p:cTn id="1" dur="indefinite" restart="never" nodeType="tmRoot"/>
-      </p:par>
-    </p:tnLst>
-  </p:timing>
-</p:sld>
-</file>
-
-<file path=ppt/slides/slide22.xml><?xml version="1.0" encoding="utf-8"?>
-<p:sld xmlns:a="http://schemas.openxmlformats.org/drawingml/2006/main" xmlns:r="http://schemas.openxmlformats.org/officeDocument/2006/relationships" xmlns:p="http://schemas.openxmlformats.org/presentationml/2006/main">
-  <p:cSld>
-    <p:spTree>
-      <p:nvGrpSpPr>
-        <p:cNvPr id="1" name=""/>
-        <p:cNvGrpSpPr/>
-        <p:nvPr/>
-      </p:nvGrpSpPr>
-      <p:grpSpPr>
-        <a:xfrm>
-          <a:off x="0" y="0"/>
-          <a:ext cx="0" cy="0"/>
-          <a:chOff x="0" y="0"/>
-          <a:chExt cx="0" cy="0"/>
-        </a:xfrm>
-      </p:grpSpPr>
-      <p:sp>
-        <p:nvSpPr>
-          <p:cNvPr id="7176" name="TextBox 5" hidden="1"/>
-          <p:cNvSpPr txBox="1">
-            <a:spLocks noChangeArrowheads="1"/>
-          </p:cNvSpPr>
-          <p:nvPr/>
-        </p:nvSpPr>
-        <p:spPr bwMode="auto">
-          <a:xfrm>
-            <a:off x="1939925" y="1954213"/>
-            <a:ext cx="1943100" cy="369887"/>
-          </a:xfrm>
-          <a:prstGeom prst="rect">
-            <a:avLst/>
-          </a:prstGeom>
-          <a:noFill/>
-          <a:ln w="9525">
-            <a:noFill/>
-            <a:miter lim="800000"/>
-            <a:headEnd/>
-            <a:tailEnd/>
-          </a:ln>
-        </p:spPr>
-        <p:txBody>
-          <a:bodyPr>
-            <a:spAutoFit/>
-          </a:bodyPr>
-          <a:lstStyle/>
-          <a:p>
-            <a:r>
-              <a:rPr lang="zh-CN" altLang="en-US">
-                <a:latin typeface="微软雅黑" pitchFamily="34" charset="-122"/>
-                <a:ea typeface="微软雅黑" pitchFamily="34" charset="-122"/>
-              </a:rPr>
-              <a:t>点击添加文本</a:t>
-            </a:r>
-          </a:p>
-        </p:txBody>
-      </p:sp>
-      <p:sp>
-        <p:nvSpPr>
-          <p:cNvPr id="7177" name="矩形 6" hidden="1"/>
-          <p:cNvSpPr>
-            <a:spLocks noChangeArrowheads="1"/>
-          </p:cNvSpPr>
-          <p:nvPr/>
-        </p:nvSpPr>
-        <p:spPr bwMode="auto">
-          <a:xfrm>
-            <a:off x="1939925" y="3025775"/>
-            <a:ext cx="1471613" cy="646113"/>
-          </a:xfrm>
-          <a:prstGeom prst="rect">
-            <a:avLst/>
-          </a:prstGeom>
-          <a:noFill/>
-          <a:ln w="9525">
-            <a:noFill/>
-            <a:miter lim="800000"/>
-            <a:headEnd/>
-            <a:tailEnd/>
-          </a:ln>
-        </p:spPr>
-        <p:txBody>
-          <a:bodyPr>
-            <a:spAutoFit/>
-          </a:bodyPr>
-          <a:lstStyle/>
-          <a:p>
-            <a:r>
-              <a:rPr lang="zh-CN" altLang="en-US">
-                <a:latin typeface="微软雅黑" pitchFamily="34" charset="-122"/>
-                <a:ea typeface="微软雅黑" pitchFamily="34" charset="-122"/>
-              </a:rPr>
-              <a:t>点击添加文本</a:t>
-            </a:r>
-          </a:p>
-        </p:txBody>
-      </p:sp>
-      <p:sp>
-        <p:nvSpPr>
-          <p:cNvPr id="7178" name="矩形 7" hidden="1"/>
-          <p:cNvSpPr>
-            <a:spLocks noChangeArrowheads="1"/>
-          </p:cNvSpPr>
-          <p:nvPr/>
-        </p:nvSpPr>
-        <p:spPr bwMode="auto">
-          <a:xfrm>
-            <a:off x="2011363" y="4240213"/>
-            <a:ext cx="1471612" cy="646112"/>
-          </a:xfrm>
-          <a:prstGeom prst="rect">
-            <a:avLst/>
-          </a:prstGeom>
-          <a:noFill/>
-          <a:ln w="9525">
-            <a:noFill/>
-            <a:miter lim="800000"/>
-            <a:headEnd/>
-            <a:tailEnd/>
-          </a:ln>
-        </p:spPr>
-        <p:txBody>
-          <a:bodyPr>
-            <a:spAutoFit/>
-          </a:bodyPr>
-          <a:lstStyle/>
-          <a:p>
-            <a:r>
-              <a:rPr lang="zh-CN" altLang="en-US">
-                <a:latin typeface="微软雅黑" pitchFamily="34" charset="-122"/>
-                <a:ea typeface="微软雅黑" pitchFamily="34" charset="-122"/>
-              </a:rPr>
-              <a:t>点击添加文本</a:t>
-            </a:r>
-          </a:p>
-        </p:txBody>
-      </p:sp>
-      <p:sp>
-        <p:nvSpPr>
-          <p:cNvPr id="7179" name="矩形 8" hidden="1"/>
-          <p:cNvSpPr>
-            <a:spLocks noChangeArrowheads="1"/>
-          </p:cNvSpPr>
-          <p:nvPr/>
-        </p:nvSpPr>
-        <p:spPr bwMode="auto">
-          <a:xfrm>
-            <a:off x="2011363" y="5526088"/>
-            <a:ext cx="1471612" cy="646112"/>
-          </a:xfrm>
-          <a:prstGeom prst="rect">
-            <a:avLst/>
-          </a:prstGeom>
-          <a:noFill/>
-          <a:ln w="9525">
-            <a:noFill/>
-            <a:miter lim="800000"/>
-            <a:headEnd/>
-            <a:tailEnd/>
-          </a:ln>
-        </p:spPr>
-        <p:txBody>
-          <a:bodyPr>
-            <a:spAutoFit/>
-          </a:bodyPr>
-          <a:lstStyle/>
-          <a:p>
-            <a:r>
-              <a:rPr lang="zh-CN" altLang="en-US">
-                <a:latin typeface="微软雅黑" pitchFamily="34" charset="-122"/>
-                <a:ea typeface="微软雅黑" pitchFamily="34" charset="-122"/>
-              </a:rPr>
-              <a:t>点击添加文本</a:t>
-            </a:r>
-          </a:p>
-        </p:txBody>
-      </p:sp>
-      <p:sp>
-        <p:nvSpPr>
-          <p:cNvPr id="7180" name="矩形 6"/>
-          <p:cNvSpPr>
-            <a:spLocks noChangeArrowheads="1"/>
-          </p:cNvSpPr>
-          <p:nvPr/>
-        </p:nvSpPr>
-        <p:spPr bwMode="auto">
-          <a:xfrm>
-            <a:off x="357188" y="285750"/>
-            <a:ext cx="4628190" cy="584775"/>
-          </a:xfrm>
-          <a:prstGeom prst="rect">
-            <a:avLst/>
-          </a:prstGeom>
-          <a:noFill/>
-          <a:ln w="9525">
-            <a:noFill/>
-            <a:miter lim="800000"/>
-            <a:headEnd/>
-            <a:tailEnd/>
-          </a:ln>
-        </p:spPr>
-        <p:txBody>
-          <a:bodyPr wrap="none">
-            <a:spAutoFit/>
-          </a:bodyPr>
-          <a:lstStyle/>
-          <a:p>
-            <a:r>
-              <a:rPr lang="en-US" altLang="zh-CN" sz="3200" dirty="0">
-                <a:latin typeface="Lucida Console" pitchFamily="49" charset="0"/>
-                <a:ea typeface="微软雅黑" pitchFamily="34" charset="-122"/>
-              </a:rPr>
-              <a:t>Using </a:t>
-            </a:r>
-            <a:r>
-              <a:rPr lang="en-US" altLang="zh-CN" sz="3200" dirty="0" err="1">
-                <a:latin typeface="Lucida Console" pitchFamily="49" charset="0"/>
-                <a:ea typeface="微软雅黑" pitchFamily="34" charset="-122"/>
-              </a:rPr>
-              <a:t>Lua</a:t>
-            </a:r>
-            <a:r>
-              <a:rPr lang="en-US" altLang="zh-CN" sz="3200" dirty="0">
-                <a:latin typeface="Lucida Console" pitchFamily="49" charset="0"/>
-                <a:ea typeface="微软雅黑" pitchFamily="34" charset="-122"/>
-              </a:rPr>
-              <a:t> with C++</a:t>
-            </a:r>
-            <a:endParaRPr lang="zh-CN" altLang="en-US" sz="3200" dirty="0">
-              <a:latin typeface="Lucida Console" pitchFamily="49" charset="0"/>
-              <a:ea typeface="微软雅黑" pitchFamily="34" charset="-122"/>
-            </a:endParaRPr>
-          </a:p>
-        </p:txBody>
-      </p:sp>
-      <p:sp>
-        <p:nvSpPr>
-          <p:cNvPr id="2" name="TextBox 1"/>
-          <p:cNvSpPr txBox="1"/>
-          <p:nvPr/>
-        </p:nvSpPr>
-        <p:spPr>
-          <a:xfrm>
-            <a:off x="467544" y="1196752"/>
-            <a:ext cx="8208912" cy="369332"/>
-          </a:xfrm>
-          <a:prstGeom prst="rect">
-            <a:avLst/>
-          </a:prstGeom>
-          <a:noFill/>
-        </p:spPr>
-        <p:txBody>
-          <a:bodyPr wrap="square" rtlCol="0">
-            <a:spAutoFit/>
-          </a:bodyPr>
-          <a:lstStyle/>
-          <a:p>
-            <a:r>
-              <a:rPr lang="en-US" altLang="zh-CN" dirty="0"/>
-              <a:t>2</a:t>
-            </a:r>
-            <a:r>
-              <a:rPr lang="en-US" altLang="zh-CN" dirty="0" smtClean="0"/>
-              <a:t>. </a:t>
-            </a:r>
-            <a:r>
-              <a:rPr lang="en-US" altLang="zh-CN" dirty="0" err="1" smtClean="0"/>
-              <a:t>Luabinding</a:t>
-            </a:r>
-            <a:endParaRPr lang="zh-CN" altLang="en-US" dirty="0"/>
-          </a:p>
-        </p:txBody>
-      </p:sp>
-    </p:spTree>
-    <p:extLst>
-      <p:ext uri="{BB962C8B-B14F-4D97-AF65-F5344CB8AC3E}">
-        <p14:creationId xmlns:p14="http://schemas.microsoft.com/office/powerpoint/2010/main" val="796855673"/>
-      </p:ext>
-    </p:extLst>
-  </p:cSld>
-  <p:clrMapOvr>
-    <a:masterClrMapping/>
-  </p:clrMapOvr>
-  <p:timing>
-    <p:tnLst>
-      <p:par>
-        <p:cTn id="1" dur="indefinite" restart="never" nodeType="tmRoot"/>
-      </p:par>
-    </p:tnLst>
-  </p:timing>
-</p:sld>
-</file>
-
-<file path=ppt/slides/slide23.xml><?xml version="1.0" encoding="utf-8"?>
-<p:sld xmlns:a="http://schemas.openxmlformats.org/drawingml/2006/main" xmlns:r="http://schemas.openxmlformats.org/officeDocument/2006/relationships" xmlns:p="http://schemas.openxmlformats.org/presentationml/2006/main">
-  <p:cSld>
-    <p:spTree>
-      <p:nvGrpSpPr>
-        <p:cNvPr id="1" name=""/>
-        <p:cNvGrpSpPr/>
-        <p:nvPr/>
-      </p:nvGrpSpPr>
-      <p:grpSpPr>
-        <a:xfrm>
-          <a:off x="0" y="0"/>
-          <a:ext cx="0" cy="0"/>
-          <a:chOff x="0" y="0"/>
-          <a:chExt cx="0" cy="0"/>
-        </a:xfrm>
-      </p:grpSpPr>
-      <p:sp>
-        <p:nvSpPr>
-          <p:cNvPr id="7176" name="TextBox 5" hidden="1"/>
-          <p:cNvSpPr txBox="1">
-            <a:spLocks noChangeArrowheads="1"/>
-          </p:cNvSpPr>
-          <p:nvPr/>
-        </p:nvSpPr>
-        <p:spPr bwMode="auto">
-          <a:xfrm>
-            <a:off x="1939925" y="1954213"/>
-            <a:ext cx="1943100" cy="369887"/>
-          </a:xfrm>
-          <a:prstGeom prst="rect">
-            <a:avLst/>
-          </a:prstGeom>
-          <a:noFill/>
-          <a:ln w="9525">
-            <a:noFill/>
-            <a:miter lim="800000"/>
-            <a:headEnd/>
-            <a:tailEnd/>
-          </a:ln>
-        </p:spPr>
-        <p:txBody>
-          <a:bodyPr>
-            <a:spAutoFit/>
-          </a:bodyPr>
-          <a:lstStyle/>
-          <a:p>
-            <a:r>
-              <a:rPr lang="zh-CN" altLang="en-US">
-                <a:latin typeface="微软雅黑" pitchFamily="34" charset="-122"/>
-                <a:ea typeface="微软雅黑" pitchFamily="34" charset="-122"/>
-              </a:rPr>
-              <a:t>点击添加文本</a:t>
-            </a:r>
-          </a:p>
-        </p:txBody>
-      </p:sp>
-      <p:sp>
-        <p:nvSpPr>
-          <p:cNvPr id="7177" name="矩形 6" hidden="1"/>
-          <p:cNvSpPr>
-            <a:spLocks noChangeArrowheads="1"/>
-          </p:cNvSpPr>
-          <p:nvPr/>
-        </p:nvSpPr>
-        <p:spPr bwMode="auto">
-          <a:xfrm>
-            <a:off x="1939925" y="3025775"/>
-            <a:ext cx="1471613" cy="646113"/>
-          </a:xfrm>
-          <a:prstGeom prst="rect">
-            <a:avLst/>
-          </a:prstGeom>
-          <a:noFill/>
-          <a:ln w="9525">
-            <a:noFill/>
-            <a:miter lim="800000"/>
-            <a:headEnd/>
-            <a:tailEnd/>
-          </a:ln>
-        </p:spPr>
-        <p:txBody>
-          <a:bodyPr>
-            <a:spAutoFit/>
-          </a:bodyPr>
-          <a:lstStyle/>
-          <a:p>
-            <a:r>
-              <a:rPr lang="zh-CN" altLang="en-US">
-                <a:latin typeface="微软雅黑" pitchFamily="34" charset="-122"/>
-                <a:ea typeface="微软雅黑" pitchFamily="34" charset="-122"/>
-              </a:rPr>
-              <a:t>点击添加文本</a:t>
-            </a:r>
-          </a:p>
-        </p:txBody>
-      </p:sp>
-      <p:sp>
-        <p:nvSpPr>
-          <p:cNvPr id="7178" name="矩形 7" hidden="1"/>
-          <p:cNvSpPr>
-            <a:spLocks noChangeArrowheads="1"/>
-          </p:cNvSpPr>
-          <p:nvPr/>
-        </p:nvSpPr>
-        <p:spPr bwMode="auto">
-          <a:xfrm>
-            <a:off x="2011363" y="4240213"/>
-            <a:ext cx="1471612" cy="646112"/>
-          </a:xfrm>
-          <a:prstGeom prst="rect">
-            <a:avLst/>
-          </a:prstGeom>
-          <a:noFill/>
-          <a:ln w="9525">
-            <a:noFill/>
-            <a:miter lim="800000"/>
-            <a:headEnd/>
-            <a:tailEnd/>
-          </a:ln>
-        </p:spPr>
-        <p:txBody>
-          <a:bodyPr>
-            <a:spAutoFit/>
-          </a:bodyPr>
-          <a:lstStyle/>
-          <a:p>
-            <a:r>
-              <a:rPr lang="zh-CN" altLang="en-US">
-                <a:latin typeface="微软雅黑" pitchFamily="34" charset="-122"/>
-                <a:ea typeface="微软雅黑" pitchFamily="34" charset="-122"/>
-              </a:rPr>
-              <a:t>点击添加文本</a:t>
-            </a:r>
-          </a:p>
-        </p:txBody>
-      </p:sp>
-      <p:sp>
-        <p:nvSpPr>
-          <p:cNvPr id="7179" name="矩形 8" hidden="1"/>
-          <p:cNvSpPr>
-            <a:spLocks noChangeArrowheads="1"/>
-          </p:cNvSpPr>
-          <p:nvPr/>
-        </p:nvSpPr>
-        <p:spPr bwMode="auto">
-          <a:xfrm>
-            <a:off x="2011363" y="5526088"/>
-            <a:ext cx="1471612" cy="646112"/>
-          </a:xfrm>
-          <a:prstGeom prst="rect">
-            <a:avLst/>
-          </a:prstGeom>
-          <a:noFill/>
-          <a:ln w="9525">
-            <a:noFill/>
-            <a:miter lim="800000"/>
-            <a:headEnd/>
-            <a:tailEnd/>
-          </a:ln>
-        </p:spPr>
-        <p:txBody>
-          <a:bodyPr>
-            <a:spAutoFit/>
-          </a:bodyPr>
-          <a:lstStyle/>
-          <a:p>
-            <a:r>
-              <a:rPr lang="zh-CN" altLang="en-US">
-                <a:latin typeface="微软雅黑" pitchFamily="34" charset="-122"/>
-                <a:ea typeface="微软雅黑" pitchFamily="34" charset="-122"/>
-              </a:rPr>
-              <a:t>点击添加文本</a:t>
-            </a:r>
-          </a:p>
-        </p:txBody>
-      </p:sp>
-      <p:sp>
-        <p:nvSpPr>
-          <p:cNvPr id="7180" name="矩形 6"/>
-          <p:cNvSpPr>
-            <a:spLocks noChangeArrowheads="1"/>
-          </p:cNvSpPr>
-          <p:nvPr/>
-        </p:nvSpPr>
-        <p:spPr bwMode="auto">
-          <a:xfrm>
-            <a:off x="357188" y="285750"/>
-            <a:ext cx="4628190" cy="584775"/>
-          </a:xfrm>
-          <a:prstGeom prst="rect">
-            <a:avLst/>
-          </a:prstGeom>
-          <a:noFill/>
-          <a:ln w="9525">
-            <a:noFill/>
-            <a:miter lim="800000"/>
-            <a:headEnd/>
-            <a:tailEnd/>
-          </a:ln>
-        </p:spPr>
-        <p:txBody>
-          <a:bodyPr wrap="none">
-            <a:spAutoFit/>
-          </a:bodyPr>
-          <a:lstStyle/>
-          <a:p>
-            <a:r>
-              <a:rPr lang="en-US" altLang="zh-CN" sz="3200" dirty="0">
-                <a:latin typeface="Lucida Console" pitchFamily="49" charset="0"/>
-                <a:ea typeface="微软雅黑" pitchFamily="34" charset="-122"/>
-              </a:rPr>
-              <a:t>Using </a:t>
-            </a:r>
-            <a:r>
-              <a:rPr lang="en-US" altLang="zh-CN" sz="3200" dirty="0" err="1">
-                <a:latin typeface="Lucida Console" pitchFamily="49" charset="0"/>
-                <a:ea typeface="微软雅黑" pitchFamily="34" charset="-122"/>
-              </a:rPr>
-              <a:t>Lua</a:t>
-            </a:r>
-            <a:r>
-              <a:rPr lang="en-US" altLang="zh-CN" sz="3200" dirty="0">
-                <a:latin typeface="Lucida Console" pitchFamily="49" charset="0"/>
-                <a:ea typeface="微软雅黑" pitchFamily="34" charset="-122"/>
-              </a:rPr>
-              <a:t> with C++</a:t>
-            </a:r>
-            <a:endParaRPr lang="zh-CN" altLang="en-US" sz="3200" dirty="0">
-              <a:latin typeface="Lucida Console" pitchFamily="49" charset="0"/>
-              <a:ea typeface="微软雅黑" pitchFamily="34" charset="-122"/>
-            </a:endParaRPr>
-          </a:p>
-        </p:txBody>
-      </p:sp>
-      <p:sp>
-        <p:nvSpPr>
-          <p:cNvPr id="2" name="TextBox 1"/>
-          <p:cNvSpPr txBox="1"/>
-          <p:nvPr/>
-        </p:nvSpPr>
-        <p:spPr>
-          <a:xfrm>
-            <a:off x="467544" y="1196752"/>
-            <a:ext cx="8208912" cy="369332"/>
-          </a:xfrm>
-          <a:prstGeom prst="rect">
-            <a:avLst/>
-          </a:prstGeom>
-          <a:noFill/>
-        </p:spPr>
-        <p:txBody>
-          <a:bodyPr wrap="square" rtlCol="0">
-            <a:spAutoFit/>
-          </a:bodyPr>
-          <a:lstStyle/>
-          <a:p>
-            <a:r>
-              <a:rPr lang="en-US" altLang="zh-CN" dirty="0" smtClean="0"/>
-              <a:t>3. Use </a:t>
-            </a:r>
-            <a:r>
-              <a:rPr lang="en-US" altLang="zh-CN" dirty="0" err="1" smtClean="0"/>
-              <a:t>Lua</a:t>
-            </a:r>
-            <a:r>
-              <a:rPr lang="en-US" altLang="zh-CN" dirty="0" smtClean="0"/>
-              <a:t> as option file</a:t>
-            </a:r>
-            <a:endParaRPr lang="zh-CN" altLang="en-US" dirty="0"/>
-          </a:p>
-        </p:txBody>
-      </p:sp>
-    </p:spTree>
-    <p:extLst>
-      <p:ext uri="{BB962C8B-B14F-4D97-AF65-F5344CB8AC3E}">
-        <p14:creationId xmlns:p14="http://schemas.microsoft.com/office/powerpoint/2010/main" val="2693355107"/>
-      </p:ext>
-    </p:extLst>
-  </p:cSld>
-  <p:clrMapOvr>
-    <a:masterClrMapping/>
-  </p:clrMapOvr>
-  <p:timing>
-    <p:tnLst>
-      <p:par>
-        <p:cTn id="1" dur="indefinite" restart="never" nodeType="tmRoot"/>
-      </p:par>
-    </p:tnLst>
-  </p:timing>
-</p:sld>
-</file>
-
-<file path=ppt/slides/slide24.xml><?xml version="1.0" encoding="utf-8"?>
-<p:sld xmlns:a="http://schemas.openxmlformats.org/drawingml/2006/main" xmlns:r="http://schemas.openxmlformats.org/officeDocument/2006/relationships" xmlns:p="http://schemas.openxmlformats.org/presentationml/2006/main">
-  <p:cSld>
-    <p:spTree>
-      <p:nvGrpSpPr>
-        <p:cNvPr id="1" name=""/>
-        <p:cNvGrpSpPr/>
-        <p:nvPr/>
-      </p:nvGrpSpPr>
-      <p:grpSpPr>
-        <a:xfrm>
-          <a:off x="0" y="0"/>
-          <a:ext cx="0" cy="0"/>
-          <a:chOff x="0" y="0"/>
-          <a:chExt cx="0" cy="0"/>
-        </a:xfrm>
-      </p:grpSpPr>
-      <p:sp>
-        <p:nvSpPr>
-          <p:cNvPr id="7176" name="TextBox 5" hidden="1"/>
-          <p:cNvSpPr txBox="1">
-            <a:spLocks noChangeArrowheads="1"/>
-          </p:cNvSpPr>
-          <p:nvPr/>
-        </p:nvSpPr>
-        <p:spPr bwMode="auto">
-          <a:xfrm>
-            <a:off x="1939925" y="1954213"/>
-            <a:ext cx="1943100" cy="369887"/>
-          </a:xfrm>
-          <a:prstGeom prst="rect">
-            <a:avLst/>
-          </a:prstGeom>
-          <a:noFill/>
-          <a:ln w="9525">
-            <a:noFill/>
-            <a:miter lim="800000"/>
-            <a:headEnd/>
-            <a:tailEnd/>
-          </a:ln>
-        </p:spPr>
-        <p:txBody>
-          <a:bodyPr>
-            <a:spAutoFit/>
-          </a:bodyPr>
-          <a:lstStyle/>
-          <a:p>
-            <a:r>
-              <a:rPr lang="zh-CN" altLang="en-US">
-                <a:latin typeface="微软雅黑" pitchFamily="34" charset="-122"/>
-                <a:ea typeface="微软雅黑" pitchFamily="34" charset="-122"/>
-              </a:rPr>
-              <a:t>点击添加文本</a:t>
-            </a:r>
-          </a:p>
-        </p:txBody>
-      </p:sp>
-      <p:sp>
-        <p:nvSpPr>
-          <p:cNvPr id="7177" name="矩形 6" hidden="1"/>
-          <p:cNvSpPr>
-            <a:spLocks noChangeArrowheads="1"/>
-          </p:cNvSpPr>
-          <p:nvPr/>
-        </p:nvSpPr>
-        <p:spPr bwMode="auto">
-          <a:xfrm>
-            <a:off x="1939925" y="3025775"/>
-            <a:ext cx="1471613" cy="646113"/>
-          </a:xfrm>
-          <a:prstGeom prst="rect">
-            <a:avLst/>
-          </a:prstGeom>
-          <a:noFill/>
-          <a:ln w="9525">
-            <a:noFill/>
-            <a:miter lim="800000"/>
-            <a:headEnd/>
-            <a:tailEnd/>
-          </a:ln>
-        </p:spPr>
-        <p:txBody>
-          <a:bodyPr>
-            <a:spAutoFit/>
-          </a:bodyPr>
-          <a:lstStyle/>
-          <a:p>
-            <a:r>
-              <a:rPr lang="zh-CN" altLang="en-US">
-                <a:latin typeface="微软雅黑" pitchFamily="34" charset="-122"/>
-                <a:ea typeface="微软雅黑" pitchFamily="34" charset="-122"/>
-              </a:rPr>
-              <a:t>点击添加文本</a:t>
-            </a:r>
-          </a:p>
-        </p:txBody>
-      </p:sp>
-      <p:sp>
-        <p:nvSpPr>
-          <p:cNvPr id="7178" name="矩形 7" hidden="1"/>
-          <p:cNvSpPr>
-            <a:spLocks noChangeArrowheads="1"/>
-          </p:cNvSpPr>
-          <p:nvPr/>
-        </p:nvSpPr>
-        <p:spPr bwMode="auto">
-          <a:xfrm>
-            <a:off x="2011363" y="4240213"/>
-            <a:ext cx="1471612" cy="646112"/>
-          </a:xfrm>
-          <a:prstGeom prst="rect">
-            <a:avLst/>
-          </a:prstGeom>
-          <a:noFill/>
-          <a:ln w="9525">
-            <a:noFill/>
-            <a:miter lim="800000"/>
-            <a:headEnd/>
-            <a:tailEnd/>
-          </a:ln>
-        </p:spPr>
-        <p:txBody>
-          <a:bodyPr>
-            <a:spAutoFit/>
-          </a:bodyPr>
-          <a:lstStyle/>
-          <a:p>
-            <a:r>
-              <a:rPr lang="zh-CN" altLang="en-US">
-                <a:latin typeface="微软雅黑" pitchFamily="34" charset="-122"/>
-                <a:ea typeface="微软雅黑" pitchFamily="34" charset="-122"/>
-              </a:rPr>
-              <a:t>点击添加文本</a:t>
-            </a:r>
-          </a:p>
-        </p:txBody>
-      </p:sp>
-      <p:sp>
-        <p:nvSpPr>
-          <p:cNvPr id="7179" name="矩形 8" hidden="1"/>
-          <p:cNvSpPr>
-            <a:spLocks noChangeArrowheads="1"/>
-          </p:cNvSpPr>
-          <p:nvPr/>
-        </p:nvSpPr>
-        <p:spPr bwMode="auto">
-          <a:xfrm>
-            <a:off x="2011363" y="5526088"/>
-            <a:ext cx="1471612" cy="646112"/>
-          </a:xfrm>
-          <a:prstGeom prst="rect">
-            <a:avLst/>
-          </a:prstGeom>
-          <a:noFill/>
-          <a:ln w="9525">
-            <a:noFill/>
-            <a:miter lim="800000"/>
-            <a:headEnd/>
-            <a:tailEnd/>
-          </a:ln>
-        </p:spPr>
-        <p:txBody>
-          <a:bodyPr>
-            <a:spAutoFit/>
-          </a:bodyPr>
-          <a:lstStyle/>
-          <a:p>
-            <a:r>
-              <a:rPr lang="zh-CN" altLang="en-US">
-                <a:latin typeface="微软雅黑" pitchFamily="34" charset="-122"/>
-                <a:ea typeface="微软雅黑" pitchFamily="34" charset="-122"/>
-              </a:rPr>
-              <a:t>点击添加文本</a:t>
-            </a:r>
-          </a:p>
-        </p:txBody>
-      </p:sp>
-      <p:sp>
-        <p:nvSpPr>
-          <p:cNvPr id="7180" name="矩形 6"/>
-          <p:cNvSpPr>
-            <a:spLocks noChangeArrowheads="1"/>
-          </p:cNvSpPr>
-          <p:nvPr/>
-        </p:nvSpPr>
-        <p:spPr bwMode="auto">
-          <a:xfrm>
-            <a:off x="357188" y="285750"/>
-            <a:ext cx="4628190" cy="584775"/>
-          </a:xfrm>
-          <a:prstGeom prst="rect">
-            <a:avLst/>
-          </a:prstGeom>
-          <a:noFill/>
-          <a:ln w="9525">
-            <a:noFill/>
-            <a:miter lim="800000"/>
-            <a:headEnd/>
-            <a:tailEnd/>
-          </a:ln>
-        </p:spPr>
-        <p:txBody>
-          <a:bodyPr wrap="none">
-            <a:spAutoFit/>
-          </a:bodyPr>
-          <a:lstStyle/>
-          <a:p>
-            <a:r>
-              <a:rPr lang="en-US" altLang="zh-CN" sz="3200" dirty="0">
-                <a:latin typeface="Lucida Console" pitchFamily="49" charset="0"/>
-                <a:ea typeface="微软雅黑" pitchFamily="34" charset="-122"/>
-              </a:rPr>
-              <a:t>Using </a:t>
-            </a:r>
-            <a:r>
-              <a:rPr lang="en-US" altLang="zh-CN" sz="3200" dirty="0" err="1">
-                <a:latin typeface="Lucida Console" pitchFamily="49" charset="0"/>
-                <a:ea typeface="微软雅黑" pitchFamily="34" charset="-122"/>
-              </a:rPr>
-              <a:t>Lua</a:t>
-            </a:r>
-            <a:r>
-              <a:rPr lang="en-US" altLang="zh-CN" sz="3200" dirty="0">
-                <a:latin typeface="Lucida Console" pitchFamily="49" charset="0"/>
-                <a:ea typeface="微软雅黑" pitchFamily="34" charset="-122"/>
-              </a:rPr>
-              <a:t> with C++</a:t>
-            </a:r>
-            <a:endParaRPr lang="zh-CN" altLang="en-US" sz="3200" dirty="0">
-              <a:latin typeface="Lucida Console" pitchFamily="49" charset="0"/>
-              <a:ea typeface="微软雅黑" pitchFamily="34" charset="-122"/>
-            </a:endParaRPr>
-          </a:p>
-        </p:txBody>
-      </p:sp>
-      <p:sp>
-        <p:nvSpPr>
-          <p:cNvPr id="2" name="TextBox 1"/>
-          <p:cNvSpPr txBox="1"/>
-          <p:nvPr/>
-        </p:nvSpPr>
-        <p:spPr>
-          <a:xfrm>
-            <a:off x="467544" y="1196752"/>
-            <a:ext cx="8208912" cy="369332"/>
-          </a:xfrm>
-          <a:prstGeom prst="rect">
-            <a:avLst/>
-          </a:prstGeom>
-          <a:noFill/>
-        </p:spPr>
-        <p:txBody>
-          <a:bodyPr wrap="square" rtlCol="0">
-            <a:spAutoFit/>
-          </a:bodyPr>
-          <a:lstStyle/>
-          <a:p>
-            <a:r>
-              <a:rPr lang="en-US" altLang="zh-CN" dirty="0" smtClean="0"/>
-              <a:t>4. Use </a:t>
-            </a:r>
-            <a:r>
-              <a:rPr lang="en-US" altLang="zh-CN" dirty="0" err="1" smtClean="0"/>
-              <a:t>Lua</a:t>
-            </a:r>
-            <a:r>
-              <a:rPr lang="en-US" altLang="zh-CN" dirty="0" smtClean="0"/>
-              <a:t> for business logic</a:t>
-            </a:r>
-            <a:endParaRPr lang="zh-CN" altLang="en-US" dirty="0"/>
-          </a:p>
-        </p:txBody>
-      </p:sp>
-    </p:spTree>
-    <p:extLst>
-      <p:ext uri="{BB962C8B-B14F-4D97-AF65-F5344CB8AC3E}">
-        <p14:creationId xmlns:p14="http://schemas.microsoft.com/office/powerpoint/2010/main" val="756358651"/>
-      </p:ext>
-    </p:extLst>
-  </p:cSld>
-  <p:clrMapOvr>
-    <a:masterClrMapping/>
-  </p:clrMapOvr>
-  <p:timing>
-    <p:tnLst>
-      <p:par>
-        <p:cTn id="1" dur="indefinite" restart="never" nodeType="tmRoot"/>
-      </p:par>
-    </p:tnLst>
-  </p:timing>
-</p:sld>
-</file>
-
-<file path=ppt/slides/slide25.xml><?xml version="1.0" encoding="utf-8"?>
-<p:sld xmlns:a="http://schemas.openxmlformats.org/drawingml/2006/main" xmlns:r="http://schemas.openxmlformats.org/officeDocument/2006/relationships" xmlns:p="http://schemas.openxmlformats.org/presentationml/2006/main">
-  <p:cSld>
-    <p:spTree>
-      <p:nvGrpSpPr>
-        <p:cNvPr id="1" name=""/>
-        <p:cNvGrpSpPr/>
-        <p:nvPr/>
-      </p:nvGrpSpPr>
-      <p:grpSpPr>
-        <a:xfrm>
-          <a:off x="0" y="0"/>
-          <a:ext cx="0" cy="0"/>
-          <a:chOff x="0" y="0"/>
-          <a:chExt cx="0" cy="0"/>
-        </a:xfrm>
-      </p:grpSpPr>
-      <p:sp>
-        <p:nvSpPr>
-          <p:cNvPr id="7176" name="TextBox 5" hidden="1"/>
-          <p:cNvSpPr txBox="1">
-            <a:spLocks noChangeArrowheads="1"/>
-          </p:cNvSpPr>
-          <p:nvPr/>
-        </p:nvSpPr>
-        <p:spPr bwMode="auto">
-          <a:xfrm>
-            <a:off x="1939925" y="1954213"/>
-            <a:ext cx="1943100" cy="369887"/>
-          </a:xfrm>
-          <a:prstGeom prst="rect">
-            <a:avLst/>
-          </a:prstGeom>
-          <a:noFill/>
-          <a:ln w="9525">
-            <a:noFill/>
-            <a:miter lim="800000"/>
-            <a:headEnd/>
-            <a:tailEnd/>
-          </a:ln>
-        </p:spPr>
-        <p:txBody>
-          <a:bodyPr>
-            <a:spAutoFit/>
-          </a:bodyPr>
-          <a:lstStyle/>
-          <a:p>
-            <a:r>
-              <a:rPr lang="zh-CN" altLang="en-US">
-                <a:latin typeface="微软雅黑" pitchFamily="34" charset="-122"/>
-                <a:ea typeface="微软雅黑" pitchFamily="34" charset="-122"/>
-              </a:rPr>
-              <a:t>点击添加文本</a:t>
-            </a:r>
-          </a:p>
-        </p:txBody>
-      </p:sp>
-      <p:sp>
-        <p:nvSpPr>
-          <p:cNvPr id="7177" name="矩形 6" hidden="1"/>
-          <p:cNvSpPr>
-            <a:spLocks noChangeArrowheads="1"/>
-          </p:cNvSpPr>
-          <p:nvPr/>
-        </p:nvSpPr>
-        <p:spPr bwMode="auto">
-          <a:xfrm>
-            <a:off x="1939925" y="3025775"/>
-            <a:ext cx="1471613" cy="646113"/>
-          </a:xfrm>
-          <a:prstGeom prst="rect">
-            <a:avLst/>
-          </a:prstGeom>
-          <a:noFill/>
-          <a:ln w="9525">
-            <a:noFill/>
-            <a:miter lim="800000"/>
-            <a:headEnd/>
-            <a:tailEnd/>
-          </a:ln>
-        </p:spPr>
-        <p:txBody>
-          <a:bodyPr>
-            <a:spAutoFit/>
-          </a:bodyPr>
-          <a:lstStyle/>
-          <a:p>
-            <a:r>
-              <a:rPr lang="zh-CN" altLang="en-US">
-                <a:latin typeface="微软雅黑" pitchFamily="34" charset="-122"/>
-                <a:ea typeface="微软雅黑" pitchFamily="34" charset="-122"/>
-              </a:rPr>
-              <a:t>点击添加文本</a:t>
-            </a:r>
-          </a:p>
-        </p:txBody>
-      </p:sp>
-      <p:sp>
-        <p:nvSpPr>
-          <p:cNvPr id="7178" name="矩形 7" hidden="1"/>
-          <p:cNvSpPr>
-            <a:spLocks noChangeArrowheads="1"/>
-          </p:cNvSpPr>
-          <p:nvPr/>
-        </p:nvSpPr>
-        <p:spPr bwMode="auto">
-          <a:xfrm>
-            <a:off x="2011363" y="4240213"/>
-            <a:ext cx="1471612" cy="646112"/>
-          </a:xfrm>
-          <a:prstGeom prst="rect">
-            <a:avLst/>
-          </a:prstGeom>
-          <a:noFill/>
-          <a:ln w="9525">
-            <a:noFill/>
-            <a:miter lim="800000"/>
-            <a:headEnd/>
-            <a:tailEnd/>
-          </a:ln>
-        </p:spPr>
-        <p:txBody>
-          <a:bodyPr>
-            <a:spAutoFit/>
-          </a:bodyPr>
-          <a:lstStyle/>
-          <a:p>
-            <a:r>
-              <a:rPr lang="zh-CN" altLang="en-US">
-                <a:latin typeface="微软雅黑" pitchFamily="34" charset="-122"/>
-                <a:ea typeface="微软雅黑" pitchFamily="34" charset="-122"/>
-              </a:rPr>
-              <a:t>点击添加文本</a:t>
-            </a:r>
-          </a:p>
-        </p:txBody>
-      </p:sp>
-      <p:sp>
-        <p:nvSpPr>
-          <p:cNvPr id="7179" name="矩形 8" hidden="1"/>
-          <p:cNvSpPr>
-            <a:spLocks noChangeArrowheads="1"/>
-          </p:cNvSpPr>
-          <p:nvPr/>
-        </p:nvSpPr>
-        <p:spPr bwMode="auto">
-          <a:xfrm>
-            <a:off x="2011363" y="5526088"/>
-            <a:ext cx="1471612" cy="646112"/>
-          </a:xfrm>
-          <a:prstGeom prst="rect">
-            <a:avLst/>
-          </a:prstGeom>
-          <a:noFill/>
-          <a:ln w="9525">
-            <a:noFill/>
-            <a:miter lim="800000"/>
-            <a:headEnd/>
-            <a:tailEnd/>
-          </a:ln>
-        </p:spPr>
-        <p:txBody>
-          <a:bodyPr>
-            <a:spAutoFit/>
-          </a:bodyPr>
-          <a:lstStyle/>
-          <a:p>
-            <a:r>
-              <a:rPr lang="zh-CN" altLang="en-US">
-                <a:latin typeface="微软雅黑" pitchFamily="34" charset="-122"/>
-                <a:ea typeface="微软雅黑" pitchFamily="34" charset="-122"/>
-              </a:rPr>
-              <a:t>点击添加文本</a:t>
-            </a:r>
-          </a:p>
-        </p:txBody>
-      </p:sp>
-      <p:sp>
-        <p:nvSpPr>
-          <p:cNvPr id="7180" name="矩形 6"/>
-          <p:cNvSpPr>
-            <a:spLocks noChangeArrowheads="1"/>
-          </p:cNvSpPr>
-          <p:nvPr/>
-        </p:nvSpPr>
-        <p:spPr bwMode="auto">
-          <a:xfrm>
-            <a:off x="357188" y="285750"/>
-            <a:ext cx="4628190" cy="584775"/>
-          </a:xfrm>
-          <a:prstGeom prst="rect">
-            <a:avLst/>
-          </a:prstGeom>
-          <a:noFill/>
-          <a:ln w="9525">
-            <a:noFill/>
-            <a:miter lim="800000"/>
-            <a:headEnd/>
-            <a:tailEnd/>
-          </a:ln>
-        </p:spPr>
-        <p:txBody>
-          <a:bodyPr wrap="none">
-            <a:spAutoFit/>
-          </a:bodyPr>
-          <a:lstStyle/>
-          <a:p>
-            <a:r>
-              <a:rPr lang="en-US" altLang="zh-CN" sz="3200" dirty="0">
-                <a:latin typeface="Lucida Console" pitchFamily="49" charset="0"/>
-                <a:ea typeface="微软雅黑" pitchFamily="34" charset="-122"/>
-              </a:rPr>
-              <a:t>Using </a:t>
-            </a:r>
-            <a:r>
-              <a:rPr lang="en-US" altLang="zh-CN" sz="3200" dirty="0" err="1">
-                <a:latin typeface="Lucida Console" pitchFamily="49" charset="0"/>
-                <a:ea typeface="微软雅黑" pitchFamily="34" charset="-122"/>
-              </a:rPr>
-              <a:t>Lua</a:t>
-            </a:r>
-            <a:r>
-              <a:rPr lang="en-US" altLang="zh-CN" sz="3200" dirty="0">
-                <a:latin typeface="Lucida Console" pitchFamily="49" charset="0"/>
-                <a:ea typeface="微软雅黑" pitchFamily="34" charset="-122"/>
-              </a:rPr>
-              <a:t> with C++</a:t>
-            </a:r>
-            <a:endParaRPr lang="zh-CN" altLang="en-US" sz="3200" dirty="0">
-              <a:latin typeface="Lucida Console" pitchFamily="49" charset="0"/>
-              <a:ea typeface="微软雅黑" pitchFamily="34" charset="-122"/>
-            </a:endParaRPr>
-          </a:p>
-        </p:txBody>
-      </p:sp>
-      <p:sp>
-        <p:nvSpPr>
-          <p:cNvPr id="2" name="TextBox 1"/>
-          <p:cNvSpPr txBox="1"/>
-          <p:nvPr/>
-        </p:nvSpPr>
-        <p:spPr>
-          <a:xfrm>
-            <a:off x="467544" y="1196752"/>
-            <a:ext cx="8208912" cy="369332"/>
-          </a:xfrm>
-          <a:prstGeom prst="rect">
-            <a:avLst/>
-          </a:prstGeom>
-          <a:noFill/>
-        </p:spPr>
-        <p:txBody>
-          <a:bodyPr wrap="square" rtlCol="0">
-            <a:spAutoFit/>
-          </a:bodyPr>
-          <a:lstStyle/>
-          <a:p>
-            <a:r>
-              <a:rPr lang="en-US" altLang="zh-CN" dirty="0" smtClean="0"/>
-              <a:t>5. Use </a:t>
-            </a:r>
-            <a:r>
-              <a:rPr lang="en-US" altLang="zh-CN" dirty="0" err="1" smtClean="0"/>
-              <a:t>Lua</a:t>
-            </a:r>
-            <a:r>
-              <a:rPr lang="en-US" altLang="zh-CN" dirty="0" smtClean="0"/>
-              <a:t> for user-modification</a:t>
-            </a:r>
-            <a:endParaRPr lang="zh-CN" altLang="en-US" dirty="0"/>
-          </a:p>
-        </p:txBody>
-      </p:sp>
-    </p:spTree>
-    <p:extLst>
-      <p:ext uri="{BB962C8B-B14F-4D97-AF65-F5344CB8AC3E}">
-        <p14:creationId xmlns:p14="http://schemas.microsoft.com/office/powerpoint/2010/main" val="3505708379"/>
-      </p:ext>
-    </p:extLst>
-  </p:cSld>
-  <p:clrMapOvr>
-    <a:masterClrMapping/>
-  </p:clrMapOvr>
-  <p:timing>
-    <p:tnLst>
-      <p:par>
-        <p:cTn id="1" dur="indefinite" restart="never" nodeType="tmRoot"/>
-      </p:par>
-    </p:tnLst>
-  </p:timing>
-</p:sld>
-</file>
-
-<file path=ppt/slides/slide26.xml><?xml version="1.0" encoding="utf-8"?>
-<p:sld xmlns:a="http://schemas.openxmlformats.org/drawingml/2006/main" xmlns:r="http://schemas.openxmlformats.org/officeDocument/2006/relationships" xmlns:p="http://schemas.openxmlformats.org/presentationml/2006/main">
-  <p:cSld>
-    <p:spTree>
-      <p:nvGrpSpPr>
-        <p:cNvPr id="1" name=""/>
-        <p:cNvGrpSpPr/>
-        <p:nvPr/>
-      </p:nvGrpSpPr>
-      <p:grpSpPr>
-        <a:xfrm>
-          <a:off x="0" y="0"/>
-          <a:ext cx="0" cy="0"/>
-          <a:chOff x="0" y="0"/>
-          <a:chExt cx="0" cy="0"/>
-        </a:xfrm>
-      </p:grpSpPr>
-      <p:sp>
-        <p:nvSpPr>
           <p:cNvPr id="3079" name="TextBox 5" hidden="1"/>
           <p:cNvSpPr txBox="1">
             <a:spLocks noChangeArrowheads="1"/>
@@ -15321,7 +13828,7 @@
 </p:sld>
 </file>
 
-<file path=ppt/slides/slide27.xml><?xml version="1.0" encoding="utf-8"?>
+<file path=ppt/slides/slide22.xml><?xml version="1.0" encoding="utf-8"?>
 <p:sld xmlns:a="http://schemas.openxmlformats.org/drawingml/2006/main" xmlns:r="http://schemas.openxmlformats.org/officeDocument/2006/relationships" xmlns:p="http://schemas.openxmlformats.org/presentationml/2006/main">
   <p:cSld>
     <p:spTree>
@@ -15652,7 +14159,7 @@
 </p:sld>
 </file>
 
-<file path=ppt/slides/slide28.xml><?xml version="1.0" encoding="utf-8"?>
+<file path=ppt/slides/slide23.xml><?xml version="1.0" encoding="utf-8"?>
 <p:sld xmlns:a="http://schemas.openxmlformats.org/drawingml/2006/main" xmlns:r="http://schemas.openxmlformats.org/officeDocument/2006/relationships" xmlns:p="http://schemas.openxmlformats.org/presentationml/2006/main">
   <p:cSld>
     <p:spTree>
@@ -16999,7 +15506,7 @@
 </p:sld>
 </file>
 
-<file path=ppt/slides/slide29.xml><?xml version="1.0" encoding="utf-8"?>
+<file path=ppt/slides/slide24.xml><?xml version="1.0" encoding="utf-8"?>
 <p:sld xmlns:a="http://schemas.openxmlformats.org/drawingml/2006/main" xmlns:r="http://schemas.openxmlformats.org/officeDocument/2006/relationships" xmlns:p="http://schemas.openxmlformats.org/presentationml/2006/main">
   <p:cSld>
     <p:spTree>
@@ -17280,6 +15787,135 @@
     <p:extLst>
       <p:ext uri="{BB962C8B-B14F-4D97-AF65-F5344CB8AC3E}">
         <p14:creationId xmlns:p14="http://schemas.microsoft.com/office/powerpoint/2010/main" val="1682354615"/>
+      </p:ext>
+    </p:extLst>
+  </p:cSld>
+  <p:clrMapOvr>
+    <a:masterClrMapping/>
+  </p:clrMapOvr>
+  <p:timing>
+    <p:tnLst>
+      <p:par>
+        <p:cTn id="1" dur="indefinite" restart="never" nodeType="tmRoot"/>
+      </p:par>
+    </p:tnLst>
+  </p:timing>
+</p:sld>
+</file>
+
+<file path=ppt/slides/slide25.xml><?xml version="1.0" encoding="utf-8"?>
+<p:sld xmlns:a="http://schemas.openxmlformats.org/drawingml/2006/main" xmlns:r="http://schemas.openxmlformats.org/officeDocument/2006/relationships" xmlns:p="http://schemas.openxmlformats.org/presentationml/2006/main">
+  <p:cSld>
+    <p:bg>
+      <p:bgPr>
+        <a:blipFill>
+          <a:blip r:embed="rId2"/>
+          <a:tile tx="0" ty="0" sx="100000" sy="100000" flip="none" algn="tl"/>
+        </a:blipFill>
+        <a:effectLst/>
+      </p:bgPr>
+    </p:bg>
+    <p:spTree>
+      <p:nvGrpSpPr>
+        <p:cNvPr id="1" name=""/>
+        <p:cNvGrpSpPr/>
+        <p:nvPr/>
+      </p:nvGrpSpPr>
+      <p:grpSpPr>
+        <a:xfrm>
+          <a:off x="0" y="0"/>
+          <a:ext cx="0" cy="0"/>
+          <a:chOff x="0" y="0"/>
+          <a:chExt cx="0" cy="0"/>
+        </a:xfrm>
+      </p:grpSpPr>
+      <p:sp>
+        <p:nvSpPr>
+          <p:cNvPr id="2" name="TextBox 6"/>
+          <p:cNvSpPr txBox="1">
+            <a:spLocks noChangeArrowheads="1"/>
+          </p:cNvSpPr>
+          <p:nvPr/>
+        </p:nvSpPr>
+        <p:spPr bwMode="auto">
+          <a:xfrm>
+            <a:off x="683568" y="2204864"/>
+            <a:ext cx="7920880" cy="1938992"/>
+          </a:xfrm>
+          <a:prstGeom prst="rect">
+            <a:avLst/>
+          </a:prstGeom>
+          <a:noFill/>
+          <a:ln w="9525">
+            <a:noFill/>
+            <a:miter lim="800000"/>
+            <a:headEnd/>
+            <a:tailEnd/>
+          </a:ln>
+        </p:spPr>
+        <p:txBody>
+          <a:bodyPr wrap="square">
+            <a:spAutoFit/>
+          </a:bodyPr>
+          <a:lstStyle/>
+          <a:p>
+            <a:r>
+              <a:rPr lang="en-US" altLang="zh-CN" sz="5400" dirty="0" smtClean="0">
+                <a:latin typeface="微软雅黑" pitchFamily="34" charset="-122"/>
+                <a:ea typeface="微软雅黑" pitchFamily="34" charset="-122"/>
+              </a:rPr>
+              <a:t>Thanks</a:t>
+            </a:r>
+            <a:endParaRPr lang="zh-CN" altLang="en-US" sz="5400" dirty="0">
+              <a:latin typeface="微软雅黑" pitchFamily="34" charset="-122"/>
+              <a:ea typeface="微软雅黑" pitchFamily="34" charset="-122"/>
+            </a:endParaRPr>
+          </a:p>
+          <a:p>
+            <a:endParaRPr lang="en-US" altLang="zh-CN" sz="1200" dirty="0" smtClean="0">
+              <a:latin typeface="微软雅黑" pitchFamily="34" charset="-122"/>
+              <a:ea typeface="微软雅黑" pitchFamily="34" charset="-122"/>
+            </a:endParaRPr>
+          </a:p>
+          <a:p>
+            <a:endParaRPr lang="en-US" altLang="zh-CN" sz="1200" dirty="0">
+              <a:latin typeface="微软雅黑" pitchFamily="34" charset="-122"/>
+              <a:ea typeface="微软雅黑" pitchFamily="34" charset="-122"/>
+            </a:endParaRPr>
+          </a:p>
+          <a:p>
+            <a:endParaRPr lang="en-US" altLang="zh-CN" sz="1200" dirty="0" smtClean="0">
+              <a:latin typeface="微软雅黑" pitchFamily="34" charset="-122"/>
+              <a:ea typeface="微软雅黑" pitchFamily="34" charset="-122"/>
+            </a:endParaRPr>
+          </a:p>
+          <a:p>
+            <a:pPr algn="r"/>
+            <a:r>
+              <a:rPr lang="en-US" altLang="zh-CN" sz="1200" dirty="0" smtClean="0">
+                <a:latin typeface="微软雅黑" pitchFamily="34" charset="-122"/>
+                <a:ea typeface="微软雅黑" pitchFamily="34" charset="-122"/>
+              </a:rPr>
+              <a:t>by zj_aznable@aliyun.com</a:t>
+            </a:r>
+            <a:endParaRPr lang="zh-CN" altLang="en-US" sz="1200" dirty="0">
+              <a:latin typeface="微软雅黑" pitchFamily="34" charset="-122"/>
+              <a:ea typeface="微软雅黑" pitchFamily="34" charset="-122"/>
+            </a:endParaRPr>
+          </a:p>
+          <a:p>
+            <a:endParaRPr lang="zh-CN" altLang="en-US" dirty="0">
+              <a:solidFill>
+                <a:srgbClr val="FF0000"/>
+              </a:solidFill>
+            </a:endParaRPr>
+          </a:p>
+        </p:txBody>
+      </p:sp>
+    </p:spTree>
+    <p:extLst>
+      <p:ext uri="{BB962C8B-B14F-4D97-AF65-F5344CB8AC3E}">
+        <p14:creationId xmlns:p14="http://schemas.microsoft.com/office/powerpoint/2010/main" val="4238600724"/>
       </p:ext>
     </p:extLst>
   </p:cSld>
@@ -18041,135 +16677,6 @@
     <p:extLst>
       <p:ext uri="{BB962C8B-B14F-4D97-AF65-F5344CB8AC3E}">
         <p14:creationId xmlns:p14="http://schemas.microsoft.com/office/powerpoint/2010/main" val="3120835579"/>
-      </p:ext>
-    </p:extLst>
-  </p:cSld>
-  <p:clrMapOvr>
-    <a:masterClrMapping/>
-  </p:clrMapOvr>
-  <p:timing>
-    <p:tnLst>
-      <p:par>
-        <p:cTn id="1" dur="indefinite" restart="never" nodeType="tmRoot"/>
-      </p:par>
-    </p:tnLst>
-  </p:timing>
-</p:sld>
-</file>
-
-<file path=ppt/slides/slide30.xml><?xml version="1.0" encoding="utf-8"?>
-<p:sld xmlns:a="http://schemas.openxmlformats.org/drawingml/2006/main" xmlns:r="http://schemas.openxmlformats.org/officeDocument/2006/relationships" xmlns:p="http://schemas.openxmlformats.org/presentationml/2006/main">
-  <p:cSld>
-    <p:bg>
-      <p:bgPr>
-        <a:blipFill>
-          <a:blip r:embed="rId2"/>
-          <a:tile tx="0" ty="0" sx="100000" sy="100000" flip="none" algn="tl"/>
-        </a:blipFill>
-        <a:effectLst/>
-      </p:bgPr>
-    </p:bg>
-    <p:spTree>
-      <p:nvGrpSpPr>
-        <p:cNvPr id="1" name=""/>
-        <p:cNvGrpSpPr/>
-        <p:nvPr/>
-      </p:nvGrpSpPr>
-      <p:grpSpPr>
-        <a:xfrm>
-          <a:off x="0" y="0"/>
-          <a:ext cx="0" cy="0"/>
-          <a:chOff x="0" y="0"/>
-          <a:chExt cx="0" cy="0"/>
-        </a:xfrm>
-      </p:grpSpPr>
-      <p:sp>
-        <p:nvSpPr>
-          <p:cNvPr id="2" name="TextBox 6"/>
-          <p:cNvSpPr txBox="1">
-            <a:spLocks noChangeArrowheads="1"/>
-          </p:cNvSpPr>
-          <p:nvPr/>
-        </p:nvSpPr>
-        <p:spPr bwMode="auto">
-          <a:xfrm>
-            <a:off x="683568" y="2204864"/>
-            <a:ext cx="7920880" cy="1938992"/>
-          </a:xfrm>
-          <a:prstGeom prst="rect">
-            <a:avLst/>
-          </a:prstGeom>
-          <a:noFill/>
-          <a:ln w="9525">
-            <a:noFill/>
-            <a:miter lim="800000"/>
-            <a:headEnd/>
-            <a:tailEnd/>
-          </a:ln>
-        </p:spPr>
-        <p:txBody>
-          <a:bodyPr wrap="square">
-            <a:spAutoFit/>
-          </a:bodyPr>
-          <a:lstStyle/>
-          <a:p>
-            <a:r>
-              <a:rPr lang="en-US" altLang="zh-CN" sz="5400" dirty="0" smtClean="0">
-                <a:latin typeface="微软雅黑" pitchFamily="34" charset="-122"/>
-                <a:ea typeface="微软雅黑" pitchFamily="34" charset="-122"/>
-              </a:rPr>
-              <a:t>Thanks</a:t>
-            </a:r>
-            <a:endParaRPr lang="zh-CN" altLang="en-US" sz="5400" dirty="0">
-              <a:latin typeface="微软雅黑" pitchFamily="34" charset="-122"/>
-              <a:ea typeface="微软雅黑" pitchFamily="34" charset="-122"/>
-            </a:endParaRPr>
-          </a:p>
-          <a:p>
-            <a:endParaRPr lang="en-US" altLang="zh-CN" sz="1200" dirty="0" smtClean="0">
-              <a:latin typeface="微软雅黑" pitchFamily="34" charset="-122"/>
-              <a:ea typeface="微软雅黑" pitchFamily="34" charset="-122"/>
-            </a:endParaRPr>
-          </a:p>
-          <a:p>
-            <a:endParaRPr lang="en-US" altLang="zh-CN" sz="1200" dirty="0">
-              <a:latin typeface="微软雅黑" pitchFamily="34" charset="-122"/>
-              <a:ea typeface="微软雅黑" pitchFamily="34" charset="-122"/>
-            </a:endParaRPr>
-          </a:p>
-          <a:p>
-            <a:endParaRPr lang="en-US" altLang="zh-CN" sz="1200" dirty="0" smtClean="0">
-              <a:latin typeface="微软雅黑" pitchFamily="34" charset="-122"/>
-              <a:ea typeface="微软雅黑" pitchFamily="34" charset="-122"/>
-            </a:endParaRPr>
-          </a:p>
-          <a:p>
-            <a:pPr algn="r"/>
-            <a:r>
-              <a:rPr lang="en-US" altLang="zh-CN" sz="1200" dirty="0" smtClean="0">
-                <a:latin typeface="微软雅黑" pitchFamily="34" charset="-122"/>
-                <a:ea typeface="微软雅黑" pitchFamily="34" charset="-122"/>
-              </a:rPr>
-              <a:t>by zj_aznable@aliyun.com</a:t>
-            </a:r>
-            <a:endParaRPr lang="zh-CN" altLang="en-US" sz="1200" dirty="0">
-              <a:latin typeface="微软雅黑" pitchFamily="34" charset="-122"/>
-              <a:ea typeface="微软雅黑" pitchFamily="34" charset="-122"/>
-            </a:endParaRPr>
-          </a:p>
-          <a:p>
-            <a:endParaRPr lang="zh-CN" altLang="en-US" dirty="0">
-              <a:solidFill>
-                <a:srgbClr val="FF0000"/>
-              </a:solidFill>
-            </a:endParaRPr>
-          </a:p>
-        </p:txBody>
-      </p:sp>
-    </p:spTree>
-    <p:extLst>
-      <p:ext uri="{BB962C8B-B14F-4D97-AF65-F5344CB8AC3E}">
-        <p14:creationId xmlns:p14="http://schemas.microsoft.com/office/powerpoint/2010/main" val="4238600724"/>
       </p:ext>
     </p:extLst>
   </p:cSld>
